--- a/thesis/presentations/2 second/secondv2.pptx
+++ b/thesis/presentations/2 second/secondv2.pptx
@@ -6,10 +6,10 @@
     <p:sldMasterId id="2147483677" r:id="rId2"/>
   </p:sldMasterIdLst>
   <p:notesMasterIdLst>
-    <p:notesMasterId r:id="rId32"/>
+    <p:notesMasterId r:id="rId34"/>
   </p:notesMasterIdLst>
   <p:handoutMasterIdLst>
-    <p:handoutMasterId r:id="rId33"/>
+    <p:handoutMasterId r:id="rId35"/>
   </p:handoutMasterIdLst>
   <p:sldIdLst>
     <p:sldId id="259" r:id="rId3"/>
@@ -22,25 +22,27 @@
     <p:sldId id="304" r:id="rId10"/>
     <p:sldId id="275" r:id="rId11"/>
     <p:sldId id="276" r:id="rId12"/>
-    <p:sldId id="294" r:id="rId13"/>
-    <p:sldId id="278" r:id="rId14"/>
-    <p:sldId id="285" r:id="rId15"/>
-    <p:sldId id="284" r:id="rId16"/>
-    <p:sldId id="283" r:id="rId17"/>
-    <p:sldId id="286" r:id="rId18"/>
-    <p:sldId id="287" r:id="rId19"/>
-    <p:sldId id="288" r:id="rId20"/>
-    <p:sldId id="289" r:id="rId21"/>
-    <p:sldId id="306" r:id="rId22"/>
-    <p:sldId id="291" r:id="rId23"/>
-    <p:sldId id="305" r:id="rId24"/>
-    <p:sldId id="295" r:id="rId25"/>
-    <p:sldId id="299" r:id="rId26"/>
-    <p:sldId id="297" r:id="rId27"/>
+    <p:sldId id="307" r:id="rId13"/>
+    <p:sldId id="308" r:id="rId14"/>
+    <p:sldId id="309" r:id="rId15"/>
+    <p:sldId id="310" r:id="rId16"/>
+    <p:sldId id="278" r:id="rId17"/>
+    <p:sldId id="285" r:id="rId18"/>
+    <p:sldId id="284" r:id="rId19"/>
+    <p:sldId id="283" r:id="rId20"/>
+    <p:sldId id="286" r:id="rId21"/>
+    <p:sldId id="287" r:id="rId22"/>
+    <p:sldId id="288" r:id="rId23"/>
+    <p:sldId id="289" r:id="rId24"/>
+    <p:sldId id="306" r:id="rId25"/>
+    <p:sldId id="291" r:id="rId26"/>
+    <p:sldId id="305" r:id="rId27"/>
     <p:sldId id="298" r:id="rId28"/>
     <p:sldId id="273" r:id="rId29"/>
-    <p:sldId id="300" r:id="rId30"/>
-    <p:sldId id="282" r:id="rId31"/>
+    <p:sldId id="311" r:id="rId30"/>
+    <p:sldId id="295" r:id="rId31"/>
+    <p:sldId id="300" r:id="rId32"/>
+    <p:sldId id="282" r:id="rId33"/>
   </p:sldIdLst>
   <p:sldSz cx="9144000" cy="6858000" type="screen4x3"/>
   <p:notesSz cx="6858000" cy="9144000"/>
@@ -141,7 +143,7 @@
   </p:defaultTextStyle>
   <p:extLst>
     <p:ext uri="{EFAFB233-063F-42B5-8137-9DF3F51BA10A}">
-      <p15:sldGuideLst xmlns:p15="http://schemas.microsoft.com/office/powerpoint/2012/main" xmlns="">
+      <p15:sldGuideLst xmlns="" xmlns:p15="http://schemas.microsoft.com/office/powerpoint/2012/main">
         <p15:guide id="1" orient="horz" pos="2160" userDrawn="1">
           <p15:clr>
             <a:srgbClr val="A4A3A4"/>
@@ -266,6 +268,11 @@
               </c:strCache>
             </c:strRef>
           </c:tx>
+          <c:spPr>
+            <a:solidFill>
+              <a:srgbClr val="FF0000"/>
+            </a:solidFill>
+          </c:spPr>
           <c:invertIfNegative val="0"/>
           <c:cat>
             <c:numRef>
@@ -324,6 +331,11 @@
               </c:strCache>
             </c:strRef>
           </c:tx>
+          <c:spPr>
+            <a:solidFill>
+              <a:srgbClr val="00B0F0"/>
+            </a:solidFill>
+          </c:spPr>
           <c:invertIfNegative val="0"/>
           <c:cat>
             <c:numRef>
@@ -382,6 +394,11 @@
               </c:strCache>
             </c:strRef>
           </c:tx>
+          <c:spPr>
+            <a:solidFill>
+              <a:srgbClr val="92D050"/>
+            </a:solidFill>
+          </c:spPr>
           <c:invertIfNegative val="0"/>
           <c:cat>
             <c:numRef>
@@ -435,11 +452,11 @@
           <c:showBubbleSize val="0"/>
         </c:dLbls>
         <c:gapWidth val="150"/>
-        <c:axId val="122215808"/>
-        <c:axId val="122217984"/>
+        <c:axId val="128042496"/>
+        <c:axId val="128044416"/>
       </c:barChart>
       <c:catAx>
-        <c:axId val="122215808"/>
+        <c:axId val="128042496"/>
         <c:scaling>
           <c:orientation val="minMax"/>
         </c:scaling>
@@ -469,7 +486,7 @@
         <c:majorTickMark val="out"/>
         <c:minorTickMark val="none"/>
         <c:tickLblPos val="nextTo"/>
-        <c:crossAx val="122217984"/>
+        <c:crossAx val="128044416"/>
         <c:crosses val="autoZero"/>
         <c:auto val="1"/>
         <c:lblAlgn val="ctr"/>
@@ -477,7 +494,7 @@
         <c:noMultiLvlLbl val="0"/>
       </c:catAx>
       <c:valAx>
-        <c:axId val="122217984"/>
+        <c:axId val="128044416"/>
         <c:scaling>
           <c:orientation val="minMax"/>
         </c:scaling>
@@ -508,7 +525,7 @@
         <c:majorTickMark val="out"/>
         <c:minorTickMark val="none"/>
         <c:tickLblPos val="nextTo"/>
-        <c:crossAx val="122215808"/>
+        <c:crossAx val="128042496"/>
         <c:crosses val="autoZero"/>
         <c:crossBetween val="between"/>
       </c:valAx>
@@ -1210,334 +1227,6 @@
           <a:bodyPr/>
           <a:lstStyle/>
           <a:p>
-            <a:pPr marL="0" marR="0" indent="0" algn="l" defTabSz="914400" rtl="0" eaLnBrk="1" fontAlgn="auto" latinLnBrk="0" hangingPunct="1">
-              <a:lnSpc>
-                <a:spcPct val="100000"/>
-              </a:lnSpc>
-              <a:spcBef>
-                <a:spcPts val="0"/>
-              </a:spcBef>
-              <a:spcAft>
-                <a:spcPts val="0"/>
-              </a:spcAft>
-              <a:buClrTx/>
-              <a:buSzTx/>
-              <a:buFontTx/>
-              <a:buNone/>
-              <a:tabLst/>
-              <a:defRPr/>
-            </a:pPr>
-            <a:r>
-              <a:rPr lang="en-US" baseline="0" dirty="0" smtClean="0"/>
-              <a:t>De </a:t>
-            </a:r>
-            <a:r>
-              <a:rPr lang="en-US" baseline="0" dirty="0" err="1" smtClean="0"/>
-              <a:t>bedoeling</a:t>
-            </a:r>
-            <a:r>
-              <a:rPr lang="en-US" baseline="0" dirty="0" smtClean="0"/>
-              <a:t> is </a:t>
-            </a:r>
-            <a:r>
-              <a:rPr lang="en-US" baseline="0" dirty="0" err="1" smtClean="0"/>
-              <a:t>dat</a:t>
-            </a:r>
-            <a:r>
-              <a:rPr lang="en-US" baseline="0" dirty="0" smtClean="0"/>
-              <a:t> </a:t>
-            </a:r>
-            <a:r>
-              <a:rPr lang="en-US" baseline="0" dirty="0" err="1" smtClean="0"/>
-              <a:t>ik</a:t>
-            </a:r>
-            <a:r>
-              <a:rPr lang="en-US" baseline="0" dirty="0" smtClean="0"/>
-              <a:t> </a:t>
-            </a:r>
-            <a:r>
-              <a:rPr lang="en-US" baseline="0" dirty="0" err="1" smtClean="0"/>
-              <a:t>een</a:t>
-            </a:r>
-            <a:r>
-              <a:rPr lang="en-US" baseline="0" dirty="0" smtClean="0"/>
-              <a:t> case-study </a:t>
-            </a:r>
-            <a:r>
-              <a:rPr lang="en-US" baseline="0" dirty="0" err="1" smtClean="0"/>
-              <a:t>maak</a:t>
-            </a:r>
-            <a:r>
-              <a:rPr lang="en-US" baseline="0" dirty="0" smtClean="0"/>
-              <a:t> over </a:t>
-            </a:r>
-            <a:r>
-              <a:rPr lang="en-US" baseline="0" dirty="0" err="1" smtClean="0"/>
-              <a:t>een</a:t>
-            </a:r>
-            <a:r>
-              <a:rPr lang="en-US" baseline="0" dirty="0" smtClean="0"/>
-              <a:t> </a:t>
-            </a:r>
-            <a:r>
-              <a:rPr lang="en-US" baseline="0" dirty="0" err="1" smtClean="0"/>
-              <a:t>specifiek</a:t>
-            </a:r>
-            <a:r>
-              <a:rPr lang="en-US" baseline="0" dirty="0" smtClean="0"/>
-              <a:t> </a:t>
-            </a:r>
-            <a:r>
-              <a:rPr lang="en-US" baseline="0" dirty="0" err="1" smtClean="0"/>
-              <a:t>probleem</a:t>
-            </a:r>
-            <a:r>
-              <a:rPr lang="en-US" baseline="0" dirty="0" smtClean="0"/>
-              <a:t>. </a:t>
-            </a:r>
-            <a:r>
-              <a:rPr lang="en-US" dirty="0" err="1" smtClean="0"/>
-              <a:t>Ik</a:t>
-            </a:r>
-            <a:r>
-              <a:rPr lang="en-US" baseline="0" dirty="0" smtClean="0"/>
-              <a:t> ben van plan </a:t>
-            </a:r>
-            <a:r>
-              <a:rPr lang="en-US" baseline="0" dirty="0" err="1" smtClean="0"/>
-              <a:t>dit</a:t>
-            </a:r>
-            <a:r>
-              <a:rPr lang="en-US" baseline="0" dirty="0" smtClean="0"/>
-              <a:t> </a:t>
-            </a:r>
-            <a:r>
-              <a:rPr lang="en-US" baseline="0" dirty="0" err="1" smtClean="0"/>
-              <a:t>probleem</a:t>
-            </a:r>
-            <a:r>
-              <a:rPr lang="en-US" baseline="0" dirty="0" smtClean="0"/>
-              <a:t> </a:t>
-            </a:r>
-            <a:r>
-              <a:rPr lang="en-US" baseline="0" dirty="0" err="1" smtClean="0"/>
-              <a:t>te</a:t>
-            </a:r>
-            <a:r>
-              <a:rPr lang="en-US" baseline="0" dirty="0" smtClean="0"/>
-              <a:t> </a:t>
-            </a:r>
-            <a:r>
-              <a:rPr lang="en-US" baseline="0" dirty="0" err="1" smtClean="0"/>
-              <a:t>tackelen</a:t>
-            </a:r>
-            <a:r>
-              <a:rPr lang="en-US" baseline="0" dirty="0" smtClean="0"/>
-              <a:t> door </a:t>
-            </a:r>
-            <a:r>
-              <a:rPr lang="en-US" baseline="0" dirty="0" err="1" smtClean="0"/>
-              <a:t>een</a:t>
-            </a:r>
-            <a:r>
-              <a:rPr lang="en-US" baseline="0" dirty="0" smtClean="0"/>
-              <a:t> </a:t>
-            </a:r>
-            <a:r>
-              <a:rPr lang="en-US" baseline="0" dirty="0" err="1" smtClean="0"/>
-              <a:t>simpel</a:t>
-            </a:r>
-            <a:r>
-              <a:rPr lang="en-US" baseline="0" dirty="0" smtClean="0"/>
-              <a:t> model van </a:t>
-            </a:r>
-            <a:r>
-              <a:rPr lang="en-US" baseline="0" dirty="0" err="1" smtClean="0"/>
-              <a:t>een</a:t>
-            </a:r>
-            <a:r>
-              <a:rPr lang="en-US" baseline="0" dirty="0" smtClean="0"/>
-              <a:t> </a:t>
-            </a:r>
-            <a:r>
-              <a:rPr lang="en-US" baseline="0" dirty="0" err="1" smtClean="0"/>
-              <a:t>spel</a:t>
-            </a:r>
-            <a:r>
-              <a:rPr lang="en-US" baseline="0" dirty="0" smtClean="0"/>
-              <a:t> met </a:t>
-            </a:r>
-            <a:r>
-              <a:rPr lang="en-US" baseline="0" dirty="0" err="1" smtClean="0"/>
-              <a:t>probabilistische</a:t>
-            </a:r>
-            <a:r>
-              <a:rPr lang="en-US" baseline="0" dirty="0" smtClean="0"/>
-              <a:t> </a:t>
-            </a:r>
-            <a:r>
-              <a:rPr lang="en-US" baseline="0" dirty="0" err="1" smtClean="0"/>
-              <a:t>aspecten</a:t>
-            </a:r>
-            <a:r>
-              <a:rPr lang="en-US" baseline="0" dirty="0" smtClean="0"/>
-              <a:t> </a:t>
-            </a:r>
-            <a:r>
-              <a:rPr lang="en-US" baseline="0" dirty="0" err="1" smtClean="0"/>
-              <a:t>te</a:t>
-            </a:r>
-            <a:r>
-              <a:rPr lang="en-US" baseline="0" dirty="0" smtClean="0"/>
-              <a:t> </a:t>
-            </a:r>
-            <a:r>
-              <a:rPr lang="en-US" baseline="0" dirty="0" err="1" smtClean="0"/>
-              <a:t>programmeren</a:t>
-            </a:r>
-            <a:r>
-              <a:rPr lang="en-US" baseline="0" dirty="0" smtClean="0"/>
-              <a:t> in </a:t>
-            </a:r>
-            <a:r>
-              <a:rPr lang="en-US" baseline="0" dirty="0" err="1" smtClean="0"/>
-              <a:t>verschillende</a:t>
-            </a:r>
-            <a:r>
-              <a:rPr lang="en-US" baseline="0" dirty="0" smtClean="0"/>
-              <a:t> PPL’s. </a:t>
-            </a:r>
-            <a:r>
-              <a:rPr lang="en-US" baseline="0" dirty="0" err="1" smtClean="0"/>
-              <a:t>Hier</a:t>
-            </a:r>
-            <a:r>
-              <a:rPr lang="en-US" baseline="0" dirty="0" smtClean="0"/>
-              <a:t> </a:t>
-            </a:r>
-            <a:r>
-              <a:rPr lang="en-US" baseline="0" dirty="0" err="1" smtClean="0"/>
-              <a:t>probeer</a:t>
-            </a:r>
-            <a:r>
-              <a:rPr lang="en-US" baseline="0" dirty="0" smtClean="0"/>
-              <a:t> </a:t>
-            </a:r>
-            <a:r>
-              <a:rPr lang="en-US" baseline="0" dirty="0" err="1" smtClean="0"/>
-              <a:t>ik</a:t>
-            </a:r>
-            <a:r>
-              <a:rPr lang="en-US" baseline="0" dirty="0" smtClean="0"/>
-              <a:t> het model </a:t>
-            </a:r>
-            <a:r>
-              <a:rPr lang="en-US" baseline="0" dirty="0" err="1" smtClean="0"/>
-              <a:t>zo</a:t>
-            </a:r>
-            <a:r>
-              <a:rPr lang="en-US" baseline="0" dirty="0" smtClean="0"/>
-              <a:t> </a:t>
-            </a:r>
-            <a:r>
-              <a:rPr lang="en-US" baseline="0" dirty="0" err="1" smtClean="0"/>
-              <a:t>te</a:t>
-            </a:r>
-            <a:r>
-              <a:rPr lang="en-US" baseline="0" dirty="0" smtClean="0"/>
-              <a:t> </a:t>
-            </a:r>
-            <a:r>
-              <a:rPr lang="en-US" baseline="0" dirty="0" err="1" smtClean="0"/>
-              <a:t>implementeren</a:t>
-            </a:r>
-            <a:r>
-              <a:rPr lang="en-US" baseline="0" dirty="0" smtClean="0"/>
-              <a:t> </a:t>
-            </a:r>
-            <a:r>
-              <a:rPr lang="en-US" baseline="0" dirty="0" err="1" smtClean="0"/>
-              <a:t>dat</a:t>
-            </a:r>
-            <a:r>
-              <a:rPr lang="en-US" baseline="0" dirty="0" smtClean="0"/>
-              <a:t> het de </a:t>
-            </a:r>
-            <a:r>
-              <a:rPr lang="en-US" baseline="0" dirty="0" err="1" smtClean="0"/>
-              <a:t>k</a:t>
-            </a:r>
-            <a:r>
-              <a:rPr lang="en-US" dirty="0" err="1" smtClean="0"/>
-              <a:t>arakteristieken</a:t>
-            </a:r>
-            <a:r>
-              <a:rPr lang="en-US" dirty="0" smtClean="0"/>
-              <a:t> </a:t>
-            </a:r>
-            <a:r>
-              <a:rPr lang="en-US" baseline="0" dirty="0" smtClean="0"/>
-              <a:t>van de </a:t>
-            </a:r>
-            <a:r>
-              <a:rPr lang="en-US" baseline="0" dirty="0" err="1" smtClean="0"/>
-              <a:t>programmeertaal</a:t>
-            </a:r>
-            <a:r>
-              <a:rPr lang="en-US" baseline="0" dirty="0" smtClean="0"/>
-              <a:t> ten </a:t>
-            </a:r>
-            <a:r>
-              <a:rPr lang="en-US" baseline="0" dirty="0" err="1" smtClean="0"/>
-              <a:t>volle</a:t>
-            </a:r>
-            <a:r>
-              <a:rPr lang="en-US" baseline="0" dirty="0" smtClean="0"/>
-              <a:t> </a:t>
-            </a:r>
-            <a:r>
-              <a:rPr lang="en-US" baseline="0" dirty="0" err="1" smtClean="0"/>
-              <a:t>gebruikt</a:t>
-            </a:r>
-            <a:r>
-              <a:rPr lang="en-US" baseline="0" dirty="0" smtClean="0"/>
-              <a:t> (ProbLog2 </a:t>
-            </a:r>
-            <a:r>
-              <a:rPr lang="en-US" baseline="0" dirty="0" err="1" smtClean="0"/>
-              <a:t>logisch</a:t>
-            </a:r>
-            <a:r>
-              <a:rPr lang="en-US" baseline="0" dirty="0" smtClean="0"/>
-              <a:t> </a:t>
-            </a:r>
-            <a:r>
-              <a:rPr lang="en-US" baseline="0" dirty="0" err="1" smtClean="0"/>
-              <a:t>programmeren</a:t>
-            </a:r>
-            <a:r>
-              <a:rPr lang="en-US" baseline="0" dirty="0" smtClean="0"/>
-              <a:t>, Anglican </a:t>
-            </a:r>
-            <a:r>
-              <a:rPr lang="en-US" baseline="0" dirty="0" err="1" smtClean="0"/>
-              <a:t>meer</a:t>
-            </a:r>
-            <a:r>
-              <a:rPr lang="en-US" baseline="0" dirty="0" smtClean="0"/>
-              <a:t> </a:t>
-            </a:r>
-            <a:r>
-              <a:rPr lang="en-US" baseline="0" dirty="0" err="1" smtClean="0"/>
-              <a:t>functioneel</a:t>
-            </a:r>
-            <a:r>
-              <a:rPr lang="en-US" baseline="0" dirty="0" smtClean="0"/>
-              <a:t>).</a:t>
-            </a:r>
-            <a:endParaRPr lang="en-US" dirty="0" smtClean="0"/>
-          </a:p>
-          <a:p>
             <a:endParaRPr lang="en-US" dirty="0"/>
           </a:p>
         </p:txBody>
@@ -1559,7 +1248,7 @@
           <a:p>
             <a:fld id="{76F6EB55-D046-4316-A421-6DEA4C9E91D3}" type="slidenum">
               <a:rPr lang="nl-NL" smtClean="0"/>
-              <a:t>10</a:t>
+              <a:t>14</a:t>
             </a:fld>
             <a:endParaRPr lang="nl-NL"/>
           </a:p>
@@ -1568,7 +1257,7 @@
     </p:spTree>
     <p:extLst>
       <p:ext uri="{BB962C8B-B14F-4D97-AF65-F5344CB8AC3E}">
-        <p14:creationId xmlns:p14="http://schemas.microsoft.com/office/powerpoint/2010/main" val="2385447694"/>
+        <p14:creationId xmlns:p14="http://schemas.microsoft.com/office/powerpoint/2010/main" val="1165993749"/>
       </p:ext>
     </p:extLst>
   </p:cSld>
@@ -1643,7 +1332,7 @@
           <a:p>
             <a:fld id="{76F6EB55-D046-4316-A421-6DEA4C9E91D3}" type="slidenum">
               <a:rPr lang="nl-NL" smtClean="0"/>
-              <a:t>11</a:t>
+              <a:t>15</a:t>
             </a:fld>
             <a:endParaRPr lang="nl-NL"/>
           </a:p>
@@ -1727,7 +1416,7 @@
           <a:p>
             <a:fld id="{76F6EB55-D046-4316-A421-6DEA4C9E91D3}" type="slidenum">
               <a:rPr lang="nl-NL" smtClean="0"/>
-              <a:t>12</a:t>
+              <a:t>16</a:t>
             </a:fld>
             <a:endParaRPr lang="nl-NL"/>
           </a:p>
@@ -1811,7 +1500,7 @@
           <a:p>
             <a:fld id="{76F6EB55-D046-4316-A421-6DEA4C9E91D3}" type="slidenum">
               <a:rPr lang="nl-NL" smtClean="0"/>
-              <a:t>13</a:t>
+              <a:t>17</a:t>
             </a:fld>
             <a:endParaRPr lang="nl-NL"/>
           </a:p>
@@ -1895,7 +1584,7 @@
           <a:p>
             <a:fld id="{76F6EB55-D046-4316-A421-6DEA4C9E91D3}" type="slidenum">
               <a:rPr lang="nl-NL" smtClean="0"/>
-              <a:t>14</a:t>
+              <a:t>18</a:t>
             </a:fld>
             <a:endParaRPr lang="nl-NL"/>
           </a:p>
@@ -1979,7 +1668,7 @@
           <a:p>
             <a:fld id="{76F6EB55-D046-4316-A421-6DEA4C9E91D3}" type="slidenum">
               <a:rPr lang="nl-NL" smtClean="0"/>
-              <a:t>15</a:t>
+              <a:t>19</a:t>
             </a:fld>
             <a:endParaRPr lang="nl-NL"/>
           </a:p>
@@ -2063,7 +1752,7 @@
           <a:p>
             <a:fld id="{76F6EB55-D046-4316-A421-6DEA4C9E91D3}" type="slidenum">
               <a:rPr lang="nl-NL" smtClean="0"/>
-              <a:t>16</a:t>
+              <a:t>20</a:t>
             </a:fld>
             <a:endParaRPr lang="nl-NL"/>
           </a:p>
@@ -2147,7 +1836,7 @@
           <a:p>
             <a:fld id="{76F6EB55-D046-4316-A421-6DEA4C9E91D3}" type="slidenum">
               <a:rPr lang="nl-NL" smtClean="0"/>
-              <a:t>17</a:t>
+              <a:t>21</a:t>
             </a:fld>
             <a:endParaRPr lang="nl-NL"/>
           </a:p>
@@ -2210,7 +1899,7 @@
           <a:bodyPr/>
           <a:lstStyle/>
           <a:p>
-            <a:endParaRPr lang="en-US" dirty="0"/>
+            <a:endParaRPr lang="nl-BE" dirty="0"/>
           </a:p>
         </p:txBody>
       </p:sp>
@@ -2231,7 +1920,7 @@
           <a:p>
             <a:fld id="{76F6EB55-D046-4316-A421-6DEA4C9E91D3}" type="slidenum">
               <a:rPr lang="nl-NL" smtClean="0"/>
-              <a:t>18</a:t>
+              <a:t>26</a:t>
             </a:fld>
             <a:endParaRPr lang="nl-NL"/>
           </a:p>
@@ -2240,7 +1929,7 @@
     </p:spTree>
     <p:extLst>
       <p:ext uri="{BB962C8B-B14F-4D97-AF65-F5344CB8AC3E}">
-        <p14:creationId xmlns:p14="http://schemas.microsoft.com/office/powerpoint/2010/main" val="1165993749"/>
+        <p14:creationId xmlns:p14="http://schemas.microsoft.com/office/powerpoint/2010/main" val="388441275"/>
       </p:ext>
     </p:extLst>
   </p:cSld>
@@ -2315,7 +2004,7 @@
           <a:p>
             <a:fld id="{76F6EB55-D046-4316-A421-6DEA4C9E91D3}" type="slidenum">
               <a:rPr lang="nl-NL" smtClean="0"/>
-              <a:t>22</a:t>
+              <a:t>27</a:t>
             </a:fld>
             <a:endParaRPr lang="nl-NL"/>
           </a:p>
@@ -2324,7 +2013,7 @@
     </p:spTree>
     <p:extLst>
       <p:ext uri="{BB962C8B-B14F-4D97-AF65-F5344CB8AC3E}">
-        <p14:creationId xmlns:p14="http://schemas.microsoft.com/office/powerpoint/2010/main" val="3027252725"/>
+        <p14:creationId xmlns:p14="http://schemas.microsoft.com/office/powerpoint/2010/main" val="388441275"/>
       </p:ext>
     </p:extLst>
   </p:cSld>
@@ -2532,7 +2221,7 @@
           <a:p>
             <a:fld id="{76F6EB55-D046-4316-A421-6DEA4C9E91D3}" type="slidenum">
               <a:rPr lang="nl-NL" smtClean="0"/>
-              <a:t>26</a:t>
+              <a:t>28</a:t>
             </a:fld>
             <a:endParaRPr lang="nl-NL"/>
           </a:p>
@@ -2541,7 +2230,7 @@
     </p:spTree>
     <p:extLst>
       <p:ext uri="{BB962C8B-B14F-4D97-AF65-F5344CB8AC3E}">
-        <p14:creationId xmlns:p14="http://schemas.microsoft.com/office/powerpoint/2010/main" val="388441275"/>
+        <p14:creationId xmlns:p14="http://schemas.microsoft.com/office/powerpoint/2010/main" val="3027252725"/>
       </p:ext>
     </p:extLst>
   </p:cSld>
@@ -2616,7 +2305,7 @@
           <a:p>
             <a:fld id="{76F6EB55-D046-4316-A421-6DEA4C9E91D3}" type="slidenum">
               <a:rPr lang="nl-NL" smtClean="0"/>
-              <a:t>28</a:t>
+              <a:t>30</a:t>
             </a:fld>
             <a:endParaRPr lang="nl-NL"/>
           </a:p>
@@ -5341,7 +5030,7 @@
   </p:clrMapOvr>
   <p:extLst mod="1">
     <p:ext uri="{DCECCB84-F9BA-43D5-87BE-67443E8EF086}">
-      <p15:sldGuideLst xmlns:p15="http://schemas.microsoft.com/office/powerpoint/2012/main" xmlns="">
+      <p15:sldGuideLst xmlns="" xmlns:p15="http://schemas.microsoft.com/office/powerpoint/2012/main">
         <p15:guide id="1" orient="horz" pos="3929" userDrawn="1">
           <p15:clr>
             <a:srgbClr val="FBAE40"/>
@@ -5652,7 +5341,7 @@
   </p:clrMapOvr>
   <p:extLst mod="1">
     <p:ext uri="{DCECCB84-F9BA-43D5-87BE-67443E8EF086}">
-      <p15:sldGuideLst xmlns:p15="http://schemas.microsoft.com/office/powerpoint/2012/main" xmlns="">
+      <p15:sldGuideLst xmlns="" xmlns:p15="http://schemas.microsoft.com/office/powerpoint/2012/main">
         <p15:guide id="1" orient="horz" pos="3929">
           <p15:clr>
             <a:srgbClr val="FBAE40"/>
@@ -6005,7 +5694,7 @@
   </p:clrMapOvr>
   <p:extLst mod="1">
     <p:ext uri="{DCECCB84-F9BA-43D5-87BE-67443E8EF086}">
-      <p15:sldGuideLst xmlns:p15="http://schemas.microsoft.com/office/powerpoint/2012/main" xmlns="">
+      <p15:sldGuideLst xmlns="" xmlns:p15="http://schemas.microsoft.com/office/powerpoint/2012/main">
         <p15:guide id="1" orient="horz" pos="2160">
           <p15:clr>
             <a:srgbClr val="FBAE40"/>
@@ -6312,7 +6001,7 @@
   </p:clrMapOvr>
   <p:extLst mod="1">
     <p:ext uri="{DCECCB84-F9BA-43D5-87BE-67443E8EF086}">
-      <p15:sldGuideLst xmlns:p15="http://schemas.microsoft.com/office/powerpoint/2012/main" xmlns="">
+      <p15:sldGuideLst xmlns="" xmlns:p15="http://schemas.microsoft.com/office/powerpoint/2012/main">
         <p15:guide id="1" orient="horz" pos="2160">
           <p15:clr>
             <a:srgbClr val="FBAE40"/>
@@ -6872,7 +6561,7 @@
   </p:clrMapOvr>
   <p:extLst mod="1">
     <p:ext uri="{DCECCB84-F9BA-43D5-87BE-67443E8EF086}">
-      <p15:sldGuideLst xmlns:p15="http://schemas.microsoft.com/office/powerpoint/2012/main" xmlns="">
+      <p15:sldGuideLst xmlns="" xmlns:p15="http://schemas.microsoft.com/office/powerpoint/2012/main">
         <p15:guide id="1" orient="horz" pos="2160" userDrawn="1">
           <p15:clr>
             <a:srgbClr val="FBAE40"/>
@@ -7203,7 +6892,7 @@
   </p:clrMapOvr>
   <p:extLst mod="1">
     <p:ext uri="{DCECCB84-F9BA-43D5-87BE-67443E8EF086}">
-      <p15:sldGuideLst xmlns:p15="http://schemas.microsoft.com/office/powerpoint/2012/main" xmlns="">
+      <p15:sldGuideLst xmlns="" xmlns:p15="http://schemas.microsoft.com/office/powerpoint/2012/main">
         <p15:guide id="1" orient="horz" pos="2160" userDrawn="1">
           <p15:clr>
             <a:srgbClr val="FBAE40"/>
@@ -8830,7 +8519,7 @@
   </p:txStyles>
   <p:extLst mod="1">
     <p:ext uri="{27BBF7A9-308A-43DC-89C8-2F10F3537804}">
-      <p15:sldGuideLst xmlns:p15="http://schemas.microsoft.com/office/powerpoint/2012/main" xmlns="">
+      <p15:sldGuideLst xmlns="" xmlns:p15="http://schemas.microsoft.com/office/powerpoint/2012/main">
         <p15:guide id="1" orient="horz" pos="3816" userDrawn="1">
           <p15:clr>
             <a:srgbClr val="F26B43"/>
@@ -9462,7 +9151,7 @@
   </p:txStyles>
   <p:extLst mod="1">
     <p:ext uri="{27BBF7A9-308A-43DC-89C8-2F10F3537804}">
-      <p15:sldGuideLst xmlns:p15="http://schemas.microsoft.com/office/powerpoint/2012/main" xmlns="">
+      <p15:sldGuideLst xmlns="" xmlns:p15="http://schemas.microsoft.com/office/powerpoint/2012/main">
         <p15:guide id="1" orient="horz" pos="1026" userDrawn="1">
           <p15:clr>
             <a:srgbClr val="F26B43"/>
@@ -9910,7 +9599,6 @@
                 <a:rPr lang="en-US" dirty="0"/>
                 <a:t>ProbLog2</a:t>
               </a:r>
-              <a:endParaRPr lang="en-US" dirty="0"/>
             </a:p>
           </p:txBody>
         </p:sp>
@@ -10600,159 +10288,6 @@
       </p:sp>
       <p:sp>
         <p:nvSpPr>
-          <p:cNvPr id="4" name="Content Placeholder 3"/>
-          <p:cNvSpPr>
-            <a:spLocks noGrp="1"/>
-          </p:cNvSpPr>
-          <p:nvPr>
-            <p:ph sz="quarter" idx="13"/>
-          </p:nvPr>
-        </p:nvSpPr>
-        <p:spPr/>
-        <p:txBody>
-          <a:bodyPr/>
-          <a:lstStyle/>
-          <a:p>
-            <a:r>
-              <a:rPr lang="en-US" dirty="0" err="1"/>
-              <a:t>Ontwikkelen</a:t>
-            </a:r>
-            <a:r>
-              <a:rPr lang="en-US" dirty="0"/>
-              <a:t> van </a:t>
-            </a:r>
-            <a:r>
-              <a:rPr lang="en-US" dirty="0" err="1"/>
-              <a:t>een</a:t>
-            </a:r>
-            <a:r>
-              <a:rPr lang="en-US" dirty="0"/>
-              <a:t> </a:t>
-            </a:r>
-            <a:r>
-              <a:rPr lang="en-US" dirty="0" err="1"/>
-              <a:t>probabiliteitsmodel</a:t>
-            </a:r>
-            <a:r>
-              <a:rPr lang="en-US" dirty="0"/>
-              <a:t> in </a:t>
-            </a:r>
-            <a:r>
-              <a:rPr lang="en-US" dirty="0" err="1"/>
-              <a:t>verschillende</a:t>
-            </a:r>
-            <a:r>
-              <a:rPr lang="en-US" dirty="0"/>
-              <a:t> </a:t>
-            </a:r>
-            <a:r>
-              <a:rPr lang="en-US" dirty="0" smtClean="0"/>
-              <a:t>PPL’s.</a:t>
-            </a:r>
-            <a:endParaRPr lang="en-US" dirty="0"/>
-          </a:p>
-          <a:p>
-            <a:r>
-              <a:rPr lang="en-US" dirty="0" err="1"/>
-              <a:t>Karakteristieken</a:t>
-            </a:r>
-            <a:r>
-              <a:rPr lang="en-US" dirty="0"/>
-              <a:t> van de </a:t>
-            </a:r>
-            <a:r>
-              <a:rPr lang="en-US" dirty="0" err="1"/>
-              <a:t>taal</a:t>
-            </a:r>
-            <a:r>
-              <a:rPr lang="en-US" dirty="0"/>
-              <a:t> </a:t>
-            </a:r>
-            <a:r>
-              <a:rPr lang="en-US" dirty="0" err="1"/>
-              <a:t>duidelijk</a:t>
-            </a:r>
-            <a:r>
-              <a:rPr lang="en-US" dirty="0"/>
-              <a:t> in </a:t>
-            </a:r>
-            <a:r>
-              <a:rPr lang="en-US" dirty="0" err="1" smtClean="0"/>
-              <a:t>implementatie</a:t>
-            </a:r>
-            <a:r>
-              <a:rPr lang="en-US" dirty="0" smtClean="0"/>
-              <a:t>.</a:t>
-            </a:r>
-            <a:endParaRPr lang="en-US" dirty="0"/>
-          </a:p>
-          <a:p>
-            <a:pPr lvl="1"/>
-            <a:r>
-              <a:rPr lang="en-US" dirty="0" smtClean="0"/>
-              <a:t>ProbLog2 </a:t>
-            </a:r>
-            <a:r>
-              <a:rPr lang="en-US" dirty="0" err="1" smtClean="0"/>
-              <a:t>logisch</a:t>
-            </a:r>
-            <a:r>
-              <a:rPr lang="en-US" dirty="0" smtClean="0"/>
-              <a:t>.</a:t>
-            </a:r>
-            <a:endParaRPr lang="en-US" dirty="0"/>
-          </a:p>
-          <a:p>
-            <a:pPr lvl="1"/>
-            <a:r>
-              <a:rPr lang="en-US" dirty="0"/>
-              <a:t>Anglican </a:t>
-            </a:r>
-            <a:r>
-              <a:rPr lang="en-US" dirty="0" err="1" smtClean="0"/>
-              <a:t>functioneel</a:t>
-            </a:r>
-            <a:r>
-              <a:rPr lang="en-US" dirty="0" smtClean="0"/>
-              <a:t>.</a:t>
-            </a:r>
-            <a:endParaRPr lang="en-US" dirty="0"/>
-          </a:p>
-          <a:p>
-            <a:r>
-              <a:rPr lang="en-US" dirty="0"/>
-              <a:t>De </a:t>
-            </a:r>
-            <a:r>
-              <a:rPr lang="en-US" dirty="0" err="1"/>
-              <a:t>ontwikkeling</a:t>
-            </a:r>
-            <a:r>
-              <a:rPr lang="en-US" dirty="0"/>
-              <a:t> en </a:t>
-            </a:r>
-            <a:r>
-              <a:rPr lang="en-US" dirty="0" err="1"/>
-              <a:t>implementatie</a:t>
-            </a:r>
-            <a:r>
-              <a:rPr lang="en-US" dirty="0"/>
-              <a:t> </a:t>
-            </a:r>
-            <a:r>
-              <a:rPr lang="en-US" dirty="0" err="1" smtClean="0"/>
-              <a:t>evalueren</a:t>
-            </a:r>
-            <a:r>
-              <a:rPr lang="en-US" dirty="0" smtClean="0"/>
-              <a:t>.</a:t>
-            </a:r>
-            <a:endParaRPr lang="en-US" dirty="0"/>
-          </a:p>
-        </p:txBody>
-      </p:sp>
-      <p:sp>
-        <p:nvSpPr>
           <p:cNvPr id="5" name="Title 4"/>
           <p:cNvSpPr>
             <a:spLocks noGrp="1"/>
@@ -10769,16 +10304,185 @@
             <a:pPr algn="ctr"/>
             <a:r>
               <a:rPr lang="en-US" dirty="0" smtClean="0"/>
-              <a:t>Hoe</a:t>
+              <a:t>Hoe doe </a:t>
+            </a:r>
+            <a:r>
+              <a:rPr lang="en-US" dirty="0" err="1" smtClean="0"/>
+              <a:t>ik</a:t>
+            </a:r>
+            <a:r>
+              <a:rPr lang="en-US" dirty="0" smtClean="0"/>
+              <a:t> </a:t>
+            </a:r>
+            <a:r>
+              <a:rPr lang="en-US" dirty="0" err="1" smtClean="0"/>
+              <a:t>dit</a:t>
+            </a:r>
+            <a:r>
+              <a:rPr lang="en-US" dirty="0" smtClean="0"/>
+              <a:t>?</a:t>
             </a:r>
             <a:endParaRPr lang="en-US" dirty="0"/>
+          </a:p>
+        </p:txBody>
+      </p:sp>
+      <p:grpSp>
+        <p:nvGrpSpPr>
+          <p:cNvPr id="6" name="Group 5"/>
+          <p:cNvGrpSpPr/>
+          <p:nvPr/>
+        </p:nvGrpSpPr>
+        <p:grpSpPr>
+          <a:xfrm>
+            <a:off x="3684916" y="1457872"/>
+            <a:ext cx="1774168" cy="1114097"/>
+            <a:chOff x="651642" y="3804743"/>
+            <a:chExt cx="1774168" cy="1114097"/>
+          </a:xfrm>
+        </p:grpSpPr>
+        <p:sp>
+          <p:nvSpPr>
+            <p:cNvPr id="7" name="Oval 6"/>
+            <p:cNvSpPr/>
+            <p:nvPr/>
+          </p:nvSpPr>
+          <p:spPr>
+            <a:xfrm>
+              <a:off x="651642" y="3804743"/>
+              <a:ext cx="1774168" cy="1114097"/>
+            </a:xfrm>
+            <a:prstGeom prst="ellipse">
+              <a:avLst/>
+            </a:prstGeom>
+            <a:noFill/>
+          </p:spPr>
+          <p:style>
+            <a:lnRef idx="2">
+              <a:schemeClr val="accent1">
+                <a:shade val="50000"/>
+              </a:schemeClr>
+            </a:lnRef>
+            <a:fillRef idx="1">
+              <a:schemeClr val="accent1"/>
+            </a:fillRef>
+            <a:effectRef idx="0">
+              <a:schemeClr val="accent1"/>
+            </a:effectRef>
+            <a:fontRef idx="minor">
+              <a:schemeClr val="lt1"/>
+            </a:fontRef>
+          </p:style>
+          <p:txBody>
+            <a:bodyPr rtlCol="0" anchor="ctr"/>
+            <a:lstStyle/>
+            <a:p>
+              <a:pPr algn="ctr"/>
+              <a:endParaRPr lang="en-US"/>
+            </a:p>
+          </p:txBody>
+        </p:sp>
+        <p:sp>
+          <p:nvSpPr>
+            <p:cNvPr id="8" name="TextBox 7"/>
+            <p:cNvSpPr txBox="1"/>
+            <p:nvPr/>
+          </p:nvSpPr>
+          <p:spPr>
+            <a:xfrm>
+              <a:off x="913359" y="4038625"/>
+              <a:ext cx="1250731" cy="646331"/>
+            </a:xfrm>
+            <a:prstGeom prst="rect">
+              <a:avLst/>
+            </a:prstGeom>
+            <a:noFill/>
+          </p:spPr>
+          <p:txBody>
+            <a:bodyPr wrap="square" rtlCol="0">
+              <a:spAutoFit/>
+            </a:bodyPr>
+            <a:lstStyle/>
+            <a:p>
+              <a:pPr algn="ctr"/>
+              <a:r>
+                <a:rPr lang="en-US" dirty="0" err="1" smtClean="0"/>
+                <a:t>Spel</a:t>
+              </a:r>
+              <a:r>
+                <a:rPr lang="en-US" dirty="0"/>
+                <a:t> </a:t>
+              </a:r>
+              <a:r>
+                <a:rPr lang="en-US" dirty="0" err="1" smtClean="0"/>
+                <a:t>verzinnen</a:t>
+              </a:r>
+              <a:endParaRPr lang="en-US" dirty="0"/>
+            </a:p>
+          </p:txBody>
+        </p:sp>
+      </p:grpSp>
+      <p:sp>
+        <p:nvSpPr>
+          <p:cNvPr id="10" name="TextBox 9"/>
+          <p:cNvSpPr txBox="1"/>
+          <p:nvPr/>
+        </p:nvSpPr>
+        <p:spPr>
+          <a:xfrm>
+            <a:off x="2143123" y="5019675"/>
+            <a:ext cx="4857750" cy="461665"/>
+          </a:xfrm>
+          <a:prstGeom prst="rect">
+            <a:avLst/>
+          </a:prstGeom>
+          <a:noFill/>
+        </p:spPr>
+        <p:txBody>
+          <a:bodyPr wrap="square" rtlCol="0">
+            <a:spAutoFit/>
+          </a:bodyPr>
+          <a:lstStyle/>
+          <a:p>
+            <a:pPr algn="ctr"/>
+            <a:r>
+              <a:rPr lang="en-US" sz="2400" dirty="0" err="1">
+                <a:solidFill>
+                  <a:srgbClr val="FF0000"/>
+                </a:solidFill>
+              </a:rPr>
+              <a:t>Probabilistische</a:t>
+            </a:r>
+            <a:r>
+              <a:rPr lang="en-US" sz="2400" dirty="0">
+                <a:solidFill>
+                  <a:srgbClr val="FF0000"/>
+                </a:solidFill>
+              </a:rPr>
+              <a:t> </a:t>
+            </a:r>
+            <a:r>
+              <a:rPr lang="en-US" sz="2400" dirty="0" err="1">
+                <a:solidFill>
+                  <a:srgbClr val="FF0000"/>
+                </a:solidFill>
+              </a:rPr>
+              <a:t>aspecten</a:t>
+            </a:r>
+            <a:r>
+              <a:rPr lang="en-US" sz="2400" dirty="0" smtClean="0">
+                <a:solidFill>
+                  <a:srgbClr val="FF0000"/>
+                </a:solidFill>
+              </a:rPr>
+              <a:t>!</a:t>
+            </a:r>
           </a:p>
         </p:txBody>
       </p:sp>
     </p:spTree>
     <p:extLst>
       <p:ext uri="{BB962C8B-B14F-4D97-AF65-F5344CB8AC3E}">
-        <p14:creationId xmlns:p14="http://schemas.microsoft.com/office/powerpoint/2010/main" val="1420457892"/>
+        <p14:creationId xmlns:p14="http://schemas.microsoft.com/office/powerpoint/2010/main" val="2512796623"/>
       </p:ext>
     </p:extLst>
   </p:cSld>
@@ -10854,6 +10558,2207 @@
               <a:rPr lang="nl-NL" smtClean="0"/>
               <a:pPr/>
               <a:t>11</a:t>
+            </a:fld>
+            <a:endParaRPr lang="nl-NL" dirty="0"/>
+          </a:p>
+        </p:txBody>
+      </p:sp>
+      <p:sp>
+        <p:nvSpPr>
+          <p:cNvPr id="5" name="Title 4"/>
+          <p:cNvSpPr>
+            <a:spLocks noGrp="1"/>
+          </p:cNvSpPr>
+          <p:nvPr>
+            <p:ph type="title"/>
+          </p:nvPr>
+        </p:nvSpPr>
+        <p:spPr/>
+        <p:txBody>
+          <a:bodyPr/>
+          <a:lstStyle/>
+          <a:p>
+            <a:pPr algn="ctr"/>
+            <a:r>
+              <a:rPr lang="en-US" dirty="0" smtClean="0"/>
+              <a:t>Hoe doe </a:t>
+            </a:r>
+            <a:r>
+              <a:rPr lang="en-US" dirty="0" err="1" smtClean="0"/>
+              <a:t>ik</a:t>
+            </a:r>
+            <a:r>
+              <a:rPr lang="en-US" dirty="0" smtClean="0"/>
+              <a:t> </a:t>
+            </a:r>
+            <a:r>
+              <a:rPr lang="en-US" dirty="0" err="1" smtClean="0"/>
+              <a:t>dit</a:t>
+            </a:r>
+            <a:r>
+              <a:rPr lang="en-US" dirty="0" smtClean="0"/>
+              <a:t>?</a:t>
+            </a:r>
+            <a:endParaRPr lang="en-US" dirty="0"/>
+          </a:p>
+        </p:txBody>
+      </p:sp>
+      <p:grpSp>
+        <p:nvGrpSpPr>
+          <p:cNvPr id="6" name="Group 5"/>
+          <p:cNvGrpSpPr/>
+          <p:nvPr/>
+        </p:nvGrpSpPr>
+        <p:grpSpPr>
+          <a:xfrm>
+            <a:off x="3684916" y="1457872"/>
+            <a:ext cx="1774168" cy="1114097"/>
+            <a:chOff x="651642" y="3804743"/>
+            <a:chExt cx="1774168" cy="1114097"/>
+          </a:xfrm>
+        </p:grpSpPr>
+        <p:sp>
+          <p:nvSpPr>
+            <p:cNvPr id="7" name="Oval 6"/>
+            <p:cNvSpPr/>
+            <p:nvPr/>
+          </p:nvSpPr>
+          <p:spPr>
+            <a:xfrm>
+              <a:off x="651642" y="3804743"/>
+              <a:ext cx="1774168" cy="1114097"/>
+            </a:xfrm>
+            <a:prstGeom prst="ellipse">
+              <a:avLst/>
+            </a:prstGeom>
+            <a:noFill/>
+          </p:spPr>
+          <p:style>
+            <a:lnRef idx="2">
+              <a:schemeClr val="accent1">
+                <a:shade val="50000"/>
+              </a:schemeClr>
+            </a:lnRef>
+            <a:fillRef idx="1">
+              <a:schemeClr val="accent1"/>
+            </a:fillRef>
+            <a:effectRef idx="0">
+              <a:schemeClr val="accent1"/>
+            </a:effectRef>
+            <a:fontRef idx="minor">
+              <a:schemeClr val="lt1"/>
+            </a:fontRef>
+          </p:style>
+          <p:txBody>
+            <a:bodyPr rtlCol="0" anchor="ctr"/>
+            <a:lstStyle/>
+            <a:p>
+              <a:pPr algn="ctr"/>
+              <a:endParaRPr lang="en-US"/>
+            </a:p>
+          </p:txBody>
+        </p:sp>
+        <p:sp>
+          <p:nvSpPr>
+            <p:cNvPr id="8" name="TextBox 7"/>
+            <p:cNvSpPr txBox="1"/>
+            <p:nvPr/>
+          </p:nvSpPr>
+          <p:spPr>
+            <a:xfrm>
+              <a:off x="913359" y="4038625"/>
+              <a:ext cx="1250731" cy="646331"/>
+            </a:xfrm>
+            <a:prstGeom prst="rect">
+              <a:avLst/>
+            </a:prstGeom>
+            <a:noFill/>
+          </p:spPr>
+          <p:txBody>
+            <a:bodyPr wrap="square" rtlCol="0">
+              <a:spAutoFit/>
+            </a:bodyPr>
+            <a:lstStyle/>
+            <a:p>
+              <a:pPr algn="ctr"/>
+              <a:r>
+                <a:rPr lang="en-US" dirty="0" err="1" smtClean="0"/>
+                <a:t>Spel</a:t>
+              </a:r>
+              <a:r>
+                <a:rPr lang="en-US" dirty="0"/>
+                <a:t> </a:t>
+              </a:r>
+              <a:r>
+                <a:rPr lang="en-US" dirty="0" err="1" smtClean="0"/>
+                <a:t>verzinnen</a:t>
+              </a:r>
+              <a:endParaRPr lang="en-US" dirty="0"/>
+            </a:p>
+          </p:txBody>
+        </p:sp>
+      </p:grpSp>
+      <p:grpSp>
+        <p:nvGrpSpPr>
+          <p:cNvPr id="14" name="Group 13"/>
+          <p:cNvGrpSpPr/>
+          <p:nvPr/>
+        </p:nvGrpSpPr>
+        <p:grpSpPr>
+          <a:xfrm>
+            <a:off x="2118051" y="2571969"/>
+            <a:ext cx="1774168" cy="1114097"/>
+            <a:chOff x="651642" y="3804743"/>
+            <a:chExt cx="1774168" cy="1114097"/>
+          </a:xfrm>
+        </p:grpSpPr>
+        <p:sp>
+          <p:nvSpPr>
+            <p:cNvPr id="15" name="Oval 14"/>
+            <p:cNvSpPr/>
+            <p:nvPr/>
+          </p:nvSpPr>
+          <p:spPr>
+            <a:xfrm>
+              <a:off x="651642" y="3804743"/>
+              <a:ext cx="1774168" cy="1114097"/>
+            </a:xfrm>
+            <a:prstGeom prst="ellipse">
+              <a:avLst/>
+            </a:prstGeom>
+            <a:noFill/>
+          </p:spPr>
+          <p:style>
+            <a:lnRef idx="2">
+              <a:schemeClr val="accent1">
+                <a:shade val="50000"/>
+              </a:schemeClr>
+            </a:lnRef>
+            <a:fillRef idx="1">
+              <a:schemeClr val="accent1"/>
+            </a:fillRef>
+            <a:effectRef idx="0">
+              <a:schemeClr val="accent1"/>
+            </a:effectRef>
+            <a:fontRef idx="minor">
+              <a:schemeClr val="lt1"/>
+            </a:fontRef>
+          </p:style>
+          <p:txBody>
+            <a:bodyPr rtlCol="0" anchor="ctr"/>
+            <a:lstStyle/>
+            <a:p>
+              <a:pPr algn="ctr"/>
+              <a:endParaRPr lang="en-US"/>
+            </a:p>
+          </p:txBody>
+        </p:sp>
+        <p:sp>
+          <p:nvSpPr>
+            <p:cNvPr id="16" name="TextBox 15"/>
+            <p:cNvSpPr txBox="1"/>
+            <p:nvPr/>
+          </p:nvSpPr>
+          <p:spPr>
+            <a:xfrm>
+              <a:off x="913360" y="4177125"/>
+              <a:ext cx="1250731" cy="369332"/>
+            </a:xfrm>
+            <a:prstGeom prst="rect">
+              <a:avLst/>
+            </a:prstGeom>
+            <a:noFill/>
+          </p:spPr>
+          <p:txBody>
+            <a:bodyPr wrap="square" rtlCol="0">
+              <a:spAutoFit/>
+            </a:bodyPr>
+            <a:lstStyle/>
+            <a:p>
+              <a:pPr algn="ctr"/>
+              <a:endParaRPr lang="en-US" dirty="0"/>
+            </a:p>
+          </p:txBody>
+        </p:sp>
+      </p:grpSp>
+      <p:sp>
+        <p:nvSpPr>
+          <p:cNvPr id="17" name="Oval 16"/>
+          <p:cNvSpPr/>
+          <p:nvPr/>
+        </p:nvSpPr>
+        <p:spPr>
+          <a:xfrm>
+            <a:off x="5286920" y="2571972"/>
+            <a:ext cx="1774168" cy="1114097"/>
+          </a:xfrm>
+          <a:prstGeom prst="ellipse">
+            <a:avLst/>
+          </a:prstGeom>
+          <a:noFill/>
+        </p:spPr>
+        <p:style>
+          <a:lnRef idx="2">
+            <a:schemeClr val="accent1">
+              <a:shade val="50000"/>
+            </a:schemeClr>
+          </a:lnRef>
+          <a:fillRef idx="1">
+            <a:schemeClr val="accent1"/>
+          </a:fillRef>
+          <a:effectRef idx="0">
+            <a:schemeClr val="accent1"/>
+          </a:effectRef>
+          <a:fontRef idx="minor">
+            <a:schemeClr val="lt1"/>
+          </a:fontRef>
+        </p:style>
+        <p:txBody>
+          <a:bodyPr rtlCol="0" anchor="ctr"/>
+          <a:lstStyle/>
+          <a:p>
+            <a:pPr algn="ctr"/>
+            <a:endParaRPr lang="en-US"/>
+          </a:p>
+        </p:txBody>
+      </p:sp>
+      <p:sp>
+        <p:nvSpPr>
+          <p:cNvPr id="18" name="TextBox 17"/>
+          <p:cNvSpPr txBox="1"/>
+          <p:nvPr/>
+        </p:nvSpPr>
+        <p:spPr>
+          <a:xfrm>
+            <a:off x="2295522" y="2944354"/>
+            <a:ext cx="1419225" cy="369332"/>
+          </a:xfrm>
+          <a:prstGeom prst="rect">
+            <a:avLst/>
+          </a:prstGeom>
+          <a:noFill/>
+        </p:spPr>
+        <p:txBody>
+          <a:bodyPr wrap="square" rtlCol="0">
+            <a:spAutoFit/>
+          </a:bodyPr>
+          <a:lstStyle/>
+          <a:p>
+            <a:pPr algn="ctr"/>
+            <a:r>
+              <a:rPr lang="en-US" dirty="0" smtClean="0"/>
+              <a:t>ProbLog2</a:t>
+            </a:r>
+            <a:endParaRPr lang="en-US" dirty="0"/>
+          </a:p>
+        </p:txBody>
+      </p:sp>
+      <p:sp>
+        <p:nvSpPr>
+          <p:cNvPr id="19" name="TextBox 18"/>
+          <p:cNvSpPr txBox="1"/>
+          <p:nvPr/>
+        </p:nvSpPr>
+        <p:spPr>
+          <a:xfrm>
+            <a:off x="5464392" y="2944354"/>
+            <a:ext cx="1419225" cy="369332"/>
+          </a:xfrm>
+          <a:prstGeom prst="rect">
+            <a:avLst/>
+          </a:prstGeom>
+          <a:noFill/>
+        </p:spPr>
+        <p:txBody>
+          <a:bodyPr wrap="square" rtlCol="0">
+            <a:spAutoFit/>
+          </a:bodyPr>
+          <a:lstStyle/>
+          <a:p>
+            <a:pPr algn="ctr"/>
+            <a:r>
+              <a:rPr lang="en-US" dirty="0" smtClean="0"/>
+              <a:t>Anglican</a:t>
+            </a:r>
+            <a:endParaRPr lang="en-US" dirty="0"/>
+          </a:p>
+        </p:txBody>
+      </p:sp>
+      <p:cxnSp>
+        <p:nvCxnSpPr>
+          <p:cNvPr id="20" name="Straight Arrow Connector 19"/>
+          <p:cNvCxnSpPr>
+            <a:stCxn id="7" idx="3"/>
+            <a:endCxn id="15" idx="7"/>
+          </p:cNvCxnSpPr>
+          <p:nvPr/>
+        </p:nvCxnSpPr>
+        <p:spPr>
+          <a:xfrm flipH="1">
+            <a:off x="3632398" y="2408813"/>
+            <a:ext cx="312339" cy="326312"/>
+          </a:xfrm>
+          <a:prstGeom prst="straightConnector1">
+            <a:avLst/>
+          </a:prstGeom>
+          <a:ln>
+            <a:tailEnd type="arrow"/>
+          </a:ln>
+        </p:spPr>
+        <p:style>
+          <a:lnRef idx="1">
+            <a:schemeClr val="accent1"/>
+          </a:lnRef>
+          <a:fillRef idx="0">
+            <a:schemeClr val="accent1"/>
+          </a:fillRef>
+          <a:effectRef idx="0">
+            <a:schemeClr val="accent1"/>
+          </a:effectRef>
+          <a:fontRef idx="minor">
+            <a:schemeClr val="tx1"/>
+          </a:fontRef>
+        </p:style>
+      </p:cxnSp>
+      <p:cxnSp>
+        <p:nvCxnSpPr>
+          <p:cNvPr id="22" name="Straight Arrow Connector 21"/>
+          <p:cNvCxnSpPr>
+            <a:stCxn id="7" idx="5"/>
+            <a:endCxn id="17" idx="1"/>
+          </p:cNvCxnSpPr>
+          <p:nvPr/>
+        </p:nvCxnSpPr>
+        <p:spPr>
+          <a:xfrm>
+            <a:off x="5199263" y="2408813"/>
+            <a:ext cx="347478" cy="326315"/>
+          </a:xfrm>
+          <a:prstGeom prst="straightConnector1">
+            <a:avLst/>
+          </a:prstGeom>
+          <a:ln>
+            <a:tailEnd type="arrow"/>
+          </a:ln>
+        </p:spPr>
+        <p:style>
+          <a:lnRef idx="1">
+            <a:schemeClr val="accent1"/>
+          </a:lnRef>
+          <a:fillRef idx="0">
+            <a:schemeClr val="accent1"/>
+          </a:fillRef>
+          <a:effectRef idx="0">
+            <a:schemeClr val="accent1"/>
+          </a:effectRef>
+          <a:fontRef idx="minor">
+            <a:schemeClr val="tx1"/>
+          </a:fontRef>
+        </p:style>
+      </p:cxnSp>
+      <p:sp>
+        <p:nvSpPr>
+          <p:cNvPr id="26" name="TextBox 25"/>
+          <p:cNvSpPr txBox="1"/>
+          <p:nvPr/>
+        </p:nvSpPr>
+        <p:spPr>
+          <a:xfrm>
+            <a:off x="2143123" y="5019675"/>
+            <a:ext cx="4857750" cy="830997"/>
+          </a:xfrm>
+          <a:prstGeom prst="rect">
+            <a:avLst/>
+          </a:prstGeom>
+          <a:noFill/>
+        </p:spPr>
+        <p:txBody>
+          <a:bodyPr wrap="square" rtlCol="0">
+            <a:spAutoFit/>
+          </a:bodyPr>
+          <a:lstStyle/>
+          <a:p>
+            <a:pPr algn="ctr"/>
+            <a:r>
+              <a:rPr lang="en-US" sz="2400" dirty="0" err="1">
+                <a:solidFill>
+                  <a:srgbClr val="FF0000"/>
+                </a:solidFill>
+              </a:rPr>
+              <a:t>Implementatie</a:t>
+            </a:r>
+            <a:r>
+              <a:rPr lang="en-US" sz="2400" dirty="0">
+                <a:solidFill>
+                  <a:srgbClr val="FF0000"/>
+                </a:solidFill>
+              </a:rPr>
+              <a:t> in PPL’s</a:t>
+            </a:r>
+          </a:p>
+          <a:p>
+            <a:pPr algn="ctr"/>
+            <a:r>
+              <a:rPr lang="en-US" sz="2400" dirty="0" err="1">
+                <a:solidFill>
+                  <a:srgbClr val="FF0000"/>
+                </a:solidFill>
+              </a:rPr>
+              <a:t>Karakteristieken</a:t>
+            </a:r>
+            <a:r>
+              <a:rPr lang="en-US" sz="2400" dirty="0">
+                <a:solidFill>
+                  <a:srgbClr val="FF0000"/>
+                </a:solidFill>
+              </a:rPr>
+              <a:t> van </a:t>
+            </a:r>
+            <a:r>
+              <a:rPr lang="en-US" sz="2400" dirty="0" err="1">
+                <a:solidFill>
+                  <a:srgbClr val="FF0000"/>
+                </a:solidFill>
+              </a:rPr>
+              <a:t>taal</a:t>
+            </a:r>
+            <a:endParaRPr lang="en-US" sz="2400" dirty="0">
+              <a:solidFill>
+                <a:srgbClr val="FF0000"/>
+              </a:solidFill>
+            </a:endParaRPr>
+          </a:p>
+        </p:txBody>
+      </p:sp>
+    </p:spTree>
+    <p:extLst>
+      <p:ext uri="{BB962C8B-B14F-4D97-AF65-F5344CB8AC3E}">
+        <p14:creationId xmlns:p14="http://schemas.microsoft.com/office/powerpoint/2010/main" val="2902743134"/>
+      </p:ext>
+    </p:extLst>
+  </p:cSld>
+  <p:clrMapOvr>
+    <a:masterClrMapping/>
+  </p:clrMapOvr>
+  <p:timing>
+    <p:tnLst>
+      <p:par>
+        <p:cTn id="1" dur="indefinite" restart="never" nodeType="tmRoot"/>
+      </p:par>
+    </p:tnLst>
+  </p:timing>
+</p:sld>
+</file>
+
+<file path=ppt/slides/slide13.xml><?xml version="1.0" encoding="utf-8"?>
+<p:sld xmlns:a="http://schemas.openxmlformats.org/drawingml/2006/main" xmlns:r="http://schemas.openxmlformats.org/officeDocument/2006/relationships" xmlns:p="http://schemas.openxmlformats.org/presentationml/2006/main">
+  <p:cSld>
+    <p:spTree>
+      <p:nvGrpSpPr>
+        <p:cNvPr id="1" name=""/>
+        <p:cNvGrpSpPr/>
+        <p:nvPr/>
+      </p:nvGrpSpPr>
+      <p:grpSpPr>
+        <a:xfrm>
+          <a:off x="0" y="0"/>
+          <a:ext cx="0" cy="0"/>
+          <a:chOff x="0" y="0"/>
+          <a:chExt cx="0" cy="0"/>
+        </a:xfrm>
+      </p:grpSpPr>
+      <p:sp>
+        <p:nvSpPr>
+          <p:cNvPr id="2" name="Footer Placeholder 1"/>
+          <p:cNvSpPr>
+            <a:spLocks noGrp="1"/>
+          </p:cNvSpPr>
+          <p:nvPr>
+            <p:ph type="ftr" sz="quarter" idx="11"/>
+          </p:nvPr>
+        </p:nvSpPr>
+        <p:spPr/>
+        <p:txBody>
+          <a:bodyPr/>
+          <a:lstStyle/>
+          <a:p>
+            <a:r>
+              <a:rPr lang="nl-NL" smtClean="0"/>
+              <a:t>Departement Computerwetenschappen · Faculteit Wetenschappen · KU Leuven</a:t>
+            </a:r>
+            <a:endParaRPr lang="nl-NL" dirty="0"/>
+          </a:p>
+        </p:txBody>
+      </p:sp>
+      <p:sp>
+        <p:nvSpPr>
+          <p:cNvPr id="3" name="Slide Number Placeholder 2"/>
+          <p:cNvSpPr>
+            <a:spLocks noGrp="1"/>
+          </p:cNvSpPr>
+          <p:nvPr>
+            <p:ph type="sldNum" sz="quarter" idx="12"/>
+          </p:nvPr>
+        </p:nvSpPr>
+        <p:spPr/>
+        <p:txBody>
+          <a:bodyPr/>
+          <a:lstStyle/>
+          <a:p>
+            <a:fld id="{0A297500-7527-634B-90F4-69D0994C32B4}" type="slidenum">
+              <a:rPr lang="nl-NL" smtClean="0"/>
+              <a:pPr/>
+              <a:t>12</a:t>
+            </a:fld>
+            <a:endParaRPr lang="nl-NL" dirty="0"/>
+          </a:p>
+        </p:txBody>
+      </p:sp>
+      <p:sp>
+        <p:nvSpPr>
+          <p:cNvPr id="5" name="Title 4"/>
+          <p:cNvSpPr>
+            <a:spLocks noGrp="1"/>
+          </p:cNvSpPr>
+          <p:nvPr>
+            <p:ph type="title"/>
+          </p:nvPr>
+        </p:nvSpPr>
+        <p:spPr/>
+        <p:txBody>
+          <a:bodyPr/>
+          <a:lstStyle/>
+          <a:p>
+            <a:pPr algn="ctr"/>
+            <a:r>
+              <a:rPr lang="en-US" dirty="0" smtClean="0"/>
+              <a:t>Hoe doe </a:t>
+            </a:r>
+            <a:r>
+              <a:rPr lang="en-US" dirty="0" err="1" smtClean="0"/>
+              <a:t>ik</a:t>
+            </a:r>
+            <a:r>
+              <a:rPr lang="en-US" dirty="0" smtClean="0"/>
+              <a:t> </a:t>
+            </a:r>
+            <a:r>
+              <a:rPr lang="en-US" dirty="0" err="1" smtClean="0"/>
+              <a:t>dit</a:t>
+            </a:r>
+            <a:r>
+              <a:rPr lang="en-US" dirty="0" smtClean="0"/>
+              <a:t>?</a:t>
+            </a:r>
+            <a:endParaRPr lang="en-US" dirty="0"/>
+          </a:p>
+        </p:txBody>
+      </p:sp>
+      <p:grpSp>
+        <p:nvGrpSpPr>
+          <p:cNvPr id="6" name="Group 5"/>
+          <p:cNvGrpSpPr/>
+          <p:nvPr/>
+        </p:nvGrpSpPr>
+        <p:grpSpPr>
+          <a:xfrm>
+            <a:off x="3684916" y="1457872"/>
+            <a:ext cx="1774168" cy="1114097"/>
+            <a:chOff x="651642" y="3804743"/>
+            <a:chExt cx="1774168" cy="1114097"/>
+          </a:xfrm>
+        </p:grpSpPr>
+        <p:sp>
+          <p:nvSpPr>
+            <p:cNvPr id="7" name="Oval 6"/>
+            <p:cNvSpPr/>
+            <p:nvPr/>
+          </p:nvSpPr>
+          <p:spPr>
+            <a:xfrm>
+              <a:off x="651642" y="3804743"/>
+              <a:ext cx="1774168" cy="1114097"/>
+            </a:xfrm>
+            <a:prstGeom prst="ellipse">
+              <a:avLst/>
+            </a:prstGeom>
+            <a:noFill/>
+          </p:spPr>
+          <p:style>
+            <a:lnRef idx="2">
+              <a:schemeClr val="accent1">
+                <a:shade val="50000"/>
+              </a:schemeClr>
+            </a:lnRef>
+            <a:fillRef idx="1">
+              <a:schemeClr val="accent1"/>
+            </a:fillRef>
+            <a:effectRef idx="0">
+              <a:schemeClr val="accent1"/>
+            </a:effectRef>
+            <a:fontRef idx="minor">
+              <a:schemeClr val="lt1"/>
+            </a:fontRef>
+          </p:style>
+          <p:txBody>
+            <a:bodyPr rtlCol="0" anchor="ctr"/>
+            <a:lstStyle/>
+            <a:p>
+              <a:pPr algn="ctr"/>
+              <a:endParaRPr lang="en-US"/>
+            </a:p>
+          </p:txBody>
+        </p:sp>
+        <p:sp>
+          <p:nvSpPr>
+            <p:cNvPr id="8" name="TextBox 7"/>
+            <p:cNvSpPr txBox="1"/>
+            <p:nvPr/>
+          </p:nvSpPr>
+          <p:spPr>
+            <a:xfrm>
+              <a:off x="913359" y="4038625"/>
+              <a:ext cx="1250731" cy="646331"/>
+            </a:xfrm>
+            <a:prstGeom prst="rect">
+              <a:avLst/>
+            </a:prstGeom>
+            <a:noFill/>
+          </p:spPr>
+          <p:txBody>
+            <a:bodyPr wrap="square" rtlCol="0">
+              <a:spAutoFit/>
+            </a:bodyPr>
+            <a:lstStyle/>
+            <a:p>
+              <a:pPr algn="ctr"/>
+              <a:r>
+                <a:rPr lang="en-US" dirty="0" err="1" smtClean="0"/>
+                <a:t>Spel</a:t>
+              </a:r>
+              <a:r>
+                <a:rPr lang="en-US" dirty="0"/>
+                <a:t> </a:t>
+              </a:r>
+              <a:r>
+                <a:rPr lang="en-US" dirty="0" err="1" smtClean="0"/>
+                <a:t>verzinnen</a:t>
+              </a:r>
+              <a:endParaRPr lang="en-US" dirty="0"/>
+            </a:p>
+          </p:txBody>
+        </p:sp>
+      </p:grpSp>
+      <p:grpSp>
+        <p:nvGrpSpPr>
+          <p:cNvPr id="14" name="Group 13"/>
+          <p:cNvGrpSpPr/>
+          <p:nvPr/>
+        </p:nvGrpSpPr>
+        <p:grpSpPr>
+          <a:xfrm>
+            <a:off x="2118051" y="2571969"/>
+            <a:ext cx="1774168" cy="1114097"/>
+            <a:chOff x="651642" y="3804743"/>
+            <a:chExt cx="1774168" cy="1114097"/>
+          </a:xfrm>
+        </p:grpSpPr>
+        <p:sp>
+          <p:nvSpPr>
+            <p:cNvPr id="15" name="Oval 14"/>
+            <p:cNvSpPr/>
+            <p:nvPr/>
+          </p:nvSpPr>
+          <p:spPr>
+            <a:xfrm>
+              <a:off x="651642" y="3804743"/>
+              <a:ext cx="1774168" cy="1114097"/>
+            </a:xfrm>
+            <a:prstGeom prst="ellipse">
+              <a:avLst/>
+            </a:prstGeom>
+            <a:noFill/>
+          </p:spPr>
+          <p:style>
+            <a:lnRef idx="2">
+              <a:schemeClr val="accent1">
+                <a:shade val="50000"/>
+              </a:schemeClr>
+            </a:lnRef>
+            <a:fillRef idx="1">
+              <a:schemeClr val="accent1"/>
+            </a:fillRef>
+            <a:effectRef idx="0">
+              <a:schemeClr val="accent1"/>
+            </a:effectRef>
+            <a:fontRef idx="minor">
+              <a:schemeClr val="lt1"/>
+            </a:fontRef>
+          </p:style>
+          <p:txBody>
+            <a:bodyPr rtlCol="0" anchor="ctr"/>
+            <a:lstStyle/>
+            <a:p>
+              <a:pPr algn="ctr"/>
+              <a:endParaRPr lang="en-US"/>
+            </a:p>
+          </p:txBody>
+        </p:sp>
+        <p:sp>
+          <p:nvSpPr>
+            <p:cNvPr id="16" name="TextBox 15"/>
+            <p:cNvSpPr txBox="1"/>
+            <p:nvPr/>
+          </p:nvSpPr>
+          <p:spPr>
+            <a:xfrm>
+              <a:off x="913360" y="4177125"/>
+              <a:ext cx="1250731" cy="369332"/>
+            </a:xfrm>
+            <a:prstGeom prst="rect">
+              <a:avLst/>
+            </a:prstGeom>
+            <a:noFill/>
+          </p:spPr>
+          <p:txBody>
+            <a:bodyPr wrap="square" rtlCol="0">
+              <a:spAutoFit/>
+            </a:bodyPr>
+            <a:lstStyle/>
+            <a:p>
+              <a:pPr algn="ctr"/>
+              <a:endParaRPr lang="en-US" dirty="0"/>
+            </a:p>
+          </p:txBody>
+        </p:sp>
+      </p:grpSp>
+      <p:sp>
+        <p:nvSpPr>
+          <p:cNvPr id="17" name="Oval 16"/>
+          <p:cNvSpPr/>
+          <p:nvPr/>
+        </p:nvSpPr>
+        <p:spPr>
+          <a:xfrm>
+            <a:off x="5286920" y="2571972"/>
+            <a:ext cx="1774168" cy="1114097"/>
+          </a:xfrm>
+          <a:prstGeom prst="ellipse">
+            <a:avLst/>
+          </a:prstGeom>
+          <a:noFill/>
+        </p:spPr>
+        <p:style>
+          <a:lnRef idx="2">
+            <a:schemeClr val="accent1">
+              <a:shade val="50000"/>
+            </a:schemeClr>
+          </a:lnRef>
+          <a:fillRef idx="1">
+            <a:schemeClr val="accent1"/>
+          </a:fillRef>
+          <a:effectRef idx="0">
+            <a:schemeClr val="accent1"/>
+          </a:effectRef>
+          <a:fontRef idx="minor">
+            <a:schemeClr val="lt1"/>
+          </a:fontRef>
+        </p:style>
+        <p:txBody>
+          <a:bodyPr rtlCol="0" anchor="ctr"/>
+          <a:lstStyle/>
+          <a:p>
+            <a:pPr algn="ctr"/>
+            <a:endParaRPr lang="en-US"/>
+          </a:p>
+        </p:txBody>
+      </p:sp>
+      <p:sp>
+        <p:nvSpPr>
+          <p:cNvPr id="18" name="TextBox 17"/>
+          <p:cNvSpPr txBox="1"/>
+          <p:nvPr/>
+        </p:nvSpPr>
+        <p:spPr>
+          <a:xfrm>
+            <a:off x="2295522" y="2944354"/>
+            <a:ext cx="1419225" cy="369332"/>
+          </a:xfrm>
+          <a:prstGeom prst="rect">
+            <a:avLst/>
+          </a:prstGeom>
+          <a:noFill/>
+        </p:spPr>
+        <p:txBody>
+          <a:bodyPr wrap="square" rtlCol="0">
+            <a:spAutoFit/>
+          </a:bodyPr>
+          <a:lstStyle/>
+          <a:p>
+            <a:pPr algn="ctr"/>
+            <a:r>
+              <a:rPr lang="en-US" dirty="0" smtClean="0"/>
+              <a:t>ProbLog2</a:t>
+            </a:r>
+            <a:endParaRPr lang="en-US" dirty="0"/>
+          </a:p>
+        </p:txBody>
+      </p:sp>
+      <p:sp>
+        <p:nvSpPr>
+          <p:cNvPr id="19" name="TextBox 18"/>
+          <p:cNvSpPr txBox="1"/>
+          <p:nvPr/>
+        </p:nvSpPr>
+        <p:spPr>
+          <a:xfrm>
+            <a:off x="5464392" y="2944354"/>
+            <a:ext cx="1419225" cy="369332"/>
+          </a:xfrm>
+          <a:prstGeom prst="rect">
+            <a:avLst/>
+          </a:prstGeom>
+          <a:noFill/>
+        </p:spPr>
+        <p:txBody>
+          <a:bodyPr wrap="square" rtlCol="0">
+            <a:spAutoFit/>
+          </a:bodyPr>
+          <a:lstStyle/>
+          <a:p>
+            <a:pPr algn="ctr"/>
+            <a:r>
+              <a:rPr lang="en-US" dirty="0" smtClean="0"/>
+              <a:t>Anglican</a:t>
+            </a:r>
+            <a:endParaRPr lang="en-US" dirty="0"/>
+          </a:p>
+        </p:txBody>
+      </p:sp>
+      <p:cxnSp>
+        <p:nvCxnSpPr>
+          <p:cNvPr id="20" name="Straight Arrow Connector 19"/>
+          <p:cNvCxnSpPr>
+            <a:stCxn id="7" idx="3"/>
+            <a:endCxn id="15" idx="7"/>
+          </p:cNvCxnSpPr>
+          <p:nvPr/>
+        </p:nvCxnSpPr>
+        <p:spPr>
+          <a:xfrm flipH="1">
+            <a:off x="3632398" y="2408813"/>
+            <a:ext cx="312339" cy="326312"/>
+          </a:xfrm>
+          <a:prstGeom prst="straightConnector1">
+            <a:avLst/>
+          </a:prstGeom>
+          <a:ln>
+            <a:tailEnd type="arrow"/>
+          </a:ln>
+        </p:spPr>
+        <p:style>
+          <a:lnRef idx="1">
+            <a:schemeClr val="accent1"/>
+          </a:lnRef>
+          <a:fillRef idx="0">
+            <a:schemeClr val="accent1"/>
+          </a:fillRef>
+          <a:effectRef idx="0">
+            <a:schemeClr val="accent1"/>
+          </a:effectRef>
+          <a:fontRef idx="minor">
+            <a:schemeClr val="tx1"/>
+          </a:fontRef>
+        </p:style>
+      </p:cxnSp>
+      <p:cxnSp>
+        <p:nvCxnSpPr>
+          <p:cNvPr id="22" name="Straight Arrow Connector 21"/>
+          <p:cNvCxnSpPr>
+            <a:stCxn id="7" idx="5"/>
+            <a:endCxn id="17" idx="1"/>
+          </p:cNvCxnSpPr>
+          <p:nvPr/>
+        </p:nvCxnSpPr>
+        <p:spPr>
+          <a:xfrm>
+            <a:off x="5199263" y="2408813"/>
+            <a:ext cx="347478" cy="326315"/>
+          </a:xfrm>
+          <a:prstGeom prst="straightConnector1">
+            <a:avLst/>
+          </a:prstGeom>
+          <a:ln>
+            <a:tailEnd type="arrow"/>
+          </a:ln>
+        </p:spPr>
+        <p:style>
+          <a:lnRef idx="1">
+            <a:schemeClr val="accent1"/>
+          </a:lnRef>
+          <a:fillRef idx="0">
+            <a:schemeClr val="accent1"/>
+          </a:fillRef>
+          <a:effectRef idx="0">
+            <a:schemeClr val="accent1"/>
+          </a:effectRef>
+          <a:fontRef idx="minor">
+            <a:schemeClr val="tx1"/>
+          </a:fontRef>
+        </p:style>
+      </p:cxnSp>
+      <p:grpSp>
+        <p:nvGrpSpPr>
+          <p:cNvPr id="21" name="Group 20"/>
+          <p:cNvGrpSpPr/>
+          <p:nvPr/>
+        </p:nvGrpSpPr>
+        <p:grpSpPr>
+          <a:xfrm>
+            <a:off x="2118050" y="3852241"/>
+            <a:ext cx="1774168" cy="1114097"/>
+            <a:chOff x="651642" y="3804743"/>
+            <a:chExt cx="1774168" cy="1114097"/>
+          </a:xfrm>
+        </p:grpSpPr>
+        <p:sp>
+          <p:nvSpPr>
+            <p:cNvPr id="23" name="Oval 22"/>
+            <p:cNvSpPr/>
+            <p:nvPr/>
+          </p:nvSpPr>
+          <p:spPr>
+            <a:xfrm>
+              <a:off x="651642" y="3804743"/>
+              <a:ext cx="1774168" cy="1114097"/>
+            </a:xfrm>
+            <a:prstGeom prst="ellipse">
+              <a:avLst/>
+            </a:prstGeom>
+            <a:noFill/>
+          </p:spPr>
+          <p:style>
+            <a:lnRef idx="2">
+              <a:schemeClr val="accent1">
+                <a:shade val="50000"/>
+              </a:schemeClr>
+            </a:lnRef>
+            <a:fillRef idx="1">
+              <a:schemeClr val="accent1"/>
+            </a:fillRef>
+            <a:effectRef idx="0">
+              <a:schemeClr val="accent1"/>
+            </a:effectRef>
+            <a:fontRef idx="minor">
+              <a:schemeClr val="lt1"/>
+            </a:fontRef>
+          </p:style>
+          <p:txBody>
+            <a:bodyPr rtlCol="0" anchor="ctr"/>
+            <a:lstStyle/>
+            <a:p>
+              <a:pPr algn="ctr"/>
+              <a:endParaRPr lang="en-US"/>
+            </a:p>
+          </p:txBody>
+        </p:sp>
+        <p:sp>
+          <p:nvSpPr>
+            <p:cNvPr id="24" name="TextBox 23"/>
+            <p:cNvSpPr txBox="1"/>
+            <p:nvPr/>
+          </p:nvSpPr>
+          <p:spPr>
+            <a:xfrm>
+              <a:off x="913360" y="4177125"/>
+              <a:ext cx="1250731" cy="369332"/>
+            </a:xfrm>
+            <a:prstGeom prst="rect">
+              <a:avLst/>
+            </a:prstGeom>
+            <a:noFill/>
+          </p:spPr>
+          <p:txBody>
+            <a:bodyPr wrap="square" rtlCol="0">
+              <a:spAutoFit/>
+            </a:bodyPr>
+            <a:lstStyle/>
+            <a:p>
+              <a:pPr algn="ctr"/>
+              <a:endParaRPr lang="en-US" dirty="0"/>
+            </a:p>
+          </p:txBody>
+        </p:sp>
+      </p:grpSp>
+      <p:sp>
+        <p:nvSpPr>
+          <p:cNvPr id="25" name="Oval 24"/>
+          <p:cNvSpPr/>
+          <p:nvPr/>
+        </p:nvSpPr>
+        <p:spPr>
+          <a:xfrm>
+            <a:off x="5286919" y="3852244"/>
+            <a:ext cx="1774168" cy="1114097"/>
+          </a:xfrm>
+          <a:prstGeom prst="ellipse">
+            <a:avLst/>
+          </a:prstGeom>
+          <a:noFill/>
+        </p:spPr>
+        <p:style>
+          <a:lnRef idx="2">
+            <a:schemeClr val="accent1">
+              <a:shade val="50000"/>
+            </a:schemeClr>
+          </a:lnRef>
+          <a:fillRef idx="1">
+            <a:schemeClr val="accent1"/>
+          </a:fillRef>
+          <a:effectRef idx="0">
+            <a:schemeClr val="accent1"/>
+          </a:effectRef>
+          <a:fontRef idx="minor">
+            <a:schemeClr val="lt1"/>
+          </a:fontRef>
+        </p:style>
+        <p:txBody>
+          <a:bodyPr rtlCol="0" anchor="ctr"/>
+          <a:lstStyle/>
+          <a:p>
+            <a:pPr algn="ctr"/>
+            <a:endParaRPr lang="en-US"/>
+          </a:p>
+        </p:txBody>
+      </p:sp>
+      <p:sp>
+        <p:nvSpPr>
+          <p:cNvPr id="26" name="TextBox 25"/>
+          <p:cNvSpPr txBox="1"/>
+          <p:nvPr/>
+        </p:nvSpPr>
+        <p:spPr>
+          <a:xfrm>
+            <a:off x="2295522" y="4224623"/>
+            <a:ext cx="1419225" cy="369332"/>
+          </a:xfrm>
+          <a:prstGeom prst="rect">
+            <a:avLst/>
+          </a:prstGeom>
+          <a:noFill/>
+        </p:spPr>
+        <p:txBody>
+          <a:bodyPr wrap="square" rtlCol="0">
+            <a:spAutoFit/>
+          </a:bodyPr>
+          <a:lstStyle/>
+          <a:p>
+            <a:pPr algn="ctr"/>
+            <a:r>
+              <a:rPr lang="en-US" dirty="0" err="1" smtClean="0">
+                <a:solidFill>
+                  <a:srgbClr val="92D050"/>
+                </a:solidFill>
+              </a:rPr>
+              <a:t>Evaluatie</a:t>
+            </a:r>
+            <a:endParaRPr lang="en-US" dirty="0">
+              <a:solidFill>
+                <a:srgbClr val="92D050"/>
+              </a:solidFill>
+            </a:endParaRPr>
+          </a:p>
+        </p:txBody>
+      </p:sp>
+      <p:sp>
+        <p:nvSpPr>
+          <p:cNvPr id="27" name="TextBox 26"/>
+          <p:cNvSpPr txBox="1"/>
+          <p:nvPr/>
+        </p:nvSpPr>
+        <p:spPr>
+          <a:xfrm>
+            <a:off x="5464392" y="4224623"/>
+            <a:ext cx="1419225" cy="369332"/>
+          </a:xfrm>
+          <a:prstGeom prst="rect">
+            <a:avLst/>
+          </a:prstGeom>
+          <a:noFill/>
+        </p:spPr>
+        <p:txBody>
+          <a:bodyPr wrap="square" rtlCol="0">
+            <a:spAutoFit/>
+          </a:bodyPr>
+          <a:lstStyle/>
+          <a:p>
+            <a:pPr algn="ctr"/>
+            <a:r>
+              <a:rPr lang="en-US" dirty="0" err="1" smtClean="0">
+                <a:solidFill>
+                  <a:srgbClr val="92D050"/>
+                </a:solidFill>
+              </a:rPr>
+              <a:t>Evaluatie</a:t>
+            </a:r>
+            <a:endParaRPr lang="en-US" dirty="0">
+              <a:solidFill>
+                <a:srgbClr val="92D050"/>
+              </a:solidFill>
+            </a:endParaRPr>
+          </a:p>
+        </p:txBody>
+      </p:sp>
+      <p:sp>
+        <p:nvSpPr>
+          <p:cNvPr id="28" name="TextBox 27"/>
+          <p:cNvSpPr txBox="1"/>
+          <p:nvPr/>
+        </p:nvSpPr>
+        <p:spPr>
+          <a:xfrm>
+            <a:off x="2143123" y="5019675"/>
+            <a:ext cx="4857750" cy="461665"/>
+          </a:xfrm>
+          <a:prstGeom prst="rect">
+            <a:avLst/>
+          </a:prstGeom>
+          <a:noFill/>
+        </p:spPr>
+        <p:txBody>
+          <a:bodyPr wrap="square" rtlCol="0">
+            <a:spAutoFit/>
+          </a:bodyPr>
+          <a:lstStyle/>
+          <a:p>
+            <a:pPr algn="ctr"/>
+            <a:r>
+              <a:rPr lang="en-US" sz="2400" dirty="0" err="1" smtClean="0">
+                <a:solidFill>
+                  <a:srgbClr val="FF0000"/>
+                </a:solidFill>
+              </a:rPr>
+              <a:t>Evaluatie</a:t>
+            </a:r>
+            <a:r>
+              <a:rPr lang="en-US" sz="2400" dirty="0" smtClean="0">
+                <a:solidFill>
+                  <a:srgbClr val="FF0000"/>
+                </a:solidFill>
+              </a:rPr>
+              <a:t> van de PPL</a:t>
+            </a:r>
+          </a:p>
+        </p:txBody>
+      </p:sp>
+      <p:cxnSp>
+        <p:nvCxnSpPr>
+          <p:cNvPr id="11" name="Straight Arrow Connector 10"/>
+          <p:cNvCxnSpPr>
+            <a:stCxn id="15" idx="4"/>
+            <a:endCxn id="23" idx="0"/>
+          </p:cNvCxnSpPr>
+          <p:nvPr/>
+        </p:nvCxnSpPr>
+        <p:spPr>
+          <a:xfrm flipH="1">
+            <a:off x="3005134" y="3686066"/>
+            <a:ext cx="1" cy="166175"/>
+          </a:xfrm>
+          <a:prstGeom prst="straightConnector1">
+            <a:avLst/>
+          </a:prstGeom>
+          <a:ln>
+            <a:tailEnd type="arrow"/>
+          </a:ln>
+        </p:spPr>
+        <p:style>
+          <a:lnRef idx="1">
+            <a:schemeClr val="accent1"/>
+          </a:lnRef>
+          <a:fillRef idx="0">
+            <a:schemeClr val="accent1"/>
+          </a:fillRef>
+          <a:effectRef idx="0">
+            <a:schemeClr val="accent1"/>
+          </a:effectRef>
+          <a:fontRef idx="minor">
+            <a:schemeClr val="tx1"/>
+          </a:fontRef>
+        </p:style>
+      </p:cxnSp>
+      <p:cxnSp>
+        <p:nvCxnSpPr>
+          <p:cNvPr id="29" name="Straight Arrow Connector 28"/>
+          <p:cNvCxnSpPr>
+            <a:stCxn id="17" idx="4"/>
+            <a:endCxn id="25" idx="0"/>
+          </p:cNvCxnSpPr>
+          <p:nvPr/>
+        </p:nvCxnSpPr>
+        <p:spPr>
+          <a:xfrm flipH="1">
+            <a:off x="6174003" y="3686069"/>
+            <a:ext cx="1" cy="166175"/>
+          </a:xfrm>
+          <a:prstGeom prst="straightConnector1">
+            <a:avLst/>
+          </a:prstGeom>
+          <a:ln>
+            <a:tailEnd type="arrow"/>
+          </a:ln>
+        </p:spPr>
+        <p:style>
+          <a:lnRef idx="1">
+            <a:schemeClr val="accent1"/>
+          </a:lnRef>
+          <a:fillRef idx="0">
+            <a:schemeClr val="accent1"/>
+          </a:fillRef>
+          <a:effectRef idx="0">
+            <a:schemeClr val="accent1"/>
+          </a:effectRef>
+          <a:fontRef idx="minor">
+            <a:schemeClr val="tx1"/>
+          </a:fontRef>
+        </p:style>
+      </p:cxnSp>
+    </p:spTree>
+    <p:extLst>
+      <p:ext uri="{BB962C8B-B14F-4D97-AF65-F5344CB8AC3E}">
+        <p14:creationId xmlns:p14="http://schemas.microsoft.com/office/powerpoint/2010/main" val="978955335"/>
+      </p:ext>
+    </p:extLst>
+  </p:cSld>
+  <p:clrMapOvr>
+    <a:masterClrMapping/>
+  </p:clrMapOvr>
+  <p:timing>
+    <p:tnLst>
+      <p:par>
+        <p:cTn id="1" dur="indefinite" restart="never" nodeType="tmRoot"/>
+      </p:par>
+    </p:tnLst>
+  </p:timing>
+</p:sld>
+</file>
+
+<file path=ppt/slides/slide14.xml><?xml version="1.0" encoding="utf-8"?>
+<p:sld xmlns:a="http://schemas.openxmlformats.org/drawingml/2006/main" xmlns:r="http://schemas.openxmlformats.org/officeDocument/2006/relationships" xmlns:p="http://schemas.openxmlformats.org/presentationml/2006/main">
+  <p:cSld>
+    <p:spTree>
+      <p:nvGrpSpPr>
+        <p:cNvPr id="1" name=""/>
+        <p:cNvGrpSpPr/>
+        <p:nvPr/>
+      </p:nvGrpSpPr>
+      <p:grpSpPr>
+        <a:xfrm>
+          <a:off x="0" y="0"/>
+          <a:ext cx="0" cy="0"/>
+          <a:chOff x="0" y="0"/>
+          <a:chExt cx="0" cy="0"/>
+        </a:xfrm>
+      </p:grpSpPr>
+      <p:sp>
+        <p:nvSpPr>
+          <p:cNvPr id="2" name="Footer Placeholder 1"/>
+          <p:cNvSpPr>
+            <a:spLocks noGrp="1"/>
+          </p:cNvSpPr>
+          <p:nvPr>
+            <p:ph type="ftr" sz="quarter" idx="11"/>
+          </p:nvPr>
+        </p:nvSpPr>
+        <p:spPr/>
+        <p:txBody>
+          <a:bodyPr/>
+          <a:lstStyle/>
+          <a:p>
+            <a:r>
+              <a:rPr lang="nl-NL" smtClean="0"/>
+              <a:t>Departement Computerwetenschappen · Faculteit Wetenschappen · KU Leuven</a:t>
+            </a:r>
+            <a:endParaRPr lang="nl-NL" dirty="0"/>
+          </a:p>
+        </p:txBody>
+      </p:sp>
+      <p:sp>
+        <p:nvSpPr>
+          <p:cNvPr id="3" name="Slide Number Placeholder 2"/>
+          <p:cNvSpPr>
+            <a:spLocks noGrp="1"/>
+          </p:cNvSpPr>
+          <p:nvPr>
+            <p:ph type="sldNum" sz="quarter" idx="12"/>
+          </p:nvPr>
+        </p:nvSpPr>
+        <p:spPr/>
+        <p:txBody>
+          <a:bodyPr/>
+          <a:lstStyle/>
+          <a:p>
+            <a:fld id="{0A297500-7527-634B-90F4-69D0994C32B4}" type="slidenum">
+              <a:rPr lang="nl-NL" smtClean="0"/>
+              <a:pPr/>
+              <a:t>13</a:t>
+            </a:fld>
+            <a:endParaRPr lang="nl-NL" dirty="0"/>
+          </a:p>
+        </p:txBody>
+      </p:sp>
+      <p:sp>
+        <p:nvSpPr>
+          <p:cNvPr id="5" name="Title 4"/>
+          <p:cNvSpPr>
+            <a:spLocks noGrp="1"/>
+          </p:cNvSpPr>
+          <p:nvPr>
+            <p:ph type="title"/>
+          </p:nvPr>
+        </p:nvSpPr>
+        <p:spPr/>
+        <p:txBody>
+          <a:bodyPr/>
+          <a:lstStyle/>
+          <a:p>
+            <a:pPr algn="ctr"/>
+            <a:r>
+              <a:rPr lang="en-US" dirty="0" smtClean="0"/>
+              <a:t>Hoe doe </a:t>
+            </a:r>
+            <a:r>
+              <a:rPr lang="en-US" dirty="0" err="1" smtClean="0"/>
+              <a:t>ik</a:t>
+            </a:r>
+            <a:r>
+              <a:rPr lang="en-US" dirty="0" smtClean="0"/>
+              <a:t> </a:t>
+            </a:r>
+            <a:r>
+              <a:rPr lang="en-US" dirty="0" err="1" smtClean="0"/>
+              <a:t>dit</a:t>
+            </a:r>
+            <a:r>
+              <a:rPr lang="en-US" dirty="0" smtClean="0"/>
+              <a:t>?</a:t>
+            </a:r>
+            <a:endParaRPr lang="en-US" dirty="0"/>
+          </a:p>
+        </p:txBody>
+      </p:sp>
+      <p:grpSp>
+        <p:nvGrpSpPr>
+          <p:cNvPr id="6" name="Group 5"/>
+          <p:cNvGrpSpPr/>
+          <p:nvPr/>
+        </p:nvGrpSpPr>
+        <p:grpSpPr>
+          <a:xfrm>
+            <a:off x="3684916" y="1457872"/>
+            <a:ext cx="1774168" cy="1114097"/>
+            <a:chOff x="651642" y="3804743"/>
+            <a:chExt cx="1774168" cy="1114097"/>
+          </a:xfrm>
+        </p:grpSpPr>
+        <p:sp>
+          <p:nvSpPr>
+            <p:cNvPr id="7" name="Oval 6"/>
+            <p:cNvSpPr/>
+            <p:nvPr/>
+          </p:nvSpPr>
+          <p:spPr>
+            <a:xfrm>
+              <a:off x="651642" y="3804743"/>
+              <a:ext cx="1774168" cy="1114097"/>
+            </a:xfrm>
+            <a:prstGeom prst="ellipse">
+              <a:avLst/>
+            </a:prstGeom>
+            <a:noFill/>
+          </p:spPr>
+          <p:style>
+            <a:lnRef idx="2">
+              <a:schemeClr val="accent1">
+                <a:shade val="50000"/>
+              </a:schemeClr>
+            </a:lnRef>
+            <a:fillRef idx="1">
+              <a:schemeClr val="accent1"/>
+            </a:fillRef>
+            <a:effectRef idx="0">
+              <a:schemeClr val="accent1"/>
+            </a:effectRef>
+            <a:fontRef idx="minor">
+              <a:schemeClr val="lt1"/>
+            </a:fontRef>
+          </p:style>
+          <p:txBody>
+            <a:bodyPr rtlCol="0" anchor="ctr"/>
+            <a:lstStyle/>
+            <a:p>
+              <a:pPr algn="ctr"/>
+              <a:endParaRPr lang="en-US"/>
+            </a:p>
+          </p:txBody>
+        </p:sp>
+        <p:sp>
+          <p:nvSpPr>
+            <p:cNvPr id="8" name="TextBox 7"/>
+            <p:cNvSpPr txBox="1"/>
+            <p:nvPr/>
+          </p:nvSpPr>
+          <p:spPr>
+            <a:xfrm>
+              <a:off x="913359" y="4038625"/>
+              <a:ext cx="1250731" cy="646331"/>
+            </a:xfrm>
+            <a:prstGeom prst="rect">
+              <a:avLst/>
+            </a:prstGeom>
+            <a:noFill/>
+          </p:spPr>
+          <p:txBody>
+            <a:bodyPr wrap="square" rtlCol="0">
+              <a:spAutoFit/>
+            </a:bodyPr>
+            <a:lstStyle/>
+            <a:p>
+              <a:pPr algn="ctr"/>
+              <a:r>
+                <a:rPr lang="en-US" dirty="0" err="1" smtClean="0"/>
+                <a:t>Spel</a:t>
+              </a:r>
+              <a:r>
+                <a:rPr lang="en-US" dirty="0"/>
+                <a:t> </a:t>
+              </a:r>
+              <a:r>
+                <a:rPr lang="en-US" dirty="0" err="1" smtClean="0"/>
+                <a:t>verzinnen</a:t>
+              </a:r>
+              <a:endParaRPr lang="en-US" dirty="0"/>
+            </a:p>
+          </p:txBody>
+        </p:sp>
+      </p:grpSp>
+      <p:grpSp>
+        <p:nvGrpSpPr>
+          <p:cNvPr id="14" name="Group 13"/>
+          <p:cNvGrpSpPr/>
+          <p:nvPr/>
+        </p:nvGrpSpPr>
+        <p:grpSpPr>
+          <a:xfrm>
+            <a:off x="2118051" y="2571969"/>
+            <a:ext cx="1774168" cy="1114097"/>
+            <a:chOff x="651642" y="3804743"/>
+            <a:chExt cx="1774168" cy="1114097"/>
+          </a:xfrm>
+        </p:grpSpPr>
+        <p:sp>
+          <p:nvSpPr>
+            <p:cNvPr id="15" name="Oval 14"/>
+            <p:cNvSpPr/>
+            <p:nvPr/>
+          </p:nvSpPr>
+          <p:spPr>
+            <a:xfrm>
+              <a:off x="651642" y="3804743"/>
+              <a:ext cx="1774168" cy="1114097"/>
+            </a:xfrm>
+            <a:prstGeom prst="ellipse">
+              <a:avLst/>
+            </a:prstGeom>
+            <a:noFill/>
+          </p:spPr>
+          <p:style>
+            <a:lnRef idx="2">
+              <a:schemeClr val="accent1">
+                <a:shade val="50000"/>
+              </a:schemeClr>
+            </a:lnRef>
+            <a:fillRef idx="1">
+              <a:schemeClr val="accent1"/>
+            </a:fillRef>
+            <a:effectRef idx="0">
+              <a:schemeClr val="accent1"/>
+            </a:effectRef>
+            <a:fontRef idx="minor">
+              <a:schemeClr val="lt1"/>
+            </a:fontRef>
+          </p:style>
+          <p:txBody>
+            <a:bodyPr rtlCol="0" anchor="ctr"/>
+            <a:lstStyle/>
+            <a:p>
+              <a:pPr algn="ctr"/>
+              <a:endParaRPr lang="en-US"/>
+            </a:p>
+          </p:txBody>
+        </p:sp>
+        <p:sp>
+          <p:nvSpPr>
+            <p:cNvPr id="16" name="TextBox 15"/>
+            <p:cNvSpPr txBox="1"/>
+            <p:nvPr/>
+          </p:nvSpPr>
+          <p:spPr>
+            <a:xfrm>
+              <a:off x="913360" y="4177125"/>
+              <a:ext cx="1250731" cy="369332"/>
+            </a:xfrm>
+            <a:prstGeom prst="rect">
+              <a:avLst/>
+            </a:prstGeom>
+            <a:noFill/>
+          </p:spPr>
+          <p:txBody>
+            <a:bodyPr wrap="square" rtlCol="0">
+              <a:spAutoFit/>
+            </a:bodyPr>
+            <a:lstStyle/>
+            <a:p>
+              <a:pPr algn="ctr"/>
+              <a:endParaRPr lang="en-US" dirty="0"/>
+            </a:p>
+          </p:txBody>
+        </p:sp>
+      </p:grpSp>
+      <p:sp>
+        <p:nvSpPr>
+          <p:cNvPr id="17" name="Oval 16"/>
+          <p:cNvSpPr/>
+          <p:nvPr/>
+        </p:nvSpPr>
+        <p:spPr>
+          <a:xfrm>
+            <a:off x="5286920" y="2571972"/>
+            <a:ext cx="1774168" cy="1114097"/>
+          </a:xfrm>
+          <a:prstGeom prst="ellipse">
+            <a:avLst/>
+          </a:prstGeom>
+          <a:noFill/>
+        </p:spPr>
+        <p:style>
+          <a:lnRef idx="2">
+            <a:schemeClr val="accent1">
+              <a:shade val="50000"/>
+            </a:schemeClr>
+          </a:lnRef>
+          <a:fillRef idx="1">
+            <a:schemeClr val="accent1"/>
+          </a:fillRef>
+          <a:effectRef idx="0">
+            <a:schemeClr val="accent1"/>
+          </a:effectRef>
+          <a:fontRef idx="minor">
+            <a:schemeClr val="lt1"/>
+          </a:fontRef>
+        </p:style>
+        <p:txBody>
+          <a:bodyPr rtlCol="0" anchor="ctr"/>
+          <a:lstStyle/>
+          <a:p>
+            <a:pPr algn="ctr"/>
+            <a:endParaRPr lang="en-US"/>
+          </a:p>
+        </p:txBody>
+      </p:sp>
+      <p:sp>
+        <p:nvSpPr>
+          <p:cNvPr id="18" name="TextBox 17"/>
+          <p:cNvSpPr txBox="1"/>
+          <p:nvPr/>
+        </p:nvSpPr>
+        <p:spPr>
+          <a:xfrm>
+            <a:off x="2295522" y="2944354"/>
+            <a:ext cx="1419225" cy="369332"/>
+          </a:xfrm>
+          <a:prstGeom prst="rect">
+            <a:avLst/>
+          </a:prstGeom>
+          <a:noFill/>
+        </p:spPr>
+        <p:txBody>
+          <a:bodyPr wrap="square" rtlCol="0">
+            <a:spAutoFit/>
+          </a:bodyPr>
+          <a:lstStyle/>
+          <a:p>
+            <a:pPr algn="ctr"/>
+            <a:r>
+              <a:rPr lang="en-US" dirty="0" smtClean="0"/>
+              <a:t>ProbLog2</a:t>
+            </a:r>
+            <a:endParaRPr lang="en-US" dirty="0"/>
+          </a:p>
+        </p:txBody>
+      </p:sp>
+      <p:sp>
+        <p:nvSpPr>
+          <p:cNvPr id="19" name="TextBox 18"/>
+          <p:cNvSpPr txBox="1"/>
+          <p:nvPr/>
+        </p:nvSpPr>
+        <p:spPr>
+          <a:xfrm>
+            <a:off x="5464392" y="2944354"/>
+            <a:ext cx="1419225" cy="369332"/>
+          </a:xfrm>
+          <a:prstGeom prst="rect">
+            <a:avLst/>
+          </a:prstGeom>
+          <a:noFill/>
+        </p:spPr>
+        <p:txBody>
+          <a:bodyPr wrap="square" rtlCol="0">
+            <a:spAutoFit/>
+          </a:bodyPr>
+          <a:lstStyle/>
+          <a:p>
+            <a:pPr algn="ctr"/>
+            <a:r>
+              <a:rPr lang="en-US" dirty="0" smtClean="0"/>
+              <a:t>Anglican</a:t>
+            </a:r>
+            <a:endParaRPr lang="en-US" dirty="0"/>
+          </a:p>
+        </p:txBody>
+      </p:sp>
+      <p:cxnSp>
+        <p:nvCxnSpPr>
+          <p:cNvPr id="20" name="Straight Arrow Connector 19"/>
+          <p:cNvCxnSpPr>
+            <a:stCxn id="7" idx="3"/>
+            <a:endCxn id="15" idx="7"/>
+          </p:cNvCxnSpPr>
+          <p:nvPr/>
+        </p:nvCxnSpPr>
+        <p:spPr>
+          <a:xfrm flipH="1">
+            <a:off x="3632398" y="2408813"/>
+            <a:ext cx="312339" cy="326312"/>
+          </a:xfrm>
+          <a:prstGeom prst="straightConnector1">
+            <a:avLst/>
+          </a:prstGeom>
+          <a:ln>
+            <a:tailEnd type="arrow"/>
+          </a:ln>
+        </p:spPr>
+        <p:style>
+          <a:lnRef idx="1">
+            <a:schemeClr val="accent1"/>
+          </a:lnRef>
+          <a:fillRef idx="0">
+            <a:schemeClr val="accent1"/>
+          </a:fillRef>
+          <a:effectRef idx="0">
+            <a:schemeClr val="accent1"/>
+          </a:effectRef>
+          <a:fontRef idx="minor">
+            <a:schemeClr val="tx1"/>
+          </a:fontRef>
+        </p:style>
+      </p:cxnSp>
+      <p:cxnSp>
+        <p:nvCxnSpPr>
+          <p:cNvPr id="22" name="Straight Arrow Connector 21"/>
+          <p:cNvCxnSpPr>
+            <a:stCxn id="7" idx="5"/>
+            <a:endCxn id="17" idx="1"/>
+          </p:cNvCxnSpPr>
+          <p:nvPr/>
+        </p:nvCxnSpPr>
+        <p:spPr>
+          <a:xfrm>
+            <a:off x="5199263" y="2408813"/>
+            <a:ext cx="347478" cy="326315"/>
+          </a:xfrm>
+          <a:prstGeom prst="straightConnector1">
+            <a:avLst/>
+          </a:prstGeom>
+          <a:ln>
+            <a:tailEnd type="arrow"/>
+          </a:ln>
+        </p:spPr>
+        <p:style>
+          <a:lnRef idx="1">
+            <a:schemeClr val="accent1"/>
+          </a:lnRef>
+          <a:fillRef idx="0">
+            <a:schemeClr val="accent1"/>
+          </a:fillRef>
+          <a:effectRef idx="0">
+            <a:schemeClr val="accent1"/>
+          </a:effectRef>
+          <a:fontRef idx="minor">
+            <a:schemeClr val="tx1"/>
+          </a:fontRef>
+        </p:style>
+      </p:cxnSp>
+      <p:grpSp>
+        <p:nvGrpSpPr>
+          <p:cNvPr id="21" name="Group 20"/>
+          <p:cNvGrpSpPr/>
+          <p:nvPr/>
+        </p:nvGrpSpPr>
+        <p:grpSpPr>
+          <a:xfrm>
+            <a:off x="2118050" y="3852241"/>
+            <a:ext cx="1774168" cy="1114097"/>
+            <a:chOff x="651642" y="3804743"/>
+            <a:chExt cx="1774168" cy="1114097"/>
+          </a:xfrm>
+        </p:grpSpPr>
+        <p:sp>
+          <p:nvSpPr>
+            <p:cNvPr id="23" name="Oval 22"/>
+            <p:cNvSpPr/>
+            <p:nvPr/>
+          </p:nvSpPr>
+          <p:spPr>
+            <a:xfrm>
+              <a:off x="651642" y="3804743"/>
+              <a:ext cx="1774168" cy="1114097"/>
+            </a:xfrm>
+            <a:prstGeom prst="ellipse">
+              <a:avLst/>
+            </a:prstGeom>
+            <a:noFill/>
+          </p:spPr>
+          <p:style>
+            <a:lnRef idx="2">
+              <a:schemeClr val="accent1">
+                <a:shade val="50000"/>
+              </a:schemeClr>
+            </a:lnRef>
+            <a:fillRef idx="1">
+              <a:schemeClr val="accent1"/>
+            </a:fillRef>
+            <a:effectRef idx="0">
+              <a:schemeClr val="accent1"/>
+            </a:effectRef>
+            <a:fontRef idx="minor">
+              <a:schemeClr val="lt1"/>
+            </a:fontRef>
+          </p:style>
+          <p:txBody>
+            <a:bodyPr rtlCol="0" anchor="ctr"/>
+            <a:lstStyle/>
+            <a:p>
+              <a:pPr algn="ctr"/>
+              <a:endParaRPr lang="en-US"/>
+            </a:p>
+          </p:txBody>
+        </p:sp>
+        <p:sp>
+          <p:nvSpPr>
+            <p:cNvPr id="24" name="TextBox 23"/>
+            <p:cNvSpPr txBox="1"/>
+            <p:nvPr/>
+          </p:nvSpPr>
+          <p:spPr>
+            <a:xfrm>
+              <a:off x="913360" y="4177125"/>
+              <a:ext cx="1250731" cy="369332"/>
+            </a:xfrm>
+            <a:prstGeom prst="rect">
+              <a:avLst/>
+            </a:prstGeom>
+            <a:noFill/>
+          </p:spPr>
+          <p:txBody>
+            <a:bodyPr wrap="square" rtlCol="0">
+              <a:spAutoFit/>
+            </a:bodyPr>
+            <a:lstStyle/>
+            <a:p>
+              <a:pPr algn="ctr"/>
+              <a:endParaRPr lang="en-US" dirty="0"/>
+            </a:p>
+          </p:txBody>
+        </p:sp>
+      </p:grpSp>
+      <p:sp>
+        <p:nvSpPr>
+          <p:cNvPr id="25" name="Oval 24"/>
+          <p:cNvSpPr/>
+          <p:nvPr/>
+        </p:nvSpPr>
+        <p:spPr>
+          <a:xfrm>
+            <a:off x="5286919" y="3852244"/>
+            <a:ext cx="1774168" cy="1114097"/>
+          </a:xfrm>
+          <a:prstGeom prst="ellipse">
+            <a:avLst/>
+          </a:prstGeom>
+          <a:noFill/>
+        </p:spPr>
+        <p:style>
+          <a:lnRef idx="2">
+            <a:schemeClr val="accent1">
+              <a:shade val="50000"/>
+            </a:schemeClr>
+          </a:lnRef>
+          <a:fillRef idx="1">
+            <a:schemeClr val="accent1"/>
+          </a:fillRef>
+          <a:effectRef idx="0">
+            <a:schemeClr val="accent1"/>
+          </a:effectRef>
+          <a:fontRef idx="minor">
+            <a:schemeClr val="lt1"/>
+          </a:fontRef>
+        </p:style>
+        <p:txBody>
+          <a:bodyPr rtlCol="0" anchor="ctr"/>
+          <a:lstStyle/>
+          <a:p>
+            <a:pPr algn="ctr"/>
+            <a:endParaRPr lang="en-US"/>
+          </a:p>
+        </p:txBody>
+      </p:sp>
+      <p:sp>
+        <p:nvSpPr>
+          <p:cNvPr id="26" name="TextBox 25"/>
+          <p:cNvSpPr txBox="1"/>
+          <p:nvPr/>
+        </p:nvSpPr>
+        <p:spPr>
+          <a:xfrm>
+            <a:off x="2295522" y="4224623"/>
+            <a:ext cx="1419225" cy="369332"/>
+          </a:xfrm>
+          <a:prstGeom prst="rect">
+            <a:avLst/>
+          </a:prstGeom>
+          <a:noFill/>
+        </p:spPr>
+        <p:txBody>
+          <a:bodyPr wrap="square" rtlCol="0">
+            <a:spAutoFit/>
+          </a:bodyPr>
+          <a:lstStyle/>
+          <a:p>
+            <a:pPr algn="ctr"/>
+            <a:r>
+              <a:rPr lang="en-US" dirty="0" err="1" smtClean="0">
+                <a:solidFill>
+                  <a:srgbClr val="92D050"/>
+                </a:solidFill>
+              </a:rPr>
+              <a:t>Evaluatie</a:t>
+            </a:r>
+            <a:endParaRPr lang="en-US" dirty="0">
+              <a:solidFill>
+                <a:srgbClr val="92D050"/>
+              </a:solidFill>
+            </a:endParaRPr>
+          </a:p>
+        </p:txBody>
+      </p:sp>
+      <p:sp>
+        <p:nvSpPr>
+          <p:cNvPr id="27" name="TextBox 26"/>
+          <p:cNvSpPr txBox="1"/>
+          <p:nvPr/>
+        </p:nvSpPr>
+        <p:spPr>
+          <a:xfrm>
+            <a:off x="5464392" y="4224623"/>
+            <a:ext cx="1419225" cy="369332"/>
+          </a:xfrm>
+          <a:prstGeom prst="rect">
+            <a:avLst/>
+          </a:prstGeom>
+          <a:noFill/>
+        </p:spPr>
+        <p:txBody>
+          <a:bodyPr wrap="square" rtlCol="0">
+            <a:spAutoFit/>
+          </a:bodyPr>
+          <a:lstStyle/>
+          <a:p>
+            <a:pPr algn="ctr"/>
+            <a:r>
+              <a:rPr lang="en-US" dirty="0" err="1" smtClean="0">
+                <a:solidFill>
+                  <a:srgbClr val="92D050"/>
+                </a:solidFill>
+              </a:rPr>
+              <a:t>Evaluatie</a:t>
+            </a:r>
+            <a:endParaRPr lang="en-US" dirty="0">
+              <a:solidFill>
+                <a:srgbClr val="92D050"/>
+              </a:solidFill>
+            </a:endParaRPr>
+          </a:p>
+        </p:txBody>
+      </p:sp>
+      <p:sp>
+        <p:nvSpPr>
+          <p:cNvPr id="28" name="TextBox 27"/>
+          <p:cNvSpPr txBox="1"/>
+          <p:nvPr/>
+        </p:nvSpPr>
+        <p:spPr>
+          <a:xfrm>
+            <a:off x="2143123" y="5019675"/>
+            <a:ext cx="4857750" cy="830997"/>
+          </a:xfrm>
+          <a:prstGeom prst="rect">
+            <a:avLst/>
+          </a:prstGeom>
+          <a:noFill/>
+        </p:spPr>
+        <p:txBody>
+          <a:bodyPr wrap="square" rtlCol="0">
+            <a:spAutoFit/>
+          </a:bodyPr>
+          <a:lstStyle/>
+          <a:p>
+            <a:pPr algn="ctr"/>
+            <a:r>
+              <a:rPr lang="en-US" sz="2400" dirty="0" err="1" smtClean="0">
+                <a:solidFill>
+                  <a:srgbClr val="FF0000"/>
+                </a:solidFill>
+              </a:rPr>
+              <a:t>Evaluatie</a:t>
+            </a:r>
+            <a:r>
+              <a:rPr lang="en-US" sz="2400" dirty="0" smtClean="0">
+                <a:solidFill>
+                  <a:srgbClr val="FF0000"/>
+                </a:solidFill>
+              </a:rPr>
+              <a:t> van de PPL </a:t>
+            </a:r>
+          </a:p>
+          <a:p>
+            <a:pPr algn="ctr"/>
+            <a:r>
+              <a:rPr lang="en-US" sz="2400" b="1" dirty="0" smtClean="0">
+                <a:solidFill>
+                  <a:srgbClr val="FF0000"/>
+                </a:solidFill>
+              </a:rPr>
+              <a:t>met </a:t>
+            </a:r>
+            <a:r>
+              <a:rPr lang="en-US" sz="2400" b="1" dirty="0" err="1" smtClean="0">
+                <a:solidFill>
+                  <a:srgbClr val="FF0000"/>
+                </a:solidFill>
+              </a:rPr>
+              <a:t>elkaar</a:t>
+            </a:r>
+            <a:endParaRPr lang="en-US" sz="2400" b="1" dirty="0">
+              <a:solidFill>
+                <a:srgbClr val="FF0000"/>
+              </a:solidFill>
+            </a:endParaRPr>
+          </a:p>
+        </p:txBody>
+      </p:sp>
+      <p:cxnSp>
+        <p:nvCxnSpPr>
+          <p:cNvPr id="11" name="Straight Arrow Connector 10"/>
+          <p:cNvCxnSpPr>
+            <a:stCxn id="15" idx="4"/>
+            <a:endCxn id="23" idx="0"/>
+          </p:cNvCxnSpPr>
+          <p:nvPr/>
+        </p:nvCxnSpPr>
+        <p:spPr>
+          <a:xfrm flipH="1">
+            <a:off x="3005134" y="3686066"/>
+            <a:ext cx="1" cy="166175"/>
+          </a:xfrm>
+          <a:prstGeom prst="straightConnector1">
+            <a:avLst/>
+          </a:prstGeom>
+          <a:ln>
+            <a:tailEnd type="arrow"/>
+          </a:ln>
+        </p:spPr>
+        <p:style>
+          <a:lnRef idx="1">
+            <a:schemeClr val="accent1"/>
+          </a:lnRef>
+          <a:fillRef idx="0">
+            <a:schemeClr val="accent1"/>
+          </a:fillRef>
+          <a:effectRef idx="0">
+            <a:schemeClr val="accent1"/>
+          </a:effectRef>
+          <a:fontRef idx="minor">
+            <a:schemeClr val="tx1"/>
+          </a:fontRef>
+        </p:style>
+      </p:cxnSp>
+      <p:cxnSp>
+        <p:nvCxnSpPr>
+          <p:cNvPr id="29" name="Straight Arrow Connector 28"/>
+          <p:cNvCxnSpPr>
+            <a:stCxn id="17" idx="4"/>
+            <a:endCxn id="25" idx="0"/>
+          </p:cNvCxnSpPr>
+          <p:nvPr/>
+        </p:nvCxnSpPr>
+        <p:spPr>
+          <a:xfrm flipH="1">
+            <a:off x="6174003" y="3686069"/>
+            <a:ext cx="1" cy="166175"/>
+          </a:xfrm>
+          <a:prstGeom prst="straightConnector1">
+            <a:avLst/>
+          </a:prstGeom>
+          <a:ln>
+            <a:tailEnd type="arrow"/>
+          </a:ln>
+        </p:spPr>
+        <p:style>
+          <a:lnRef idx="1">
+            <a:schemeClr val="accent1"/>
+          </a:lnRef>
+          <a:fillRef idx="0">
+            <a:schemeClr val="accent1"/>
+          </a:fillRef>
+          <a:effectRef idx="0">
+            <a:schemeClr val="accent1"/>
+          </a:effectRef>
+          <a:fontRef idx="minor">
+            <a:schemeClr val="tx1"/>
+          </a:fontRef>
+        </p:style>
+      </p:cxnSp>
+      <p:sp>
+        <p:nvSpPr>
+          <p:cNvPr id="30" name="Left-Right Arrow 29"/>
+          <p:cNvSpPr/>
+          <p:nvPr/>
+        </p:nvSpPr>
+        <p:spPr>
+          <a:xfrm>
+            <a:off x="4009697" y="4341499"/>
+            <a:ext cx="1124606" cy="168899"/>
+          </a:xfrm>
+          <a:prstGeom prst="leftRightArrow">
+            <a:avLst/>
+          </a:prstGeom>
+        </p:spPr>
+        <p:style>
+          <a:lnRef idx="2">
+            <a:schemeClr val="accent1">
+              <a:shade val="50000"/>
+            </a:schemeClr>
+          </a:lnRef>
+          <a:fillRef idx="1">
+            <a:schemeClr val="accent1"/>
+          </a:fillRef>
+          <a:effectRef idx="0">
+            <a:schemeClr val="accent1"/>
+          </a:effectRef>
+          <a:fontRef idx="minor">
+            <a:schemeClr val="lt1"/>
+          </a:fontRef>
+        </p:style>
+        <p:txBody>
+          <a:bodyPr rtlCol="0" anchor="ctr"/>
+          <a:lstStyle/>
+          <a:p>
+            <a:pPr algn="ctr"/>
+            <a:endParaRPr lang="nl-BE"/>
+          </a:p>
+        </p:txBody>
+      </p:sp>
+    </p:spTree>
+    <p:extLst>
+      <p:ext uri="{BB962C8B-B14F-4D97-AF65-F5344CB8AC3E}">
+        <p14:creationId xmlns:p14="http://schemas.microsoft.com/office/powerpoint/2010/main" val="2275007994"/>
+      </p:ext>
+    </p:extLst>
+  </p:cSld>
+  <p:clrMapOvr>
+    <a:masterClrMapping/>
+  </p:clrMapOvr>
+  <p:timing>
+    <p:tnLst>
+      <p:par>
+        <p:cTn id="1" dur="indefinite" restart="never" nodeType="tmRoot"/>
+      </p:par>
+    </p:tnLst>
+  </p:timing>
+</p:sld>
+</file>
+
+<file path=ppt/slides/slide15.xml><?xml version="1.0" encoding="utf-8"?>
+<p:sld xmlns:a="http://schemas.openxmlformats.org/drawingml/2006/main" xmlns:r="http://schemas.openxmlformats.org/officeDocument/2006/relationships" xmlns:p="http://schemas.openxmlformats.org/presentationml/2006/main">
+  <p:cSld>
+    <p:spTree>
+      <p:nvGrpSpPr>
+        <p:cNvPr id="1" name=""/>
+        <p:cNvGrpSpPr/>
+        <p:nvPr/>
+      </p:nvGrpSpPr>
+      <p:grpSpPr>
+        <a:xfrm>
+          <a:off x="0" y="0"/>
+          <a:ext cx="0" cy="0"/>
+          <a:chOff x="0" y="0"/>
+          <a:chExt cx="0" cy="0"/>
+        </a:xfrm>
+      </p:grpSpPr>
+      <p:sp>
+        <p:nvSpPr>
+          <p:cNvPr id="2" name="Footer Placeholder 1"/>
+          <p:cNvSpPr>
+            <a:spLocks noGrp="1"/>
+          </p:cNvSpPr>
+          <p:nvPr>
+            <p:ph type="ftr" sz="quarter" idx="11"/>
+          </p:nvPr>
+        </p:nvSpPr>
+        <p:spPr/>
+        <p:txBody>
+          <a:bodyPr/>
+          <a:lstStyle/>
+          <a:p>
+            <a:r>
+              <a:rPr lang="nl-NL" smtClean="0"/>
+              <a:t>Departement Computerwetenschappen · Faculteit Wetenschappen · KU Leuven</a:t>
+            </a:r>
+            <a:endParaRPr lang="nl-NL" dirty="0"/>
+          </a:p>
+        </p:txBody>
+      </p:sp>
+      <p:sp>
+        <p:nvSpPr>
+          <p:cNvPr id="3" name="Slide Number Placeholder 2"/>
+          <p:cNvSpPr>
+            <a:spLocks noGrp="1"/>
+          </p:cNvSpPr>
+          <p:nvPr>
+            <p:ph type="sldNum" sz="quarter" idx="12"/>
+          </p:nvPr>
+        </p:nvSpPr>
+        <p:spPr/>
+        <p:txBody>
+          <a:bodyPr/>
+          <a:lstStyle/>
+          <a:p>
+            <a:fld id="{0A297500-7527-634B-90F4-69D0994C32B4}" type="slidenum">
+              <a:rPr lang="nl-NL" smtClean="0"/>
+              <a:pPr/>
+              <a:t>14</a:t>
             </a:fld>
             <a:endParaRPr lang="nl-NL" dirty="0"/>
           </a:p>
@@ -10944,7 +12849,7 @@
 </p:sld>
 </file>
 
-<file path=ppt/slides/slide13.xml><?xml version="1.0" encoding="utf-8"?>
+<file path=ppt/slides/slide16.xml><?xml version="1.0" encoding="utf-8"?>
 <p:sld xmlns:a="http://schemas.openxmlformats.org/drawingml/2006/main" xmlns:r="http://schemas.openxmlformats.org/officeDocument/2006/relationships" xmlns:p="http://schemas.openxmlformats.org/presentationml/2006/main">
   <p:cSld>
     <p:spTree>
@@ -11002,7 +12907,7 @@
             <a:fld id="{0A297500-7527-634B-90F4-69D0994C32B4}" type="slidenum">
               <a:rPr lang="nl-NL" smtClean="0"/>
               <a:pPr/>
-              <a:t>12</a:t>
+              <a:t>15</a:t>
             </a:fld>
             <a:endParaRPr lang="nl-NL" dirty="0"/>
           </a:p>
@@ -11120,11 +13025,7 @@
             </a:r>
             <a:r>
               <a:rPr lang="nl-BE" dirty="0" smtClean="0"/>
-              <a:t>) </a:t>
-            </a:r>
-            <a:r>
-              <a:rPr lang="nl-BE" dirty="0" smtClean="0"/>
-              <a:t>= P(</a:t>
+              <a:t>) = P(</a:t>
             </a:r>
             <a:r>
               <a:rPr lang="nl-BE" dirty="0" smtClean="0">
@@ -11148,11 +13049,7 @@
             </a:r>
             <a:r>
               <a:rPr lang="nl-BE" dirty="0" smtClean="0"/>
-              <a:t>) </a:t>
-            </a:r>
-            <a:r>
-              <a:rPr lang="nl-BE" dirty="0" smtClean="0"/>
-              <a:t>= P(</a:t>
+              <a:t>) = P(</a:t>
             </a:r>
             <a:r>
               <a:rPr lang="nl-BE" dirty="0" smtClean="0">
@@ -11201,7 +13098,7 @@
 </p:sld>
 </file>
 
-<file path=ppt/slides/slide14.xml><?xml version="1.0" encoding="utf-8"?>
+<file path=ppt/slides/slide17.xml><?xml version="1.0" encoding="utf-8"?>
 <p:sld xmlns:a="http://schemas.openxmlformats.org/drawingml/2006/main" xmlns:r="http://schemas.openxmlformats.org/officeDocument/2006/relationships" xmlns:p="http://schemas.openxmlformats.org/presentationml/2006/main">
   <p:cSld>
     <p:spTree>
@@ -11259,7 +13156,7 @@
             <a:fld id="{0A297500-7527-634B-90F4-69D0994C32B4}" type="slidenum">
               <a:rPr lang="nl-NL" smtClean="0"/>
               <a:pPr/>
-              <a:t>13</a:t>
+              <a:t>16</a:t>
             </a:fld>
             <a:endParaRPr lang="nl-NL" dirty="0"/>
           </a:p>
@@ -11349,7 +13246,7 @@
 </p:sld>
 </file>
 
-<file path=ppt/slides/slide15.xml><?xml version="1.0" encoding="utf-8"?>
+<file path=ppt/slides/slide18.xml><?xml version="1.0" encoding="utf-8"?>
 <p:sld xmlns:a="http://schemas.openxmlformats.org/drawingml/2006/main" xmlns:r="http://schemas.openxmlformats.org/officeDocument/2006/relationships" xmlns:p="http://schemas.openxmlformats.org/presentationml/2006/main">
   <p:cSld>
     <p:spTree>
@@ -11407,7 +13304,7 @@
             <a:fld id="{0A297500-7527-634B-90F4-69D0994C32B4}" type="slidenum">
               <a:rPr lang="nl-NL" smtClean="0"/>
               <a:pPr/>
-              <a:t>14</a:t>
+              <a:t>17</a:t>
             </a:fld>
             <a:endParaRPr lang="nl-NL" dirty="0"/>
           </a:p>
@@ -11535,7 +13432,7 @@
 </p:sld>
 </file>
 
-<file path=ppt/slides/slide16.xml><?xml version="1.0" encoding="utf-8"?>
+<file path=ppt/slides/slide19.xml><?xml version="1.0" encoding="utf-8"?>
 <p:sld xmlns:a="http://schemas.openxmlformats.org/drawingml/2006/main" xmlns:r="http://schemas.openxmlformats.org/officeDocument/2006/relationships" xmlns:p="http://schemas.openxmlformats.org/presentationml/2006/main">
   <p:cSld>
     <p:spTree>
@@ -11593,7 +13490,7 @@
             <a:fld id="{0A297500-7527-634B-90F4-69D0994C32B4}" type="slidenum">
               <a:rPr lang="nl-NL" smtClean="0"/>
               <a:pPr/>
-              <a:t>15</a:t>
+              <a:t>18</a:t>
             </a:fld>
             <a:endParaRPr lang="nl-NL" dirty="0"/>
           </a:p>
@@ -11696,543 +13593,6 @@
     <p:extLst>
       <p:ext uri="{BB962C8B-B14F-4D97-AF65-F5344CB8AC3E}">
         <p14:creationId xmlns:p14="http://schemas.microsoft.com/office/powerpoint/2010/main" val="2643590677"/>
-      </p:ext>
-    </p:extLst>
-  </p:cSld>
-  <p:clrMapOvr>
-    <a:masterClrMapping/>
-  </p:clrMapOvr>
-  <p:timing>
-    <p:tnLst>
-      <p:par>
-        <p:cTn id="1" dur="indefinite" restart="never" nodeType="tmRoot"/>
-      </p:par>
-    </p:tnLst>
-  </p:timing>
-</p:sld>
-</file>
-
-<file path=ppt/slides/slide17.xml><?xml version="1.0" encoding="utf-8"?>
-<p:sld xmlns:a="http://schemas.openxmlformats.org/drawingml/2006/main" xmlns:r="http://schemas.openxmlformats.org/officeDocument/2006/relationships" xmlns:p="http://schemas.openxmlformats.org/presentationml/2006/main">
-  <p:cSld>
-    <p:spTree>
-      <p:nvGrpSpPr>
-        <p:cNvPr id="1" name=""/>
-        <p:cNvGrpSpPr/>
-        <p:nvPr/>
-      </p:nvGrpSpPr>
-      <p:grpSpPr>
-        <a:xfrm>
-          <a:off x="0" y="0"/>
-          <a:ext cx="0" cy="0"/>
-          <a:chOff x="0" y="0"/>
-          <a:chExt cx="0" cy="0"/>
-        </a:xfrm>
-      </p:grpSpPr>
-      <p:sp>
-        <p:nvSpPr>
-          <p:cNvPr id="2" name="Footer Placeholder 1"/>
-          <p:cNvSpPr>
-            <a:spLocks noGrp="1"/>
-          </p:cNvSpPr>
-          <p:nvPr>
-            <p:ph type="ftr" sz="quarter" idx="11"/>
-          </p:nvPr>
-        </p:nvSpPr>
-        <p:spPr/>
-        <p:txBody>
-          <a:bodyPr/>
-          <a:lstStyle/>
-          <a:p>
-            <a:r>
-              <a:rPr lang="nl-NL" smtClean="0"/>
-              <a:t>Departement Computerwetenschappen · Faculteit Wetenschappen · KU Leuven</a:t>
-            </a:r>
-            <a:endParaRPr lang="nl-NL" dirty="0"/>
-          </a:p>
-        </p:txBody>
-      </p:sp>
-      <p:sp>
-        <p:nvSpPr>
-          <p:cNvPr id="3" name="Slide Number Placeholder 2"/>
-          <p:cNvSpPr>
-            <a:spLocks noGrp="1"/>
-          </p:cNvSpPr>
-          <p:nvPr>
-            <p:ph type="sldNum" sz="quarter" idx="12"/>
-          </p:nvPr>
-        </p:nvSpPr>
-        <p:spPr/>
-        <p:txBody>
-          <a:bodyPr/>
-          <a:lstStyle/>
-          <a:p>
-            <a:fld id="{0A297500-7527-634B-90F4-69D0994C32B4}" type="slidenum">
-              <a:rPr lang="nl-NL" smtClean="0"/>
-              <a:pPr/>
-              <a:t>16</a:t>
-            </a:fld>
-            <a:endParaRPr lang="nl-NL" dirty="0"/>
-          </a:p>
-        </p:txBody>
-      </p:sp>
-      <p:sp>
-        <p:nvSpPr>
-          <p:cNvPr id="5" name="Title 4"/>
-          <p:cNvSpPr>
-            <a:spLocks noGrp="1"/>
-          </p:cNvSpPr>
-          <p:nvPr>
-            <p:ph type="title"/>
-          </p:nvPr>
-        </p:nvSpPr>
-        <p:spPr/>
-        <p:txBody>
-          <a:bodyPr/>
-          <a:lstStyle/>
-          <a:p>
-            <a:pPr algn="ctr"/>
-            <a:r>
-              <a:rPr lang="en-US" dirty="0" err="1"/>
-              <a:t>Spel</a:t>
-            </a:r>
-            <a:endParaRPr lang="en-US" dirty="0"/>
-          </a:p>
-        </p:txBody>
-      </p:sp>
-      <p:pic>
-        <p:nvPicPr>
-          <p:cNvPr id="1026" name="Picture 2"/>
-          <p:cNvPicPr>
-            <a:picLocks noChangeAspect="1" noChangeArrowheads="1"/>
-          </p:cNvPicPr>
-          <p:nvPr/>
-        </p:nvPicPr>
-        <p:blipFill>
-          <a:blip r:embed="rId3">
-            <a:extLst>
-              <a:ext uri="{28A0092B-C50C-407E-A947-70E740481C1C}">
-                <a14:useLocalDpi xmlns:a14="http://schemas.microsoft.com/office/drawing/2010/main" val="0"/>
-              </a:ext>
-            </a:extLst>
-          </a:blip>
-          <a:stretch>
-            <a:fillRect/>
-          </a:stretch>
-        </p:blipFill>
-        <p:spPr bwMode="auto">
-          <a:xfrm>
-            <a:off x="2286000" y="1221827"/>
-            <a:ext cx="4572000" cy="4572000"/>
-          </a:xfrm>
-          <a:prstGeom prst="rect">
-            <a:avLst/>
-          </a:prstGeom>
-          <a:noFill/>
-          <a:extLst>
-            <a:ext uri="{909E8E84-426E-40DD-AFC4-6F175D3DCCD1}">
-              <a14:hiddenFill xmlns:a14="http://schemas.microsoft.com/office/drawing/2010/main">
-                <a:solidFill>
-                  <a:srgbClr val="FFFFFF"/>
-                </a:solidFill>
-              </a14:hiddenFill>
-            </a:ext>
-          </a:extLst>
-        </p:spPr>
-      </p:pic>
-      <p:sp>
-        <p:nvSpPr>
-          <p:cNvPr id="6" name="TextBox 5"/>
-          <p:cNvSpPr txBox="1"/>
-          <p:nvPr/>
-        </p:nvSpPr>
-        <p:spPr>
-          <a:xfrm>
-            <a:off x="228600" y="1231352"/>
-            <a:ext cx="2057399" cy="1200329"/>
-          </a:xfrm>
-          <a:prstGeom prst="rect">
-            <a:avLst/>
-          </a:prstGeom>
-          <a:noFill/>
-        </p:spPr>
-        <p:txBody>
-          <a:bodyPr wrap="square" rtlCol="0">
-            <a:spAutoFit/>
-          </a:bodyPr>
-          <a:lstStyle/>
-          <a:p>
-            <a:r>
-              <a:rPr lang="nl-BE" dirty="0" smtClean="0"/>
-              <a:t>Meer als 3 naast elkaar, verwijder blokken en laat rest vallen.</a:t>
-            </a:r>
-          </a:p>
-        </p:txBody>
-      </p:sp>
-    </p:spTree>
-    <p:extLst>
-      <p:ext uri="{BB962C8B-B14F-4D97-AF65-F5344CB8AC3E}">
-        <p14:creationId xmlns:p14="http://schemas.microsoft.com/office/powerpoint/2010/main" val="62093946"/>
-      </p:ext>
-    </p:extLst>
-  </p:cSld>
-  <p:clrMapOvr>
-    <a:masterClrMapping/>
-  </p:clrMapOvr>
-  <p:timing>
-    <p:tnLst>
-      <p:par>
-        <p:cTn id="1" dur="indefinite" restart="never" nodeType="tmRoot"/>
-      </p:par>
-    </p:tnLst>
-  </p:timing>
-</p:sld>
-</file>
-
-<file path=ppt/slides/slide18.xml><?xml version="1.0" encoding="utf-8"?>
-<p:sld xmlns:a="http://schemas.openxmlformats.org/drawingml/2006/main" xmlns:r="http://schemas.openxmlformats.org/officeDocument/2006/relationships" xmlns:p="http://schemas.openxmlformats.org/presentationml/2006/main">
-  <p:cSld>
-    <p:spTree>
-      <p:nvGrpSpPr>
-        <p:cNvPr id="1" name=""/>
-        <p:cNvGrpSpPr/>
-        <p:nvPr/>
-      </p:nvGrpSpPr>
-      <p:grpSpPr>
-        <a:xfrm>
-          <a:off x="0" y="0"/>
-          <a:ext cx="0" cy="0"/>
-          <a:chOff x="0" y="0"/>
-          <a:chExt cx="0" cy="0"/>
-        </a:xfrm>
-      </p:grpSpPr>
-      <p:sp>
-        <p:nvSpPr>
-          <p:cNvPr id="2" name="Footer Placeholder 1"/>
-          <p:cNvSpPr>
-            <a:spLocks noGrp="1"/>
-          </p:cNvSpPr>
-          <p:nvPr>
-            <p:ph type="ftr" sz="quarter" idx="11"/>
-          </p:nvPr>
-        </p:nvSpPr>
-        <p:spPr/>
-        <p:txBody>
-          <a:bodyPr/>
-          <a:lstStyle/>
-          <a:p>
-            <a:r>
-              <a:rPr lang="nl-NL" smtClean="0"/>
-              <a:t>Departement Computerwetenschappen · Faculteit Wetenschappen · KU Leuven</a:t>
-            </a:r>
-            <a:endParaRPr lang="nl-NL" dirty="0"/>
-          </a:p>
-        </p:txBody>
-      </p:sp>
-      <p:sp>
-        <p:nvSpPr>
-          <p:cNvPr id="3" name="Slide Number Placeholder 2"/>
-          <p:cNvSpPr>
-            <a:spLocks noGrp="1"/>
-          </p:cNvSpPr>
-          <p:nvPr>
-            <p:ph type="sldNum" sz="quarter" idx="12"/>
-          </p:nvPr>
-        </p:nvSpPr>
-        <p:spPr/>
-        <p:txBody>
-          <a:bodyPr/>
-          <a:lstStyle/>
-          <a:p>
-            <a:fld id="{0A297500-7527-634B-90F4-69D0994C32B4}" type="slidenum">
-              <a:rPr lang="nl-NL" smtClean="0"/>
-              <a:pPr/>
-              <a:t>17</a:t>
-            </a:fld>
-            <a:endParaRPr lang="nl-NL" dirty="0"/>
-          </a:p>
-        </p:txBody>
-      </p:sp>
-      <p:sp>
-        <p:nvSpPr>
-          <p:cNvPr id="5" name="Title 4"/>
-          <p:cNvSpPr>
-            <a:spLocks noGrp="1"/>
-          </p:cNvSpPr>
-          <p:nvPr>
-            <p:ph type="title"/>
-          </p:nvPr>
-        </p:nvSpPr>
-        <p:spPr/>
-        <p:txBody>
-          <a:bodyPr/>
-          <a:lstStyle/>
-          <a:p>
-            <a:pPr algn="ctr"/>
-            <a:r>
-              <a:rPr lang="en-US" dirty="0" err="1"/>
-              <a:t>Spel</a:t>
-            </a:r>
-            <a:endParaRPr lang="en-US" dirty="0"/>
-          </a:p>
-        </p:txBody>
-      </p:sp>
-      <p:pic>
-        <p:nvPicPr>
-          <p:cNvPr id="1026" name="Picture 2"/>
-          <p:cNvPicPr>
-            <a:picLocks noChangeAspect="1" noChangeArrowheads="1"/>
-          </p:cNvPicPr>
-          <p:nvPr/>
-        </p:nvPicPr>
-        <p:blipFill>
-          <a:blip r:embed="rId3">
-            <a:extLst>
-              <a:ext uri="{28A0092B-C50C-407E-A947-70E740481C1C}">
-                <a14:useLocalDpi xmlns:a14="http://schemas.microsoft.com/office/drawing/2010/main" val="0"/>
-              </a:ext>
-            </a:extLst>
-          </a:blip>
-          <a:stretch>
-            <a:fillRect/>
-          </a:stretch>
-        </p:blipFill>
-        <p:spPr bwMode="auto">
-          <a:xfrm>
-            <a:off x="2286000" y="1221827"/>
-            <a:ext cx="4572000" cy="4572000"/>
-          </a:xfrm>
-          <a:prstGeom prst="rect">
-            <a:avLst/>
-          </a:prstGeom>
-          <a:noFill/>
-          <a:extLst>
-            <a:ext uri="{909E8E84-426E-40DD-AFC4-6F175D3DCCD1}">
-              <a14:hiddenFill xmlns:a14="http://schemas.microsoft.com/office/drawing/2010/main">
-                <a:solidFill>
-                  <a:srgbClr val="FFFFFF"/>
-                </a:solidFill>
-              </a14:hiddenFill>
-            </a:ext>
-          </a:extLst>
-        </p:spPr>
-      </p:pic>
-      <p:sp>
-        <p:nvSpPr>
-          <p:cNvPr id="6" name="TextBox 5"/>
-          <p:cNvSpPr txBox="1"/>
-          <p:nvPr/>
-        </p:nvSpPr>
-        <p:spPr>
-          <a:xfrm>
-            <a:off x="228600" y="1231352"/>
-            <a:ext cx="2057399" cy="1200329"/>
-          </a:xfrm>
-          <a:prstGeom prst="rect">
-            <a:avLst/>
-          </a:prstGeom>
-          <a:noFill/>
-        </p:spPr>
-        <p:txBody>
-          <a:bodyPr wrap="square" rtlCol="0">
-            <a:spAutoFit/>
-          </a:bodyPr>
-          <a:lstStyle/>
-          <a:p>
-            <a:r>
-              <a:rPr lang="nl-BE" dirty="0" smtClean="0"/>
-              <a:t>Meer als 3 naast elkaar, verwijder blokken en laat rest vallen.</a:t>
-            </a:r>
-          </a:p>
-        </p:txBody>
-      </p:sp>
-    </p:spTree>
-    <p:extLst>
-      <p:ext uri="{BB962C8B-B14F-4D97-AF65-F5344CB8AC3E}">
-        <p14:creationId xmlns:p14="http://schemas.microsoft.com/office/powerpoint/2010/main" val="1875322068"/>
-      </p:ext>
-    </p:extLst>
-  </p:cSld>
-  <p:clrMapOvr>
-    <a:masterClrMapping/>
-  </p:clrMapOvr>
-  <p:timing>
-    <p:tnLst>
-      <p:par>
-        <p:cTn id="1" dur="indefinite" restart="never" nodeType="tmRoot"/>
-      </p:par>
-    </p:tnLst>
-  </p:timing>
-</p:sld>
-</file>
-
-<file path=ppt/slides/slide19.xml><?xml version="1.0" encoding="utf-8"?>
-<p:sld xmlns:a="http://schemas.openxmlformats.org/drawingml/2006/main" xmlns:r="http://schemas.openxmlformats.org/officeDocument/2006/relationships" xmlns:p="http://schemas.openxmlformats.org/presentationml/2006/main">
-  <p:cSld>
-    <p:spTree>
-      <p:nvGrpSpPr>
-        <p:cNvPr id="1" name=""/>
-        <p:cNvGrpSpPr/>
-        <p:nvPr/>
-      </p:nvGrpSpPr>
-      <p:grpSpPr>
-        <a:xfrm>
-          <a:off x="0" y="0"/>
-          <a:ext cx="0" cy="0"/>
-          <a:chOff x="0" y="0"/>
-          <a:chExt cx="0" cy="0"/>
-        </a:xfrm>
-      </p:grpSpPr>
-      <p:sp>
-        <p:nvSpPr>
-          <p:cNvPr id="2" name="Footer Placeholder 1"/>
-          <p:cNvSpPr>
-            <a:spLocks noGrp="1"/>
-          </p:cNvSpPr>
-          <p:nvPr>
-            <p:ph type="ftr" sz="quarter" idx="11"/>
-          </p:nvPr>
-        </p:nvSpPr>
-        <p:spPr/>
-        <p:txBody>
-          <a:bodyPr/>
-          <a:lstStyle/>
-          <a:p>
-            <a:r>
-              <a:rPr lang="nl-NL" smtClean="0"/>
-              <a:t>Departement Computerwetenschappen · Faculteit Wetenschappen · KU Leuven</a:t>
-            </a:r>
-            <a:endParaRPr lang="nl-NL" dirty="0"/>
-          </a:p>
-        </p:txBody>
-      </p:sp>
-      <p:sp>
-        <p:nvSpPr>
-          <p:cNvPr id="3" name="Slide Number Placeholder 2"/>
-          <p:cNvSpPr>
-            <a:spLocks noGrp="1"/>
-          </p:cNvSpPr>
-          <p:nvPr>
-            <p:ph type="sldNum" sz="quarter" idx="12"/>
-          </p:nvPr>
-        </p:nvSpPr>
-        <p:spPr/>
-        <p:txBody>
-          <a:bodyPr/>
-          <a:lstStyle/>
-          <a:p>
-            <a:fld id="{0A297500-7527-634B-90F4-69D0994C32B4}" type="slidenum">
-              <a:rPr lang="nl-NL" smtClean="0"/>
-              <a:pPr/>
-              <a:t>18</a:t>
-            </a:fld>
-            <a:endParaRPr lang="nl-NL" dirty="0"/>
-          </a:p>
-        </p:txBody>
-      </p:sp>
-      <p:sp>
-        <p:nvSpPr>
-          <p:cNvPr id="5" name="Title 4"/>
-          <p:cNvSpPr>
-            <a:spLocks noGrp="1"/>
-          </p:cNvSpPr>
-          <p:nvPr>
-            <p:ph type="title"/>
-          </p:nvPr>
-        </p:nvSpPr>
-        <p:spPr/>
-        <p:txBody>
-          <a:bodyPr/>
-          <a:lstStyle/>
-          <a:p>
-            <a:pPr algn="ctr"/>
-            <a:r>
-              <a:rPr lang="en-US" dirty="0" err="1"/>
-              <a:t>Spel</a:t>
-            </a:r>
-            <a:endParaRPr lang="en-US" dirty="0"/>
-          </a:p>
-        </p:txBody>
-      </p:sp>
-      <p:pic>
-        <p:nvPicPr>
-          <p:cNvPr id="1026" name="Picture 2"/>
-          <p:cNvPicPr>
-            <a:picLocks noChangeAspect="1" noChangeArrowheads="1"/>
-          </p:cNvPicPr>
-          <p:nvPr/>
-        </p:nvPicPr>
-        <p:blipFill>
-          <a:blip r:embed="rId3">
-            <a:extLst>
-              <a:ext uri="{28A0092B-C50C-407E-A947-70E740481C1C}">
-                <a14:useLocalDpi xmlns:a14="http://schemas.microsoft.com/office/drawing/2010/main" val="0"/>
-              </a:ext>
-            </a:extLst>
-          </a:blip>
-          <a:stretch>
-            <a:fillRect/>
-          </a:stretch>
-        </p:blipFill>
-        <p:spPr bwMode="auto">
-          <a:xfrm>
-            <a:off x="2286000" y="1221827"/>
-            <a:ext cx="4572000" cy="4572000"/>
-          </a:xfrm>
-          <a:prstGeom prst="rect">
-            <a:avLst/>
-          </a:prstGeom>
-          <a:noFill/>
-          <a:extLst>
-            <a:ext uri="{909E8E84-426E-40DD-AFC4-6F175D3DCCD1}">
-              <a14:hiddenFill xmlns:a14="http://schemas.microsoft.com/office/drawing/2010/main">
-                <a:solidFill>
-                  <a:srgbClr val="FFFFFF"/>
-                </a:solidFill>
-              </a14:hiddenFill>
-            </a:ext>
-          </a:extLst>
-        </p:spPr>
-      </p:pic>
-      <p:sp>
-        <p:nvSpPr>
-          <p:cNvPr id="6" name="TextBox 5"/>
-          <p:cNvSpPr txBox="1"/>
-          <p:nvPr/>
-        </p:nvSpPr>
-        <p:spPr>
-          <a:xfrm>
-            <a:off x="228600" y="1231352"/>
-            <a:ext cx="2057399" cy="646331"/>
-          </a:xfrm>
-          <a:prstGeom prst="rect">
-            <a:avLst/>
-          </a:prstGeom>
-          <a:noFill/>
-        </p:spPr>
-        <p:txBody>
-          <a:bodyPr wrap="square" rtlCol="0">
-            <a:spAutoFit/>
-          </a:bodyPr>
-          <a:lstStyle/>
-          <a:p>
-            <a:r>
-              <a:rPr lang="nl-BE" dirty="0" smtClean="0"/>
-              <a:t>Einde beurt,</a:t>
-            </a:r>
-          </a:p>
-          <a:p>
-            <a:r>
-              <a:rPr lang="nl-BE" dirty="0" smtClean="0"/>
-              <a:t>Score is 23.</a:t>
-            </a:r>
-          </a:p>
-        </p:txBody>
-      </p:sp>
-    </p:spTree>
-    <p:extLst>
-      <p:ext uri="{BB962C8B-B14F-4D97-AF65-F5344CB8AC3E}">
-        <p14:creationId xmlns:p14="http://schemas.microsoft.com/office/powerpoint/2010/main" val="1875322068"/>
       </p:ext>
     </p:extLst>
   </p:cSld>
@@ -14640,6 +16000,548 @@
           <a:p>
             <a:pPr algn="ctr"/>
             <a:r>
+              <a:rPr lang="en-US" dirty="0" err="1"/>
+              <a:t>Spel</a:t>
+            </a:r>
+            <a:endParaRPr lang="en-US" dirty="0"/>
+          </a:p>
+        </p:txBody>
+      </p:sp>
+      <p:pic>
+        <p:nvPicPr>
+          <p:cNvPr id="1026" name="Picture 2"/>
+          <p:cNvPicPr>
+            <a:picLocks noChangeAspect="1" noChangeArrowheads="1"/>
+          </p:cNvPicPr>
+          <p:nvPr/>
+        </p:nvPicPr>
+        <p:blipFill>
+          <a:blip r:embed="rId3">
+            <a:extLst>
+              <a:ext uri="{28A0092B-C50C-407E-A947-70E740481C1C}">
+                <a14:useLocalDpi xmlns:a14="http://schemas.microsoft.com/office/drawing/2010/main" val="0"/>
+              </a:ext>
+            </a:extLst>
+          </a:blip>
+          <a:stretch>
+            <a:fillRect/>
+          </a:stretch>
+        </p:blipFill>
+        <p:spPr bwMode="auto">
+          <a:xfrm>
+            <a:off x="2286000" y="1221827"/>
+            <a:ext cx="4572000" cy="4572000"/>
+          </a:xfrm>
+          <a:prstGeom prst="rect">
+            <a:avLst/>
+          </a:prstGeom>
+          <a:noFill/>
+          <a:extLst>
+            <a:ext uri="{909E8E84-426E-40DD-AFC4-6F175D3DCCD1}">
+              <a14:hiddenFill xmlns:a14="http://schemas.microsoft.com/office/drawing/2010/main">
+                <a:solidFill>
+                  <a:srgbClr val="FFFFFF"/>
+                </a:solidFill>
+              </a14:hiddenFill>
+            </a:ext>
+          </a:extLst>
+        </p:spPr>
+      </p:pic>
+      <p:sp>
+        <p:nvSpPr>
+          <p:cNvPr id="6" name="TextBox 5"/>
+          <p:cNvSpPr txBox="1"/>
+          <p:nvPr/>
+        </p:nvSpPr>
+        <p:spPr>
+          <a:xfrm>
+            <a:off x="228600" y="1231352"/>
+            <a:ext cx="2057399" cy="1200329"/>
+          </a:xfrm>
+          <a:prstGeom prst="rect">
+            <a:avLst/>
+          </a:prstGeom>
+          <a:noFill/>
+        </p:spPr>
+        <p:txBody>
+          <a:bodyPr wrap="square" rtlCol="0">
+            <a:spAutoFit/>
+          </a:bodyPr>
+          <a:lstStyle/>
+          <a:p>
+            <a:r>
+              <a:rPr lang="nl-BE" dirty="0" smtClean="0"/>
+              <a:t>Meer als 3 naast elkaar, verwijder blokken en laat rest vallen.</a:t>
+            </a:r>
+          </a:p>
+        </p:txBody>
+      </p:sp>
+    </p:spTree>
+    <p:extLst>
+      <p:ext uri="{BB962C8B-B14F-4D97-AF65-F5344CB8AC3E}">
+        <p14:creationId xmlns:p14="http://schemas.microsoft.com/office/powerpoint/2010/main" val="62093946"/>
+      </p:ext>
+    </p:extLst>
+  </p:cSld>
+  <p:clrMapOvr>
+    <a:masterClrMapping/>
+  </p:clrMapOvr>
+  <p:timing>
+    <p:tnLst>
+      <p:par>
+        <p:cTn id="1" dur="indefinite" restart="never" nodeType="tmRoot"/>
+      </p:par>
+    </p:tnLst>
+  </p:timing>
+</p:sld>
+</file>
+
+<file path=ppt/slides/slide21.xml><?xml version="1.0" encoding="utf-8"?>
+<p:sld xmlns:a="http://schemas.openxmlformats.org/drawingml/2006/main" xmlns:r="http://schemas.openxmlformats.org/officeDocument/2006/relationships" xmlns:p="http://schemas.openxmlformats.org/presentationml/2006/main">
+  <p:cSld>
+    <p:spTree>
+      <p:nvGrpSpPr>
+        <p:cNvPr id="1" name=""/>
+        <p:cNvGrpSpPr/>
+        <p:nvPr/>
+      </p:nvGrpSpPr>
+      <p:grpSpPr>
+        <a:xfrm>
+          <a:off x="0" y="0"/>
+          <a:ext cx="0" cy="0"/>
+          <a:chOff x="0" y="0"/>
+          <a:chExt cx="0" cy="0"/>
+        </a:xfrm>
+      </p:grpSpPr>
+      <p:sp>
+        <p:nvSpPr>
+          <p:cNvPr id="2" name="Footer Placeholder 1"/>
+          <p:cNvSpPr>
+            <a:spLocks noGrp="1"/>
+          </p:cNvSpPr>
+          <p:nvPr>
+            <p:ph type="ftr" sz="quarter" idx="11"/>
+          </p:nvPr>
+        </p:nvSpPr>
+        <p:spPr/>
+        <p:txBody>
+          <a:bodyPr/>
+          <a:lstStyle/>
+          <a:p>
+            <a:r>
+              <a:rPr lang="nl-NL" smtClean="0"/>
+              <a:t>Departement Computerwetenschappen · Faculteit Wetenschappen · KU Leuven</a:t>
+            </a:r>
+            <a:endParaRPr lang="nl-NL" dirty="0"/>
+          </a:p>
+        </p:txBody>
+      </p:sp>
+      <p:sp>
+        <p:nvSpPr>
+          <p:cNvPr id="3" name="Slide Number Placeholder 2"/>
+          <p:cNvSpPr>
+            <a:spLocks noGrp="1"/>
+          </p:cNvSpPr>
+          <p:nvPr>
+            <p:ph type="sldNum" sz="quarter" idx="12"/>
+          </p:nvPr>
+        </p:nvSpPr>
+        <p:spPr/>
+        <p:txBody>
+          <a:bodyPr/>
+          <a:lstStyle/>
+          <a:p>
+            <a:fld id="{0A297500-7527-634B-90F4-69D0994C32B4}" type="slidenum">
+              <a:rPr lang="nl-NL" smtClean="0"/>
+              <a:pPr/>
+              <a:t>20</a:t>
+            </a:fld>
+            <a:endParaRPr lang="nl-NL" dirty="0"/>
+          </a:p>
+        </p:txBody>
+      </p:sp>
+      <p:sp>
+        <p:nvSpPr>
+          <p:cNvPr id="5" name="Title 4"/>
+          <p:cNvSpPr>
+            <a:spLocks noGrp="1"/>
+          </p:cNvSpPr>
+          <p:nvPr>
+            <p:ph type="title"/>
+          </p:nvPr>
+        </p:nvSpPr>
+        <p:spPr/>
+        <p:txBody>
+          <a:bodyPr/>
+          <a:lstStyle/>
+          <a:p>
+            <a:pPr algn="ctr"/>
+            <a:r>
+              <a:rPr lang="en-US" dirty="0" err="1"/>
+              <a:t>Spel</a:t>
+            </a:r>
+            <a:endParaRPr lang="en-US" dirty="0"/>
+          </a:p>
+        </p:txBody>
+      </p:sp>
+      <p:pic>
+        <p:nvPicPr>
+          <p:cNvPr id="1026" name="Picture 2"/>
+          <p:cNvPicPr>
+            <a:picLocks noChangeAspect="1" noChangeArrowheads="1"/>
+          </p:cNvPicPr>
+          <p:nvPr/>
+        </p:nvPicPr>
+        <p:blipFill>
+          <a:blip r:embed="rId3">
+            <a:extLst>
+              <a:ext uri="{28A0092B-C50C-407E-A947-70E740481C1C}">
+                <a14:useLocalDpi xmlns:a14="http://schemas.microsoft.com/office/drawing/2010/main" val="0"/>
+              </a:ext>
+            </a:extLst>
+          </a:blip>
+          <a:stretch>
+            <a:fillRect/>
+          </a:stretch>
+        </p:blipFill>
+        <p:spPr bwMode="auto">
+          <a:xfrm>
+            <a:off x="2286000" y="1221827"/>
+            <a:ext cx="4572000" cy="4572000"/>
+          </a:xfrm>
+          <a:prstGeom prst="rect">
+            <a:avLst/>
+          </a:prstGeom>
+          <a:noFill/>
+          <a:extLst>
+            <a:ext uri="{909E8E84-426E-40DD-AFC4-6F175D3DCCD1}">
+              <a14:hiddenFill xmlns:a14="http://schemas.microsoft.com/office/drawing/2010/main">
+                <a:solidFill>
+                  <a:srgbClr val="FFFFFF"/>
+                </a:solidFill>
+              </a14:hiddenFill>
+            </a:ext>
+          </a:extLst>
+        </p:spPr>
+      </p:pic>
+      <p:sp>
+        <p:nvSpPr>
+          <p:cNvPr id="6" name="TextBox 5"/>
+          <p:cNvSpPr txBox="1"/>
+          <p:nvPr/>
+        </p:nvSpPr>
+        <p:spPr>
+          <a:xfrm>
+            <a:off x="228600" y="1231352"/>
+            <a:ext cx="2057399" cy="1200329"/>
+          </a:xfrm>
+          <a:prstGeom prst="rect">
+            <a:avLst/>
+          </a:prstGeom>
+          <a:noFill/>
+        </p:spPr>
+        <p:txBody>
+          <a:bodyPr wrap="square" rtlCol="0">
+            <a:spAutoFit/>
+          </a:bodyPr>
+          <a:lstStyle/>
+          <a:p>
+            <a:r>
+              <a:rPr lang="nl-BE" dirty="0" smtClean="0"/>
+              <a:t>Meer als 3 naast elkaar, verwijder blokken en laat rest vallen.</a:t>
+            </a:r>
+          </a:p>
+        </p:txBody>
+      </p:sp>
+    </p:spTree>
+    <p:extLst>
+      <p:ext uri="{BB962C8B-B14F-4D97-AF65-F5344CB8AC3E}">
+        <p14:creationId xmlns:p14="http://schemas.microsoft.com/office/powerpoint/2010/main" val="1875322068"/>
+      </p:ext>
+    </p:extLst>
+  </p:cSld>
+  <p:clrMapOvr>
+    <a:masterClrMapping/>
+  </p:clrMapOvr>
+  <p:timing>
+    <p:tnLst>
+      <p:par>
+        <p:cTn id="1" dur="indefinite" restart="never" nodeType="tmRoot"/>
+      </p:par>
+    </p:tnLst>
+  </p:timing>
+</p:sld>
+</file>
+
+<file path=ppt/slides/slide22.xml><?xml version="1.0" encoding="utf-8"?>
+<p:sld xmlns:a="http://schemas.openxmlformats.org/drawingml/2006/main" xmlns:r="http://schemas.openxmlformats.org/officeDocument/2006/relationships" xmlns:p="http://schemas.openxmlformats.org/presentationml/2006/main">
+  <p:cSld>
+    <p:spTree>
+      <p:nvGrpSpPr>
+        <p:cNvPr id="1" name=""/>
+        <p:cNvGrpSpPr/>
+        <p:nvPr/>
+      </p:nvGrpSpPr>
+      <p:grpSpPr>
+        <a:xfrm>
+          <a:off x="0" y="0"/>
+          <a:ext cx="0" cy="0"/>
+          <a:chOff x="0" y="0"/>
+          <a:chExt cx="0" cy="0"/>
+        </a:xfrm>
+      </p:grpSpPr>
+      <p:sp>
+        <p:nvSpPr>
+          <p:cNvPr id="2" name="Footer Placeholder 1"/>
+          <p:cNvSpPr>
+            <a:spLocks noGrp="1"/>
+          </p:cNvSpPr>
+          <p:nvPr>
+            <p:ph type="ftr" sz="quarter" idx="11"/>
+          </p:nvPr>
+        </p:nvSpPr>
+        <p:spPr/>
+        <p:txBody>
+          <a:bodyPr/>
+          <a:lstStyle/>
+          <a:p>
+            <a:r>
+              <a:rPr lang="nl-NL" smtClean="0"/>
+              <a:t>Departement Computerwetenschappen · Faculteit Wetenschappen · KU Leuven</a:t>
+            </a:r>
+            <a:endParaRPr lang="nl-NL" dirty="0"/>
+          </a:p>
+        </p:txBody>
+      </p:sp>
+      <p:sp>
+        <p:nvSpPr>
+          <p:cNvPr id="3" name="Slide Number Placeholder 2"/>
+          <p:cNvSpPr>
+            <a:spLocks noGrp="1"/>
+          </p:cNvSpPr>
+          <p:nvPr>
+            <p:ph type="sldNum" sz="quarter" idx="12"/>
+          </p:nvPr>
+        </p:nvSpPr>
+        <p:spPr/>
+        <p:txBody>
+          <a:bodyPr/>
+          <a:lstStyle/>
+          <a:p>
+            <a:fld id="{0A297500-7527-634B-90F4-69D0994C32B4}" type="slidenum">
+              <a:rPr lang="nl-NL" smtClean="0"/>
+              <a:pPr/>
+              <a:t>21</a:t>
+            </a:fld>
+            <a:endParaRPr lang="nl-NL" dirty="0"/>
+          </a:p>
+        </p:txBody>
+      </p:sp>
+      <p:sp>
+        <p:nvSpPr>
+          <p:cNvPr id="5" name="Title 4"/>
+          <p:cNvSpPr>
+            <a:spLocks noGrp="1"/>
+          </p:cNvSpPr>
+          <p:nvPr>
+            <p:ph type="title"/>
+          </p:nvPr>
+        </p:nvSpPr>
+        <p:spPr/>
+        <p:txBody>
+          <a:bodyPr/>
+          <a:lstStyle/>
+          <a:p>
+            <a:pPr algn="ctr"/>
+            <a:r>
+              <a:rPr lang="en-US" dirty="0" err="1"/>
+              <a:t>Spel</a:t>
+            </a:r>
+            <a:endParaRPr lang="en-US" dirty="0"/>
+          </a:p>
+        </p:txBody>
+      </p:sp>
+      <p:pic>
+        <p:nvPicPr>
+          <p:cNvPr id="1026" name="Picture 2"/>
+          <p:cNvPicPr>
+            <a:picLocks noChangeAspect="1" noChangeArrowheads="1"/>
+          </p:cNvPicPr>
+          <p:nvPr/>
+        </p:nvPicPr>
+        <p:blipFill>
+          <a:blip r:embed="rId3">
+            <a:extLst>
+              <a:ext uri="{28A0092B-C50C-407E-A947-70E740481C1C}">
+                <a14:useLocalDpi xmlns:a14="http://schemas.microsoft.com/office/drawing/2010/main" val="0"/>
+              </a:ext>
+            </a:extLst>
+          </a:blip>
+          <a:stretch>
+            <a:fillRect/>
+          </a:stretch>
+        </p:blipFill>
+        <p:spPr bwMode="auto">
+          <a:xfrm>
+            <a:off x="2286000" y="1221827"/>
+            <a:ext cx="4572000" cy="4572000"/>
+          </a:xfrm>
+          <a:prstGeom prst="rect">
+            <a:avLst/>
+          </a:prstGeom>
+          <a:noFill/>
+          <a:extLst>
+            <a:ext uri="{909E8E84-426E-40DD-AFC4-6F175D3DCCD1}">
+              <a14:hiddenFill xmlns:a14="http://schemas.microsoft.com/office/drawing/2010/main">
+                <a:solidFill>
+                  <a:srgbClr val="FFFFFF"/>
+                </a:solidFill>
+              </a14:hiddenFill>
+            </a:ext>
+          </a:extLst>
+        </p:spPr>
+      </p:pic>
+      <p:sp>
+        <p:nvSpPr>
+          <p:cNvPr id="6" name="TextBox 5"/>
+          <p:cNvSpPr txBox="1"/>
+          <p:nvPr/>
+        </p:nvSpPr>
+        <p:spPr>
+          <a:xfrm>
+            <a:off x="228600" y="1231352"/>
+            <a:ext cx="2057399" cy="646331"/>
+          </a:xfrm>
+          <a:prstGeom prst="rect">
+            <a:avLst/>
+          </a:prstGeom>
+          <a:noFill/>
+        </p:spPr>
+        <p:txBody>
+          <a:bodyPr wrap="square" rtlCol="0">
+            <a:spAutoFit/>
+          </a:bodyPr>
+          <a:lstStyle/>
+          <a:p>
+            <a:r>
+              <a:rPr lang="nl-BE" dirty="0" smtClean="0"/>
+              <a:t>Einde beurt,</a:t>
+            </a:r>
+          </a:p>
+          <a:p>
+            <a:r>
+              <a:rPr lang="nl-BE" dirty="0" smtClean="0"/>
+              <a:t>Score is </a:t>
+            </a:r>
+            <a:r>
+              <a:rPr lang="nl-BE" dirty="0" smtClean="0"/>
+              <a:t>23</a:t>
+            </a:r>
+            <a:endParaRPr lang="nl-BE" dirty="0" smtClean="0"/>
+          </a:p>
+        </p:txBody>
+      </p:sp>
+    </p:spTree>
+    <p:extLst>
+      <p:ext uri="{BB962C8B-B14F-4D97-AF65-F5344CB8AC3E}">
+        <p14:creationId xmlns:p14="http://schemas.microsoft.com/office/powerpoint/2010/main" val="1875322068"/>
+      </p:ext>
+    </p:extLst>
+  </p:cSld>
+  <p:clrMapOvr>
+    <a:masterClrMapping/>
+  </p:clrMapOvr>
+  <p:timing>
+    <p:tnLst>
+      <p:par>
+        <p:cTn id="1" dur="indefinite" restart="never" nodeType="tmRoot"/>
+      </p:par>
+    </p:tnLst>
+  </p:timing>
+</p:sld>
+</file>
+
+<file path=ppt/slides/slide23.xml><?xml version="1.0" encoding="utf-8"?>
+<p:sld xmlns:a="http://schemas.openxmlformats.org/drawingml/2006/main" xmlns:r="http://schemas.openxmlformats.org/officeDocument/2006/relationships" xmlns:p="http://schemas.openxmlformats.org/presentationml/2006/main">
+  <p:cSld>
+    <p:spTree>
+      <p:nvGrpSpPr>
+        <p:cNvPr id="1" name=""/>
+        <p:cNvGrpSpPr/>
+        <p:nvPr/>
+      </p:nvGrpSpPr>
+      <p:grpSpPr>
+        <a:xfrm>
+          <a:off x="0" y="0"/>
+          <a:ext cx="0" cy="0"/>
+          <a:chOff x="0" y="0"/>
+          <a:chExt cx="0" cy="0"/>
+        </a:xfrm>
+      </p:grpSpPr>
+      <p:sp>
+        <p:nvSpPr>
+          <p:cNvPr id="2" name="Footer Placeholder 1"/>
+          <p:cNvSpPr>
+            <a:spLocks noGrp="1"/>
+          </p:cNvSpPr>
+          <p:nvPr>
+            <p:ph type="ftr" sz="quarter" idx="11"/>
+          </p:nvPr>
+        </p:nvSpPr>
+        <p:spPr/>
+        <p:txBody>
+          <a:bodyPr/>
+          <a:lstStyle/>
+          <a:p>
+            <a:r>
+              <a:rPr lang="nl-NL" smtClean="0"/>
+              <a:t>Departement Computerwetenschappen · Faculteit Wetenschappen · KU Leuven</a:t>
+            </a:r>
+            <a:endParaRPr lang="nl-NL" dirty="0"/>
+          </a:p>
+        </p:txBody>
+      </p:sp>
+      <p:sp>
+        <p:nvSpPr>
+          <p:cNvPr id="3" name="Slide Number Placeholder 2"/>
+          <p:cNvSpPr>
+            <a:spLocks noGrp="1"/>
+          </p:cNvSpPr>
+          <p:nvPr>
+            <p:ph type="sldNum" sz="quarter" idx="12"/>
+          </p:nvPr>
+        </p:nvSpPr>
+        <p:spPr/>
+        <p:txBody>
+          <a:bodyPr/>
+          <a:lstStyle/>
+          <a:p>
+            <a:fld id="{0A297500-7527-634B-90F4-69D0994C32B4}" type="slidenum">
+              <a:rPr lang="nl-NL" smtClean="0"/>
+              <a:pPr/>
+              <a:t>22</a:t>
+            </a:fld>
+            <a:endParaRPr lang="nl-NL" dirty="0"/>
+          </a:p>
+        </p:txBody>
+      </p:sp>
+      <p:sp>
+        <p:nvSpPr>
+          <p:cNvPr id="5" name="Title 4"/>
+          <p:cNvSpPr>
+            <a:spLocks noGrp="1"/>
+          </p:cNvSpPr>
+          <p:nvPr>
+            <p:ph type="title"/>
+          </p:nvPr>
+        </p:nvSpPr>
+        <p:spPr/>
+        <p:txBody>
+          <a:bodyPr/>
+          <a:lstStyle/>
+          <a:p>
+            <a:pPr algn="ctr"/>
+            <a:r>
               <a:rPr lang="en-US" dirty="0" smtClean="0"/>
               <a:t>Strategy</a:t>
             </a:r>
@@ -14832,7 +16734,11 @@
           <a:p>
             <a:pPr algn="ctr"/>
             <a:r>
-              <a:rPr lang="en-US" sz="2800" dirty="0" smtClean="0"/>
+              <a:rPr lang="en-US" sz="2800" dirty="0" smtClean="0">
+                <a:solidFill>
+                  <a:srgbClr val="FF0000"/>
+                </a:solidFill>
+              </a:rPr>
               <a:t>Uniform</a:t>
             </a:r>
             <a:endParaRPr lang="en-US" sz="2800" dirty="0">
@@ -18747,7 +20653,23 @@
           <a:p>
             <a:r>
               <a:rPr lang="nl-BE" dirty="0" smtClean="0"/>
-              <a:t>Er wordt uniform 1 blok gekozen om op te drukken.</a:t>
+              <a:t>Er wordt uniform </a:t>
+            </a:r>
+            <a:r>
+              <a:rPr lang="nl-BE" dirty="0" smtClean="0">
+                <a:solidFill>
+                  <a:srgbClr val="FF0000"/>
+                </a:solidFill>
+              </a:rPr>
+              <a:t>1 blok gekozen </a:t>
+            </a:r>
+            <a:r>
+              <a:rPr lang="nl-BE" dirty="0" smtClean="0"/>
+              <a:t>om op te </a:t>
+            </a:r>
+            <a:r>
+              <a:rPr lang="nl-BE" dirty="0" smtClean="0"/>
+              <a:t>drukken</a:t>
             </a:r>
             <a:endParaRPr lang="nl-BE" dirty="0"/>
           </a:p>
@@ -18773,7 +20695,7 @@
 </p:sld>
 </file>
 
-<file path=ppt/slides/slide21.xml><?xml version="1.0" encoding="utf-8"?>
+<file path=ppt/slides/slide24.xml><?xml version="1.0" encoding="utf-8"?>
 <p:sld xmlns:a="http://schemas.openxmlformats.org/drawingml/2006/main" xmlns:r="http://schemas.openxmlformats.org/officeDocument/2006/relationships" xmlns:p="http://schemas.openxmlformats.org/presentationml/2006/main">
   <p:cSld>
     <p:spTree>
@@ -18831,7 +20753,7 @@
             <a:fld id="{0A297500-7527-634B-90F4-69D0994C32B4}" type="slidenum">
               <a:rPr lang="nl-NL" smtClean="0"/>
               <a:pPr/>
-              <a:t>20</a:t>
+              <a:t>23</a:t>
             </a:fld>
             <a:endParaRPr lang="nl-NL" dirty="0"/>
           </a:p>
@@ -19022,11 +20944,15 @@
                   <a:srgbClr val="00B0F0"/>
                 </a:solidFill>
               </a:rPr>
-              <a:t>blauwe blok </a:t>
+              <a:t>blauwe blok gekozen</a:t>
             </a:r>
             <a:r>
               <a:rPr lang="nl-BE" dirty="0" smtClean="0"/>
-              <a:t>gekozen om op te drukken.</a:t>
+              <a:t> om op te </a:t>
+            </a:r>
+            <a:r>
+              <a:rPr lang="nl-BE" dirty="0" smtClean="0"/>
+              <a:t>drukken</a:t>
             </a:r>
             <a:endParaRPr lang="nl-BE" dirty="0"/>
           </a:p>
@@ -19792,16 +21718,24 @@
           <a:p>
             <a:pPr algn="ctr"/>
             <a:r>
-              <a:rPr lang="en-US" sz="2800" dirty="0" err="1" smtClean="0"/>
+              <a:rPr lang="en-US" sz="2800" dirty="0" err="1" smtClean="0">
+                <a:solidFill>
+                  <a:srgbClr val="00B0F0"/>
+                </a:solidFill>
+              </a:rPr>
               <a:t>Kleuren</a:t>
             </a:r>
             <a:r>
-              <a:rPr lang="en-US" sz="2800" dirty="0" smtClean="0"/>
+              <a:rPr lang="en-US" sz="2800" dirty="0" smtClean="0">
+                <a:solidFill>
+                  <a:srgbClr val="00B0F0"/>
+                </a:solidFill>
+              </a:rPr>
               <a:t> ratio</a:t>
             </a:r>
             <a:endParaRPr lang="en-US" sz="2800" dirty="0">
               <a:solidFill>
-                <a:srgbClr val="FF0000"/>
+                <a:srgbClr val="00B0F0"/>
               </a:solidFill>
             </a:endParaRPr>
           </a:p>
@@ -19827,7 +21761,7 @@
 </p:sld>
 </file>
 
-<file path=ppt/slides/slide22.xml><?xml version="1.0" encoding="utf-8"?>
+<file path=ppt/slides/slide25.xml><?xml version="1.0" encoding="utf-8"?>
 <p:sld xmlns:a="http://schemas.openxmlformats.org/drawingml/2006/main" xmlns:r="http://schemas.openxmlformats.org/officeDocument/2006/relationships" xmlns:p="http://schemas.openxmlformats.org/presentationml/2006/main">
   <p:cSld>
     <p:spTree>
@@ -19885,7 +21819,7 @@
             <a:fld id="{0A297500-7527-634B-90F4-69D0994C32B4}" type="slidenum">
               <a:rPr lang="nl-NL" smtClean="0"/>
               <a:pPr/>
-              <a:t>21</a:t>
+              <a:t>24</a:t>
             </a:fld>
             <a:endParaRPr lang="nl-NL" dirty="0"/>
           </a:p>
@@ -20675,16 +22609,24 @@
           <a:p>
             <a:pPr algn="ctr"/>
             <a:r>
-              <a:rPr lang="en-US" sz="2800" dirty="0" err="1" smtClean="0"/>
+              <a:rPr lang="en-US" sz="2800" dirty="0" err="1" smtClean="0">
+                <a:solidFill>
+                  <a:srgbClr val="92D050"/>
+                </a:solidFill>
+              </a:rPr>
               <a:t>Mogelijke</a:t>
             </a:r>
             <a:r>
-              <a:rPr lang="en-US" sz="2800" dirty="0" smtClean="0"/>
+              <a:rPr lang="en-US" sz="2800" dirty="0" smtClean="0">
+                <a:solidFill>
+                  <a:srgbClr val="92D050"/>
+                </a:solidFill>
+              </a:rPr>
               <a:t> score</a:t>
             </a:r>
             <a:endParaRPr lang="en-US" sz="2800" dirty="0">
               <a:solidFill>
-                <a:srgbClr val="FF0000"/>
+                <a:srgbClr val="92D050"/>
               </a:solidFill>
             </a:endParaRPr>
           </a:p>
@@ -22690,9 +24632,20 @@
           <a:p>
             <a:r>
               <a:rPr lang="nl-BE" dirty="0"/>
-              <a:t>48 blokken met een mogelijke score.</a:t>
-            </a:r>
-            <a:endParaRPr lang="nl-BE" dirty="0"/>
+              <a:t>48 blokken met een </a:t>
+            </a:r>
+            <a:r>
+              <a:rPr lang="nl-BE" dirty="0">
+                <a:solidFill>
+                  <a:srgbClr val="92D050"/>
+                </a:solidFill>
+              </a:rPr>
+              <a:t>mogelijke score</a:t>
+            </a:r>
+            <a:r>
+              <a:rPr lang="nl-BE" dirty="0"/>
+              <a:t>.</a:t>
+            </a:r>
           </a:p>
         </p:txBody>
       </p:sp>
@@ -22720,7 +24673,23 @@
           <a:p>
             <a:r>
               <a:rPr lang="nl-BE" dirty="0"/>
-              <a:t>Er wordt uniform 1 blok gekozen uit de 48 mogelijke opties om op te drukken.</a:t>
+              <a:t>Er wordt uniform </a:t>
+            </a:r>
+            <a:r>
+              <a:rPr lang="nl-BE" dirty="0">
+                <a:solidFill>
+                  <a:srgbClr val="92D050"/>
+                </a:solidFill>
+              </a:rPr>
+              <a:t>1 blok gekozen uit de 48 mogelijke opties </a:t>
+            </a:r>
+            <a:r>
+              <a:rPr lang="nl-BE" dirty="0"/>
+              <a:t>om op te </a:t>
+            </a:r>
+            <a:r>
+              <a:rPr lang="nl-BE" dirty="0" smtClean="0"/>
+              <a:t>drukken</a:t>
             </a:r>
             <a:endParaRPr lang="nl-BE" dirty="0"/>
           </a:p>
@@ -22730,556 +24699,6 @@
     <p:extLst>
       <p:ext uri="{BB962C8B-B14F-4D97-AF65-F5344CB8AC3E}">
         <p14:creationId xmlns:p14="http://schemas.microsoft.com/office/powerpoint/2010/main" val="319639528"/>
-      </p:ext>
-    </p:extLst>
-  </p:cSld>
-  <p:clrMapOvr>
-    <a:masterClrMapping/>
-  </p:clrMapOvr>
-  <p:timing>
-    <p:tnLst>
-      <p:par>
-        <p:cTn id="1" dur="indefinite" restart="never" nodeType="tmRoot"/>
-      </p:par>
-    </p:tnLst>
-  </p:timing>
-</p:sld>
-</file>
-
-<file path=ppt/slides/slide23.xml><?xml version="1.0" encoding="utf-8"?>
-<p:sld xmlns:a="http://schemas.openxmlformats.org/drawingml/2006/main" xmlns:r="http://schemas.openxmlformats.org/officeDocument/2006/relationships" xmlns:p="http://schemas.openxmlformats.org/presentationml/2006/main">
-  <p:cSld>
-    <p:spTree>
-      <p:nvGrpSpPr>
-        <p:cNvPr id="1" name=""/>
-        <p:cNvGrpSpPr/>
-        <p:nvPr/>
-      </p:nvGrpSpPr>
-      <p:grpSpPr>
-        <a:xfrm>
-          <a:off x="0" y="0"/>
-          <a:ext cx="0" cy="0"/>
-          <a:chOff x="0" y="0"/>
-          <a:chExt cx="0" cy="0"/>
-        </a:xfrm>
-      </p:grpSpPr>
-      <p:sp>
-        <p:nvSpPr>
-          <p:cNvPr id="2" name="Footer Placeholder 1"/>
-          <p:cNvSpPr>
-            <a:spLocks noGrp="1"/>
-          </p:cNvSpPr>
-          <p:nvPr>
-            <p:ph type="ftr" sz="quarter" idx="11"/>
-          </p:nvPr>
-        </p:nvSpPr>
-        <p:spPr/>
-        <p:txBody>
-          <a:bodyPr/>
-          <a:lstStyle/>
-          <a:p>
-            <a:r>
-              <a:rPr lang="nl-NL" smtClean="0"/>
-              <a:t>Departement Computerwetenschappen · Faculteit Wetenschappen · KU Leuven</a:t>
-            </a:r>
-            <a:endParaRPr lang="nl-NL" dirty="0"/>
-          </a:p>
-        </p:txBody>
-      </p:sp>
-      <p:sp>
-        <p:nvSpPr>
-          <p:cNvPr id="3" name="Slide Number Placeholder 2"/>
-          <p:cNvSpPr>
-            <a:spLocks noGrp="1"/>
-          </p:cNvSpPr>
-          <p:nvPr>
-            <p:ph type="sldNum" sz="quarter" idx="12"/>
-          </p:nvPr>
-        </p:nvSpPr>
-        <p:spPr/>
-        <p:txBody>
-          <a:bodyPr/>
-          <a:lstStyle/>
-          <a:p>
-            <a:fld id="{0A297500-7527-634B-90F4-69D0994C32B4}" type="slidenum">
-              <a:rPr lang="nl-NL" smtClean="0"/>
-              <a:pPr/>
-              <a:t>22</a:t>
-            </a:fld>
-            <a:endParaRPr lang="nl-NL" dirty="0"/>
-          </a:p>
-        </p:txBody>
-      </p:sp>
-      <p:sp>
-        <p:nvSpPr>
-          <p:cNvPr id="5" name="Title 4"/>
-          <p:cNvSpPr>
-            <a:spLocks noGrp="1"/>
-          </p:cNvSpPr>
-          <p:nvPr>
-            <p:ph type="title"/>
-          </p:nvPr>
-        </p:nvSpPr>
-        <p:spPr/>
-        <p:txBody>
-          <a:bodyPr/>
-          <a:lstStyle/>
-          <a:p>
-            <a:pPr algn="ctr"/>
-            <a:r>
-              <a:rPr lang="en-US" dirty="0" err="1"/>
-              <a:t>Spel</a:t>
-            </a:r>
-            <a:endParaRPr lang="en-US" dirty="0"/>
-          </a:p>
-        </p:txBody>
-      </p:sp>
-      <p:graphicFrame>
-        <p:nvGraphicFramePr>
-          <p:cNvPr id="10" name="Content Placeholder 9"/>
-          <p:cNvGraphicFramePr>
-            <a:graphicFrameLocks noGrp="1"/>
-          </p:cNvGraphicFramePr>
-          <p:nvPr>
-            <p:ph sz="quarter" idx="13"/>
-            <p:extLst>
-              <p:ext uri="{D42A27DB-BD31-4B8C-83A1-F6EECF244321}">
-                <p14:modId xmlns:p14="http://schemas.microsoft.com/office/powerpoint/2010/main" val="1628054147"/>
-              </p:ext>
-            </p:extLst>
-          </p:nvPr>
-        </p:nvGraphicFramePr>
-        <p:xfrm>
-          <a:off x="576263" y="1655763"/>
-          <a:ext cx="7991475" cy="4392612"/>
-        </p:xfrm>
-        <a:graphic>
-          <a:graphicData uri="http://schemas.openxmlformats.org/drawingml/2006/chart">
-            <c:chart xmlns:c="http://schemas.openxmlformats.org/drawingml/2006/chart" xmlns:r="http://schemas.openxmlformats.org/officeDocument/2006/relationships" r:id="rId3"/>
-          </a:graphicData>
-        </a:graphic>
-      </p:graphicFrame>
-    </p:spTree>
-    <p:extLst>
-      <p:ext uri="{BB962C8B-B14F-4D97-AF65-F5344CB8AC3E}">
-        <p14:creationId xmlns:p14="http://schemas.microsoft.com/office/powerpoint/2010/main" val="3746821323"/>
-      </p:ext>
-    </p:extLst>
-  </p:cSld>
-  <p:clrMapOvr>
-    <a:masterClrMapping/>
-  </p:clrMapOvr>
-  <p:timing>
-    <p:tnLst>
-      <p:par>
-        <p:cTn id="1" dur="indefinite" restart="never" nodeType="tmRoot"/>
-      </p:par>
-    </p:tnLst>
-  </p:timing>
-</p:sld>
-</file>
-
-<file path=ppt/slides/slide24.xml><?xml version="1.0" encoding="utf-8"?>
-<p:sld xmlns:a="http://schemas.openxmlformats.org/drawingml/2006/main" xmlns:r="http://schemas.openxmlformats.org/officeDocument/2006/relationships" xmlns:p="http://schemas.openxmlformats.org/presentationml/2006/main">
-  <p:cSld>
-    <p:spTree>
-      <p:nvGrpSpPr>
-        <p:cNvPr id="1" name=""/>
-        <p:cNvGrpSpPr/>
-        <p:nvPr/>
-      </p:nvGrpSpPr>
-      <p:grpSpPr>
-        <a:xfrm>
-          <a:off x="0" y="0"/>
-          <a:ext cx="0" cy="0"/>
-          <a:chOff x="0" y="0"/>
-          <a:chExt cx="0" cy="0"/>
-        </a:xfrm>
-      </p:grpSpPr>
-      <p:sp>
-        <p:nvSpPr>
-          <p:cNvPr id="2" name="Footer Placeholder 1"/>
-          <p:cNvSpPr>
-            <a:spLocks noGrp="1"/>
-          </p:cNvSpPr>
-          <p:nvPr>
-            <p:ph type="ftr" sz="quarter" idx="11"/>
-          </p:nvPr>
-        </p:nvSpPr>
-        <p:spPr/>
-        <p:txBody>
-          <a:bodyPr/>
-          <a:lstStyle/>
-          <a:p>
-            <a:r>
-              <a:rPr lang="nl-NL" smtClean="0"/>
-              <a:t>Departement Computerwetenschappen · Faculteit Wetenschappen · KU Leuven</a:t>
-            </a:r>
-            <a:endParaRPr lang="nl-NL" dirty="0"/>
-          </a:p>
-        </p:txBody>
-      </p:sp>
-      <p:sp>
-        <p:nvSpPr>
-          <p:cNvPr id="3" name="Slide Number Placeholder 2"/>
-          <p:cNvSpPr>
-            <a:spLocks noGrp="1"/>
-          </p:cNvSpPr>
-          <p:nvPr>
-            <p:ph type="sldNum" sz="quarter" idx="12"/>
-          </p:nvPr>
-        </p:nvSpPr>
-        <p:spPr/>
-        <p:txBody>
-          <a:bodyPr/>
-          <a:lstStyle/>
-          <a:p>
-            <a:fld id="{0A297500-7527-634B-90F4-69D0994C32B4}" type="slidenum">
-              <a:rPr lang="nl-NL" smtClean="0"/>
-              <a:pPr/>
-              <a:t>23</a:t>
-            </a:fld>
-            <a:endParaRPr lang="nl-NL" dirty="0"/>
-          </a:p>
-        </p:txBody>
-      </p:sp>
-      <p:sp>
-        <p:nvSpPr>
-          <p:cNvPr id="5" name="Title 4"/>
-          <p:cNvSpPr>
-            <a:spLocks noGrp="1"/>
-          </p:cNvSpPr>
-          <p:nvPr>
-            <p:ph type="title"/>
-          </p:nvPr>
-        </p:nvSpPr>
-        <p:spPr/>
-        <p:txBody>
-          <a:bodyPr/>
-          <a:lstStyle/>
-          <a:p>
-            <a:pPr algn="ctr"/>
-            <a:r>
-              <a:rPr lang="en-US" dirty="0" err="1"/>
-              <a:t>Resultaten</a:t>
-            </a:r>
-            <a:endParaRPr lang="nl-BE" dirty="0"/>
-          </a:p>
-        </p:txBody>
-      </p:sp>
-      <p:sp>
-        <p:nvSpPr>
-          <p:cNvPr id="7" name="TextBox 6"/>
-          <p:cNvSpPr txBox="1"/>
-          <p:nvPr/>
-        </p:nvSpPr>
-        <p:spPr>
-          <a:xfrm>
-            <a:off x="3357562" y="1104900"/>
-            <a:ext cx="2428875" cy="369332"/>
-          </a:xfrm>
-          <a:prstGeom prst="rect">
-            <a:avLst/>
-          </a:prstGeom>
-          <a:noFill/>
-        </p:spPr>
-        <p:txBody>
-          <a:bodyPr wrap="square" rtlCol="0">
-            <a:spAutoFit/>
-          </a:bodyPr>
-          <a:lstStyle/>
-          <a:p>
-            <a:pPr algn="ctr"/>
-            <a:r>
-              <a:rPr lang="nl-BE" dirty="0" smtClean="0"/>
-              <a:t>ProbLog2</a:t>
-            </a:r>
-            <a:endParaRPr lang="nl-BE" dirty="0"/>
-          </a:p>
-        </p:txBody>
-      </p:sp>
-      <p:sp>
-        <p:nvSpPr>
-          <p:cNvPr id="8" name="TextBox 7"/>
-          <p:cNvSpPr txBox="1"/>
-          <p:nvPr/>
-        </p:nvSpPr>
-        <p:spPr>
-          <a:xfrm>
-            <a:off x="1309149" y="1299805"/>
-            <a:ext cx="3693318" cy="307777"/>
-          </a:xfrm>
-          <a:prstGeom prst="rect">
-            <a:avLst/>
-          </a:prstGeom>
-          <a:noFill/>
-        </p:spPr>
-        <p:txBody>
-          <a:bodyPr wrap="square" rtlCol="0">
-            <a:spAutoFit/>
-          </a:bodyPr>
-          <a:lstStyle/>
-          <a:p>
-            <a:r>
-              <a:rPr lang="nl-BE" sz="1400" dirty="0"/>
-              <a:t>Kleuren veranderen distributie</a:t>
-            </a:r>
-          </a:p>
-        </p:txBody>
-      </p:sp>
-      <p:pic>
-        <p:nvPicPr>
-          <p:cNvPr id="9" name="Picture 2" descr="C:\Users\susve\Desktop\T208-Probabilistic-Programming-A-Case-Study\thesis\presentations\2 second\result_distribution.png"/>
-          <p:cNvPicPr>
-            <a:picLocks noChangeAspect="1" noChangeArrowheads="1"/>
-          </p:cNvPicPr>
-          <p:nvPr/>
-        </p:nvPicPr>
-        <p:blipFill rotWithShape="1">
-          <a:blip r:embed="rId2">
-            <a:extLst>
-              <a:ext uri="{28A0092B-C50C-407E-A947-70E740481C1C}">
-                <a14:useLocalDpi xmlns:a14="http://schemas.microsoft.com/office/drawing/2010/main" val="0"/>
-              </a:ext>
-            </a:extLst>
-          </a:blip>
-          <a:srcRect l="7160"/>
-          <a:stretch/>
-        </p:blipFill>
-        <p:spPr bwMode="auto">
-          <a:xfrm>
-            <a:off x="1309149" y="1607582"/>
-            <a:ext cx="7615237" cy="657225"/>
-          </a:xfrm>
-          <a:prstGeom prst="rect">
-            <a:avLst/>
-          </a:prstGeom>
-          <a:noFill/>
-          <a:extLst>
-            <a:ext uri="{909E8E84-426E-40DD-AFC4-6F175D3DCCD1}">
-              <a14:hiddenFill xmlns:a14="http://schemas.microsoft.com/office/drawing/2010/main">
-                <a:solidFill>
-                  <a:srgbClr val="FFFFFF"/>
-                </a:solidFill>
-              </a14:hiddenFill>
-            </a:ext>
-          </a:extLst>
-        </p:spPr>
-      </p:pic>
-    </p:spTree>
-    <p:extLst>
-      <p:ext uri="{BB962C8B-B14F-4D97-AF65-F5344CB8AC3E}">
-        <p14:creationId xmlns:p14="http://schemas.microsoft.com/office/powerpoint/2010/main" val="1740491581"/>
-      </p:ext>
-    </p:extLst>
-  </p:cSld>
-  <p:clrMapOvr>
-    <a:masterClrMapping/>
-  </p:clrMapOvr>
-  <p:timing>
-    <p:tnLst>
-      <p:par>
-        <p:cTn id="1" dur="indefinite" restart="never" nodeType="tmRoot"/>
-      </p:par>
-    </p:tnLst>
-  </p:timing>
-</p:sld>
-</file>
-
-<file path=ppt/slides/slide25.xml><?xml version="1.0" encoding="utf-8"?>
-<p:sld xmlns:a="http://schemas.openxmlformats.org/drawingml/2006/main" xmlns:r="http://schemas.openxmlformats.org/officeDocument/2006/relationships" xmlns:p="http://schemas.openxmlformats.org/presentationml/2006/main">
-  <p:cSld>
-    <p:spTree>
-      <p:nvGrpSpPr>
-        <p:cNvPr id="1" name=""/>
-        <p:cNvGrpSpPr/>
-        <p:nvPr/>
-      </p:nvGrpSpPr>
-      <p:grpSpPr>
-        <a:xfrm>
-          <a:off x="0" y="0"/>
-          <a:ext cx="0" cy="0"/>
-          <a:chOff x="0" y="0"/>
-          <a:chExt cx="0" cy="0"/>
-        </a:xfrm>
-      </p:grpSpPr>
-      <p:sp>
-        <p:nvSpPr>
-          <p:cNvPr id="2" name="Footer Placeholder 1"/>
-          <p:cNvSpPr>
-            <a:spLocks noGrp="1"/>
-          </p:cNvSpPr>
-          <p:nvPr>
-            <p:ph type="ftr" sz="quarter" idx="11"/>
-          </p:nvPr>
-        </p:nvSpPr>
-        <p:spPr/>
-        <p:txBody>
-          <a:bodyPr/>
-          <a:lstStyle/>
-          <a:p>
-            <a:r>
-              <a:rPr lang="nl-NL" smtClean="0"/>
-              <a:t>Departement Computerwetenschappen · Faculteit Wetenschappen · KU Leuven</a:t>
-            </a:r>
-            <a:endParaRPr lang="nl-NL" dirty="0"/>
-          </a:p>
-        </p:txBody>
-      </p:sp>
-      <p:sp>
-        <p:nvSpPr>
-          <p:cNvPr id="3" name="Slide Number Placeholder 2"/>
-          <p:cNvSpPr>
-            <a:spLocks noGrp="1"/>
-          </p:cNvSpPr>
-          <p:nvPr>
-            <p:ph type="sldNum" sz="quarter" idx="12"/>
-          </p:nvPr>
-        </p:nvSpPr>
-        <p:spPr/>
-        <p:txBody>
-          <a:bodyPr/>
-          <a:lstStyle/>
-          <a:p>
-            <a:fld id="{0A297500-7527-634B-90F4-69D0994C32B4}" type="slidenum">
-              <a:rPr lang="nl-NL" smtClean="0"/>
-              <a:pPr/>
-              <a:t>24</a:t>
-            </a:fld>
-            <a:endParaRPr lang="nl-NL" dirty="0"/>
-          </a:p>
-        </p:txBody>
-      </p:sp>
-      <p:sp>
-        <p:nvSpPr>
-          <p:cNvPr id="5" name="Title 4"/>
-          <p:cNvSpPr>
-            <a:spLocks noGrp="1"/>
-          </p:cNvSpPr>
-          <p:nvPr>
-            <p:ph type="title"/>
-          </p:nvPr>
-        </p:nvSpPr>
-        <p:spPr/>
-        <p:txBody>
-          <a:bodyPr/>
-          <a:lstStyle/>
-          <a:p>
-            <a:pPr algn="ctr"/>
-            <a:r>
-              <a:rPr lang="en-US" dirty="0" err="1"/>
-              <a:t>Resultaten</a:t>
-            </a:r>
-            <a:endParaRPr lang="nl-BE" dirty="0"/>
-          </a:p>
-        </p:txBody>
-      </p:sp>
-      <p:sp>
-        <p:nvSpPr>
-          <p:cNvPr id="7" name="TextBox 6"/>
-          <p:cNvSpPr txBox="1"/>
-          <p:nvPr/>
-        </p:nvSpPr>
-        <p:spPr>
-          <a:xfrm>
-            <a:off x="3357562" y="1104900"/>
-            <a:ext cx="2428875" cy="369332"/>
-          </a:xfrm>
-          <a:prstGeom prst="rect">
-            <a:avLst/>
-          </a:prstGeom>
-          <a:noFill/>
-        </p:spPr>
-        <p:txBody>
-          <a:bodyPr wrap="square" rtlCol="0">
-            <a:spAutoFit/>
-          </a:bodyPr>
-          <a:lstStyle/>
-          <a:p>
-            <a:pPr algn="ctr"/>
-            <a:r>
-              <a:rPr lang="nl-BE" dirty="0" smtClean="0"/>
-              <a:t>ProbLog2</a:t>
-            </a:r>
-            <a:endParaRPr lang="nl-BE" dirty="0"/>
-          </a:p>
-        </p:txBody>
-      </p:sp>
-      <p:sp>
-        <p:nvSpPr>
-          <p:cNvPr id="8" name="TextBox 7"/>
-          <p:cNvSpPr txBox="1"/>
-          <p:nvPr/>
-        </p:nvSpPr>
-        <p:spPr>
-          <a:xfrm>
-            <a:off x="1309149" y="1299805"/>
-            <a:ext cx="3693318" cy="307777"/>
-          </a:xfrm>
-          <a:prstGeom prst="rect">
-            <a:avLst/>
-          </a:prstGeom>
-          <a:noFill/>
-        </p:spPr>
-        <p:txBody>
-          <a:bodyPr wrap="square" rtlCol="0">
-            <a:spAutoFit/>
-          </a:bodyPr>
-          <a:lstStyle/>
-          <a:p>
-            <a:r>
-              <a:rPr lang="nl-BE" sz="1400" dirty="0" smtClean="0"/>
-              <a:t>Strategie, blok drukken distributie</a:t>
-            </a:r>
-            <a:endParaRPr lang="nl-BE" sz="1400" dirty="0"/>
-          </a:p>
-        </p:txBody>
-      </p:sp>
-      <p:pic>
-        <p:nvPicPr>
-          <p:cNvPr id="3074" name="Picture 2" descr="C:\Users\susve\Desktop\T208-Probabilistic-Programming-A-Case-Study\thesis\presentations\2 second\result_distribution_press.png"/>
-          <p:cNvPicPr>
-            <a:picLocks noChangeAspect="1" noChangeArrowheads="1"/>
-          </p:cNvPicPr>
-          <p:nvPr/>
-        </p:nvPicPr>
-        <p:blipFill>
-          <a:blip r:embed="rId2">
-            <a:extLst>
-              <a:ext uri="{28A0092B-C50C-407E-A947-70E740481C1C}">
-                <a14:useLocalDpi xmlns:a14="http://schemas.microsoft.com/office/drawing/2010/main" val="0"/>
-              </a:ext>
-            </a:extLst>
-          </a:blip>
-          <a:srcRect/>
-          <a:stretch>
-            <a:fillRect/>
-          </a:stretch>
-        </p:blipFill>
-        <p:spPr bwMode="auto">
-          <a:xfrm>
-            <a:off x="1309150" y="1617107"/>
-            <a:ext cx="6525700" cy="4572000"/>
-          </a:xfrm>
-          <a:prstGeom prst="rect">
-            <a:avLst/>
-          </a:prstGeom>
-          <a:noFill/>
-          <a:extLst>
-            <a:ext uri="{909E8E84-426E-40DD-AFC4-6F175D3DCCD1}">
-              <a14:hiddenFill xmlns:a14="http://schemas.microsoft.com/office/drawing/2010/main">
-                <a:solidFill>
-                  <a:srgbClr val="FFFFFF"/>
-                </a:solidFill>
-              </a14:hiddenFill>
-            </a:ext>
-          </a:extLst>
-        </p:spPr>
-      </p:pic>
-    </p:spTree>
-    <p:extLst>
-      <p:ext uri="{BB962C8B-B14F-4D97-AF65-F5344CB8AC3E}">
-        <p14:creationId xmlns:p14="http://schemas.microsoft.com/office/powerpoint/2010/main" val="2024154832"/>
       </p:ext>
     </p:extLst>
   </p:cSld>
@@ -23329,7 +24748,7 @@
           <a:lstStyle/>
           <a:p>
             <a:r>
-              <a:rPr lang="nl-NL" smtClean="0"/>
+              <a:rPr lang="nl-NL" dirty="0" smtClean="0"/>
               <a:t>Departement Computerwetenschappen · Faculteit Wetenschappen · KU Leuven</a:t>
             </a:r>
             <a:endParaRPr lang="nl-NL" dirty="0"/>
@@ -23386,14 +24805,14 @@
       </p:sp>
       <p:sp>
         <p:nvSpPr>
-          <p:cNvPr id="7" name="TextBox 6"/>
+          <p:cNvPr id="9" name="TextBox 8"/>
           <p:cNvSpPr txBox="1"/>
           <p:nvPr/>
         </p:nvSpPr>
         <p:spPr>
           <a:xfrm>
-            <a:off x="3357562" y="1104900"/>
-            <a:ext cx="2428875" cy="369332"/>
+            <a:off x="188565" y="1053296"/>
+            <a:ext cx="8815234" cy="4801314"/>
           </a:xfrm>
           <a:prstGeom prst="rect">
             <a:avLst/>
@@ -23401,91 +24820,916 @@
           <a:noFill/>
         </p:spPr>
         <p:txBody>
-          <a:bodyPr wrap="square" rtlCol="0">
+          <a:bodyPr wrap="none" rtlCol="0">
             <a:spAutoFit/>
           </a:bodyPr>
           <a:lstStyle/>
           <a:p>
-            <a:pPr algn="ctr"/>
-            <a:r>
-              <a:rPr lang="nl-BE" dirty="0" smtClean="0"/>
-              <a:t>ProbLog2</a:t>
-            </a:r>
-            <a:endParaRPr lang="nl-BE" dirty="0"/>
-          </a:p>
-        </p:txBody>
-      </p:sp>
-      <p:sp>
-        <p:nvSpPr>
-          <p:cNvPr id="8" name="TextBox 7"/>
-          <p:cNvSpPr txBox="1"/>
-          <p:nvPr/>
-        </p:nvSpPr>
-        <p:spPr>
-          <a:xfrm>
-            <a:off x="1309149" y="1299805"/>
-            <a:ext cx="3693318" cy="307777"/>
-          </a:xfrm>
-          <a:prstGeom prst="rect">
-            <a:avLst/>
-          </a:prstGeom>
-          <a:noFill/>
-        </p:spPr>
-        <p:txBody>
-          <a:bodyPr wrap="square" rtlCol="0">
-            <a:spAutoFit/>
-          </a:bodyPr>
-          <a:lstStyle/>
-          <a:p>
-            <a:r>
-              <a:rPr lang="nl-BE" sz="1400" dirty="0" smtClean="0"/>
-              <a:t>Spel predicaten</a:t>
-            </a:r>
-            <a:endParaRPr lang="nl-BE" sz="1400" dirty="0"/>
-          </a:p>
-        </p:txBody>
-      </p:sp>
-      <p:pic>
-        <p:nvPicPr>
-          <p:cNvPr id="4098" name="Picture 2" descr="C:\Users\susve\Desktop\T208-Probabilistic-Programming-A-Case-Study\thesis\presentations\2 second\result_game_predicates.png"/>
-          <p:cNvPicPr>
-            <a:picLocks noChangeAspect="1" noChangeArrowheads="1"/>
-          </p:cNvPicPr>
-          <p:nvPr/>
-        </p:nvPicPr>
-        <p:blipFill>
-          <a:blip r:embed="rId2">
-            <a:extLst>
-              <a:ext uri="{28A0092B-C50C-407E-A947-70E740481C1C}">
-                <a14:useLocalDpi xmlns:a14="http://schemas.microsoft.com/office/drawing/2010/main" val="0"/>
-              </a:ext>
-            </a:extLst>
-          </a:blip>
-          <a:srcRect/>
-          <a:stretch>
-            <a:fillRect/>
-          </a:stretch>
-        </p:blipFill>
-        <p:spPr bwMode="auto">
-          <a:xfrm>
-            <a:off x="1309149" y="1607582"/>
-            <a:ext cx="5572125" cy="2314575"/>
-          </a:xfrm>
-          <a:prstGeom prst="rect">
-            <a:avLst/>
-          </a:prstGeom>
-          <a:noFill/>
-          <a:extLst>
-            <a:ext uri="{909E8E84-426E-40DD-AFC4-6F175D3DCCD1}">
-              <a14:hiddenFill xmlns:a14="http://schemas.microsoft.com/office/drawing/2010/main">
+            <a:r>
+              <a:rPr lang="en-US" dirty="0"/>
+              <a:t>board</a:t>
+            </a:r>
+            <a:r>
+              <a:rPr lang="en-US" dirty="0">
                 <a:solidFill>
-                  <a:srgbClr val="FFFFFF"/>
+                  <a:srgbClr val="FF0000"/>
                 </a:solidFill>
-              </a14:hiddenFill>
-            </a:ext>
-          </a:extLst>
-        </p:spPr>
-      </p:pic>
+              </a:rPr>
+              <a:t>(</a:t>
+            </a:r>
+            <a:r>
+              <a:rPr lang="en-US" dirty="0"/>
+              <a:t>0,</a:t>
+            </a:r>
+            <a:r>
+              <a:rPr lang="en-US" b="1" dirty="0">
+                <a:solidFill>
+                  <a:srgbClr val="00B050"/>
+                </a:solidFill>
+              </a:rPr>
+              <a:t>Board</a:t>
+            </a:r>
+            <a:r>
+              <a:rPr lang="en-US" dirty="0"/>
+              <a:t>,0,</a:t>
+            </a:r>
+            <a:r>
+              <a:rPr lang="en-US" dirty="0">
+                <a:solidFill>
+                  <a:srgbClr val="FF0000"/>
+                </a:solidFill>
+              </a:rPr>
+              <a:t>[])</a:t>
+            </a:r>
+            <a:r>
+              <a:rPr lang="en-US" dirty="0"/>
+              <a:t> :-</a:t>
+            </a:r>
+          </a:p>
+          <a:p>
+            <a:r>
+              <a:rPr lang="en-US" dirty="0"/>
+              <a:t>	</a:t>
+            </a:r>
+            <a:r>
+              <a:rPr lang="en-US" dirty="0" err="1"/>
+              <a:t>initial_board</a:t>
+            </a:r>
+            <a:r>
+              <a:rPr lang="en-US" dirty="0">
+                <a:solidFill>
+                  <a:srgbClr val="FF0000"/>
+                </a:solidFill>
+              </a:rPr>
+              <a:t>(</a:t>
+            </a:r>
+            <a:r>
+              <a:rPr lang="en-US" b="1" dirty="0">
+                <a:solidFill>
+                  <a:srgbClr val="00B050"/>
+                </a:solidFill>
+              </a:rPr>
+              <a:t>Board</a:t>
+            </a:r>
+            <a:r>
+              <a:rPr lang="en-US" dirty="0">
+                <a:solidFill>
+                  <a:srgbClr val="FF0000"/>
+                </a:solidFill>
+              </a:rPr>
+              <a:t>)</a:t>
+            </a:r>
+            <a:r>
+              <a:rPr lang="en-US" dirty="0"/>
+              <a:t>.</a:t>
+            </a:r>
+          </a:p>
+          <a:p>
+            <a:r>
+              <a:rPr lang="en-US" dirty="0"/>
+              <a:t>board</a:t>
+            </a:r>
+            <a:r>
+              <a:rPr lang="en-US" dirty="0">
+                <a:solidFill>
+                  <a:srgbClr val="FF0000"/>
+                </a:solidFill>
+              </a:rPr>
+              <a:t>(</a:t>
+            </a:r>
+            <a:r>
+              <a:rPr lang="en-US" b="1" dirty="0" err="1">
+                <a:solidFill>
+                  <a:srgbClr val="00B050"/>
+                </a:solidFill>
+              </a:rPr>
+              <a:t>T</a:t>
+            </a:r>
+            <a:r>
+              <a:rPr lang="en-US" dirty="0" err="1"/>
+              <a:t>,</a:t>
+            </a:r>
+            <a:r>
+              <a:rPr lang="en-US" b="1" dirty="0" err="1">
+                <a:solidFill>
+                  <a:srgbClr val="00B050"/>
+                </a:solidFill>
+              </a:rPr>
+              <a:t>Board</a:t>
+            </a:r>
+            <a:r>
+              <a:rPr lang="en-US" dirty="0" err="1"/>
+              <a:t>,</a:t>
+            </a:r>
+            <a:r>
+              <a:rPr lang="en-US" b="1" dirty="0" err="1">
+                <a:solidFill>
+                  <a:srgbClr val="00B050"/>
+                </a:solidFill>
+              </a:rPr>
+              <a:t>Score</a:t>
+            </a:r>
+            <a:r>
+              <a:rPr lang="en-US" dirty="0" err="1"/>
+              <a:t>,</a:t>
+            </a:r>
+            <a:r>
+              <a:rPr lang="en-US" b="1" dirty="0" err="1">
+                <a:solidFill>
+                  <a:srgbClr val="00B050"/>
+                </a:solidFill>
+              </a:rPr>
+              <a:t>Positions</a:t>
+            </a:r>
+            <a:r>
+              <a:rPr lang="en-US" dirty="0">
+                <a:solidFill>
+                  <a:srgbClr val="FF0000"/>
+                </a:solidFill>
+              </a:rPr>
+              <a:t>)</a:t>
+            </a:r>
+            <a:r>
+              <a:rPr lang="en-US" dirty="0"/>
+              <a:t> :-</a:t>
+            </a:r>
+          </a:p>
+          <a:p>
+            <a:r>
+              <a:rPr lang="en-US" dirty="0"/>
+              <a:t>	</a:t>
+            </a:r>
+            <a:r>
+              <a:rPr lang="en-US" b="1" dirty="0">
+                <a:solidFill>
+                  <a:srgbClr val="00B050"/>
+                </a:solidFill>
+              </a:rPr>
+              <a:t>T</a:t>
+            </a:r>
+            <a:r>
+              <a:rPr lang="en-US" dirty="0"/>
+              <a:t> </a:t>
+            </a:r>
+            <a:r>
+              <a:rPr lang="en-US" dirty="0">
+                <a:solidFill>
+                  <a:srgbClr val="00B0F0"/>
+                </a:solidFill>
+              </a:rPr>
+              <a:t>&gt;</a:t>
+            </a:r>
+            <a:r>
+              <a:rPr lang="en-US" dirty="0"/>
+              <a:t> 0</a:t>
+            </a:r>
+            <a:r>
+              <a:rPr lang="en-US" dirty="0">
+                <a:solidFill>
+                  <a:srgbClr val="FF0000"/>
+                </a:solidFill>
+              </a:rPr>
+              <a:t>,</a:t>
+            </a:r>
+          </a:p>
+          <a:p>
+            <a:r>
+              <a:rPr lang="en-US" dirty="0"/>
+              <a:t>	</a:t>
+            </a:r>
+            <a:r>
+              <a:rPr lang="en-US" b="1" dirty="0">
+                <a:solidFill>
+                  <a:srgbClr val="00B050"/>
+                </a:solidFill>
+              </a:rPr>
+              <a:t>TT</a:t>
+            </a:r>
+            <a:r>
+              <a:rPr lang="en-US" b="1" dirty="0"/>
+              <a:t> </a:t>
+            </a:r>
+            <a:r>
+              <a:rPr lang="en-US" dirty="0">
+                <a:solidFill>
+                  <a:srgbClr val="00B0F0"/>
+                </a:solidFill>
+              </a:rPr>
+              <a:t>is</a:t>
+            </a:r>
+            <a:r>
+              <a:rPr lang="en-US" dirty="0"/>
+              <a:t> </a:t>
+            </a:r>
+            <a:r>
+              <a:rPr lang="en-US" b="1" dirty="0">
+                <a:solidFill>
+                  <a:srgbClr val="00B050"/>
+                </a:solidFill>
+              </a:rPr>
+              <a:t>T</a:t>
+            </a:r>
+            <a:r>
+              <a:rPr lang="en-US" dirty="0"/>
+              <a:t> - 1</a:t>
+            </a:r>
+            <a:r>
+              <a:rPr lang="en-US" dirty="0">
+                <a:solidFill>
+                  <a:srgbClr val="FF0000"/>
+                </a:solidFill>
+              </a:rPr>
+              <a:t>,</a:t>
+            </a:r>
+          </a:p>
+          <a:p>
+            <a:r>
+              <a:rPr lang="en-US" dirty="0"/>
+              <a:t>	board</a:t>
+            </a:r>
+            <a:r>
+              <a:rPr lang="en-US" dirty="0">
+                <a:solidFill>
+                  <a:srgbClr val="FF0000"/>
+                </a:solidFill>
+              </a:rPr>
+              <a:t>(</a:t>
+            </a:r>
+            <a:r>
+              <a:rPr lang="en-US" b="1" dirty="0" err="1">
+                <a:solidFill>
+                  <a:srgbClr val="00B050"/>
+                </a:solidFill>
+              </a:rPr>
+              <a:t>TT</a:t>
+            </a:r>
+            <a:r>
+              <a:rPr lang="en-US" dirty="0" err="1"/>
+              <a:t>,</a:t>
+            </a:r>
+            <a:r>
+              <a:rPr lang="en-US" b="1" dirty="0" err="1">
+                <a:solidFill>
+                  <a:srgbClr val="00B050"/>
+                </a:solidFill>
+              </a:rPr>
+              <a:t>PreviousBoard</a:t>
+            </a:r>
+            <a:r>
+              <a:rPr lang="en-US" dirty="0" err="1"/>
+              <a:t>,</a:t>
+            </a:r>
+            <a:r>
+              <a:rPr lang="en-US" b="1" dirty="0" err="1">
+                <a:solidFill>
+                  <a:srgbClr val="00B050"/>
+                </a:solidFill>
+              </a:rPr>
+              <a:t>PreviousScore</a:t>
+            </a:r>
+            <a:r>
+              <a:rPr lang="en-US" dirty="0" err="1"/>
+              <a:t>,</a:t>
+            </a:r>
+            <a:r>
+              <a:rPr lang="en-US" b="1" dirty="0" err="1">
+                <a:solidFill>
+                  <a:srgbClr val="00B050"/>
+                </a:solidFill>
+              </a:rPr>
+              <a:t>PreviousPositions</a:t>
+            </a:r>
+            <a:r>
+              <a:rPr lang="en-US" dirty="0">
+                <a:solidFill>
+                  <a:srgbClr val="FF0000"/>
+                </a:solidFill>
+              </a:rPr>
+              <a:t>),</a:t>
+            </a:r>
+          </a:p>
+          <a:p>
+            <a:r>
+              <a:rPr lang="en-US" dirty="0"/>
+              <a:t>	press</a:t>
+            </a:r>
+            <a:r>
+              <a:rPr lang="en-US" dirty="0">
+                <a:solidFill>
+                  <a:srgbClr val="FF0000"/>
+                </a:solidFill>
+              </a:rPr>
+              <a:t>(</a:t>
+            </a:r>
+            <a:r>
+              <a:rPr lang="en-US" b="1" dirty="0" err="1">
+                <a:solidFill>
+                  <a:srgbClr val="00B050"/>
+                </a:solidFill>
+              </a:rPr>
+              <a:t>PreviousBoard</a:t>
+            </a:r>
+            <a:r>
+              <a:rPr lang="en-US" dirty="0" err="1"/>
+              <a:t>,</a:t>
+            </a:r>
+            <a:r>
+              <a:rPr lang="en-US" b="1" dirty="0" err="1">
+                <a:solidFill>
+                  <a:srgbClr val="00B050"/>
+                </a:solidFill>
+              </a:rPr>
+              <a:t>X</a:t>
+            </a:r>
+            <a:r>
+              <a:rPr lang="en-US" dirty="0" err="1"/>
+              <a:t>,</a:t>
+            </a:r>
+            <a:r>
+              <a:rPr lang="en-US" b="1" dirty="0" err="1">
+                <a:solidFill>
+                  <a:srgbClr val="00B050"/>
+                </a:solidFill>
+              </a:rPr>
+              <a:t>Y</a:t>
+            </a:r>
+            <a:r>
+              <a:rPr lang="en-US" dirty="0" err="1"/>
+              <a:t>,</a:t>
+            </a:r>
+            <a:r>
+              <a:rPr lang="en-US" b="1" dirty="0" err="1">
+                <a:solidFill>
+                  <a:srgbClr val="00B050"/>
+                </a:solidFill>
+              </a:rPr>
+              <a:t>Color</a:t>
+            </a:r>
+            <a:r>
+              <a:rPr lang="en-US" dirty="0" err="1"/>
+              <a:t>,</a:t>
+            </a:r>
+            <a:r>
+              <a:rPr lang="en-US" b="1" dirty="0" err="1">
+                <a:solidFill>
+                  <a:srgbClr val="00B050"/>
+                </a:solidFill>
+              </a:rPr>
+              <a:t>TT</a:t>
+            </a:r>
+            <a:r>
+              <a:rPr lang="en-US" dirty="0">
+                <a:solidFill>
+                  <a:srgbClr val="FF0000"/>
+                </a:solidFill>
+              </a:rPr>
+              <a:t>),</a:t>
+            </a:r>
+          </a:p>
+          <a:p>
+            <a:r>
+              <a:rPr lang="en-US" dirty="0"/>
+              <a:t>	</a:t>
+            </a:r>
+            <a:r>
+              <a:rPr lang="en-US" dirty="0">
+                <a:solidFill>
+                  <a:srgbClr val="00B0F0"/>
+                </a:solidFill>
+              </a:rPr>
+              <a:t>append</a:t>
+            </a:r>
+            <a:r>
+              <a:rPr lang="en-US" dirty="0">
+                <a:solidFill>
+                  <a:srgbClr val="FF0000"/>
+                </a:solidFill>
+              </a:rPr>
+              <a:t>(</a:t>
+            </a:r>
+            <a:r>
+              <a:rPr lang="en-US" b="1" dirty="0" err="1">
+                <a:solidFill>
+                  <a:srgbClr val="00B050"/>
+                </a:solidFill>
+              </a:rPr>
+              <a:t>PreviousPositions</a:t>
+            </a:r>
+            <a:r>
+              <a:rPr lang="en-US" dirty="0"/>
+              <a:t>,</a:t>
+            </a:r>
+            <a:r>
+              <a:rPr lang="en-US" dirty="0">
+                <a:solidFill>
+                  <a:srgbClr val="FF0000"/>
+                </a:solidFill>
+              </a:rPr>
+              <a:t>[[</a:t>
+            </a:r>
+            <a:r>
+              <a:rPr lang="en-US" b="1" dirty="0">
+                <a:solidFill>
+                  <a:srgbClr val="00B050"/>
+                </a:solidFill>
+              </a:rPr>
+              <a:t>X</a:t>
+            </a:r>
+            <a:r>
+              <a:rPr lang="en-US" dirty="0"/>
+              <a:t>,</a:t>
+            </a:r>
+            <a:r>
+              <a:rPr lang="en-US" b="1" dirty="0">
+                <a:solidFill>
+                  <a:srgbClr val="00B050"/>
+                </a:solidFill>
+              </a:rPr>
+              <a:t>Y</a:t>
+            </a:r>
+            <a:r>
+              <a:rPr lang="en-US" dirty="0">
+                <a:solidFill>
+                  <a:srgbClr val="FF0000"/>
+                </a:solidFill>
+              </a:rPr>
+              <a:t>]]</a:t>
+            </a:r>
+            <a:r>
+              <a:rPr lang="en-US" dirty="0"/>
+              <a:t>,</a:t>
+            </a:r>
+            <a:r>
+              <a:rPr lang="en-US" b="1" dirty="0">
+                <a:solidFill>
+                  <a:srgbClr val="00B050"/>
+                </a:solidFill>
+              </a:rPr>
+              <a:t>Positions</a:t>
+            </a:r>
+            <a:r>
+              <a:rPr lang="en-US" dirty="0">
+                <a:solidFill>
+                  <a:srgbClr val="FF0000"/>
+                </a:solidFill>
+              </a:rPr>
+              <a:t>),</a:t>
+            </a:r>
+          </a:p>
+          <a:p>
+            <a:r>
+              <a:rPr lang="en-US" dirty="0"/>
+              <a:t>	</a:t>
+            </a:r>
+            <a:r>
+              <a:rPr lang="en-US" dirty="0" err="1"/>
+              <a:t>change_color</a:t>
+            </a:r>
+            <a:r>
+              <a:rPr lang="en-US" dirty="0">
+                <a:solidFill>
+                  <a:srgbClr val="FF0000"/>
+                </a:solidFill>
+              </a:rPr>
+              <a:t>(</a:t>
+            </a:r>
+            <a:r>
+              <a:rPr lang="en-US" b="1" dirty="0" err="1">
+                <a:solidFill>
+                  <a:srgbClr val="00B050"/>
+                </a:solidFill>
+              </a:rPr>
+              <a:t>Color</a:t>
+            </a:r>
+            <a:r>
+              <a:rPr lang="en-US" dirty="0" err="1"/>
+              <a:t>,</a:t>
+            </a:r>
+            <a:r>
+              <a:rPr lang="en-US" b="1" dirty="0" err="1">
+                <a:solidFill>
+                  <a:srgbClr val="00B050"/>
+                </a:solidFill>
+              </a:rPr>
+              <a:t>NewColor</a:t>
+            </a:r>
+            <a:r>
+              <a:rPr lang="en-US" dirty="0" err="1"/>
+              <a:t>,</a:t>
+            </a:r>
+            <a:r>
+              <a:rPr lang="en-US" b="1" dirty="0" err="1">
+                <a:solidFill>
+                  <a:srgbClr val="00B050"/>
+                </a:solidFill>
+              </a:rPr>
+              <a:t>TT</a:t>
+            </a:r>
+            <a:r>
+              <a:rPr lang="en-US" dirty="0">
+                <a:solidFill>
+                  <a:srgbClr val="FF0000"/>
+                </a:solidFill>
+              </a:rPr>
+              <a:t>),</a:t>
+            </a:r>
+          </a:p>
+          <a:p>
+            <a:r>
+              <a:rPr lang="en-US" dirty="0"/>
+              <a:t>	</a:t>
+            </a:r>
+            <a:r>
+              <a:rPr lang="en-US" dirty="0" err="1"/>
+              <a:t>change_color_in_board</a:t>
+            </a:r>
+            <a:r>
+              <a:rPr lang="en-US" dirty="0">
+                <a:solidFill>
+                  <a:srgbClr val="FF0000"/>
+                </a:solidFill>
+              </a:rPr>
+              <a:t>(</a:t>
+            </a:r>
+            <a:r>
+              <a:rPr lang="en-US" b="1" dirty="0" err="1">
+                <a:solidFill>
+                  <a:srgbClr val="00B050"/>
+                </a:solidFill>
+              </a:rPr>
+              <a:t>PreviousBoard</a:t>
+            </a:r>
+            <a:r>
+              <a:rPr lang="en-US" dirty="0" err="1"/>
+              <a:t>,</a:t>
+            </a:r>
+            <a:r>
+              <a:rPr lang="en-US" b="1" dirty="0" err="1">
+                <a:solidFill>
+                  <a:srgbClr val="00B050"/>
+                </a:solidFill>
+              </a:rPr>
+              <a:t>X</a:t>
+            </a:r>
+            <a:r>
+              <a:rPr lang="en-US" dirty="0" err="1"/>
+              <a:t>,</a:t>
+            </a:r>
+            <a:r>
+              <a:rPr lang="en-US" b="1" dirty="0" err="1">
+                <a:solidFill>
+                  <a:srgbClr val="00B050"/>
+                </a:solidFill>
+              </a:rPr>
+              <a:t>Y</a:t>
+            </a:r>
+            <a:r>
+              <a:rPr lang="en-US" dirty="0" err="1"/>
+              <a:t>,</a:t>
+            </a:r>
+            <a:r>
+              <a:rPr lang="en-US" b="1" dirty="0" err="1">
+                <a:solidFill>
+                  <a:srgbClr val="00B050"/>
+                </a:solidFill>
+              </a:rPr>
+              <a:t>NewColor</a:t>
+            </a:r>
+            <a:r>
+              <a:rPr lang="en-US" dirty="0" err="1"/>
+              <a:t>,</a:t>
+            </a:r>
+            <a:r>
+              <a:rPr lang="en-US" b="1" dirty="0" err="1">
+                <a:solidFill>
+                  <a:srgbClr val="00B050"/>
+                </a:solidFill>
+              </a:rPr>
+              <a:t>ColorChangedBoard</a:t>
+            </a:r>
+            <a:r>
+              <a:rPr lang="en-US" dirty="0">
+                <a:solidFill>
+                  <a:srgbClr val="FF0000"/>
+                </a:solidFill>
+              </a:rPr>
+              <a:t>),</a:t>
+            </a:r>
+          </a:p>
+          <a:p>
+            <a:r>
+              <a:rPr lang="en-US" dirty="0"/>
+              <a:t>	</a:t>
+            </a:r>
+            <a:r>
+              <a:rPr lang="en-US" dirty="0" err="1"/>
+              <a:t>remove_and_drop</a:t>
+            </a:r>
+            <a:r>
+              <a:rPr lang="en-US" dirty="0">
+                <a:solidFill>
+                  <a:srgbClr val="FF0000"/>
+                </a:solidFill>
+              </a:rPr>
+              <a:t>(</a:t>
+            </a:r>
+            <a:r>
+              <a:rPr lang="en-US" b="1" dirty="0" err="1">
+                <a:solidFill>
+                  <a:srgbClr val="00B050"/>
+                </a:solidFill>
+              </a:rPr>
+              <a:t>ColorChangedBoard</a:t>
+            </a:r>
+            <a:r>
+              <a:rPr lang="en-US" dirty="0"/>
+              <a:t>, </a:t>
+            </a:r>
+            <a:r>
+              <a:rPr lang="en-US" b="1" dirty="0">
+                <a:solidFill>
+                  <a:srgbClr val="00B050"/>
+                </a:solidFill>
+              </a:rPr>
+              <a:t>Board</a:t>
+            </a:r>
+            <a:r>
+              <a:rPr lang="en-US" dirty="0"/>
+              <a:t>, </a:t>
+            </a:r>
+            <a:r>
+              <a:rPr lang="en-US" b="1" dirty="0" err="1">
+                <a:solidFill>
+                  <a:srgbClr val="00B050"/>
+                </a:solidFill>
+              </a:rPr>
+              <a:t>CurrentScore</a:t>
+            </a:r>
+            <a:r>
+              <a:rPr lang="en-US" dirty="0">
+                <a:solidFill>
+                  <a:srgbClr val="FF0000"/>
+                </a:solidFill>
+              </a:rPr>
+              <a:t>),</a:t>
+            </a:r>
+          </a:p>
+          <a:p>
+            <a:r>
+              <a:rPr lang="en-US" dirty="0"/>
+              <a:t>	</a:t>
+            </a:r>
+            <a:r>
+              <a:rPr lang="en-US" b="1" dirty="0">
+                <a:solidFill>
+                  <a:srgbClr val="00B050"/>
+                </a:solidFill>
+              </a:rPr>
+              <a:t>Score</a:t>
+            </a:r>
+            <a:r>
+              <a:rPr lang="en-US" dirty="0"/>
+              <a:t> </a:t>
+            </a:r>
+            <a:r>
+              <a:rPr lang="en-US" dirty="0">
+                <a:solidFill>
+                  <a:srgbClr val="00B0F0"/>
+                </a:solidFill>
+              </a:rPr>
+              <a:t>is</a:t>
+            </a:r>
+            <a:r>
+              <a:rPr lang="en-US" dirty="0"/>
+              <a:t> </a:t>
+            </a:r>
+            <a:r>
+              <a:rPr lang="en-US" b="1" dirty="0" err="1">
+                <a:solidFill>
+                  <a:srgbClr val="00B050"/>
+                </a:solidFill>
+              </a:rPr>
+              <a:t>PreviousScore</a:t>
+            </a:r>
+            <a:r>
+              <a:rPr lang="en-US" dirty="0"/>
+              <a:t> + </a:t>
+            </a:r>
+            <a:r>
+              <a:rPr lang="en-US" b="1" dirty="0" err="1">
+                <a:solidFill>
+                  <a:srgbClr val="00B050"/>
+                </a:solidFill>
+              </a:rPr>
+              <a:t>CurrentScore</a:t>
+            </a:r>
+            <a:r>
+              <a:rPr lang="en-US" dirty="0">
+                <a:solidFill>
+                  <a:srgbClr val="FF0000"/>
+                </a:solidFill>
+              </a:rPr>
+              <a:t>.</a:t>
+            </a:r>
+          </a:p>
+          <a:p>
+            <a:r>
+              <a:rPr lang="en-US" dirty="0"/>
+              <a:t>	</a:t>
+            </a:r>
+          </a:p>
+          <a:p>
+            <a:r>
+              <a:rPr lang="en-US" dirty="0" err="1"/>
+              <a:t>score_of_turn</a:t>
+            </a:r>
+            <a:r>
+              <a:rPr lang="en-US" dirty="0">
+                <a:solidFill>
+                  <a:srgbClr val="FF0000"/>
+                </a:solidFill>
+              </a:rPr>
+              <a:t>(</a:t>
+            </a:r>
+            <a:r>
+              <a:rPr lang="en-US" b="1" dirty="0" err="1">
+                <a:solidFill>
+                  <a:srgbClr val="00B050"/>
+                </a:solidFill>
+              </a:rPr>
+              <a:t>T</a:t>
+            </a:r>
+            <a:r>
+              <a:rPr lang="en-US" dirty="0" err="1"/>
+              <a:t>,</a:t>
+            </a:r>
+            <a:r>
+              <a:rPr lang="en-US" b="1" dirty="0" err="1">
+                <a:solidFill>
+                  <a:srgbClr val="00B050"/>
+                </a:solidFill>
+              </a:rPr>
+              <a:t>Score</a:t>
+            </a:r>
+            <a:r>
+              <a:rPr lang="en-US" dirty="0">
+                <a:solidFill>
+                  <a:srgbClr val="FF0000"/>
+                </a:solidFill>
+              </a:rPr>
+              <a:t>)</a:t>
+            </a:r>
+            <a:r>
+              <a:rPr lang="en-US" dirty="0"/>
+              <a:t> :-</a:t>
+            </a:r>
+          </a:p>
+          <a:p>
+            <a:r>
+              <a:rPr lang="en-US" dirty="0"/>
+              <a:t>	board</a:t>
+            </a:r>
+            <a:r>
+              <a:rPr lang="en-US" dirty="0">
+                <a:solidFill>
+                  <a:srgbClr val="FF0000"/>
+                </a:solidFill>
+              </a:rPr>
+              <a:t>(</a:t>
+            </a:r>
+            <a:r>
+              <a:rPr lang="en-US" b="1" dirty="0" err="1">
+                <a:solidFill>
+                  <a:srgbClr val="00B050"/>
+                </a:solidFill>
+              </a:rPr>
+              <a:t>T</a:t>
+            </a:r>
+            <a:r>
+              <a:rPr lang="en-US" dirty="0" err="1"/>
+              <a:t>,</a:t>
+            </a:r>
+            <a:r>
+              <a:rPr lang="en-US" b="1" dirty="0" err="1">
+                <a:solidFill>
+                  <a:srgbClr val="00B050"/>
+                </a:solidFill>
+              </a:rPr>
+              <a:t>Board</a:t>
+            </a:r>
+            <a:r>
+              <a:rPr lang="en-US" dirty="0" err="1"/>
+              <a:t>,</a:t>
+            </a:r>
+            <a:r>
+              <a:rPr lang="en-US" b="1" dirty="0" err="1">
+                <a:solidFill>
+                  <a:srgbClr val="00B050"/>
+                </a:solidFill>
+              </a:rPr>
+              <a:t>Score</a:t>
+            </a:r>
+            <a:r>
+              <a:rPr lang="en-US" dirty="0" err="1"/>
+              <a:t>,</a:t>
+            </a:r>
+            <a:r>
+              <a:rPr lang="en-US" b="1" dirty="0" err="1">
+                <a:solidFill>
+                  <a:srgbClr val="00B050"/>
+                </a:solidFill>
+              </a:rPr>
+              <a:t>Positions</a:t>
+            </a:r>
+            <a:r>
+              <a:rPr lang="en-US" dirty="0" smtClean="0">
+                <a:solidFill>
+                  <a:srgbClr val="FF0000"/>
+                </a:solidFill>
+              </a:rPr>
+              <a:t>)</a:t>
+            </a:r>
+            <a:r>
+              <a:rPr lang="en-US" dirty="0" smtClean="0"/>
+              <a:t>.</a:t>
+            </a:r>
+          </a:p>
+          <a:p>
+            <a:endParaRPr lang="en-US" dirty="0"/>
+          </a:p>
+          <a:p>
+            <a:r>
+              <a:rPr lang="en-US" dirty="0" smtClean="0"/>
+              <a:t>query</a:t>
+            </a:r>
+            <a:r>
+              <a:rPr lang="en-US" dirty="0" smtClean="0">
+                <a:solidFill>
+                  <a:srgbClr val="FF0000"/>
+                </a:solidFill>
+              </a:rPr>
+              <a:t>(</a:t>
+            </a:r>
+            <a:r>
+              <a:rPr lang="en-US" dirty="0" err="1" smtClean="0"/>
+              <a:t>score_of_turn</a:t>
+            </a:r>
+            <a:r>
+              <a:rPr lang="en-US" dirty="0" smtClean="0">
+                <a:solidFill>
+                  <a:srgbClr val="FF0000"/>
+                </a:solidFill>
+              </a:rPr>
+              <a:t>(</a:t>
+            </a:r>
+            <a:r>
+              <a:rPr lang="en-US" dirty="0" smtClean="0"/>
+              <a:t>2,</a:t>
+            </a:r>
+            <a:r>
+              <a:rPr lang="en-US" b="1" dirty="0" smtClean="0">
+                <a:solidFill>
+                  <a:srgbClr val="00B050"/>
+                </a:solidFill>
+              </a:rPr>
+              <a:t>Score</a:t>
+            </a:r>
+            <a:r>
+              <a:rPr lang="en-US" dirty="0" smtClean="0">
+                <a:solidFill>
+                  <a:srgbClr val="FF0000"/>
+                </a:solidFill>
+              </a:rPr>
+              <a:t>))</a:t>
+            </a:r>
+            <a:r>
+              <a:rPr lang="en-US" dirty="0" smtClean="0"/>
+              <a:t>.</a:t>
+            </a:r>
+            <a:endParaRPr lang="en-US" dirty="0"/>
+          </a:p>
+        </p:txBody>
+      </p:sp>
     </p:spTree>
     <p:extLst>
       <p:ext uri="{BB962C8B-B14F-4D97-AF65-F5344CB8AC3E}">
@@ -23572,25 +25816,6 @@
       </p:sp>
       <p:sp>
         <p:nvSpPr>
-          <p:cNvPr id="4" name="Content Placeholder 3"/>
-          <p:cNvSpPr>
-            <a:spLocks noGrp="1"/>
-          </p:cNvSpPr>
-          <p:nvPr>
-            <p:ph sz="quarter" idx="13"/>
-          </p:nvPr>
-        </p:nvSpPr>
-        <p:spPr/>
-        <p:txBody>
-          <a:bodyPr/>
-          <a:lstStyle/>
-          <a:p>
-            <a:endParaRPr lang="en-US" dirty="0"/>
-          </a:p>
-        </p:txBody>
-      </p:sp>
-      <p:sp>
-        <p:nvSpPr>
           <p:cNvPr id="5" name="Title 4"/>
           <p:cNvSpPr>
             <a:spLocks noGrp="1"/>
@@ -23613,88 +25838,306 @@
           </a:p>
         </p:txBody>
       </p:sp>
-      <p:pic>
-        <p:nvPicPr>
-          <p:cNvPr id="1026" name="Picture 2" descr="C:\Users\susve\Desktop\T208-Probabilistic-Programming-A-Case-Study\thesis\presentations\2 second\result_problog_query1.png"/>
-          <p:cNvPicPr>
-            <a:picLocks noChangeAspect="1" noChangeArrowheads="1"/>
-          </p:cNvPicPr>
+      <p:sp>
+        <p:nvSpPr>
+          <p:cNvPr id="6" name="TextBox 5"/>
+          <p:cNvSpPr txBox="1"/>
           <p:nvPr/>
-        </p:nvPicPr>
-        <p:blipFill>
-          <a:blip r:embed="rId3">
-            <a:extLst>
-              <a:ext uri="{28A0092B-C50C-407E-A947-70E740481C1C}">
-                <a14:useLocalDpi xmlns:a14="http://schemas.microsoft.com/office/drawing/2010/main" val="0"/>
-              </a:ext>
-            </a:extLst>
-          </a:blip>
-          <a:srcRect/>
-          <a:stretch>
-            <a:fillRect/>
-          </a:stretch>
-        </p:blipFill>
-        <p:spPr bwMode="auto">
+        </p:nvSpPr>
+        <p:spPr>
           <a:xfrm>
-            <a:off x="236195" y="1129384"/>
-            <a:ext cx="8671609" cy="4114800"/>
+            <a:off x="1207137" y="1342664"/>
+            <a:ext cx="6729727" cy="2062103"/>
           </a:xfrm>
           <a:prstGeom prst="rect">
             <a:avLst/>
           </a:prstGeom>
           <a:noFill/>
-          <a:extLst>
-            <a:ext uri="{909E8E84-426E-40DD-AFC4-6F175D3DCCD1}">
-              <a14:hiddenFill xmlns:a14="http://schemas.microsoft.com/office/drawing/2010/main">
+        </p:spPr>
+        <p:txBody>
+          <a:bodyPr wrap="none" rtlCol="0">
+            <a:spAutoFit/>
+          </a:bodyPr>
+          <a:lstStyle/>
+          <a:p>
+            <a:r>
+              <a:rPr lang="en-US" sz="3200" dirty="0" err="1" smtClean="0"/>
+              <a:t>score_of_turn</a:t>
+            </a:r>
+            <a:r>
+              <a:rPr lang="en-US" sz="3200" dirty="0" smtClean="0"/>
+              <a:t>(</a:t>
+            </a:r>
+            <a:r>
+              <a:rPr lang="en-US" sz="3200" dirty="0" smtClean="0">
                 <a:solidFill>
-                  <a:srgbClr val="FFFFFF"/>
+                  <a:srgbClr val="FF0000"/>
                 </a:solidFill>
-              </a14:hiddenFill>
-            </a:ext>
-          </a:extLst>
-        </p:spPr>
-      </p:pic>
-      <p:pic>
-        <p:nvPicPr>
-          <p:cNvPr id="1027" name="Picture 3" descr="C:\Users\susve\Desktop\T208-Probabilistic-Programming-A-Case-Study\thesis\presentations\2 second\result_problog_query2.png"/>
-          <p:cNvPicPr>
-            <a:picLocks noChangeAspect="1" noChangeArrowheads="1"/>
-          </p:cNvPicPr>
+              </a:rPr>
+              <a:t>2</a:t>
+            </a:r>
+            <a:r>
+              <a:rPr lang="en-US" sz="3200" dirty="0" smtClean="0"/>
+              <a:t>,</a:t>
+            </a:r>
+            <a:r>
+              <a:rPr lang="en-US" sz="3200" dirty="0" smtClean="0">
+                <a:solidFill>
+                  <a:srgbClr val="00B050"/>
+                </a:solidFill>
+              </a:rPr>
+              <a:t>0</a:t>
+            </a:r>
+            <a:r>
+              <a:rPr lang="en-US" sz="3200" dirty="0" smtClean="0"/>
+              <a:t>):		0.44444444</a:t>
+            </a:r>
+          </a:p>
+          <a:p>
+            <a:r>
+              <a:rPr lang="en-US" sz="3200" dirty="0" err="1"/>
+              <a:t>s</a:t>
+            </a:r>
+            <a:r>
+              <a:rPr lang="en-US" sz="3200" dirty="0" err="1" smtClean="0"/>
+              <a:t>core_of_turn</a:t>
+            </a:r>
+            <a:r>
+              <a:rPr lang="en-US" sz="3200" dirty="0" smtClean="0"/>
+              <a:t>(</a:t>
+            </a:r>
+            <a:r>
+              <a:rPr lang="en-US" sz="3200" dirty="0" smtClean="0">
+                <a:solidFill>
+                  <a:srgbClr val="FF0000"/>
+                </a:solidFill>
+              </a:rPr>
+              <a:t>2</a:t>
+            </a:r>
+            <a:r>
+              <a:rPr lang="en-US" sz="3200" dirty="0" smtClean="0"/>
+              <a:t>,</a:t>
+            </a:r>
+            <a:r>
+              <a:rPr lang="en-US" sz="3200" dirty="0" smtClean="0">
+                <a:solidFill>
+                  <a:srgbClr val="00B050"/>
+                </a:solidFill>
+              </a:rPr>
+              <a:t>3</a:t>
+            </a:r>
+            <a:r>
+              <a:rPr lang="en-US" sz="3200" dirty="0" smtClean="0"/>
+              <a:t>):		0.38888889</a:t>
+            </a:r>
+          </a:p>
+          <a:p>
+            <a:r>
+              <a:rPr lang="en-US" sz="3200" dirty="0" err="1"/>
+              <a:t>s</a:t>
+            </a:r>
+            <a:r>
+              <a:rPr lang="en-US" sz="3200" dirty="0" err="1" smtClean="0"/>
+              <a:t>core_of_turn</a:t>
+            </a:r>
+            <a:r>
+              <a:rPr lang="en-US" sz="3200" dirty="0" smtClean="0"/>
+              <a:t>(</a:t>
+            </a:r>
+            <a:r>
+              <a:rPr lang="en-US" sz="3200" dirty="0" smtClean="0">
+                <a:solidFill>
+                  <a:srgbClr val="FF0000"/>
+                </a:solidFill>
+              </a:rPr>
+              <a:t>2</a:t>
+            </a:r>
+            <a:r>
+              <a:rPr lang="en-US" sz="3200" dirty="0" smtClean="0"/>
+              <a:t>,</a:t>
+            </a:r>
+            <a:r>
+              <a:rPr lang="en-US" sz="3200" dirty="0" smtClean="0">
+                <a:solidFill>
+                  <a:srgbClr val="00B050"/>
+                </a:solidFill>
+              </a:rPr>
+              <a:t>5</a:t>
+            </a:r>
+            <a:r>
+              <a:rPr lang="en-US" sz="3200" dirty="0" smtClean="0"/>
+              <a:t>):		0.055555556</a:t>
+            </a:r>
+          </a:p>
+          <a:p>
+            <a:r>
+              <a:rPr lang="en-US" sz="3200" dirty="0" err="1"/>
+              <a:t>s</a:t>
+            </a:r>
+            <a:r>
+              <a:rPr lang="en-US" sz="3200" dirty="0" err="1" smtClean="0"/>
+              <a:t>core_of_turn</a:t>
+            </a:r>
+            <a:r>
+              <a:rPr lang="en-US" sz="3200" dirty="0" smtClean="0"/>
+              <a:t>(</a:t>
+            </a:r>
+            <a:r>
+              <a:rPr lang="en-US" sz="3200" dirty="0" smtClean="0">
+                <a:solidFill>
+                  <a:srgbClr val="FF0000"/>
+                </a:solidFill>
+              </a:rPr>
+              <a:t>2</a:t>
+            </a:r>
+            <a:r>
+              <a:rPr lang="en-US" sz="3200" dirty="0" smtClean="0"/>
+              <a:t>,</a:t>
+            </a:r>
+            <a:r>
+              <a:rPr lang="en-US" sz="3200" dirty="0" smtClean="0">
+                <a:solidFill>
+                  <a:srgbClr val="00B050"/>
+                </a:solidFill>
+              </a:rPr>
+              <a:t>6</a:t>
+            </a:r>
+            <a:r>
+              <a:rPr lang="en-US" sz="3200" dirty="0" smtClean="0"/>
+              <a:t>):		0.111111111</a:t>
+            </a:r>
+            <a:endParaRPr lang="en-US" sz="3200" dirty="0"/>
+          </a:p>
+        </p:txBody>
+      </p:sp>
+      <p:sp>
+        <p:nvSpPr>
+          <p:cNvPr id="7" name="TextBox 6"/>
+          <p:cNvSpPr txBox="1"/>
           <p:nvPr/>
-        </p:nvPicPr>
-        <p:blipFill>
-          <a:blip r:embed="rId4">
-            <a:extLst>
-              <a:ext uri="{28A0092B-C50C-407E-A947-70E740481C1C}">
-                <a14:useLocalDpi xmlns:a14="http://schemas.microsoft.com/office/drawing/2010/main" val="0"/>
-              </a:ext>
-            </a:extLst>
-          </a:blip>
-          <a:srcRect/>
-          <a:stretch>
-            <a:fillRect/>
-          </a:stretch>
-        </p:blipFill>
-        <p:spPr bwMode="auto">
+        </p:nvSpPr>
+        <p:spPr>
           <a:xfrm>
-            <a:off x="914400" y="5533016"/>
-            <a:ext cx="7315200" cy="483650"/>
+            <a:off x="1207136" y="3623934"/>
+            <a:ext cx="6729727" cy="2123658"/>
           </a:xfrm>
           <a:prstGeom prst="rect">
             <a:avLst/>
           </a:prstGeom>
           <a:noFill/>
-          <a:extLst>
-            <a:ext uri="{909E8E84-426E-40DD-AFC4-6F175D3DCCD1}">
-              <a14:hiddenFill xmlns:a14="http://schemas.microsoft.com/office/drawing/2010/main">
+        </p:spPr>
+        <p:txBody>
+          <a:bodyPr wrap="square" rtlCol="0">
+            <a:spAutoFit/>
+          </a:bodyPr>
+          <a:lstStyle/>
+          <a:p>
+            <a:pPr algn="ctr"/>
+            <a:r>
+              <a:rPr lang="en-US" sz="3200" dirty="0"/>
+              <a:t>(</a:t>
+            </a:r>
+            <a:r>
+              <a:rPr lang="en-US" sz="3200" dirty="0" err="1"/>
+              <a:t>voor</a:t>
+            </a:r>
+            <a:r>
+              <a:rPr lang="en-US" sz="3200" dirty="0"/>
+              <a:t> 10x10 </a:t>
+            </a:r>
+            <a:r>
+              <a:rPr lang="en-US" sz="3200" dirty="0" err="1"/>
+              <a:t>bord</a:t>
+            </a:r>
+            <a:r>
+              <a:rPr lang="en-US" sz="3200" dirty="0" smtClean="0"/>
+              <a:t>)</a:t>
+            </a:r>
+          </a:p>
+          <a:p>
+            <a:pPr algn="ctr"/>
+            <a:r>
+              <a:rPr lang="en-US" sz="3200" dirty="0" err="1" smtClean="0"/>
+              <a:t>Beurt</a:t>
+            </a:r>
+            <a:r>
+              <a:rPr lang="en-US" sz="3200" dirty="0" smtClean="0"/>
+              <a:t> 	= {</a:t>
+            </a:r>
+            <a:r>
+              <a:rPr lang="en-US" sz="3200" dirty="0" smtClean="0">
                 <a:solidFill>
-                  <a:srgbClr val="FFFFFF"/>
+                  <a:srgbClr val="FF0000"/>
                 </a:solidFill>
-              </a14:hiddenFill>
-            </a:ext>
-          </a:extLst>
-        </p:spPr>
-      </p:pic>
+              </a:rPr>
+              <a:t>0,1,2,3,4,5,6,7,8,9,10</a:t>
+            </a:r>
+            <a:r>
+              <a:rPr lang="en-US" sz="3200" dirty="0" smtClean="0"/>
+              <a:t>}</a:t>
+            </a:r>
+          </a:p>
+          <a:p>
+            <a:pPr algn="ctr"/>
+            <a:r>
+              <a:rPr lang="en-US" sz="3200" dirty="0" smtClean="0"/>
+              <a:t>Score	= {</a:t>
+            </a:r>
+            <a:r>
+              <a:rPr lang="en-US" sz="3200" dirty="0" smtClean="0">
+                <a:solidFill>
+                  <a:srgbClr val="00B050"/>
+                </a:solidFill>
+              </a:rPr>
+              <a:t>3,4,5,6,7,8,9,10,…100</a:t>
+            </a:r>
+            <a:r>
+              <a:rPr lang="en-US" sz="3200" dirty="0" smtClean="0"/>
+              <a:t>}</a:t>
+            </a:r>
+          </a:p>
+          <a:p>
+            <a:pPr algn="ctr"/>
+            <a:r>
+              <a:rPr lang="en-US" sz="3200" b="1" dirty="0" err="1" smtClean="0">
+                <a:solidFill>
+                  <a:srgbClr val="FF0000"/>
+                </a:solidFill>
+              </a:rPr>
+              <a:t>Exacte</a:t>
+            </a:r>
+            <a:r>
+              <a:rPr lang="en-US" sz="3200" b="1" dirty="0" smtClean="0">
+                <a:solidFill>
+                  <a:srgbClr val="FF0000"/>
+                </a:solidFill>
+              </a:rPr>
+              <a:t> </a:t>
+            </a:r>
+            <a:r>
+              <a:rPr lang="en-US" sz="3200" b="1" dirty="0" err="1" smtClean="0">
+                <a:solidFill>
+                  <a:srgbClr val="FF0000"/>
+                </a:solidFill>
+              </a:rPr>
+              <a:t>inferentie</a:t>
+            </a:r>
+            <a:r>
+              <a:rPr lang="en-US" sz="3200" b="1" dirty="0" smtClean="0">
+                <a:solidFill>
+                  <a:srgbClr val="FF0000"/>
+                </a:solidFill>
+              </a:rPr>
+              <a:t>!</a:t>
+            </a:r>
+            <a:endParaRPr lang="en-US" sz="3200" b="1" dirty="0">
+              <a:solidFill>
+                <a:srgbClr val="FF0000"/>
+              </a:solidFill>
+            </a:endParaRPr>
+          </a:p>
+        </p:txBody>
+      </p:sp>
     </p:spTree>
     <p:extLst>
       <p:ext uri="{BB962C8B-B14F-4D97-AF65-F5344CB8AC3E}">
@@ -23796,359 +26239,313 @@
           <a:p>
             <a:pPr algn="ctr"/>
             <a:r>
-              <a:rPr lang="en-US" dirty="0" err="1"/>
+              <a:rPr lang="en-US" dirty="0" err="1" smtClean="0"/>
               <a:t>Resultaten</a:t>
             </a:r>
-            <a:endParaRPr lang="nl-BE" dirty="0"/>
-          </a:p>
-        </p:txBody>
-      </p:sp>
-      <p:graphicFrame>
-        <p:nvGraphicFramePr>
-          <p:cNvPr id="6" name="Table 5"/>
-          <p:cNvGraphicFramePr>
-            <a:graphicFrameLocks noGrp="1"/>
-          </p:cNvGraphicFramePr>
-          <p:nvPr>
-            <p:extLst>
-              <p:ext uri="{D42A27DB-BD31-4B8C-83A1-F6EECF244321}">
-                <p14:modId xmlns:p14="http://schemas.microsoft.com/office/powerpoint/2010/main" val="3608301725"/>
-              </p:ext>
-            </p:extLst>
-          </p:nvPr>
-        </p:nvGraphicFramePr>
-        <p:xfrm>
-          <a:off x="1237378" y="1274904"/>
-          <a:ext cx="6669244" cy="4744896"/>
-        </p:xfrm>
-        <a:graphic>
-          <a:graphicData uri="http://schemas.openxmlformats.org/drawingml/2006/table">
-            <a:tbl>
-              <a:tblPr firstRow="1" firstCol="1" bandRow="1">
-                <a:tableStyleId>{5C22544A-7EE6-4342-B048-85BDC9FD1C3A}</a:tableStyleId>
-              </a:tblPr>
-              <a:tblGrid>
-                <a:gridCol w="2841852"/>
-                <a:gridCol w="3827392"/>
-              </a:tblGrid>
-              <a:tr h="433552">
-                <a:tc>
-                  <a:txBody>
-                    <a:bodyPr/>
-                    <a:lstStyle/>
-                    <a:p>
-                      <a:pPr algn="ctr"/>
-                      <a:endParaRPr lang="nl-BE" dirty="0"/>
-                    </a:p>
-                  </a:txBody>
-                  <a:tcPr/>
-                </a:tc>
-                <a:tc>
-                  <a:txBody>
-                    <a:bodyPr/>
-                    <a:lstStyle/>
-                    <a:p>
-                      <a:pPr algn="ctr"/>
-                      <a:r>
-                        <a:rPr lang="nl-BE" dirty="0" smtClean="0"/>
-                        <a:t>ProbLog2</a:t>
-                      </a:r>
-                      <a:endParaRPr lang="nl-BE" dirty="0"/>
-                    </a:p>
-                  </a:txBody>
-                  <a:tcPr/>
-                </a:tc>
-              </a:tr>
-              <a:tr h="433552">
-                <a:tc>
-                  <a:txBody>
-                    <a:bodyPr/>
-                    <a:lstStyle/>
-                    <a:p>
-                      <a:pPr algn="ctr"/>
-                      <a:r>
-                        <a:rPr lang="nl-BE" dirty="0" err="1" smtClean="0"/>
-                        <a:t>Performantie</a:t>
-                      </a:r>
-                      <a:endParaRPr lang="nl-BE" dirty="0"/>
-                    </a:p>
-                  </a:txBody>
-                  <a:tcPr/>
-                </a:tc>
-                <a:tc>
-                  <a:txBody>
-                    <a:bodyPr/>
-                    <a:lstStyle/>
-                    <a:p>
-                      <a:pPr algn="ctr"/>
-                      <a:r>
-                        <a:rPr lang="nl-BE" sz="1400" dirty="0" smtClean="0"/>
-                        <a:t>Onmogelijk voor 10x10 borden.</a:t>
-                      </a:r>
-                    </a:p>
-                    <a:p>
-                      <a:pPr algn="ctr"/>
-                      <a:r>
-                        <a:rPr lang="nl-BE" sz="1400" dirty="0" smtClean="0"/>
-                        <a:t>Onmogelijk voor alle bord configuraties. Benaderende</a:t>
-                      </a:r>
-                      <a:r>
-                        <a:rPr lang="nl-BE" sz="1400" baseline="0" dirty="0" smtClean="0"/>
-                        <a:t> inferentie nodig.</a:t>
-                      </a:r>
-                      <a:endParaRPr lang="nl-BE" sz="1400" dirty="0" smtClean="0"/>
-                    </a:p>
-                  </a:txBody>
-                  <a:tcPr/>
-                </a:tc>
-              </a:tr>
-              <a:tr h="433552">
-                <a:tc>
-                  <a:txBody>
-                    <a:bodyPr/>
-                    <a:lstStyle/>
-                    <a:p>
-                      <a:pPr algn="ctr"/>
-                      <a:r>
-                        <a:rPr lang="en-US" dirty="0" err="1" smtClean="0"/>
-                        <a:t>Geheugengebruik</a:t>
-                      </a:r>
-                      <a:endParaRPr lang="nl-BE" dirty="0"/>
-                    </a:p>
-                  </a:txBody>
-                  <a:tcPr/>
-                </a:tc>
-                <a:tc>
-                  <a:txBody>
-                    <a:bodyPr/>
-                    <a:lstStyle/>
-                    <a:p>
-                      <a:pPr algn="ctr"/>
-                      <a:r>
-                        <a:rPr lang="nl-BE" sz="1400" dirty="0" smtClean="0"/>
-                        <a:t>Pure functies.</a:t>
-                      </a:r>
-                    </a:p>
-                    <a:p>
-                      <a:pPr algn="ctr"/>
-                      <a:r>
-                        <a:rPr lang="nl-BE" sz="1400" dirty="0" smtClean="0"/>
-                        <a:t>?</a:t>
-                      </a:r>
-                      <a:endParaRPr lang="nl-BE" sz="1400" dirty="0"/>
-                    </a:p>
-                  </a:txBody>
-                  <a:tcPr/>
-                </a:tc>
-              </a:tr>
-              <a:tr h="433552">
-                <a:tc>
-                  <a:txBody>
-                    <a:bodyPr/>
-                    <a:lstStyle/>
-                    <a:p>
-                      <a:pPr algn="ctr"/>
-                      <a:r>
-                        <a:rPr lang="nl-NL" dirty="0" smtClean="0"/>
-                        <a:t>Expressiviteit</a:t>
-                      </a:r>
-                      <a:endParaRPr lang="nl-BE" dirty="0"/>
-                    </a:p>
-                  </a:txBody>
-                  <a:tcPr/>
-                </a:tc>
-                <a:tc>
-                  <a:txBody>
-                    <a:bodyPr/>
-                    <a:lstStyle/>
-                    <a:p>
-                      <a:pPr algn="ctr"/>
-                      <a:r>
-                        <a:rPr lang="nl-BE" sz="1400" dirty="0" smtClean="0"/>
-                        <a:t>?</a:t>
-                      </a:r>
-                      <a:endParaRPr lang="nl-BE" sz="1400" dirty="0"/>
-                    </a:p>
-                  </a:txBody>
-                  <a:tcPr/>
-                </a:tc>
-              </a:tr>
-              <a:tr h="433552">
-                <a:tc>
-                  <a:txBody>
-                    <a:bodyPr/>
-                    <a:lstStyle/>
-                    <a:p>
-                      <a:pPr algn="ctr"/>
-                      <a:r>
-                        <a:rPr lang="nl-BE" dirty="0" smtClean="0"/>
-                        <a:t>Uitbreidbaarheid</a:t>
-                      </a:r>
-                      <a:endParaRPr lang="nl-BE" dirty="0"/>
-                    </a:p>
-                  </a:txBody>
-                  <a:tcPr/>
-                </a:tc>
-                <a:tc>
-                  <a:txBody>
-                    <a:bodyPr/>
-                    <a:lstStyle/>
-                    <a:p>
-                      <a:pPr algn="ctr"/>
-                      <a:r>
-                        <a:rPr lang="nl-BE" sz="1400" dirty="0" smtClean="0"/>
-                        <a:t>Uitstekend</a:t>
-                      </a:r>
-                      <a:r>
-                        <a:rPr lang="nl-BE" sz="1400" baseline="0" dirty="0" smtClean="0"/>
-                        <a:t> voor het veranderen van distributies.</a:t>
-                      </a:r>
-                      <a:endParaRPr lang="nl-BE" sz="1400" dirty="0"/>
-                    </a:p>
-                  </a:txBody>
-                  <a:tcPr/>
-                </a:tc>
-              </a:tr>
-              <a:tr h="433552">
-                <a:tc>
-                  <a:txBody>
-                    <a:bodyPr/>
-                    <a:lstStyle/>
-                    <a:p>
-                      <a:pPr algn="ctr"/>
-                      <a:r>
-                        <a:rPr lang="nl-BE" dirty="0" smtClean="0"/>
-                        <a:t>Tools beschikbaar</a:t>
-                      </a:r>
-                    </a:p>
-                  </a:txBody>
-                  <a:tcPr/>
-                </a:tc>
-                <a:tc>
-                  <a:txBody>
-                    <a:bodyPr/>
-                    <a:lstStyle/>
-                    <a:p>
-                      <a:pPr algn="ctr"/>
-                      <a:r>
-                        <a:rPr lang="nl-BE" sz="1400" dirty="0" smtClean="0"/>
-                        <a:t>Geen debugger,</a:t>
-                      </a:r>
-                      <a:r>
-                        <a:rPr lang="nl-BE" sz="1400" baseline="0" dirty="0" smtClean="0"/>
-                        <a:t> geen IDE, geen REPL. Gebruik van SWI-PL voor debuggen van predicaten.</a:t>
-                      </a:r>
-                    </a:p>
-                    <a:p>
-                      <a:pPr algn="ctr"/>
-                      <a:r>
-                        <a:rPr lang="nl-BE" sz="1400" baseline="0" dirty="0" smtClean="0"/>
-                        <a:t>Mogelijkheid om python te gebruiken.</a:t>
-                      </a:r>
-                      <a:endParaRPr lang="nl-BE" sz="1400" dirty="0"/>
-                    </a:p>
-                  </a:txBody>
-                  <a:tcPr/>
-                </a:tc>
-              </a:tr>
-              <a:tr h="433552">
-                <a:tc>
-                  <a:txBody>
-                    <a:bodyPr/>
-                    <a:lstStyle/>
-                    <a:p>
-                      <a:pPr algn="ctr"/>
-                      <a:r>
-                        <a:rPr lang="nl-BE" dirty="0" smtClean="0"/>
-                        <a:t>Moeilijkheidsgraad</a:t>
-                      </a:r>
-                      <a:endParaRPr lang="nl-BE" dirty="0"/>
-                    </a:p>
-                  </a:txBody>
-                  <a:tcPr/>
-                </a:tc>
-                <a:tc>
-                  <a:txBody>
-                    <a:bodyPr/>
-                    <a:lstStyle/>
-                    <a:p>
-                      <a:pPr algn="ctr"/>
-                      <a:r>
-                        <a:rPr lang="nl-BE" sz="1400" dirty="0" smtClean="0"/>
-                        <a:t>Gebruiksvriendelijke installatie (python</a:t>
-                      </a:r>
-                      <a:r>
-                        <a:rPr lang="nl-BE" sz="1400" baseline="0" dirty="0" smtClean="0"/>
-                        <a:t> nodig</a:t>
-                      </a:r>
-                      <a:r>
-                        <a:rPr lang="nl-BE" sz="1400" dirty="0" smtClean="0"/>
-                        <a:t>).</a:t>
-                      </a:r>
-                    </a:p>
-                    <a:p>
-                      <a:pPr algn="ctr"/>
-                      <a:r>
-                        <a:rPr lang="nl-BE" sz="1400" dirty="0" smtClean="0"/>
-                        <a:t>Elegante</a:t>
-                      </a:r>
-                      <a:r>
-                        <a:rPr lang="nl-BE" sz="1400" baseline="0" dirty="0" smtClean="0"/>
-                        <a:t> code (subjectief).</a:t>
-                      </a:r>
-                    </a:p>
-                    <a:p>
-                      <a:pPr algn="ctr"/>
-                      <a:r>
-                        <a:rPr lang="nl-BE" sz="1400" baseline="0" dirty="0" smtClean="0"/>
-                        <a:t>Makkelijk (subjectief).</a:t>
-                      </a:r>
-                      <a:endParaRPr lang="nl-BE" sz="1400" dirty="0" smtClean="0"/>
-                    </a:p>
-                  </a:txBody>
-                  <a:tcPr/>
-                </a:tc>
-              </a:tr>
-              <a:tr h="433552">
-                <a:tc>
-                  <a:txBody>
-                    <a:bodyPr/>
-                    <a:lstStyle/>
-                    <a:p>
-                      <a:pPr algn="ctr"/>
-                      <a:r>
-                        <a:rPr lang="nl-BE" dirty="0" smtClean="0"/>
-                        <a:t>Programmeerparadigma</a:t>
-                      </a:r>
-                      <a:endParaRPr lang="nl-BE" dirty="0"/>
-                    </a:p>
-                  </a:txBody>
-                  <a:tcPr/>
-                </a:tc>
-                <a:tc>
-                  <a:txBody>
-                    <a:bodyPr/>
-                    <a:lstStyle/>
-                    <a:p>
-                      <a:pPr algn="ctr"/>
-                      <a:r>
-                        <a:rPr lang="nl-BE" sz="1400" dirty="0" smtClean="0"/>
-                        <a:t>Logisch</a:t>
-                      </a:r>
-                      <a:endParaRPr lang="nl-BE" sz="1400" dirty="0"/>
-                    </a:p>
-                  </a:txBody>
-                  <a:tcPr/>
-                </a:tc>
-              </a:tr>
-            </a:tbl>
-          </a:graphicData>
-        </a:graphic>
-      </p:graphicFrame>
+            <a:endParaRPr lang="en-US" dirty="0"/>
+          </a:p>
+        </p:txBody>
+      </p:sp>
+      <p:sp>
+        <p:nvSpPr>
+          <p:cNvPr id="6" name="TextBox 5"/>
+          <p:cNvSpPr txBox="1"/>
+          <p:nvPr/>
+        </p:nvSpPr>
+        <p:spPr>
+          <a:xfrm>
+            <a:off x="1207137" y="1342664"/>
+            <a:ext cx="5136342" cy="2062103"/>
+          </a:xfrm>
+          <a:prstGeom prst="rect">
+            <a:avLst/>
+          </a:prstGeom>
+          <a:noFill/>
+        </p:spPr>
+        <p:txBody>
+          <a:bodyPr wrap="none" rtlCol="0">
+            <a:spAutoFit/>
+          </a:bodyPr>
+          <a:lstStyle/>
+          <a:p>
+            <a:r>
+              <a:rPr lang="en-US" sz="3200" dirty="0" err="1" smtClean="0"/>
+              <a:t>score_of_turn</a:t>
+            </a:r>
+            <a:r>
+              <a:rPr lang="en-US" sz="3200" dirty="0" smtClean="0"/>
+              <a:t>(</a:t>
+            </a:r>
+            <a:r>
+              <a:rPr lang="en-US" sz="3200" dirty="0" smtClean="0">
+                <a:solidFill>
+                  <a:srgbClr val="FF0000"/>
+                </a:solidFill>
+              </a:rPr>
+              <a:t>2</a:t>
+            </a:r>
+            <a:r>
+              <a:rPr lang="en-US" sz="3200" dirty="0" smtClean="0"/>
+              <a:t>,</a:t>
+            </a:r>
+            <a:r>
+              <a:rPr lang="en-US" sz="3200" dirty="0" smtClean="0">
+                <a:solidFill>
+                  <a:srgbClr val="00B050"/>
+                </a:solidFill>
+              </a:rPr>
+              <a:t>0</a:t>
+            </a:r>
+            <a:r>
+              <a:rPr lang="en-US" sz="3200" dirty="0" smtClean="0"/>
+              <a:t>):		0.45</a:t>
+            </a:r>
+          </a:p>
+          <a:p>
+            <a:r>
+              <a:rPr lang="en-US" sz="3200" dirty="0" err="1" smtClean="0"/>
+              <a:t>score_of_turn</a:t>
+            </a:r>
+            <a:r>
+              <a:rPr lang="en-US" sz="3200" dirty="0" smtClean="0"/>
+              <a:t>(</a:t>
+            </a:r>
+            <a:r>
+              <a:rPr lang="en-US" sz="3200" dirty="0" smtClean="0">
+                <a:solidFill>
+                  <a:srgbClr val="FF0000"/>
+                </a:solidFill>
+              </a:rPr>
+              <a:t>2</a:t>
+            </a:r>
+            <a:r>
+              <a:rPr lang="en-US" sz="3200" dirty="0" smtClean="0"/>
+              <a:t>,</a:t>
+            </a:r>
+            <a:r>
+              <a:rPr lang="en-US" sz="3200" dirty="0" smtClean="0">
+                <a:solidFill>
+                  <a:srgbClr val="00B050"/>
+                </a:solidFill>
+              </a:rPr>
+              <a:t>3</a:t>
+            </a:r>
+            <a:r>
+              <a:rPr lang="en-US" sz="3200" dirty="0" smtClean="0"/>
+              <a:t>):		0.4</a:t>
+            </a:r>
+          </a:p>
+          <a:p>
+            <a:r>
+              <a:rPr lang="en-US" sz="3200" dirty="0" err="1"/>
+              <a:t>s</a:t>
+            </a:r>
+            <a:r>
+              <a:rPr lang="en-US" sz="3200" dirty="0" err="1" smtClean="0"/>
+              <a:t>core_of_turn</a:t>
+            </a:r>
+            <a:r>
+              <a:rPr lang="en-US" sz="3200" dirty="0" smtClean="0"/>
+              <a:t>(</a:t>
+            </a:r>
+            <a:r>
+              <a:rPr lang="en-US" sz="3200" dirty="0" smtClean="0">
+                <a:solidFill>
+                  <a:srgbClr val="FF0000"/>
+                </a:solidFill>
+              </a:rPr>
+              <a:t>2</a:t>
+            </a:r>
+            <a:r>
+              <a:rPr lang="en-US" sz="3200" dirty="0" smtClean="0"/>
+              <a:t>,</a:t>
+            </a:r>
+            <a:r>
+              <a:rPr lang="en-US" sz="3200" dirty="0" smtClean="0">
+                <a:solidFill>
+                  <a:srgbClr val="00B050"/>
+                </a:solidFill>
+              </a:rPr>
+              <a:t>5</a:t>
+            </a:r>
+            <a:r>
+              <a:rPr lang="en-US" sz="3200" dirty="0" smtClean="0"/>
+              <a:t>):		0.05</a:t>
+            </a:r>
+          </a:p>
+          <a:p>
+            <a:r>
+              <a:rPr lang="en-US" sz="3200" dirty="0" err="1"/>
+              <a:t>s</a:t>
+            </a:r>
+            <a:r>
+              <a:rPr lang="en-US" sz="3200" dirty="0" err="1" smtClean="0"/>
+              <a:t>core_of_turn</a:t>
+            </a:r>
+            <a:r>
+              <a:rPr lang="en-US" sz="3200" dirty="0" smtClean="0"/>
+              <a:t>(</a:t>
+            </a:r>
+            <a:r>
+              <a:rPr lang="en-US" sz="3200" dirty="0" smtClean="0">
+                <a:solidFill>
+                  <a:srgbClr val="FF0000"/>
+                </a:solidFill>
+              </a:rPr>
+              <a:t>2</a:t>
+            </a:r>
+            <a:r>
+              <a:rPr lang="en-US" sz="3200" dirty="0" smtClean="0"/>
+              <a:t>,</a:t>
+            </a:r>
+            <a:r>
+              <a:rPr lang="en-US" sz="3200" dirty="0" smtClean="0">
+                <a:solidFill>
+                  <a:srgbClr val="00B050"/>
+                </a:solidFill>
+              </a:rPr>
+              <a:t>6</a:t>
+            </a:r>
+            <a:r>
+              <a:rPr lang="en-US" sz="3200" dirty="0" smtClean="0"/>
+              <a:t>):		0.1</a:t>
+            </a:r>
+            <a:endParaRPr lang="en-US" sz="3200" dirty="0"/>
+          </a:p>
+        </p:txBody>
+      </p:sp>
+      <p:sp>
+        <p:nvSpPr>
+          <p:cNvPr id="7" name="TextBox 6"/>
+          <p:cNvSpPr txBox="1"/>
+          <p:nvPr/>
+        </p:nvSpPr>
+        <p:spPr>
+          <a:xfrm>
+            <a:off x="1207136" y="3623934"/>
+            <a:ext cx="6729727" cy="2554545"/>
+          </a:xfrm>
+          <a:prstGeom prst="rect">
+            <a:avLst/>
+          </a:prstGeom>
+          <a:noFill/>
+        </p:spPr>
+        <p:txBody>
+          <a:bodyPr wrap="square" rtlCol="0">
+            <a:spAutoFit/>
+          </a:bodyPr>
+          <a:lstStyle/>
+          <a:p>
+            <a:pPr algn="ctr"/>
+            <a:r>
+              <a:rPr lang="en-US" sz="3200" dirty="0"/>
+              <a:t>(</a:t>
+            </a:r>
+            <a:r>
+              <a:rPr lang="en-US" sz="3200" dirty="0" err="1"/>
+              <a:t>voor</a:t>
+            </a:r>
+            <a:r>
+              <a:rPr lang="en-US" sz="3200" dirty="0"/>
+              <a:t> 10x10 </a:t>
+            </a:r>
+            <a:r>
+              <a:rPr lang="en-US" sz="3200" dirty="0" err="1"/>
+              <a:t>bord</a:t>
+            </a:r>
+            <a:r>
+              <a:rPr lang="en-US" sz="3200" dirty="0" smtClean="0"/>
+              <a:t>)</a:t>
+            </a:r>
+          </a:p>
+          <a:p>
+            <a:pPr algn="ctr"/>
+            <a:r>
+              <a:rPr lang="en-US" sz="3200" dirty="0" err="1" smtClean="0"/>
+              <a:t>Beurt</a:t>
+            </a:r>
+            <a:r>
+              <a:rPr lang="en-US" sz="3200" dirty="0" smtClean="0"/>
+              <a:t> 	= {</a:t>
+            </a:r>
+            <a:r>
+              <a:rPr lang="en-US" sz="3200" dirty="0" smtClean="0">
+                <a:solidFill>
+                  <a:srgbClr val="FF0000"/>
+                </a:solidFill>
+              </a:rPr>
+              <a:t>0,1,2,3,4,5,6,7,8,9,10</a:t>
+            </a:r>
+            <a:r>
+              <a:rPr lang="en-US" sz="3200" dirty="0" smtClean="0"/>
+              <a:t>}</a:t>
+            </a:r>
+          </a:p>
+          <a:p>
+            <a:pPr algn="ctr"/>
+            <a:r>
+              <a:rPr lang="en-US" sz="3200" dirty="0" smtClean="0"/>
+              <a:t>Score	= {</a:t>
+            </a:r>
+            <a:r>
+              <a:rPr lang="en-US" sz="3200" dirty="0" smtClean="0">
+                <a:solidFill>
+                  <a:srgbClr val="00B050"/>
+                </a:solidFill>
+              </a:rPr>
+              <a:t>3,4,5,6,7,8,9,10,…100</a:t>
+            </a:r>
+            <a:r>
+              <a:rPr lang="en-US" sz="3200" dirty="0" smtClean="0"/>
+              <a:t>}</a:t>
+            </a:r>
+          </a:p>
+          <a:p>
+            <a:pPr algn="ctr"/>
+            <a:r>
+              <a:rPr lang="en-US" sz="3200" b="1" dirty="0" err="1" smtClean="0">
+                <a:solidFill>
+                  <a:srgbClr val="FF0000"/>
+                </a:solidFill>
+              </a:rPr>
+              <a:t>Benaderende</a:t>
+            </a:r>
+            <a:r>
+              <a:rPr lang="en-US" sz="3200" b="1" dirty="0" smtClean="0">
+                <a:solidFill>
+                  <a:srgbClr val="FF0000"/>
+                </a:solidFill>
+              </a:rPr>
+              <a:t> </a:t>
+            </a:r>
+            <a:r>
+              <a:rPr lang="en-US" sz="3200" b="1" dirty="0" err="1" smtClean="0">
+                <a:solidFill>
+                  <a:srgbClr val="FF0000"/>
+                </a:solidFill>
+              </a:rPr>
+              <a:t>inferentie</a:t>
+            </a:r>
+            <a:r>
+              <a:rPr lang="en-US" sz="3200" b="1" dirty="0" smtClean="0">
+                <a:solidFill>
+                  <a:srgbClr val="FF0000"/>
+                </a:solidFill>
+              </a:rPr>
+              <a:t> met 20 samples!</a:t>
+            </a:r>
+            <a:endParaRPr lang="en-US" sz="3200" b="1" dirty="0">
+              <a:solidFill>
+                <a:srgbClr val="FF0000"/>
+              </a:solidFill>
+            </a:endParaRPr>
+          </a:p>
+        </p:txBody>
+      </p:sp>
     </p:spTree>
     <p:extLst>
       <p:ext uri="{BB962C8B-B14F-4D97-AF65-F5344CB8AC3E}">
-        <p14:creationId xmlns:p14="http://schemas.microsoft.com/office/powerpoint/2010/main" val="4116867107"/>
+        <p14:creationId xmlns:p14="http://schemas.microsoft.com/office/powerpoint/2010/main" val="2133516389"/>
       </p:ext>
     </p:extLst>
   </p:cSld>
@@ -24231,142 +26628,6 @@
       </p:sp>
       <p:sp>
         <p:nvSpPr>
-          <p:cNvPr id="4" name="Content Placeholder 3"/>
-          <p:cNvSpPr>
-            <a:spLocks noGrp="1"/>
-          </p:cNvSpPr>
-          <p:nvPr>
-            <p:ph sz="quarter" idx="13"/>
-          </p:nvPr>
-        </p:nvSpPr>
-        <p:spPr/>
-        <p:txBody>
-          <a:bodyPr/>
-          <a:lstStyle/>
-          <a:p>
-            <a:r>
-              <a:rPr lang="en-US" dirty="0" err="1" smtClean="0"/>
-              <a:t>Verdere</a:t>
-            </a:r>
-            <a:r>
-              <a:rPr lang="en-US" dirty="0" smtClean="0"/>
-              <a:t> </a:t>
-            </a:r>
-            <a:r>
-              <a:rPr lang="en-US" dirty="0" err="1" smtClean="0"/>
-              <a:t>evaluatie</a:t>
-            </a:r>
-            <a:r>
-              <a:rPr lang="en-US" dirty="0" smtClean="0"/>
-              <a:t> van ProbLog2.</a:t>
-            </a:r>
-          </a:p>
-          <a:p>
-            <a:pPr lvl="1"/>
-            <a:r>
-              <a:rPr lang="en-US" dirty="0" err="1" smtClean="0"/>
-              <a:t>Performantie</a:t>
-            </a:r>
-            <a:r>
-              <a:rPr lang="en-US" dirty="0"/>
-              <a:t>;</a:t>
-            </a:r>
-            <a:r>
-              <a:rPr lang="en-US" dirty="0" smtClean="0"/>
-              <a:t> </a:t>
-            </a:r>
-            <a:r>
-              <a:rPr lang="en-US" dirty="0" err="1" smtClean="0"/>
-              <a:t>Geheugengebruik</a:t>
-            </a:r>
-            <a:r>
-              <a:rPr lang="en-US" dirty="0" smtClean="0"/>
-              <a:t>; </a:t>
-            </a:r>
-            <a:r>
-              <a:rPr lang="en-US" dirty="0" err="1" smtClean="0"/>
-              <a:t>expressiviteit</a:t>
-            </a:r>
-            <a:r>
-              <a:rPr lang="en-US" dirty="0" smtClean="0"/>
-              <a:t>,…</a:t>
-            </a:r>
-          </a:p>
-          <a:p>
-            <a:r>
-              <a:rPr lang="en-US" dirty="0" err="1" smtClean="0"/>
-              <a:t>Implementatie</a:t>
-            </a:r>
-            <a:r>
-              <a:rPr lang="en-US" dirty="0" smtClean="0"/>
-              <a:t> van model in Anglican.</a:t>
-            </a:r>
-          </a:p>
-          <a:p>
-            <a:r>
-              <a:rPr lang="en-US" dirty="0" err="1" smtClean="0"/>
-              <a:t>Evaluatie</a:t>
-            </a:r>
-            <a:r>
-              <a:rPr lang="en-US" dirty="0" smtClean="0"/>
-              <a:t> van Anglican model.</a:t>
-            </a:r>
-          </a:p>
-          <a:p>
-            <a:r>
-              <a:rPr lang="en-US" dirty="0" err="1" smtClean="0"/>
-              <a:t>Evaluatie</a:t>
-            </a:r>
-            <a:r>
-              <a:rPr lang="en-US" dirty="0" smtClean="0"/>
-              <a:t> Anglican                 ProbLog2.</a:t>
-            </a:r>
-          </a:p>
-          <a:p>
-            <a:r>
-              <a:rPr lang="en-US" dirty="0" smtClean="0"/>
-              <a:t>(</a:t>
-            </a:r>
-            <a:r>
-              <a:rPr lang="en-US" dirty="0" err="1" smtClean="0"/>
-              <a:t>optioneel</a:t>
-            </a:r>
-            <a:r>
-              <a:rPr lang="en-US" dirty="0" smtClean="0"/>
-              <a:t>) </a:t>
-            </a:r>
-            <a:r>
-              <a:rPr lang="en-US" dirty="0" err="1" smtClean="0"/>
-              <a:t>Derde</a:t>
-            </a:r>
-            <a:r>
-              <a:rPr lang="en-US" dirty="0" smtClean="0"/>
-              <a:t> PPL </a:t>
-            </a:r>
-            <a:r>
-              <a:rPr lang="en-US" dirty="0" err="1" smtClean="0"/>
-              <a:t>implementeren</a:t>
-            </a:r>
-            <a:r>
-              <a:rPr lang="en-US" dirty="0" smtClean="0"/>
-              <a:t> en </a:t>
-            </a:r>
-            <a:r>
-              <a:rPr lang="en-US" dirty="0" err="1" smtClean="0"/>
-              <a:t>evalueren</a:t>
-            </a:r>
-            <a:r>
-              <a:rPr lang="en-US" dirty="0" smtClean="0"/>
-              <a:t>.</a:t>
-            </a:r>
-          </a:p>
-          <a:p>
-            <a:endParaRPr lang="en-US" dirty="0"/>
-          </a:p>
-        </p:txBody>
-      </p:sp>
-      <p:sp>
-        <p:nvSpPr>
           <p:cNvPr id="5" name="Title 4"/>
           <p:cNvSpPr>
             <a:spLocks noGrp="1"/>
@@ -24383,56 +26644,41 @@
             <a:pPr algn="ctr"/>
             <a:r>
               <a:rPr lang="en-US" dirty="0" err="1" smtClean="0"/>
-              <a:t>Toekomst</a:t>
+              <a:t>Resultaten</a:t>
             </a:r>
             <a:endParaRPr lang="en-US" dirty="0"/>
           </a:p>
         </p:txBody>
       </p:sp>
-      <p:sp>
-        <p:nvSpPr>
-          <p:cNvPr id="6" name="Left-Right Arrow 5"/>
-          <p:cNvSpPr/>
-          <p:nvPr/>
-        </p:nvSpPr>
-        <p:spPr>
-          <a:xfrm>
-            <a:off x="3550141" y="3712267"/>
-            <a:ext cx="1124606" cy="168899"/>
-          </a:xfrm>
-          <a:prstGeom prst="leftRightArrow">
-            <a:avLst/>
-          </a:prstGeom>
-        </p:spPr>
-        <p:style>
-          <a:lnRef idx="2">
-            <a:schemeClr val="accent1">
-              <a:shade val="50000"/>
-            </a:schemeClr>
-          </a:lnRef>
-          <a:fillRef idx="1">
-            <a:schemeClr val="accent1"/>
-          </a:fillRef>
-          <a:effectRef idx="0">
-            <a:schemeClr val="accent1"/>
-          </a:effectRef>
-          <a:fontRef idx="minor">
-            <a:schemeClr val="lt1"/>
-          </a:fontRef>
-        </p:style>
-        <p:txBody>
-          <a:bodyPr rtlCol="0" anchor="ctr"/>
-          <a:lstStyle/>
-          <a:p>
-            <a:pPr algn="ctr"/>
-            <a:endParaRPr lang="nl-BE"/>
-          </a:p>
-        </p:txBody>
-      </p:sp>
+      <p:graphicFrame>
+        <p:nvGraphicFramePr>
+          <p:cNvPr id="10" name="Content Placeholder 9"/>
+          <p:cNvGraphicFramePr>
+            <a:graphicFrameLocks noGrp="1"/>
+          </p:cNvGraphicFramePr>
+          <p:nvPr>
+            <p:ph sz="quarter" idx="13"/>
+            <p:extLst>
+              <p:ext uri="{D42A27DB-BD31-4B8C-83A1-F6EECF244321}">
+                <p14:modId xmlns:p14="http://schemas.microsoft.com/office/powerpoint/2010/main" val="1368089310"/>
+              </p:ext>
+            </p:extLst>
+          </p:nvPr>
+        </p:nvGraphicFramePr>
+        <p:xfrm>
+          <a:off x="576263" y="1655763"/>
+          <a:ext cx="7991475" cy="4392612"/>
+        </p:xfrm>
+        <a:graphic>
+          <a:graphicData uri="http://schemas.openxmlformats.org/drawingml/2006/chart">
+            <c:chart xmlns:c="http://schemas.openxmlformats.org/drawingml/2006/chart" xmlns:r="http://schemas.openxmlformats.org/officeDocument/2006/relationships" r:id="rId3"/>
+          </a:graphicData>
+        </a:graphic>
+      </p:graphicFrame>
     </p:spTree>
     <p:extLst>
       <p:ext uri="{BB962C8B-B14F-4D97-AF65-F5344CB8AC3E}">
-        <p14:creationId xmlns:p14="http://schemas.microsoft.com/office/powerpoint/2010/main" val="984370636"/>
+        <p14:creationId xmlns:p14="http://schemas.microsoft.com/office/powerpoint/2010/main" val="3746821323"/>
       </p:ext>
     </p:extLst>
   </p:cSld>
@@ -25284,6 +27530,939 @@
     <p:extLst>
       <p:ext uri="{BB962C8B-B14F-4D97-AF65-F5344CB8AC3E}">
         <p14:creationId xmlns:p14="http://schemas.microsoft.com/office/powerpoint/2010/main" val="1776738454"/>
+      </p:ext>
+    </p:extLst>
+  </p:cSld>
+  <p:clrMapOvr>
+    <a:masterClrMapping/>
+  </p:clrMapOvr>
+  <p:timing>
+    <p:tnLst>
+      <p:par>
+        <p:cTn id="1" dur="indefinite" restart="never" nodeType="tmRoot"/>
+      </p:par>
+    </p:tnLst>
+  </p:timing>
+</p:sld>
+</file>
+
+<file path=ppt/slides/slide30.xml><?xml version="1.0" encoding="utf-8"?>
+<p:sld xmlns:a="http://schemas.openxmlformats.org/drawingml/2006/main" xmlns:r="http://schemas.openxmlformats.org/officeDocument/2006/relationships" xmlns:p="http://schemas.openxmlformats.org/presentationml/2006/main">
+  <p:cSld>
+    <p:spTree>
+      <p:nvGrpSpPr>
+        <p:cNvPr id="1" name=""/>
+        <p:cNvGrpSpPr/>
+        <p:nvPr/>
+      </p:nvGrpSpPr>
+      <p:grpSpPr>
+        <a:xfrm>
+          <a:off x="0" y="0"/>
+          <a:ext cx="0" cy="0"/>
+          <a:chOff x="0" y="0"/>
+          <a:chExt cx="0" cy="0"/>
+        </a:xfrm>
+      </p:grpSpPr>
+      <p:sp>
+        <p:nvSpPr>
+          <p:cNvPr id="2" name="Footer Placeholder 1"/>
+          <p:cNvSpPr>
+            <a:spLocks noGrp="1"/>
+          </p:cNvSpPr>
+          <p:nvPr>
+            <p:ph type="ftr" sz="quarter" idx="11"/>
+          </p:nvPr>
+        </p:nvSpPr>
+        <p:spPr/>
+        <p:txBody>
+          <a:bodyPr/>
+          <a:lstStyle/>
+          <a:p>
+            <a:r>
+              <a:rPr lang="nl-NL" smtClean="0"/>
+              <a:t>Departement Computerwetenschappen · Faculteit Wetenschappen · KU Leuven</a:t>
+            </a:r>
+            <a:endParaRPr lang="nl-NL" dirty="0"/>
+          </a:p>
+        </p:txBody>
+      </p:sp>
+      <p:sp>
+        <p:nvSpPr>
+          <p:cNvPr id="3" name="Slide Number Placeholder 2"/>
+          <p:cNvSpPr>
+            <a:spLocks noGrp="1"/>
+          </p:cNvSpPr>
+          <p:nvPr>
+            <p:ph type="sldNum" sz="quarter" idx="12"/>
+          </p:nvPr>
+        </p:nvSpPr>
+        <p:spPr/>
+        <p:txBody>
+          <a:bodyPr/>
+          <a:lstStyle/>
+          <a:p>
+            <a:fld id="{0A297500-7527-634B-90F4-69D0994C32B4}" type="slidenum">
+              <a:rPr lang="nl-NL" smtClean="0"/>
+              <a:pPr/>
+              <a:t>29</a:t>
+            </a:fld>
+            <a:endParaRPr lang="nl-NL" dirty="0"/>
+          </a:p>
+        </p:txBody>
+      </p:sp>
+      <p:sp>
+        <p:nvSpPr>
+          <p:cNvPr id="5" name="Title 4"/>
+          <p:cNvSpPr>
+            <a:spLocks noGrp="1"/>
+          </p:cNvSpPr>
+          <p:nvPr>
+            <p:ph type="title"/>
+          </p:nvPr>
+        </p:nvSpPr>
+        <p:spPr/>
+        <p:txBody>
+          <a:bodyPr/>
+          <a:lstStyle/>
+          <a:p>
+            <a:pPr algn="ctr"/>
+            <a:r>
+              <a:rPr lang="en-US" dirty="0" err="1"/>
+              <a:t>Resultaten</a:t>
+            </a:r>
+            <a:endParaRPr lang="nl-BE" dirty="0"/>
+          </a:p>
+        </p:txBody>
+      </p:sp>
+      <p:graphicFrame>
+        <p:nvGraphicFramePr>
+          <p:cNvPr id="6" name="Table 5"/>
+          <p:cNvGraphicFramePr>
+            <a:graphicFrameLocks noGrp="1"/>
+          </p:cNvGraphicFramePr>
+          <p:nvPr>
+            <p:extLst>
+              <p:ext uri="{D42A27DB-BD31-4B8C-83A1-F6EECF244321}">
+                <p14:modId xmlns:p14="http://schemas.microsoft.com/office/powerpoint/2010/main" val="1831566614"/>
+              </p:ext>
+            </p:extLst>
+          </p:nvPr>
+        </p:nvGraphicFramePr>
+        <p:xfrm>
+          <a:off x="1237378" y="1274904"/>
+          <a:ext cx="6669244" cy="4738064"/>
+        </p:xfrm>
+        <a:graphic>
+          <a:graphicData uri="http://schemas.openxmlformats.org/drawingml/2006/table">
+            <a:tbl>
+              <a:tblPr firstRow="1" firstCol="1" bandRow="1">
+                <a:tableStyleId>{5C22544A-7EE6-4342-B048-85BDC9FD1C3A}</a:tableStyleId>
+              </a:tblPr>
+              <a:tblGrid>
+                <a:gridCol w="2841852"/>
+                <a:gridCol w="3827392"/>
+              </a:tblGrid>
+              <a:tr h="433552">
+                <a:tc>
+                  <a:txBody>
+                    <a:bodyPr/>
+                    <a:lstStyle/>
+                    <a:p>
+                      <a:pPr algn="ctr"/>
+                      <a:endParaRPr lang="nl-BE" dirty="0"/>
+                    </a:p>
+                  </a:txBody>
+                  <a:tcPr/>
+                </a:tc>
+                <a:tc>
+                  <a:txBody>
+                    <a:bodyPr/>
+                    <a:lstStyle/>
+                    <a:p>
+                      <a:pPr algn="ctr"/>
+                      <a:r>
+                        <a:rPr lang="nl-BE" dirty="0" smtClean="0"/>
+                        <a:t>ProbLog2</a:t>
+                      </a:r>
+                      <a:endParaRPr lang="nl-BE" dirty="0"/>
+                    </a:p>
+                  </a:txBody>
+                  <a:tcPr/>
+                </a:tc>
+              </a:tr>
+              <a:tr h="433552">
+                <a:tc>
+                  <a:txBody>
+                    <a:bodyPr/>
+                    <a:lstStyle/>
+                    <a:p>
+                      <a:pPr algn="ctr"/>
+                      <a:r>
+                        <a:rPr lang="nl-BE" dirty="0" err="1" smtClean="0"/>
+                        <a:t>Performantie</a:t>
+                      </a:r>
+                      <a:endParaRPr lang="nl-BE" dirty="0"/>
+                    </a:p>
+                  </a:txBody>
+                  <a:tcPr/>
+                </a:tc>
+                <a:tc>
+                  <a:txBody>
+                    <a:bodyPr/>
+                    <a:lstStyle/>
+                    <a:p>
+                      <a:pPr marL="285750" indent="-285750" algn="l">
+                        <a:buFont typeface="Arial" pitchFamily="34" charset="0"/>
+                        <a:buChar char="•"/>
+                      </a:pPr>
+                      <a:r>
+                        <a:rPr lang="nl-BE" sz="1400" dirty="0" smtClean="0">
+                          <a:solidFill>
+                            <a:srgbClr val="FF0000"/>
+                          </a:solidFill>
+                        </a:rPr>
+                        <a:t>Exacte</a:t>
+                      </a:r>
+                      <a:r>
+                        <a:rPr lang="nl-BE" sz="1400" baseline="0" dirty="0" smtClean="0">
+                          <a:solidFill>
+                            <a:srgbClr val="FF0000"/>
+                          </a:solidFill>
+                        </a:rPr>
+                        <a:t> inferentie o</a:t>
+                      </a:r>
+                      <a:r>
+                        <a:rPr lang="nl-BE" sz="1400" dirty="0" smtClean="0">
+                          <a:solidFill>
+                            <a:srgbClr val="FF0000"/>
+                          </a:solidFill>
+                        </a:rPr>
+                        <a:t>nmogelijk voor 10x10 borden, of voor alle initiële </a:t>
+                      </a:r>
+                      <a:r>
+                        <a:rPr lang="nl-BE" sz="1400" baseline="0" dirty="0" smtClean="0">
+                          <a:solidFill>
+                            <a:srgbClr val="FF0000"/>
+                          </a:solidFill>
+                        </a:rPr>
+                        <a:t>bord configuraties, of voor 10 beurten</a:t>
+                      </a:r>
+                      <a:endParaRPr lang="nl-BE" sz="1400" dirty="0" smtClean="0">
+                        <a:solidFill>
+                          <a:schemeClr val="dk1"/>
+                        </a:solidFill>
+                      </a:endParaRPr>
+                    </a:p>
+                    <a:p>
+                      <a:pPr marL="285750" indent="-285750" algn="l">
+                        <a:buFont typeface="Arial" pitchFamily="34" charset="0"/>
+                        <a:buChar char="•"/>
+                      </a:pPr>
+                      <a:r>
+                        <a:rPr lang="nl-BE" sz="1400" dirty="0" smtClean="0">
+                          <a:solidFill>
+                            <a:srgbClr val="00B050"/>
+                          </a:solidFill>
+                        </a:rPr>
+                        <a:t>Benaderende</a:t>
+                      </a:r>
+                      <a:r>
+                        <a:rPr lang="nl-BE" sz="1400" baseline="0" dirty="0" smtClean="0">
+                          <a:solidFill>
+                            <a:srgbClr val="00B050"/>
+                          </a:solidFill>
+                        </a:rPr>
+                        <a:t> </a:t>
+                      </a:r>
+                      <a:r>
+                        <a:rPr lang="nl-BE" sz="1400" baseline="0" dirty="0" smtClean="0">
+                          <a:solidFill>
+                            <a:srgbClr val="00B050"/>
+                          </a:solidFill>
+                        </a:rPr>
+                        <a:t>inferentie </a:t>
+                      </a:r>
+                      <a:r>
+                        <a:rPr lang="nl-BE" sz="1400" baseline="0" dirty="0" smtClean="0">
+                          <a:solidFill>
+                            <a:srgbClr val="00B050"/>
+                          </a:solidFill>
+                        </a:rPr>
+                        <a:t>nodig</a:t>
+                      </a:r>
+                      <a:endParaRPr lang="nl-BE" sz="1400" dirty="0" smtClean="0">
+                        <a:solidFill>
+                          <a:srgbClr val="00B050"/>
+                        </a:solidFill>
+                      </a:endParaRPr>
+                    </a:p>
+                  </a:txBody>
+                  <a:tcPr/>
+                </a:tc>
+              </a:tr>
+              <a:tr h="433552">
+                <a:tc>
+                  <a:txBody>
+                    <a:bodyPr/>
+                    <a:lstStyle/>
+                    <a:p>
+                      <a:pPr algn="ctr"/>
+                      <a:r>
+                        <a:rPr lang="en-US" dirty="0" err="1" smtClean="0"/>
+                        <a:t>Geheugengebruik</a:t>
+                      </a:r>
+                      <a:endParaRPr lang="nl-BE" dirty="0"/>
+                    </a:p>
+                  </a:txBody>
+                  <a:tcPr/>
+                </a:tc>
+                <a:tc>
+                  <a:txBody>
+                    <a:bodyPr/>
+                    <a:lstStyle/>
+                    <a:p>
+                      <a:pPr marL="285750" indent="-285750" algn="l">
+                        <a:buFont typeface="Arial" pitchFamily="34" charset="0"/>
+                        <a:buChar char="•"/>
+                      </a:pPr>
+                      <a:r>
+                        <a:rPr lang="nl-BE" sz="1400" dirty="0" smtClean="0">
+                          <a:solidFill>
+                            <a:srgbClr val="FF0000"/>
+                          </a:solidFill>
+                        </a:rPr>
+                        <a:t>Pure </a:t>
+                      </a:r>
+                      <a:r>
+                        <a:rPr lang="nl-BE" sz="1400" dirty="0" smtClean="0">
+                          <a:solidFill>
+                            <a:srgbClr val="FF0000"/>
+                          </a:solidFill>
+                        </a:rPr>
+                        <a:t>functies</a:t>
+                      </a:r>
+                    </a:p>
+                    <a:p>
+                      <a:pPr marL="285750" indent="-285750" algn="l">
+                        <a:buFont typeface="Arial" pitchFamily="34" charset="0"/>
+                        <a:buChar char="•"/>
+                      </a:pPr>
+                      <a:r>
+                        <a:rPr lang="nl-BE" sz="1400" dirty="0" smtClean="0">
+                          <a:solidFill>
+                            <a:srgbClr val="2F4D5D"/>
+                          </a:solidFill>
+                        </a:rPr>
+                        <a:t>?</a:t>
+                      </a:r>
+                      <a:endParaRPr lang="nl-BE" sz="1400" dirty="0" smtClean="0">
+                        <a:solidFill>
+                          <a:srgbClr val="2F4D5D"/>
+                        </a:solidFill>
+                      </a:endParaRPr>
+                    </a:p>
+                  </a:txBody>
+                  <a:tcPr/>
+                </a:tc>
+              </a:tr>
+              <a:tr h="433552">
+                <a:tc>
+                  <a:txBody>
+                    <a:bodyPr/>
+                    <a:lstStyle/>
+                    <a:p>
+                      <a:pPr algn="ctr"/>
+                      <a:r>
+                        <a:rPr lang="nl-NL" dirty="0" smtClean="0"/>
+                        <a:t>Expressiviteit</a:t>
+                      </a:r>
+                      <a:endParaRPr lang="nl-BE" dirty="0"/>
+                    </a:p>
+                  </a:txBody>
+                  <a:tcPr/>
+                </a:tc>
+                <a:tc>
+                  <a:txBody>
+                    <a:bodyPr/>
+                    <a:lstStyle/>
+                    <a:p>
+                      <a:pPr marL="285750" indent="-285750" algn="l">
+                        <a:buFont typeface="Arial" pitchFamily="34" charset="0"/>
+                        <a:buChar char="•"/>
+                      </a:pPr>
+                      <a:r>
+                        <a:rPr lang="nl-BE" sz="1400" dirty="0" smtClean="0">
+                          <a:solidFill>
+                            <a:srgbClr val="2F4D5D"/>
+                          </a:solidFill>
+                        </a:rPr>
+                        <a:t>?</a:t>
+                      </a:r>
+                      <a:endParaRPr lang="nl-BE" sz="1400" dirty="0">
+                        <a:solidFill>
+                          <a:srgbClr val="2F4D5D"/>
+                        </a:solidFill>
+                      </a:endParaRPr>
+                    </a:p>
+                  </a:txBody>
+                  <a:tcPr/>
+                </a:tc>
+              </a:tr>
+              <a:tr h="433552">
+                <a:tc>
+                  <a:txBody>
+                    <a:bodyPr/>
+                    <a:lstStyle/>
+                    <a:p>
+                      <a:pPr algn="ctr"/>
+                      <a:r>
+                        <a:rPr lang="nl-BE" dirty="0" smtClean="0"/>
+                        <a:t>Uitbreidbaarheid</a:t>
+                      </a:r>
+                      <a:endParaRPr lang="nl-BE" dirty="0"/>
+                    </a:p>
+                  </a:txBody>
+                  <a:tcPr/>
+                </a:tc>
+                <a:tc>
+                  <a:txBody>
+                    <a:bodyPr/>
+                    <a:lstStyle/>
+                    <a:p>
+                      <a:pPr marL="285750" indent="-285750" algn="l">
+                        <a:buFont typeface="Arial" pitchFamily="34" charset="0"/>
+                        <a:buChar char="•"/>
+                      </a:pPr>
+                      <a:r>
+                        <a:rPr lang="nl-BE" sz="1400" dirty="0" smtClean="0">
+                          <a:solidFill>
+                            <a:srgbClr val="00B050"/>
+                          </a:solidFill>
+                        </a:rPr>
+                        <a:t>Uitstekend</a:t>
+                      </a:r>
+                      <a:r>
+                        <a:rPr lang="nl-BE" sz="1400" baseline="0" dirty="0" smtClean="0">
+                          <a:solidFill>
+                            <a:srgbClr val="00B050"/>
+                          </a:solidFill>
+                        </a:rPr>
+                        <a:t> voor het veranderen van </a:t>
+                      </a:r>
+                      <a:r>
+                        <a:rPr lang="nl-BE" sz="1400" baseline="0" dirty="0" smtClean="0">
+                          <a:solidFill>
+                            <a:srgbClr val="00B050"/>
+                          </a:solidFill>
+                        </a:rPr>
+                        <a:t>distributies</a:t>
+                      </a:r>
+                      <a:endParaRPr lang="nl-BE" sz="1400" dirty="0">
+                        <a:solidFill>
+                          <a:srgbClr val="00B050"/>
+                        </a:solidFill>
+                      </a:endParaRPr>
+                    </a:p>
+                  </a:txBody>
+                  <a:tcPr/>
+                </a:tc>
+              </a:tr>
+              <a:tr h="433552">
+                <a:tc>
+                  <a:txBody>
+                    <a:bodyPr/>
+                    <a:lstStyle/>
+                    <a:p>
+                      <a:pPr algn="ctr"/>
+                      <a:r>
+                        <a:rPr lang="nl-BE" dirty="0" smtClean="0"/>
+                        <a:t>Tools beschikbaar</a:t>
+                      </a:r>
+                    </a:p>
+                  </a:txBody>
+                  <a:tcPr/>
+                </a:tc>
+                <a:tc>
+                  <a:txBody>
+                    <a:bodyPr/>
+                    <a:lstStyle/>
+                    <a:p>
+                      <a:pPr marL="285750" indent="-285750" algn="l">
+                        <a:buFont typeface="Arial" pitchFamily="34" charset="0"/>
+                        <a:buChar char="•"/>
+                      </a:pPr>
+                      <a:r>
+                        <a:rPr lang="nl-BE" sz="1400" dirty="0" smtClean="0">
+                          <a:solidFill>
+                            <a:srgbClr val="FF0000"/>
+                          </a:solidFill>
+                        </a:rPr>
+                        <a:t>Geen debugger,</a:t>
+                      </a:r>
+                      <a:r>
+                        <a:rPr lang="nl-BE" sz="1400" baseline="0" dirty="0" smtClean="0">
+                          <a:solidFill>
+                            <a:srgbClr val="FF0000"/>
+                          </a:solidFill>
+                        </a:rPr>
+                        <a:t> geen IDE, geen </a:t>
+                      </a:r>
+                      <a:r>
+                        <a:rPr lang="nl-BE" sz="1400" baseline="0" dirty="0" smtClean="0">
+                          <a:solidFill>
+                            <a:srgbClr val="FF0000"/>
+                          </a:solidFill>
+                        </a:rPr>
+                        <a:t>REPL </a:t>
+                      </a:r>
+                      <a:r>
+                        <a:rPr lang="nl-BE" sz="1400" baseline="0" dirty="0" smtClean="0">
+                          <a:solidFill>
+                            <a:srgbClr val="FF0000"/>
+                          </a:solidFill>
+                        </a:rPr>
+                        <a:t>Gebruik van SWI-PL voor debuggen van </a:t>
+                      </a:r>
+                      <a:r>
+                        <a:rPr lang="nl-BE" sz="1400" baseline="0" dirty="0" smtClean="0">
+                          <a:solidFill>
+                            <a:srgbClr val="FF0000"/>
+                          </a:solidFill>
+                        </a:rPr>
+                        <a:t>predicaten</a:t>
+                      </a:r>
+                      <a:endParaRPr lang="nl-BE" sz="1400" baseline="0" dirty="0" smtClean="0">
+                        <a:solidFill>
+                          <a:srgbClr val="FF0000"/>
+                        </a:solidFill>
+                      </a:endParaRPr>
+                    </a:p>
+                    <a:p>
+                      <a:pPr marL="285750" indent="-285750" algn="l">
+                        <a:buFont typeface="Arial" pitchFamily="34" charset="0"/>
+                        <a:buChar char="•"/>
+                      </a:pPr>
+                      <a:r>
+                        <a:rPr lang="nl-BE" sz="1400" baseline="0" dirty="0" smtClean="0">
+                          <a:solidFill>
+                            <a:srgbClr val="00B050"/>
+                          </a:solidFill>
+                        </a:rPr>
+                        <a:t>Mogelijkheid om python te </a:t>
+                      </a:r>
+                      <a:r>
+                        <a:rPr lang="nl-BE" sz="1400" baseline="0" dirty="0" smtClean="0">
+                          <a:solidFill>
+                            <a:srgbClr val="00B050"/>
+                          </a:solidFill>
+                        </a:rPr>
+                        <a:t>gebruiken</a:t>
+                      </a:r>
+                      <a:endParaRPr lang="nl-BE" sz="1400" dirty="0">
+                        <a:solidFill>
+                          <a:srgbClr val="00B050"/>
+                        </a:solidFill>
+                      </a:endParaRPr>
+                    </a:p>
+                  </a:txBody>
+                  <a:tcPr/>
+                </a:tc>
+              </a:tr>
+              <a:tr h="433552">
+                <a:tc>
+                  <a:txBody>
+                    <a:bodyPr/>
+                    <a:lstStyle/>
+                    <a:p>
+                      <a:pPr algn="ctr"/>
+                      <a:r>
+                        <a:rPr lang="nl-BE" dirty="0" smtClean="0"/>
+                        <a:t>Moeilijkheidsgraad</a:t>
+                      </a:r>
+                      <a:endParaRPr lang="nl-BE" dirty="0"/>
+                    </a:p>
+                  </a:txBody>
+                  <a:tcPr/>
+                </a:tc>
+                <a:tc>
+                  <a:txBody>
+                    <a:bodyPr/>
+                    <a:lstStyle/>
+                    <a:p>
+                      <a:pPr marL="285750" indent="-285750" algn="l">
+                        <a:buFont typeface="Arial" pitchFamily="34" charset="0"/>
+                        <a:buChar char="•"/>
+                      </a:pPr>
+                      <a:r>
+                        <a:rPr lang="nl-BE" sz="1400" dirty="0" smtClean="0">
+                          <a:solidFill>
+                            <a:srgbClr val="00B050"/>
+                          </a:solidFill>
+                        </a:rPr>
+                        <a:t>Gebruiksvriendelijke installatie (python</a:t>
+                      </a:r>
+                      <a:r>
+                        <a:rPr lang="nl-BE" sz="1400" baseline="0" dirty="0" smtClean="0">
+                          <a:solidFill>
+                            <a:srgbClr val="00B050"/>
+                          </a:solidFill>
+                        </a:rPr>
+                        <a:t> nodig</a:t>
+                      </a:r>
+                      <a:r>
+                        <a:rPr lang="nl-BE" sz="1400" dirty="0" smtClean="0">
+                          <a:solidFill>
+                            <a:srgbClr val="00B050"/>
+                          </a:solidFill>
+                        </a:rPr>
+                        <a:t>)</a:t>
+                      </a:r>
+                      <a:endParaRPr lang="nl-BE" sz="1400" dirty="0" smtClean="0">
+                        <a:solidFill>
+                          <a:srgbClr val="00B050"/>
+                        </a:solidFill>
+                      </a:endParaRPr>
+                    </a:p>
+                    <a:p>
+                      <a:pPr marL="285750" indent="-285750" algn="l">
+                        <a:buFont typeface="Arial" pitchFamily="34" charset="0"/>
+                        <a:buChar char="•"/>
+                      </a:pPr>
+                      <a:r>
+                        <a:rPr lang="nl-BE" sz="1400" dirty="0" smtClean="0">
+                          <a:solidFill>
+                            <a:srgbClr val="00B050"/>
+                          </a:solidFill>
+                        </a:rPr>
+                        <a:t>Elegante</a:t>
+                      </a:r>
+                      <a:r>
+                        <a:rPr lang="nl-BE" sz="1400" baseline="0" dirty="0" smtClean="0">
+                          <a:solidFill>
+                            <a:srgbClr val="00B050"/>
+                          </a:solidFill>
+                        </a:rPr>
+                        <a:t> code (subjectief</a:t>
+                      </a:r>
+                      <a:r>
+                        <a:rPr lang="nl-BE" sz="1400" baseline="0" dirty="0" smtClean="0">
+                          <a:solidFill>
+                            <a:srgbClr val="00B050"/>
+                          </a:solidFill>
+                        </a:rPr>
+                        <a:t>) </a:t>
+                      </a:r>
+                      <a:r>
+                        <a:rPr lang="nl-BE" sz="1400" baseline="0" dirty="0" smtClean="0">
+                          <a:solidFill>
+                            <a:srgbClr val="00B050"/>
+                          </a:solidFill>
+                          <a:sym typeface="Wingdings" pitchFamily="2" charset="2"/>
+                        </a:rPr>
+                        <a:t> Makkelijker voor bugs te vinden</a:t>
+                      </a:r>
+                      <a:endParaRPr lang="nl-BE" sz="1400" baseline="0" dirty="0" smtClean="0">
+                        <a:solidFill>
+                          <a:srgbClr val="00B050"/>
+                        </a:solidFill>
+                      </a:endParaRPr>
+                    </a:p>
+                  </a:txBody>
+                  <a:tcPr/>
+                </a:tc>
+              </a:tr>
+            </a:tbl>
+          </a:graphicData>
+        </a:graphic>
+      </p:graphicFrame>
+    </p:spTree>
+    <p:extLst>
+      <p:ext uri="{BB962C8B-B14F-4D97-AF65-F5344CB8AC3E}">
+        <p14:creationId xmlns:p14="http://schemas.microsoft.com/office/powerpoint/2010/main" val="4116867107"/>
+      </p:ext>
+    </p:extLst>
+  </p:cSld>
+  <p:clrMapOvr>
+    <a:masterClrMapping/>
+  </p:clrMapOvr>
+  <p:timing>
+    <p:tnLst>
+      <p:par>
+        <p:cTn id="1" dur="indefinite" restart="never" nodeType="tmRoot"/>
+      </p:par>
+    </p:tnLst>
+  </p:timing>
+</p:sld>
+</file>
+
+<file path=ppt/slides/slide31.xml><?xml version="1.0" encoding="utf-8"?>
+<p:sld xmlns:a="http://schemas.openxmlformats.org/drawingml/2006/main" xmlns:r="http://schemas.openxmlformats.org/officeDocument/2006/relationships" xmlns:p="http://schemas.openxmlformats.org/presentationml/2006/main">
+  <p:cSld>
+    <p:spTree>
+      <p:nvGrpSpPr>
+        <p:cNvPr id="1" name=""/>
+        <p:cNvGrpSpPr/>
+        <p:nvPr/>
+      </p:nvGrpSpPr>
+      <p:grpSpPr>
+        <a:xfrm>
+          <a:off x="0" y="0"/>
+          <a:ext cx="0" cy="0"/>
+          <a:chOff x="0" y="0"/>
+          <a:chExt cx="0" cy="0"/>
+        </a:xfrm>
+      </p:grpSpPr>
+      <p:sp>
+        <p:nvSpPr>
+          <p:cNvPr id="2" name="Footer Placeholder 1"/>
+          <p:cNvSpPr>
+            <a:spLocks noGrp="1"/>
+          </p:cNvSpPr>
+          <p:nvPr>
+            <p:ph type="ftr" sz="quarter" idx="11"/>
+          </p:nvPr>
+        </p:nvSpPr>
+        <p:spPr/>
+        <p:txBody>
+          <a:bodyPr/>
+          <a:lstStyle/>
+          <a:p>
+            <a:r>
+              <a:rPr lang="nl-NL" smtClean="0"/>
+              <a:t>Departement Computerwetenschappen · Faculteit Wetenschappen · KU Leuven</a:t>
+            </a:r>
+            <a:endParaRPr lang="nl-NL" dirty="0"/>
+          </a:p>
+        </p:txBody>
+      </p:sp>
+      <p:sp>
+        <p:nvSpPr>
+          <p:cNvPr id="3" name="Slide Number Placeholder 2"/>
+          <p:cNvSpPr>
+            <a:spLocks noGrp="1"/>
+          </p:cNvSpPr>
+          <p:nvPr>
+            <p:ph type="sldNum" sz="quarter" idx="12"/>
+          </p:nvPr>
+        </p:nvSpPr>
+        <p:spPr/>
+        <p:txBody>
+          <a:bodyPr/>
+          <a:lstStyle/>
+          <a:p>
+            <a:fld id="{0A297500-7527-634B-90F4-69D0994C32B4}" type="slidenum">
+              <a:rPr lang="nl-NL" smtClean="0"/>
+              <a:pPr/>
+              <a:t>30</a:t>
+            </a:fld>
+            <a:endParaRPr lang="nl-NL" dirty="0"/>
+          </a:p>
+        </p:txBody>
+      </p:sp>
+      <p:sp>
+        <p:nvSpPr>
+          <p:cNvPr id="4" name="Content Placeholder 3"/>
+          <p:cNvSpPr>
+            <a:spLocks noGrp="1"/>
+          </p:cNvSpPr>
+          <p:nvPr>
+            <p:ph sz="quarter" idx="13"/>
+          </p:nvPr>
+        </p:nvSpPr>
+        <p:spPr/>
+        <p:txBody>
+          <a:bodyPr/>
+          <a:lstStyle/>
+          <a:p>
+            <a:r>
+              <a:rPr lang="en-US" dirty="0" err="1" smtClean="0"/>
+              <a:t>Verdere</a:t>
+            </a:r>
+            <a:r>
+              <a:rPr lang="en-US" dirty="0" smtClean="0"/>
+              <a:t> </a:t>
+            </a:r>
+            <a:r>
+              <a:rPr lang="en-US" dirty="0" err="1" smtClean="0"/>
+              <a:t>evaluatie</a:t>
+            </a:r>
+            <a:r>
+              <a:rPr lang="en-US" dirty="0" smtClean="0"/>
+              <a:t> van ProbLog2.</a:t>
+            </a:r>
+          </a:p>
+          <a:p>
+            <a:pPr lvl="1"/>
+            <a:r>
+              <a:rPr lang="en-US" dirty="0" err="1" smtClean="0"/>
+              <a:t>Performantie</a:t>
+            </a:r>
+            <a:r>
+              <a:rPr lang="en-US" dirty="0"/>
+              <a:t>;</a:t>
+            </a:r>
+            <a:r>
+              <a:rPr lang="en-US" dirty="0" smtClean="0"/>
+              <a:t> </a:t>
+            </a:r>
+            <a:r>
+              <a:rPr lang="en-US" dirty="0" err="1" smtClean="0"/>
+              <a:t>Geheugengebruik</a:t>
+            </a:r>
+            <a:r>
+              <a:rPr lang="en-US" dirty="0" smtClean="0"/>
+              <a:t>; </a:t>
+            </a:r>
+            <a:r>
+              <a:rPr lang="en-US" dirty="0" err="1" smtClean="0"/>
+              <a:t>expressiviteit</a:t>
+            </a:r>
+            <a:r>
+              <a:rPr lang="en-US" dirty="0" smtClean="0"/>
+              <a:t>,…</a:t>
+            </a:r>
+          </a:p>
+          <a:p>
+            <a:r>
+              <a:rPr lang="en-US" dirty="0" err="1" smtClean="0"/>
+              <a:t>Implementatie</a:t>
+            </a:r>
+            <a:r>
+              <a:rPr lang="en-US" dirty="0" smtClean="0"/>
+              <a:t> van model in Anglican.</a:t>
+            </a:r>
+          </a:p>
+          <a:p>
+            <a:r>
+              <a:rPr lang="en-US" dirty="0" err="1" smtClean="0"/>
+              <a:t>Evaluatie</a:t>
+            </a:r>
+            <a:r>
+              <a:rPr lang="en-US" dirty="0" smtClean="0"/>
+              <a:t> van Anglican model.</a:t>
+            </a:r>
+          </a:p>
+          <a:p>
+            <a:r>
+              <a:rPr lang="en-US" dirty="0" err="1" smtClean="0"/>
+              <a:t>Evaluatie</a:t>
+            </a:r>
+            <a:r>
+              <a:rPr lang="en-US" dirty="0" smtClean="0"/>
+              <a:t> Anglican                 ProbLog2.</a:t>
+            </a:r>
+          </a:p>
+          <a:p>
+            <a:r>
+              <a:rPr lang="en-US" dirty="0" smtClean="0"/>
+              <a:t>(</a:t>
+            </a:r>
+            <a:r>
+              <a:rPr lang="en-US" dirty="0" err="1" smtClean="0"/>
+              <a:t>optioneel</a:t>
+            </a:r>
+            <a:r>
+              <a:rPr lang="en-US" dirty="0" smtClean="0"/>
+              <a:t>) </a:t>
+            </a:r>
+            <a:r>
+              <a:rPr lang="en-US" dirty="0" err="1" smtClean="0"/>
+              <a:t>Derde</a:t>
+            </a:r>
+            <a:r>
+              <a:rPr lang="en-US" dirty="0" smtClean="0"/>
+              <a:t> PPL </a:t>
+            </a:r>
+            <a:r>
+              <a:rPr lang="en-US" dirty="0" err="1" smtClean="0"/>
+              <a:t>implementeren</a:t>
+            </a:r>
+            <a:r>
+              <a:rPr lang="en-US" dirty="0" smtClean="0"/>
+              <a:t> en </a:t>
+            </a:r>
+            <a:r>
+              <a:rPr lang="en-US" dirty="0" err="1" smtClean="0"/>
+              <a:t>evalueren</a:t>
+            </a:r>
+            <a:r>
+              <a:rPr lang="en-US" dirty="0" smtClean="0"/>
+              <a:t>.</a:t>
+            </a:r>
+          </a:p>
+          <a:p>
+            <a:endParaRPr lang="en-US" dirty="0"/>
+          </a:p>
+        </p:txBody>
+      </p:sp>
+      <p:sp>
+        <p:nvSpPr>
+          <p:cNvPr id="5" name="Title 4"/>
+          <p:cNvSpPr>
+            <a:spLocks noGrp="1"/>
+          </p:cNvSpPr>
+          <p:nvPr>
+            <p:ph type="title"/>
+          </p:nvPr>
+        </p:nvSpPr>
+        <p:spPr/>
+        <p:txBody>
+          <a:bodyPr/>
+          <a:lstStyle/>
+          <a:p>
+            <a:pPr algn="ctr"/>
+            <a:r>
+              <a:rPr lang="en-US" dirty="0" err="1" smtClean="0"/>
+              <a:t>Toekomst</a:t>
+            </a:r>
+            <a:endParaRPr lang="en-US" dirty="0"/>
+          </a:p>
+        </p:txBody>
+      </p:sp>
+      <p:sp>
+        <p:nvSpPr>
+          <p:cNvPr id="6" name="Left-Right Arrow 5"/>
+          <p:cNvSpPr/>
+          <p:nvPr/>
+        </p:nvSpPr>
+        <p:spPr>
+          <a:xfrm>
+            <a:off x="3550141" y="3712267"/>
+            <a:ext cx="1124606" cy="168899"/>
+          </a:xfrm>
+          <a:prstGeom prst="leftRightArrow">
+            <a:avLst/>
+          </a:prstGeom>
+        </p:spPr>
+        <p:style>
+          <a:lnRef idx="2">
+            <a:schemeClr val="accent1">
+              <a:shade val="50000"/>
+            </a:schemeClr>
+          </a:lnRef>
+          <a:fillRef idx="1">
+            <a:schemeClr val="accent1"/>
+          </a:fillRef>
+          <a:effectRef idx="0">
+            <a:schemeClr val="accent1"/>
+          </a:effectRef>
+          <a:fontRef idx="minor">
+            <a:schemeClr val="lt1"/>
+          </a:fontRef>
+        </p:style>
+        <p:txBody>
+          <a:bodyPr rtlCol="0" anchor="ctr"/>
+          <a:lstStyle/>
+          <a:p>
+            <a:pPr algn="ctr"/>
+            <a:endParaRPr lang="nl-BE"/>
+          </a:p>
+        </p:txBody>
+      </p:sp>
+    </p:spTree>
+    <p:extLst>
+      <p:ext uri="{BB962C8B-B14F-4D97-AF65-F5344CB8AC3E}">
+        <p14:creationId xmlns:p14="http://schemas.microsoft.com/office/powerpoint/2010/main" val="984370636"/>
       </p:ext>
     </p:extLst>
   </p:cSld>
@@ -29583,7 +32762,7 @@
   <a:extraClrSchemeLst/>
   <a:extLst>
     <a:ext uri="{05A4C25C-085E-4340-85A3-A5531E510DB2}">
-      <thm15:themeFamily xmlns:thm15="http://schemas.microsoft.com/office/thememl/2012/main" xmlns="" name="Office Theme" id="{62F939B6-93AF-4DB8-9C6B-D6C7DFDC589F}" vid="{4A3C46E8-61CC-4603-A589-7422A47A8E4A}"/>
+      <thm15:themeFamily xmlns="" xmlns:thm15="http://schemas.microsoft.com/office/thememl/2012/main" name="Office Theme" id="{62F939B6-93AF-4DB8-9C6B-D6C7DFDC589F}" vid="{4A3C46E8-61CC-4603-A589-7422A47A8E4A}"/>
     </a:ext>
   </a:extLst>
 </a:theme>
@@ -29844,7 +33023,7 @@
   <a:extraClrSchemeLst/>
   <a:extLst>
     <a:ext uri="{05A4C25C-085E-4340-85A3-A5531E510DB2}">
-      <thm15:themeFamily xmlns:thm15="http://schemas.microsoft.com/office/thememl/2012/main" xmlns="" name="Office Theme" id="{62F939B6-93AF-4DB8-9C6B-D6C7DFDC589F}" vid="{4A3C46E8-61CC-4603-A589-7422A47A8E4A}"/>
+      <thm15:themeFamily xmlns="" xmlns:thm15="http://schemas.microsoft.com/office/thememl/2012/main" name="Office Theme" id="{62F939B6-93AF-4DB8-9C6B-D6C7DFDC589F}" vid="{4A3C46E8-61CC-4603-A589-7422A47A8E4A}"/>
     </a:ext>
   </a:extLst>
 </a:theme>
@@ -30105,7 +33284,7 @@
   <a:extraClrSchemeLst/>
   <a:extLst>
     <a:ext uri="{05A4C25C-085E-4340-85A3-A5531E510DB2}">
-      <thm15:themeFamily xmlns:thm15="http://schemas.microsoft.com/office/thememl/2012/main" xmlns="" name="Office Theme" id="{62F939B6-93AF-4DB8-9C6B-D6C7DFDC589F}" vid="{4A3C46E8-61CC-4603-A589-7422A47A8E4A}"/>
+      <thm15:themeFamily xmlns="" xmlns:thm15="http://schemas.microsoft.com/office/thememl/2012/main" name="Office Theme" id="{62F939B6-93AF-4DB8-9C6B-D6C7DFDC589F}" vid="{4A3C46E8-61CC-4603-A589-7422A47A8E4A}"/>
     </a:ext>
   </a:extLst>
 </a:theme>

--- a/thesis/presentations/2 second/secondv2.pptx
+++ b/thesis/presentations/2 second/secondv2.pptx
@@ -42,7 +42,7 @@
     <p:sldId id="311" r:id="rId30"/>
     <p:sldId id="295" r:id="rId31"/>
     <p:sldId id="300" r:id="rId32"/>
-    <p:sldId id="282" r:id="rId33"/>
+    <p:sldId id="313" r:id="rId33"/>
   </p:sldIdLst>
   <p:sldSz cx="9144000" cy="6858000" type="screen4x3"/>
   <p:notesSz cx="6858000" cy="9144000"/>
@@ -143,7 +143,7 @@
   </p:defaultTextStyle>
   <p:extLst>
     <p:ext uri="{EFAFB233-063F-42B5-8137-9DF3F51BA10A}">
-      <p15:sldGuideLst xmlns="" xmlns:p15="http://schemas.microsoft.com/office/powerpoint/2012/main">
+      <p15:sldGuideLst xmlns:p15="http://schemas.microsoft.com/office/powerpoint/2012/main" xmlns="">
         <p15:guide id="1" orient="horz" pos="2160" userDrawn="1">
           <p15:clr>
             <a:srgbClr val="A4A3A4"/>
@@ -452,11 +452,11 @@
           <c:showBubbleSize val="0"/>
         </c:dLbls>
         <c:gapWidth val="150"/>
-        <c:axId val="128042496"/>
-        <c:axId val="128044416"/>
+        <c:axId val="463327232"/>
+        <c:axId val="463329152"/>
       </c:barChart>
       <c:catAx>
-        <c:axId val="128042496"/>
+        <c:axId val="463327232"/>
         <c:scaling>
           <c:orientation val="minMax"/>
         </c:scaling>
@@ -486,7 +486,7 @@
         <c:majorTickMark val="out"/>
         <c:minorTickMark val="none"/>
         <c:tickLblPos val="nextTo"/>
-        <c:crossAx val="128044416"/>
+        <c:crossAx val="463329152"/>
         <c:crosses val="autoZero"/>
         <c:auto val="1"/>
         <c:lblAlgn val="ctr"/>
@@ -494,7 +494,7 @@
         <c:noMultiLvlLbl val="0"/>
       </c:catAx>
       <c:valAx>
-        <c:axId val="128044416"/>
+        <c:axId val="463329152"/>
         <c:scaling>
           <c:orientation val="minMax"/>
         </c:scaling>
@@ -525,7 +525,7 @@
         <c:majorTickMark val="out"/>
         <c:minorTickMark val="none"/>
         <c:tickLblPos val="nextTo"/>
-        <c:crossAx val="128042496"/>
+        <c:crossAx val="463327232"/>
         <c:crosses val="autoZero"/>
         <c:crossBetween val="between"/>
       </c:valAx>
@@ -637,7 +637,7 @@
           <a:p>
             <a:fld id="{D6D09D9E-0F22-44ED-B43C-3F44EA87E898}" type="datetimeFigureOut">
               <a:rPr lang="en-US" smtClean="0"/>
-              <a:t>27-Nov-17</a:t>
+              <a:t>28-Nov-17</a:t>
             </a:fld>
             <a:endParaRPr lang="en-US"/>
           </a:p>
@@ -802,7 +802,7 @@
           <a:p>
             <a:fld id="{554F67E3-005B-4A5B-A64B-4E620D6532D3}" type="datetimeFigureOut">
               <a:rPr lang="nl-NL" smtClean="0"/>
-              <a:t>27-11-2017</a:t>
+              <a:t>28-11-2017</a:t>
             </a:fld>
             <a:endParaRPr lang="nl-NL"/>
           </a:p>
@@ -2240,90 +2240,6 @@
 </p:notes>
 </file>
 
-<file path=ppt/notesSlides/notesSlide21.xml><?xml version="1.0" encoding="utf-8"?>
-<p:notes xmlns:a="http://schemas.openxmlformats.org/drawingml/2006/main" xmlns:r="http://schemas.openxmlformats.org/officeDocument/2006/relationships" xmlns:p="http://schemas.openxmlformats.org/presentationml/2006/main">
-  <p:cSld>
-    <p:spTree>
-      <p:nvGrpSpPr>
-        <p:cNvPr id="1" name=""/>
-        <p:cNvGrpSpPr/>
-        <p:nvPr/>
-      </p:nvGrpSpPr>
-      <p:grpSpPr>
-        <a:xfrm>
-          <a:off x="0" y="0"/>
-          <a:ext cx="0" cy="0"/>
-          <a:chOff x="0" y="0"/>
-          <a:chExt cx="0" cy="0"/>
-        </a:xfrm>
-      </p:grpSpPr>
-      <p:sp>
-        <p:nvSpPr>
-          <p:cNvPr id="2" name="Slide Image Placeholder 1"/>
-          <p:cNvSpPr>
-            <a:spLocks noGrp="1" noRot="1" noChangeAspect="1"/>
-          </p:cNvSpPr>
-          <p:nvPr>
-            <p:ph type="sldImg"/>
-          </p:nvPr>
-        </p:nvSpPr>
-        <p:spPr/>
-      </p:sp>
-      <p:sp>
-        <p:nvSpPr>
-          <p:cNvPr id="3" name="Notes Placeholder 2"/>
-          <p:cNvSpPr>
-            <a:spLocks noGrp="1"/>
-          </p:cNvSpPr>
-          <p:nvPr>
-            <p:ph type="body" idx="1"/>
-          </p:nvPr>
-        </p:nvSpPr>
-        <p:spPr/>
-        <p:txBody>
-          <a:bodyPr/>
-          <a:lstStyle/>
-          <a:p>
-            <a:endParaRPr lang="nl-BE" dirty="0"/>
-          </a:p>
-        </p:txBody>
-      </p:sp>
-      <p:sp>
-        <p:nvSpPr>
-          <p:cNvPr id="4" name="Slide Number Placeholder 3"/>
-          <p:cNvSpPr>
-            <a:spLocks noGrp="1"/>
-          </p:cNvSpPr>
-          <p:nvPr>
-            <p:ph type="sldNum" sz="quarter" idx="10"/>
-          </p:nvPr>
-        </p:nvSpPr>
-        <p:spPr/>
-        <p:txBody>
-          <a:bodyPr/>
-          <a:lstStyle/>
-          <a:p>
-            <a:fld id="{76F6EB55-D046-4316-A421-6DEA4C9E91D3}" type="slidenum">
-              <a:rPr lang="nl-NL" smtClean="0"/>
-              <a:t>30</a:t>
-            </a:fld>
-            <a:endParaRPr lang="nl-NL"/>
-          </a:p>
-        </p:txBody>
-      </p:sp>
-    </p:spTree>
-    <p:extLst>
-      <p:ext uri="{BB962C8B-B14F-4D97-AF65-F5344CB8AC3E}">
-        <p14:creationId xmlns:p14="http://schemas.microsoft.com/office/powerpoint/2010/main" val="2194780279"/>
-      </p:ext>
-    </p:extLst>
-  </p:cSld>
-  <p:clrMapOvr>
-    <a:masterClrMapping/>
-  </p:clrMapOvr>
-</p:notes>
-</file>
-
 <file path=ppt/notesSlides/notesSlide3.xml><?xml version="1.0" encoding="utf-8"?>
 <p:notes xmlns:a="http://schemas.openxmlformats.org/drawingml/2006/main" xmlns:r="http://schemas.openxmlformats.org/officeDocument/2006/relationships" xmlns:p="http://schemas.openxmlformats.org/presentationml/2006/main">
   <p:cSld>
@@ -5030,7 +4946,7 @@
   </p:clrMapOvr>
   <p:extLst mod="1">
     <p:ext uri="{DCECCB84-F9BA-43D5-87BE-67443E8EF086}">
-      <p15:sldGuideLst xmlns="" xmlns:p15="http://schemas.microsoft.com/office/powerpoint/2012/main">
+      <p15:sldGuideLst xmlns:p15="http://schemas.microsoft.com/office/powerpoint/2012/main" xmlns="">
         <p15:guide id="1" orient="horz" pos="3929" userDrawn="1">
           <p15:clr>
             <a:srgbClr val="FBAE40"/>
@@ -5341,7 +5257,7 @@
   </p:clrMapOvr>
   <p:extLst mod="1">
     <p:ext uri="{DCECCB84-F9BA-43D5-87BE-67443E8EF086}">
-      <p15:sldGuideLst xmlns="" xmlns:p15="http://schemas.microsoft.com/office/powerpoint/2012/main">
+      <p15:sldGuideLst xmlns:p15="http://schemas.microsoft.com/office/powerpoint/2012/main" xmlns="">
         <p15:guide id="1" orient="horz" pos="3929">
           <p15:clr>
             <a:srgbClr val="FBAE40"/>
@@ -5629,7 +5545,7 @@
           <a:p>
             <a:fld id="{BA252000-72D1-4588-81D0-A21B268C4F60}" type="datetime1">
               <a:rPr lang="nl-BE" smtClean="0"/>
-              <a:t>27/11/2017</a:t>
+              <a:t>28/11/2017</a:t>
             </a:fld>
             <a:endParaRPr lang="nl-NL" dirty="0"/>
           </a:p>
@@ -5694,7 +5610,7 @@
   </p:clrMapOvr>
   <p:extLst mod="1">
     <p:ext uri="{DCECCB84-F9BA-43D5-87BE-67443E8EF086}">
-      <p15:sldGuideLst xmlns="" xmlns:p15="http://schemas.microsoft.com/office/powerpoint/2012/main">
+      <p15:sldGuideLst xmlns:p15="http://schemas.microsoft.com/office/powerpoint/2012/main" xmlns="">
         <p15:guide id="1" orient="horz" pos="2160">
           <p15:clr>
             <a:srgbClr val="FBAE40"/>
@@ -5936,7 +5852,7 @@
           <a:p>
             <a:fld id="{51B5EE41-54AE-48CB-8D18-4748453B9BC8}" type="datetime1">
               <a:rPr lang="nl-BE" smtClean="0"/>
-              <a:t>27/11/2017</a:t>
+              <a:t>28/11/2017</a:t>
             </a:fld>
             <a:endParaRPr lang="nl-NL" dirty="0"/>
           </a:p>
@@ -6001,7 +5917,7 @@
   </p:clrMapOvr>
   <p:extLst mod="1">
     <p:ext uri="{DCECCB84-F9BA-43D5-87BE-67443E8EF086}">
-      <p15:sldGuideLst xmlns="" xmlns:p15="http://schemas.microsoft.com/office/powerpoint/2012/main">
+      <p15:sldGuideLst xmlns:p15="http://schemas.microsoft.com/office/powerpoint/2012/main" xmlns="">
         <p15:guide id="1" orient="horz" pos="2160">
           <p15:clr>
             <a:srgbClr val="FBAE40"/>
@@ -6052,7 +5968,7 @@
           <a:p>
             <a:fld id="{325CFB26-3E0B-43F3-B1DB-8FF4C39B3D0D}" type="datetime1">
               <a:rPr lang="nl-BE" smtClean="0"/>
-              <a:t>27/11/2017</a:t>
+              <a:t>28/11/2017</a:t>
             </a:fld>
             <a:endParaRPr lang="nl-NL" dirty="0"/>
           </a:p>
@@ -6442,7 +6358,7 @@
           <a:p>
             <a:fld id="{DC4FC34B-922A-43D1-878B-5EF44FE511A8}" type="datetime1">
               <a:rPr lang="nl-BE" smtClean="0"/>
-              <a:t>27/11/2017</a:t>
+              <a:t>28/11/2017</a:t>
             </a:fld>
             <a:endParaRPr lang="nl-NL" dirty="0"/>
           </a:p>
@@ -6561,7 +6477,7 @@
   </p:clrMapOvr>
   <p:extLst mod="1">
     <p:ext uri="{DCECCB84-F9BA-43D5-87BE-67443E8EF086}">
-      <p15:sldGuideLst xmlns="" xmlns:p15="http://schemas.microsoft.com/office/powerpoint/2012/main">
+      <p15:sldGuideLst xmlns:p15="http://schemas.microsoft.com/office/powerpoint/2012/main" xmlns="">
         <p15:guide id="1" orient="horz" pos="2160" userDrawn="1">
           <p15:clr>
             <a:srgbClr val="FBAE40"/>
@@ -6773,7 +6689,7 @@
           <a:p>
             <a:fld id="{FD918A91-1924-4471-9808-ACB04D0ED8EA}" type="datetime1">
               <a:rPr lang="nl-BE" smtClean="0"/>
-              <a:t>27/11/2017</a:t>
+              <a:t>28/11/2017</a:t>
             </a:fld>
             <a:endParaRPr lang="nl-NL" dirty="0"/>
           </a:p>
@@ -6892,7 +6808,7 @@
   </p:clrMapOvr>
   <p:extLst mod="1">
     <p:ext uri="{DCECCB84-F9BA-43D5-87BE-67443E8EF086}">
-      <p15:sldGuideLst xmlns="" xmlns:p15="http://schemas.microsoft.com/office/powerpoint/2012/main">
+      <p15:sldGuideLst xmlns:p15="http://schemas.microsoft.com/office/powerpoint/2012/main" xmlns="">
         <p15:guide id="1" orient="horz" pos="2160" userDrawn="1">
           <p15:clr>
             <a:srgbClr val="FBAE40"/>
@@ -7063,7 +6979,7 @@
           <a:p>
             <a:fld id="{EA5FBAB9-5FA3-46D6-A3EF-8850D13E3E94}" type="datetime1">
               <a:rPr lang="nl-BE" smtClean="0"/>
-              <a:t>27/11/2017</a:t>
+              <a:t>28/11/2017</a:t>
             </a:fld>
             <a:endParaRPr lang="nl-NL" dirty="0"/>
           </a:p>
@@ -7442,7 +7358,7 @@
           <a:p>
             <a:fld id="{D02784A5-45C8-4246-ADE0-8842E3C66E5D}" type="datetime1">
               <a:rPr lang="nl-BE" smtClean="0"/>
-              <a:t>27/11/2017</a:t>
+              <a:t>28/11/2017</a:t>
             </a:fld>
             <a:endParaRPr lang="nl-NL" dirty="0"/>
           </a:p>
@@ -7565,7 +7481,7 @@
           <a:p>
             <a:fld id="{C477E6CE-7017-4F77-9645-5F8638D9B9E2}" type="datetime1">
               <a:rPr lang="nl-BE" smtClean="0"/>
-              <a:t>27/11/2017</a:t>
+              <a:t>28/11/2017</a:t>
             </a:fld>
             <a:endParaRPr lang="nl-NL" dirty="0"/>
           </a:p>
@@ -7688,7 +7604,7 @@
           <a:p>
             <a:fld id="{56055E81-6827-4C1D-AD12-F50C5BE907ED}" type="datetime1">
               <a:rPr lang="nl-BE" smtClean="0"/>
-              <a:t>27/11/2017</a:t>
+              <a:t>28/11/2017</a:t>
             </a:fld>
             <a:endParaRPr lang="nl-NL" dirty="0"/>
           </a:p>
@@ -7837,7 +7753,7 @@
           <a:p>
             <a:fld id="{F7042BA5-0515-4B7F-B8A4-B74FD521147B}" type="datetime1">
               <a:rPr lang="nl-BE" smtClean="0"/>
-              <a:t>27/11/2017</a:t>
+              <a:t>28/11/2017</a:t>
             </a:fld>
             <a:endParaRPr lang="nl-NL" dirty="0"/>
           </a:p>
@@ -8005,7 +7921,7 @@
           <a:p>
             <a:fld id="{09EF3F9E-B585-4D67-B28C-5D7ABCECB608}" type="datetime1">
               <a:rPr lang="nl-BE" smtClean="0"/>
-              <a:t>27/11/2017</a:t>
+              <a:t>28/11/2017</a:t>
             </a:fld>
             <a:endParaRPr lang="nl-NL" dirty="0"/>
           </a:p>
@@ -8519,7 +8435,7 @@
   </p:txStyles>
   <p:extLst mod="1">
     <p:ext uri="{27BBF7A9-308A-43DC-89C8-2F10F3537804}">
-      <p15:sldGuideLst xmlns="" xmlns:p15="http://schemas.microsoft.com/office/powerpoint/2012/main">
+      <p15:sldGuideLst xmlns:p15="http://schemas.microsoft.com/office/powerpoint/2012/main" xmlns="">
         <p15:guide id="1" orient="horz" pos="3816" userDrawn="1">
           <p15:clr>
             <a:srgbClr val="F26B43"/>
@@ -8643,7 +8559,7 @@
           <a:p>
             <a:fld id="{15BE6352-CF92-4CB8-B2C0-9F716CAEF608}" type="datetime1">
               <a:rPr lang="nl-BE" smtClean="0"/>
-              <a:t>27/11/2017</a:t>
+              <a:t>28/11/2017</a:t>
             </a:fld>
             <a:endParaRPr lang="nl-NL" dirty="0"/>
           </a:p>
@@ -9151,7 +9067,7 @@
   </p:txStyles>
   <p:extLst mod="1">
     <p:ext uri="{27BBF7A9-308A-43DC-89C8-2F10F3537804}">
-      <p15:sldGuideLst xmlns="" xmlns:p15="http://schemas.microsoft.com/office/powerpoint/2012/main">
+      <p15:sldGuideLst xmlns:p15="http://schemas.microsoft.com/office/powerpoint/2012/main" xmlns="">
         <p15:guide id="1" orient="horz" pos="1026" userDrawn="1">
           <p15:clr>
             <a:srgbClr val="F26B43"/>
@@ -16431,13 +16347,8 @@
           <a:p>
             <a:r>
               <a:rPr lang="nl-BE" dirty="0" smtClean="0"/>
-              <a:t>Score is </a:t>
-            </a:r>
-            <a:r>
-              <a:rPr lang="nl-BE" dirty="0" smtClean="0"/>
-              <a:t>23</a:t>
-            </a:r>
-            <a:endParaRPr lang="nl-BE" dirty="0" smtClean="0"/>
+              <a:t>Score is 23</a:t>
+            </a:r>
           </a:p>
         </p:txBody>
       </p:sp>
@@ -20665,11 +20576,7 @@
             </a:r>
             <a:r>
               <a:rPr lang="nl-BE" dirty="0" smtClean="0"/>
-              <a:t>om op te </a:t>
-            </a:r>
-            <a:r>
-              <a:rPr lang="nl-BE" dirty="0" smtClean="0"/>
-              <a:t>drukken</a:t>
+              <a:t>om op te drukken</a:t>
             </a:r>
             <a:endParaRPr lang="nl-BE" dirty="0"/>
           </a:p>
@@ -20948,11 +20855,7 @@
             </a:r>
             <a:r>
               <a:rPr lang="nl-BE" dirty="0" smtClean="0"/>
-              <a:t> om op te </a:t>
-            </a:r>
-            <a:r>
-              <a:rPr lang="nl-BE" dirty="0" smtClean="0"/>
-              <a:t>drukken</a:t>
+              <a:t> om op te drukken</a:t>
             </a:r>
             <a:endParaRPr lang="nl-BE" dirty="0"/>
           </a:p>
@@ -25730,6 +25633,88 @@
           </a:p>
         </p:txBody>
       </p:sp>
+      <p:pic>
+        <p:nvPicPr>
+          <p:cNvPr id="1026" name="Picture 2" descr="Afbeeldingsresultaat voor exclamation mark icon"/>
+          <p:cNvPicPr>
+            <a:picLocks noChangeAspect="1" noChangeArrowheads="1"/>
+          </p:cNvPicPr>
+          <p:nvPr/>
+        </p:nvPicPr>
+        <p:blipFill>
+          <a:blip r:embed="rId2" cstate="print">
+            <a:extLst>
+              <a:ext uri="{28A0092B-C50C-407E-A947-70E740481C1C}">
+                <a14:useLocalDpi xmlns:a14="http://schemas.microsoft.com/office/drawing/2010/main" val="0"/>
+              </a:ext>
+            </a:extLst>
+          </a:blip>
+          <a:srcRect/>
+          <a:stretch>
+            <a:fillRect/>
+          </a:stretch>
+        </p:blipFill>
+        <p:spPr bwMode="auto">
+          <a:xfrm>
+            <a:off x="4910818" y="2774950"/>
+            <a:ext cx="315231" cy="260350"/>
+          </a:xfrm>
+          <a:prstGeom prst="rect">
+            <a:avLst/>
+          </a:prstGeom>
+          <a:noFill/>
+          <a:extLst>
+            <a:ext uri="{909E8E84-426E-40DD-AFC4-6F175D3DCCD1}">
+              <a14:hiddenFill xmlns:a14="http://schemas.microsoft.com/office/drawing/2010/main">
+                <a:solidFill>
+                  <a:srgbClr val="FFFFFF"/>
+                </a:solidFill>
+              </a14:hiddenFill>
+            </a:ext>
+          </a:extLst>
+        </p:spPr>
+      </p:pic>
+      <p:pic>
+        <p:nvPicPr>
+          <p:cNvPr id="8" name="Picture 2" descr="Afbeeldingsresultaat voor exclamation mark icon"/>
+          <p:cNvPicPr>
+            <a:picLocks noChangeAspect="1" noChangeArrowheads="1"/>
+          </p:cNvPicPr>
+          <p:nvPr/>
+        </p:nvPicPr>
+        <p:blipFill>
+          <a:blip r:embed="rId2" cstate="print">
+            <a:extLst>
+              <a:ext uri="{28A0092B-C50C-407E-A947-70E740481C1C}">
+                <a14:useLocalDpi xmlns:a14="http://schemas.microsoft.com/office/drawing/2010/main" val="0"/>
+              </a:ext>
+            </a:extLst>
+          </a:blip>
+          <a:srcRect/>
+          <a:stretch>
+            <a:fillRect/>
+          </a:stretch>
+        </p:blipFill>
+        <p:spPr bwMode="auto">
+          <a:xfrm>
+            <a:off x="4910818" y="3266628"/>
+            <a:ext cx="315231" cy="260350"/>
+          </a:xfrm>
+          <a:prstGeom prst="rect">
+            <a:avLst/>
+          </a:prstGeom>
+          <a:noFill/>
+          <a:extLst>
+            <a:ext uri="{909E8E84-426E-40DD-AFC4-6F175D3DCCD1}">
+              <a14:hiddenFill xmlns:a14="http://schemas.microsoft.com/office/drawing/2010/main">
+                <a:solidFill>
+                  <a:srgbClr val="FFFFFF"/>
+                </a:solidFill>
+              </a14:hiddenFill>
+            </a:ext>
+          </a:extLst>
+        </p:spPr>
+      </p:pic>
     </p:spTree>
     <p:extLst>
       <p:ext uri="{BB962C8B-B14F-4D97-AF65-F5344CB8AC3E}">
@@ -27643,7 +27628,7 @@
           <p:nvPr>
             <p:extLst>
               <p:ext uri="{D42A27DB-BD31-4B8C-83A1-F6EECF244321}">
-                <p14:modId xmlns:p14="http://schemas.microsoft.com/office/powerpoint/2010/main" val="1831566614"/>
+                <p14:modId xmlns:p14="http://schemas.microsoft.com/office/powerpoint/2010/main" val="1694972411"/>
               </p:ext>
             </p:extLst>
           </p:nvPr>
@@ -27772,23 +27757,7 @@
                             <a:srgbClr val="00B050"/>
                           </a:solidFill>
                         </a:rPr>
-                        <a:t> </a:t>
-                      </a:r>
-                      <a:r>
-                        <a:rPr lang="nl-BE" sz="1400" baseline="0" dirty="0" smtClean="0">
-                          <a:solidFill>
-                            <a:srgbClr val="00B050"/>
-                          </a:solidFill>
-                        </a:rPr>
-                        <a:t>inferentie </a:t>
-                      </a:r>
-                      <a:r>
-                        <a:rPr lang="nl-BE" sz="1400" baseline="0" dirty="0" smtClean="0">
-                          <a:solidFill>
-                            <a:srgbClr val="00B050"/>
-                          </a:solidFill>
-                        </a:rPr>
-                        <a:t>nodig</a:t>
+                        <a:t> inferentie nodig</a:t>
                       </a:r>
                       <a:endParaRPr lang="nl-BE" sz="1400" dirty="0" smtClean="0">
                         <a:solidFill>
@@ -27831,15 +27800,7 @@
                             <a:srgbClr val="FF0000"/>
                           </a:solidFill>
                         </a:rPr>
-                        <a:t>Pure </a:t>
-                      </a:r>
-                      <a:r>
-                        <a:rPr lang="nl-BE" sz="1400" dirty="0" smtClean="0">
-                          <a:solidFill>
-                            <a:srgbClr val="FF0000"/>
-                          </a:solidFill>
-                        </a:rPr>
-                        <a:t>functies</a:t>
+                        <a:t>Pure functies</a:t>
                       </a:r>
                     </a:p>
                     <a:p>
@@ -27855,11 +27816,6 @@
                         </a:rPr>
                         <a:t>?</a:t>
                       </a:r>
-                      <a:endParaRPr lang="nl-BE" sz="1400" dirty="0" smtClean="0">
-                        <a:solidFill>
-                          <a:srgbClr val="2F4D5D"/>
-                        </a:solidFill>
-                      </a:endParaRPr>
                     </a:p>
                   </a:txBody>
                   <a:tcPr/>
@@ -27947,15 +27903,7 @@
                             <a:srgbClr val="00B050"/>
                           </a:solidFill>
                         </a:rPr>
-                        <a:t> voor het veranderen van </a:t>
-                      </a:r>
-                      <a:r>
-                        <a:rPr lang="nl-BE" sz="1400" baseline="0" dirty="0" smtClean="0">
-                          <a:solidFill>
-                            <a:srgbClr val="00B050"/>
-                          </a:solidFill>
-                        </a:rPr>
-                        <a:t>distributies</a:t>
+                        <a:t> voor het veranderen van distributies</a:t>
                       </a:r>
                       <a:endParaRPr lang="nl-BE" sz="1400" dirty="0">
                         <a:solidFill>
@@ -28005,37 +27953,8 @@
                             <a:srgbClr val="FF0000"/>
                           </a:solidFill>
                         </a:rPr>
-                        <a:t> geen IDE, geen </a:t>
+                        <a:t> geen IDE, geen REPL Gebruik van SWI-PL voor debuggen van predicaten</a:t>
                       </a:r>
-                      <a:r>
-                        <a:rPr lang="nl-BE" sz="1400" baseline="0" dirty="0" smtClean="0">
-                          <a:solidFill>
-                            <a:srgbClr val="FF0000"/>
-                          </a:solidFill>
-                        </a:rPr>
-                        <a:t>REPL </a:t>
-                      </a:r>
-                      <a:r>
-                        <a:rPr lang="nl-BE" sz="1400" baseline="0" dirty="0" smtClean="0">
-                          <a:solidFill>
-                            <a:srgbClr val="FF0000"/>
-                          </a:solidFill>
-                        </a:rPr>
-                        <a:t>Gebruik van SWI-PL voor debuggen van </a:t>
-                      </a:r>
-                      <a:r>
-                        <a:rPr lang="nl-BE" sz="1400" baseline="0" dirty="0" smtClean="0">
-                          <a:solidFill>
-                            <a:srgbClr val="FF0000"/>
-                          </a:solidFill>
-                        </a:rPr>
-                        <a:t>predicaten</a:t>
-                      </a:r>
-                      <a:endParaRPr lang="nl-BE" sz="1400" baseline="0" dirty="0" smtClean="0">
-                        <a:solidFill>
-                          <a:srgbClr val="FF0000"/>
-                        </a:solidFill>
-                      </a:endParaRPr>
                     </a:p>
                     <a:p>
                       <a:pPr marL="285750" indent="-285750" algn="l">
@@ -28048,15 +27967,7 @@
                             <a:srgbClr val="00B050"/>
                           </a:solidFill>
                         </a:rPr>
-                        <a:t>Mogelijkheid om python te </a:t>
-                      </a:r>
-                      <a:r>
-                        <a:rPr lang="nl-BE" sz="1400" baseline="0" dirty="0" smtClean="0">
-                          <a:solidFill>
-                            <a:srgbClr val="00B050"/>
-                          </a:solidFill>
-                        </a:rPr>
-                        <a:t>gebruiken</a:t>
+                        <a:t>Mogelijkheid om python te gebruiken</a:t>
                       </a:r>
                       <a:endParaRPr lang="nl-BE" sz="1400" dirty="0">
                         <a:solidFill>
@@ -28117,11 +28028,6 @@
                         </a:rPr>
                         <a:t>)</a:t>
                       </a:r>
-                      <a:endParaRPr lang="nl-BE" sz="1400" dirty="0" smtClean="0">
-                        <a:solidFill>
-                          <a:srgbClr val="00B050"/>
-                        </a:solidFill>
-                      </a:endParaRPr>
                     </a:p>
                     <a:p>
                       <a:pPr marL="285750" indent="-285750" algn="l">
@@ -28142,15 +28048,7 @@
                             <a:srgbClr val="00B050"/>
                           </a:solidFill>
                         </a:rPr>
-                        <a:t> code (subjectief</a:t>
-                      </a:r>
-                      <a:r>
-                        <a:rPr lang="nl-BE" sz="1400" baseline="0" dirty="0" smtClean="0">
-                          <a:solidFill>
-                            <a:srgbClr val="00B050"/>
-                          </a:solidFill>
-                        </a:rPr>
-                        <a:t>) </a:t>
+                        <a:t> code (subjectief) </a:t>
                       </a:r>
                       <a:r>
                         <a:rPr lang="nl-BE" sz="1400" baseline="0" dirty="0" smtClean="0">
@@ -28261,176 +28159,20 @@
       </p:sp>
       <p:sp>
         <p:nvSpPr>
-          <p:cNvPr id="4" name="Content Placeholder 3"/>
-          <p:cNvSpPr>
-            <a:spLocks noGrp="1"/>
-          </p:cNvSpPr>
+          <p:cNvPr id="362" name="OTLSHAPE_T_f6a5723318b9412b87df5aeb694ddb88_ShapePercentage" hidden="1"/>
+          <p:cNvSpPr/>
           <p:nvPr>
-            <p:ph sz="quarter" idx="13"/>
+            <p:custDataLst>
+              <p:tags r:id="rId2"/>
+            </p:custDataLst>
           </p:nvPr>
-        </p:nvSpPr>
-        <p:spPr/>
-        <p:txBody>
-          <a:bodyPr/>
-          <a:lstStyle/>
-          <a:p>
-            <a:r>
-              <a:rPr lang="en-US" dirty="0" err="1" smtClean="0"/>
-              <a:t>Verdere</a:t>
-            </a:r>
-            <a:r>
-              <a:rPr lang="en-US" dirty="0" smtClean="0"/>
-              <a:t> </a:t>
-            </a:r>
-            <a:r>
-              <a:rPr lang="en-US" dirty="0" err="1" smtClean="0"/>
-              <a:t>evaluatie</a:t>
-            </a:r>
-            <a:r>
-              <a:rPr lang="en-US" dirty="0" smtClean="0"/>
-              <a:t> van ProbLog2.</a:t>
-            </a:r>
-          </a:p>
-          <a:p>
-            <a:pPr lvl="1"/>
-            <a:r>
-              <a:rPr lang="en-US" dirty="0" err="1" smtClean="0"/>
-              <a:t>Performantie</a:t>
-            </a:r>
-            <a:r>
-              <a:rPr lang="en-US" dirty="0"/>
-              <a:t>;</a:t>
-            </a:r>
-            <a:r>
-              <a:rPr lang="en-US" dirty="0" smtClean="0"/>
-              <a:t> </a:t>
-            </a:r>
-            <a:r>
-              <a:rPr lang="en-US" dirty="0" err="1" smtClean="0"/>
-              <a:t>Geheugengebruik</a:t>
-            </a:r>
-            <a:r>
-              <a:rPr lang="en-US" dirty="0" smtClean="0"/>
-              <a:t>; </a:t>
-            </a:r>
-            <a:r>
-              <a:rPr lang="en-US" dirty="0" err="1" smtClean="0"/>
-              <a:t>expressiviteit</a:t>
-            </a:r>
-            <a:r>
-              <a:rPr lang="en-US" dirty="0" smtClean="0"/>
-              <a:t>,…</a:t>
-            </a:r>
-          </a:p>
-          <a:p>
-            <a:r>
-              <a:rPr lang="en-US" dirty="0" err="1" smtClean="0"/>
-              <a:t>Implementatie</a:t>
-            </a:r>
-            <a:r>
-              <a:rPr lang="en-US" dirty="0" smtClean="0"/>
-              <a:t> van model in Anglican.</a:t>
-            </a:r>
-          </a:p>
-          <a:p>
-            <a:r>
-              <a:rPr lang="en-US" dirty="0" err="1" smtClean="0"/>
-              <a:t>Evaluatie</a:t>
-            </a:r>
-            <a:r>
-              <a:rPr lang="en-US" dirty="0" smtClean="0"/>
-              <a:t> van Anglican model.</a:t>
-            </a:r>
-          </a:p>
-          <a:p>
-            <a:r>
-              <a:rPr lang="en-US" dirty="0" err="1" smtClean="0"/>
-              <a:t>Evaluatie</a:t>
-            </a:r>
-            <a:r>
-              <a:rPr lang="en-US" dirty="0" smtClean="0"/>
-              <a:t> Anglican                 ProbLog2.</a:t>
-            </a:r>
-          </a:p>
-          <a:p>
-            <a:r>
-              <a:rPr lang="en-US" dirty="0" smtClean="0"/>
-              <a:t>(</a:t>
-            </a:r>
-            <a:r>
-              <a:rPr lang="en-US" dirty="0" err="1" smtClean="0"/>
-              <a:t>optioneel</a:t>
-            </a:r>
-            <a:r>
-              <a:rPr lang="en-US" dirty="0" smtClean="0"/>
-              <a:t>) </a:t>
-            </a:r>
-            <a:r>
-              <a:rPr lang="en-US" dirty="0" err="1" smtClean="0"/>
-              <a:t>Derde</a:t>
-            </a:r>
-            <a:r>
-              <a:rPr lang="en-US" dirty="0" smtClean="0"/>
-              <a:t> PPL </a:t>
-            </a:r>
-            <a:r>
-              <a:rPr lang="en-US" dirty="0" err="1" smtClean="0"/>
-              <a:t>implementeren</a:t>
-            </a:r>
-            <a:r>
-              <a:rPr lang="en-US" dirty="0" smtClean="0"/>
-              <a:t> en </a:t>
-            </a:r>
-            <a:r>
-              <a:rPr lang="en-US" dirty="0" err="1" smtClean="0"/>
-              <a:t>evalueren</a:t>
-            </a:r>
-            <a:r>
-              <a:rPr lang="en-US" dirty="0" smtClean="0"/>
-              <a:t>.</a:t>
-            </a:r>
-          </a:p>
-          <a:p>
-            <a:endParaRPr lang="en-US" dirty="0"/>
-          </a:p>
-        </p:txBody>
-      </p:sp>
-      <p:sp>
-        <p:nvSpPr>
-          <p:cNvPr id="5" name="Title 4"/>
-          <p:cNvSpPr>
-            <a:spLocks noGrp="1"/>
-          </p:cNvSpPr>
-          <p:nvPr>
-            <p:ph type="title"/>
-          </p:nvPr>
-        </p:nvSpPr>
-        <p:spPr/>
-        <p:txBody>
-          <a:bodyPr/>
-          <a:lstStyle/>
-          <a:p>
-            <a:pPr algn="ctr"/>
-            <a:r>
-              <a:rPr lang="en-US" dirty="0" err="1" smtClean="0"/>
-              <a:t>Toekomst</a:t>
-            </a:r>
-            <a:endParaRPr lang="en-US" dirty="0"/>
-          </a:p>
-        </p:txBody>
-      </p:sp>
-      <p:sp>
-        <p:nvSpPr>
-          <p:cNvPr id="6" name="Left-Right Arrow 5"/>
-          <p:cNvSpPr/>
-          <p:nvPr/>
         </p:nvSpPr>
         <p:spPr>
           <a:xfrm>
-            <a:off x="3550141" y="3712267"/>
-            <a:ext cx="1124606" cy="168899"/>
+            <a:off x="1482593" y="3945255"/>
+            <a:ext cx="0" cy="0"/>
           </a:xfrm>
-          <a:prstGeom prst="leftRightArrow">
+          <a:prstGeom prst="roundRect">
             <a:avLst/>
           </a:prstGeom>
         </p:spPr>
@@ -28459,23 +28201,3865 @@
           </a:p>
         </p:txBody>
       </p:sp>
+      <p:sp>
+        <p:nvSpPr>
+          <p:cNvPr id="363" name="OTLSHAPE_T_f6a5723318b9412b87df5aeb694ddb88_Duration" hidden="1"/>
+          <p:cNvSpPr txBox="1"/>
+          <p:nvPr>
+            <p:custDataLst>
+              <p:tags r:id="rId3"/>
+            </p:custDataLst>
+          </p:nvPr>
+        </p:nvSpPr>
+        <p:spPr>
+          <a:xfrm>
+            <a:off x="0" y="3945255"/>
+            <a:ext cx="393700" cy="155025"/>
+          </a:xfrm>
+          <a:prstGeom prst="rect">
+            <a:avLst/>
+          </a:prstGeom>
+          <a:noFill/>
+        </p:spPr>
+        <p:txBody>
+          <a:bodyPr vert="horz" wrap="square" lIns="0" tIns="0" rIns="0" bIns="0" rtlCol="0" anchor="ctr" anchorCtr="0">
+            <a:spAutoFit/>
+          </a:bodyPr>
+          <a:lstStyle/>
+          <a:p>
+            <a:pPr algn="ctr"/>
+            <a:r>
+              <a:rPr lang="nl-BE" sz="1000" smtClean="0">
+                <a:solidFill>
+                  <a:srgbClr val="ED7D31"/>
+                </a:solidFill>
+                <a:latin typeface="Calibri"/>
+              </a:rPr>
+              <a:t>24 days</a:t>
+            </a:r>
+            <a:endParaRPr lang="nl-BE" sz="1000">
+              <a:solidFill>
+                <a:srgbClr val="ED7D31"/>
+              </a:solidFill>
+              <a:latin typeface="Calibri"/>
+            </a:endParaRPr>
+          </a:p>
+        </p:txBody>
+      </p:sp>
+      <p:sp>
+        <p:nvSpPr>
+          <p:cNvPr id="364" name="OTLSHAPE_T_f6a5723318b9412b87df5aeb694ddb88_TextPercentage" hidden="1"/>
+          <p:cNvSpPr txBox="1"/>
+          <p:nvPr>
+            <p:custDataLst>
+              <p:tags r:id="rId4"/>
+            </p:custDataLst>
+          </p:nvPr>
+        </p:nvSpPr>
+        <p:spPr>
+          <a:xfrm>
+            <a:off x="0" y="4100280"/>
+            <a:ext cx="1588" cy="153888"/>
+          </a:xfrm>
+          <a:prstGeom prst="rect">
+            <a:avLst/>
+          </a:prstGeom>
+          <a:noFill/>
+        </p:spPr>
+        <p:txBody>
+          <a:bodyPr vert="horz" wrap="square" lIns="0" tIns="0" rIns="0" bIns="0" rtlCol="0" anchor="ctr" anchorCtr="0">
+            <a:spAutoFit/>
+          </a:bodyPr>
+          <a:lstStyle/>
+          <a:p>
+            <a:pPr algn="ctr"/>
+            <a:endParaRPr lang="nl-BE" sz="1000">
+              <a:solidFill>
+                <a:srgbClr val="ED7D31"/>
+              </a:solidFill>
+              <a:latin typeface="Calibri"/>
+            </a:endParaRPr>
+          </a:p>
+        </p:txBody>
+      </p:sp>
+      <p:sp>
+        <p:nvSpPr>
+          <p:cNvPr id="365" name="OTLSHAPE_T_f6a5723318b9412b87df5aeb694ddb88_StartDate" hidden="1"/>
+          <p:cNvSpPr txBox="1"/>
+          <p:nvPr>
+            <p:custDataLst>
+              <p:tags r:id="rId5"/>
+            </p:custDataLst>
+          </p:nvPr>
+        </p:nvSpPr>
+        <p:spPr>
+          <a:xfrm>
+            <a:off x="0" y="4100280"/>
+            <a:ext cx="1588" cy="153888"/>
+          </a:xfrm>
+          <a:prstGeom prst="rect">
+            <a:avLst/>
+          </a:prstGeom>
+          <a:noFill/>
+        </p:spPr>
+        <p:txBody>
+          <a:bodyPr vert="horz" wrap="square" lIns="0" tIns="0" rIns="0" bIns="0" rtlCol="0" anchor="ctr" anchorCtr="0">
+            <a:spAutoFit/>
+          </a:bodyPr>
+          <a:lstStyle/>
+          <a:p>
+            <a:pPr algn="ctr"/>
+            <a:endParaRPr lang="nl-BE" sz="1000">
+              <a:solidFill>
+                <a:srgbClr val="44546A"/>
+              </a:solidFill>
+              <a:latin typeface="Calibri"/>
+            </a:endParaRPr>
+          </a:p>
+        </p:txBody>
+      </p:sp>
+      <p:sp>
+        <p:nvSpPr>
+          <p:cNvPr id="366" name="OTLSHAPE_T_f6a5723318b9412b87df5aeb694ddb88_EndDate" hidden="1"/>
+          <p:cNvSpPr txBox="1"/>
+          <p:nvPr>
+            <p:custDataLst>
+              <p:tags r:id="rId6"/>
+            </p:custDataLst>
+          </p:nvPr>
+        </p:nvSpPr>
+        <p:spPr>
+          <a:xfrm>
+            <a:off x="0" y="4100280"/>
+            <a:ext cx="1588" cy="153888"/>
+          </a:xfrm>
+          <a:prstGeom prst="rect">
+            <a:avLst/>
+          </a:prstGeom>
+          <a:noFill/>
+        </p:spPr>
+        <p:txBody>
+          <a:bodyPr vert="horz" wrap="square" lIns="0" tIns="0" rIns="0" bIns="0" rtlCol="0" anchor="ctr" anchorCtr="0">
+            <a:spAutoFit/>
+          </a:bodyPr>
+          <a:lstStyle/>
+          <a:p>
+            <a:pPr algn="ctr"/>
+            <a:endParaRPr lang="nl-BE" sz="1000">
+              <a:solidFill>
+                <a:srgbClr val="44546A"/>
+              </a:solidFill>
+              <a:latin typeface="Calibri"/>
+            </a:endParaRPr>
+          </a:p>
+        </p:txBody>
+      </p:sp>
+      <p:sp>
+        <p:nvSpPr>
+          <p:cNvPr id="370" name="OTLSHAPE_T_a6f8915c3b5f4e65a2c333f8dd634937_ShapePercentage" hidden="1"/>
+          <p:cNvSpPr/>
+          <p:nvPr>
+            <p:custDataLst>
+              <p:tags r:id="rId7"/>
+            </p:custDataLst>
+          </p:nvPr>
+        </p:nvSpPr>
+        <p:spPr>
+          <a:xfrm>
+            <a:off x="1688554" y="4211955"/>
+            <a:ext cx="0" cy="0"/>
+          </a:xfrm>
+          <a:prstGeom prst="roundRect">
+            <a:avLst/>
+          </a:prstGeom>
+        </p:spPr>
+        <p:style>
+          <a:lnRef idx="2">
+            <a:schemeClr val="accent1">
+              <a:shade val="50000"/>
+            </a:schemeClr>
+          </a:lnRef>
+          <a:fillRef idx="1">
+            <a:schemeClr val="accent1"/>
+          </a:fillRef>
+          <a:effectRef idx="0">
+            <a:schemeClr val="accent1"/>
+          </a:effectRef>
+          <a:fontRef idx="minor">
+            <a:schemeClr val="lt1"/>
+          </a:fontRef>
+        </p:style>
+        <p:txBody>
+          <a:bodyPr rtlCol="0" anchor="ctr"/>
+          <a:lstStyle/>
+          <a:p>
+            <a:pPr algn="ctr"/>
+            <a:endParaRPr lang="nl-BE"/>
+          </a:p>
+        </p:txBody>
+      </p:sp>
+      <p:sp>
+        <p:nvSpPr>
+          <p:cNvPr id="371" name="OTLSHAPE_T_a6f8915c3b5f4e65a2c333f8dd634937_Duration" hidden="1"/>
+          <p:cNvSpPr txBox="1"/>
+          <p:nvPr>
+            <p:custDataLst>
+              <p:tags r:id="rId8"/>
+            </p:custDataLst>
+          </p:nvPr>
+        </p:nvSpPr>
+        <p:spPr>
+          <a:xfrm>
+            <a:off x="0" y="4211955"/>
+            <a:ext cx="393700" cy="155025"/>
+          </a:xfrm>
+          <a:prstGeom prst="rect">
+            <a:avLst/>
+          </a:prstGeom>
+          <a:noFill/>
+        </p:spPr>
+        <p:txBody>
+          <a:bodyPr vert="horz" wrap="square" lIns="0" tIns="0" rIns="0" bIns="0" rtlCol="0" anchor="ctr" anchorCtr="0">
+            <a:spAutoFit/>
+          </a:bodyPr>
+          <a:lstStyle/>
+          <a:p>
+            <a:pPr algn="ctr"/>
+            <a:r>
+              <a:rPr lang="nl-BE" sz="1000" smtClean="0">
+                <a:solidFill>
+                  <a:srgbClr val="ED7D31"/>
+                </a:solidFill>
+                <a:latin typeface="Calibri"/>
+              </a:rPr>
+              <a:t>18 days</a:t>
+            </a:r>
+            <a:endParaRPr lang="nl-BE" sz="1000">
+              <a:solidFill>
+                <a:srgbClr val="ED7D31"/>
+              </a:solidFill>
+              <a:latin typeface="Calibri"/>
+            </a:endParaRPr>
+          </a:p>
+        </p:txBody>
+      </p:sp>
+      <p:sp>
+        <p:nvSpPr>
+          <p:cNvPr id="372" name="OTLSHAPE_T_a6f8915c3b5f4e65a2c333f8dd634937_TextPercentage" hidden="1"/>
+          <p:cNvSpPr txBox="1"/>
+          <p:nvPr>
+            <p:custDataLst>
+              <p:tags r:id="rId9"/>
+            </p:custDataLst>
+          </p:nvPr>
+        </p:nvSpPr>
+        <p:spPr>
+          <a:xfrm>
+            <a:off x="0" y="4366980"/>
+            <a:ext cx="1588" cy="153888"/>
+          </a:xfrm>
+          <a:prstGeom prst="rect">
+            <a:avLst/>
+          </a:prstGeom>
+          <a:noFill/>
+        </p:spPr>
+        <p:txBody>
+          <a:bodyPr vert="horz" wrap="square" lIns="0" tIns="0" rIns="0" bIns="0" rtlCol="0" anchor="ctr" anchorCtr="0">
+            <a:spAutoFit/>
+          </a:bodyPr>
+          <a:lstStyle/>
+          <a:p>
+            <a:pPr algn="ctr"/>
+            <a:endParaRPr lang="nl-BE" sz="1000">
+              <a:solidFill>
+                <a:srgbClr val="ED7D31"/>
+              </a:solidFill>
+              <a:latin typeface="Calibri"/>
+            </a:endParaRPr>
+          </a:p>
+        </p:txBody>
+      </p:sp>
+      <p:sp>
+        <p:nvSpPr>
+          <p:cNvPr id="373" name="OTLSHAPE_T_a6f8915c3b5f4e65a2c333f8dd634937_StartDate" hidden="1"/>
+          <p:cNvSpPr txBox="1"/>
+          <p:nvPr>
+            <p:custDataLst>
+              <p:tags r:id="rId10"/>
+            </p:custDataLst>
+          </p:nvPr>
+        </p:nvSpPr>
+        <p:spPr>
+          <a:xfrm>
+            <a:off x="0" y="4366980"/>
+            <a:ext cx="1588" cy="153888"/>
+          </a:xfrm>
+          <a:prstGeom prst="rect">
+            <a:avLst/>
+          </a:prstGeom>
+          <a:noFill/>
+        </p:spPr>
+        <p:txBody>
+          <a:bodyPr vert="horz" wrap="square" lIns="0" tIns="0" rIns="0" bIns="0" rtlCol="0" anchor="ctr" anchorCtr="0">
+            <a:spAutoFit/>
+          </a:bodyPr>
+          <a:lstStyle/>
+          <a:p>
+            <a:pPr algn="ctr"/>
+            <a:endParaRPr lang="nl-BE" sz="1000">
+              <a:solidFill>
+                <a:srgbClr val="44546A"/>
+              </a:solidFill>
+              <a:latin typeface="Calibri"/>
+            </a:endParaRPr>
+          </a:p>
+        </p:txBody>
+      </p:sp>
+      <p:sp>
+        <p:nvSpPr>
+          <p:cNvPr id="374" name="OTLSHAPE_T_a6f8915c3b5f4e65a2c333f8dd634937_EndDate" hidden="1"/>
+          <p:cNvSpPr txBox="1"/>
+          <p:nvPr>
+            <p:custDataLst>
+              <p:tags r:id="rId11"/>
+            </p:custDataLst>
+          </p:nvPr>
+        </p:nvSpPr>
+        <p:spPr>
+          <a:xfrm>
+            <a:off x="0" y="4366980"/>
+            <a:ext cx="1588" cy="153888"/>
+          </a:xfrm>
+          <a:prstGeom prst="rect">
+            <a:avLst/>
+          </a:prstGeom>
+          <a:noFill/>
+        </p:spPr>
+        <p:txBody>
+          <a:bodyPr vert="horz" wrap="square" lIns="0" tIns="0" rIns="0" bIns="0" rtlCol="0" anchor="ctr" anchorCtr="0">
+            <a:spAutoFit/>
+          </a:bodyPr>
+          <a:lstStyle/>
+          <a:p>
+            <a:pPr algn="ctr"/>
+            <a:endParaRPr lang="nl-BE" sz="1000">
+              <a:solidFill>
+                <a:srgbClr val="44546A"/>
+              </a:solidFill>
+              <a:latin typeface="Calibri"/>
+            </a:endParaRPr>
+          </a:p>
+        </p:txBody>
+      </p:sp>
+      <p:sp>
+        <p:nvSpPr>
+          <p:cNvPr id="378" name="OTLSHAPE_T_ea3cade452d0441d8026f874a2be9696_ShapePercentage" hidden="1"/>
+          <p:cNvSpPr/>
+          <p:nvPr>
+            <p:custDataLst>
+              <p:tags r:id="rId12"/>
+            </p:custDataLst>
+          </p:nvPr>
+        </p:nvSpPr>
+        <p:spPr>
+          <a:xfrm>
+            <a:off x="2272108" y="4478655"/>
+            <a:ext cx="0" cy="0"/>
+          </a:xfrm>
+          <a:prstGeom prst="roundRect">
+            <a:avLst/>
+          </a:prstGeom>
+        </p:spPr>
+        <p:style>
+          <a:lnRef idx="2">
+            <a:schemeClr val="accent1">
+              <a:shade val="50000"/>
+            </a:schemeClr>
+          </a:lnRef>
+          <a:fillRef idx="1">
+            <a:schemeClr val="accent1"/>
+          </a:fillRef>
+          <a:effectRef idx="0">
+            <a:schemeClr val="accent1"/>
+          </a:effectRef>
+          <a:fontRef idx="minor">
+            <a:schemeClr val="lt1"/>
+          </a:fontRef>
+        </p:style>
+        <p:txBody>
+          <a:bodyPr rtlCol="0" anchor="ctr"/>
+          <a:lstStyle/>
+          <a:p>
+            <a:pPr algn="ctr"/>
+            <a:endParaRPr lang="nl-BE"/>
+          </a:p>
+        </p:txBody>
+      </p:sp>
+      <p:sp>
+        <p:nvSpPr>
+          <p:cNvPr id="379" name="OTLSHAPE_T_ea3cade452d0441d8026f874a2be9696_Duration" hidden="1"/>
+          <p:cNvSpPr txBox="1"/>
+          <p:nvPr>
+            <p:custDataLst>
+              <p:tags r:id="rId13"/>
+            </p:custDataLst>
+          </p:nvPr>
+        </p:nvSpPr>
+        <p:spPr>
+          <a:xfrm>
+            <a:off x="0" y="4478655"/>
+            <a:ext cx="393700" cy="155025"/>
+          </a:xfrm>
+          <a:prstGeom prst="rect">
+            <a:avLst/>
+          </a:prstGeom>
+          <a:noFill/>
+        </p:spPr>
+        <p:txBody>
+          <a:bodyPr vert="horz" wrap="square" lIns="0" tIns="0" rIns="0" bIns="0" rtlCol="0" anchor="ctr" anchorCtr="0">
+            <a:spAutoFit/>
+          </a:bodyPr>
+          <a:lstStyle/>
+          <a:p>
+            <a:pPr algn="ctr"/>
+            <a:r>
+              <a:rPr lang="nl-BE" sz="1000" smtClean="0">
+                <a:solidFill>
+                  <a:srgbClr val="ED7D31"/>
+                </a:solidFill>
+                <a:latin typeface="Calibri"/>
+              </a:rPr>
+              <a:t>29 days</a:t>
+            </a:r>
+            <a:endParaRPr lang="nl-BE" sz="1000">
+              <a:solidFill>
+                <a:srgbClr val="ED7D31"/>
+              </a:solidFill>
+              <a:latin typeface="Calibri"/>
+            </a:endParaRPr>
+          </a:p>
+        </p:txBody>
+      </p:sp>
+      <p:sp>
+        <p:nvSpPr>
+          <p:cNvPr id="380" name="OTLSHAPE_T_ea3cade452d0441d8026f874a2be9696_TextPercentage" hidden="1"/>
+          <p:cNvSpPr txBox="1"/>
+          <p:nvPr>
+            <p:custDataLst>
+              <p:tags r:id="rId14"/>
+            </p:custDataLst>
+          </p:nvPr>
+        </p:nvSpPr>
+        <p:spPr>
+          <a:xfrm>
+            <a:off x="0" y="4633680"/>
+            <a:ext cx="1588" cy="153888"/>
+          </a:xfrm>
+          <a:prstGeom prst="rect">
+            <a:avLst/>
+          </a:prstGeom>
+          <a:noFill/>
+        </p:spPr>
+        <p:txBody>
+          <a:bodyPr vert="horz" wrap="square" lIns="0" tIns="0" rIns="0" bIns="0" rtlCol="0" anchor="ctr" anchorCtr="0">
+            <a:spAutoFit/>
+          </a:bodyPr>
+          <a:lstStyle/>
+          <a:p>
+            <a:pPr algn="ctr"/>
+            <a:endParaRPr lang="nl-BE" sz="1000">
+              <a:solidFill>
+                <a:srgbClr val="ED7D31"/>
+              </a:solidFill>
+              <a:latin typeface="Calibri"/>
+            </a:endParaRPr>
+          </a:p>
+        </p:txBody>
+      </p:sp>
+      <p:sp>
+        <p:nvSpPr>
+          <p:cNvPr id="381" name="OTLSHAPE_T_ea3cade452d0441d8026f874a2be9696_StartDate" hidden="1"/>
+          <p:cNvSpPr txBox="1"/>
+          <p:nvPr>
+            <p:custDataLst>
+              <p:tags r:id="rId15"/>
+            </p:custDataLst>
+          </p:nvPr>
+        </p:nvSpPr>
+        <p:spPr>
+          <a:xfrm>
+            <a:off x="0" y="4633680"/>
+            <a:ext cx="1588" cy="153888"/>
+          </a:xfrm>
+          <a:prstGeom prst="rect">
+            <a:avLst/>
+          </a:prstGeom>
+          <a:noFill/>
+        </p:spPr>
+        <p:txBody>
+          <a:bodyPr vert="horz" wrap="square" lIns="0" tIns="0" rIns="0" bIns="0" rtlCol="0" anchor="ctr" anchorCtr="0">
+            <a:spAutoFit/>
+          </a:bodyPr>
+          <a:lstStyle/>
+          <a:p>
+            <a:pPr algn="ctr"/>
+            <a:endParaRPr lang="nl-BE" sz="1000">
+              <a:solidFill>
+                <a:srgbClr val="44546A"/>
+              </a:solidFill>
+              <a:latin typeface="Calibri"/>
+            </a:endParaRPr>
+          </a:p>
+        </p:txBody>
+      </p:sp>
+      <p:sp>
+        <p:nvSpPr>
+          <p:cNvPr id="382" name="OTLSHAPE_T_ea3cade452d0441d8026f874a2be9696_EndDate" hidden="1"/>
+          <p:cNvSpPr txBox="1"/>
+          <p:nvPr>
+            <p:custDataLst>
+              <p:tags r:id="rId16"/>
+            </p:custDataLst>
+          </p:nvPr>
+        </p:nvSpPr>
+        <p:spPr>
+          <a:xfrm>
+            <a:off x="0" y="4633680"/>
+            <a:ext cx="1588" cy="153888"/>
+          </a:xfrm>
+          <a:prstGeom prst="rect">
+            <a:avLst/>
+          </a:prstGeom>
+          <a:noFill/>
+        </p:spPr>
+        <p:txBody>
+          <a:bodyPr vert="horz" wrap="square" lIns="0" tIns="0" rIns="0" bIns="0" rtlCol="0" anchor="ctr" anchorCtr="0">
+            <a:spAutoFit/>
+          </a:bodyPr>
+          <a:lstStyle/>
+          <a:p>
+            <a:pPr algn="ctr"/>
+            <a:endParaRPr lang="nl-BE" sz="1000">
+              <a:solidFill>
+                <a:srgbClr val="44546A"/>
+              </a:solidFill>
+              <a:latin typeface="Calibri"/>
+            </a:endParaRPr>
+          </a:p>
+        </p:txBody>
+      </p:sp>
+      <p:sp>
+        <p:nvSpPr>
+          <p:cNvPr id="386" name="OTLSHAPE_T_da05b37708814f28b607c95b1f837828_ShapePercentage" hidden="1"/>
+          <p:cNvSpPr/>
+          <p:nvPr>
+            <p:custDataLst>
+              <p:tags r:id="rId17"/>
+            </p:custDataLst>
+          </p:nvPr>
+        </p:nvSpPr>
+        <p:spPr>
+          <a:xfrm>
+            <a:off x="3267584" y="4745355"/>
+            <a:ext cx="0" cy="0"/>
+          </a:xfrm>
+          <a:prstGeom prst="roundRect">
+            <a:avLst/>
+          </a:prstGeom>
+        </p:spPr>
+        <p:style>
+          <a:lnRef idx="2">
+            <a:schemeClr val="accent1">
+              <a:shade val="50000"/>
+            </a:schemeClr>
+          </a:lnRef>
+          <a:fillRef idx="1">
+            <a:schemeClr val="accent1"/>
+          </a:fillRef>
+          <a:effectRef idx="0">
+            <a:schemeClr val="accent1"/>
+          </a:effectRef>
+          <a:fontRef idx="minor">
+            <a:schemeClr val="lt1"/>
+          </a:fontRef>
+        </p:style>
+        <p:txBody>
+          <a:bodyPr rtlCol="0" anchor="ctr"/>
+          <a:lstStyle/>
+          <a:p>
+            <a:pPr algn="ctr"/>
+            <a:endParaRPr lang="nl-BE"/>
+          </a:p>
+        </p:txBody>
+      </p:sp>
+      <p:sp>
+        <p:nvSpPr>
+          <p:cNvPr id="387" name="OTLSHAPE_T_da05b37708814f28b607c95b1f837828_Duration" hidden="1"/>
+          <p:cNvSpPr txBox="1"/>
+          <p:nvPr>
+            <p:custDataLst>
+              <p:tags r:id="rId18"/>
+            </p:custDataLst>
+          </p:nvPr>
+        </p:nvSpPr>
+        <p:spPr>
+          <a:xfrm>
+            <a:off x="0" y="4745355"/>
+            <a:ext cx="393700" cy="155025"/>
+          </a:xfrm>
+          <a:prstGeom prst="rect">
+            <a:avLst/>
+          </a:prstGeom>
+          <a:noFill/>
+        </p:spPr>
+        <p:txBody>
+          <a:bodyPr vert="horz" wrap="square" lIns="0" tIns="0" rIns="0" bIns="0" rtlCol="0" anchor="ctr" anchorCtr="0">
+            <a:spAutoFit/>
+          </a:bodyPr>
+          <a:lstStyle/>
+          <a:p>
+            <a:pPr algn="ctr"/>
+            <a:r>
+              <a:rPr lang="nl-BE" sz="1000" smtClean="0">
+                <a:solidFill>
+                  <a:srgbClr val="ED7D31"/>
+                </a:solidFill>
+                <a:latin typeface="Calibri"/>
+              </a:rPr>
+              <a:t>24 days</a:t>
+            </a:r>
+            <a:endParaRPr lang="nl-BE" sz="1000">
+              <a:solidFill>
+                <a:srgbClr val="ED7D31"/>
+              </a:solidFill>
+              <a:latin typeface="Calibri"/>
+            </a:endParaRPr>
+          </a:p>
+        </p:txBody>
+      </p:sp>
+      <p:sp>
+        <p:nvSpPr>
+          <p:cNvPr id="388" name="OTLSHAPE_T_da05b37708814f28b607c95b1f837828_TextPercentage" hidden="1"/>
+          <p:cNvSpPr txBox="1"/>
+          <p:nvPr>
+            <p:custDataLst>
+              <p:tags r:id="rId19"/>
+            </p:custDataLst>
+          </p:nvPr>
+        </p:nvSpPr>
+        <p:spPr>
+          <a:xfrm>
+            <a:off x="0" y="4900380"/>
+            <a:ext cx="1588" cy="153888"/>
+          </a:xfrm>
+          <a:prstGeom prst="rect">
+            <a:avLst/>
+          </a:prstGeom>
+          <a:noFill/>
+        </p:spPr>
+        <p:txBody>
+          <a:bodyPr vert="horz" wrap="square" lIns="0" tIns="0" rIns="0" bIns="0" rtlCol="0" anchor="ctr" anchorCtr="0">
+            <a:spAutoFit/>
+          </a:bodyPr>
+          <a:lstStyle/>
+          <a:p>
+            <a:pPr algn="ctr"/>
+            <a:endParaRPr lang="nl-BE" sz="1000">
+              <a:solidFill>
+                <a:srgbClr val="ED7D31"/>
+              </a:solidFill>
+              <a:latin typeface="Calibri"/>
+            </a:endParaRPr>
+          </a:p>
+        </p:txBody>
+      </p:sp>
+      <p:sp>
+        <p:nvSpPr>
+          <p:cNvPr id="389" name="OTLSHAPE_T_da05b37708814f28b607c95b1f837828_StartDate" hidden="1"/>
+          <p:cNvSpPr txBox="1"/>
+          <p:nvPr>
+            <p:custDataLst>
+              <p:tags r:id="rId20"/>
+            </p:custDataLst>
+          </p:nvPr>
+        </p:nvSpPr>
+        <p:spPr>
+          <a:xfrm>
+            <a:off x="0" y="4900380"/>
+            <a:ext cx="1588" cy="153888"/>
+          </a:xfrm>
+          <a:prstGeom prst="rect">
+            <a:avLst/>
+          </a:prstGeom>
+          <a:noFill/>
+        </p:spPr>
+        <p:txBody>
+          <a:bodyPr vert="horz" wrap="square" lIns="0" tIns="0" rIns="0" bIns="0" rtlCol="0" anchor="ctr" anchorCtr="0">
+            <a:spAutoFit/>
+          </a:bodyPr>
+          <a:lstStyle/>
+          <a:p>
+            <a:pPr algn="ctr"/>
+            <a:endParaRPr lang="nl-BE" sz="1000">
+              <a:solidFill>
+                <a:srgbClr val="44546A"/>
+              </a:solidFill>
+              <a:latin typeface="Calibri"/>
+            </a:endParaRPr>
+          </a:p>
+        </p:txBody>
+      </p:sp>
+      <p:sp>
+        <p:nvSpPr>
+          <p:cNvPr id="390" name="OTLSHAPE_T_da05b37708814f28b607c95b1f837828_EndDate" hidden="1"/>
+          <p:cNvSpPr txBox="1"/>
+          <p:nvPr>
+            <p:custDataLst>
+              <p:tags r:id="rId21"/>
+            </p:custDataLst>
+          </p:nvPr>
+        </p:nvSpPr>
+        <p:spPr>
+          <a:xfrm>
+            <a:off x="0" y="4900380"/>
+            <a:ext cx="1588" cy="153888"/>
+          </a:xfrm>
+          <a:prstGeom prst="rect">
+            <a:avLst/>
+          </a:prstGeom>
+          <a:noFill/>
+        </p:spPr>
+        <p:txBody>
+          <a:bodyPr vert="horz" wrap="square" lIns="0" tIns="0" rIns="0" bIns="0" rtlCol="0" anchor="ctr" anchorCtr="0">
+            <a:spAutoFit/>
+          </a:bodyPr>
+          <a:lstStyle/>
+          <a:p>
+            <a:pPr algn="ctr"/>
+            <a:endParaRPr lang="nl-BE" sz="1000">
+              <a:solidFill>
+                <a:srgbClr val="44546A"/>
+              </a:solidFill>
+              <a:latin typeface="Calibri"/>
+            </a:endParaRPr>
+          </a:p>
+        </p:txBody>
+      </p:sp>
+      <p:sp>
+        <p:nvSpPr>
+          <p:cNvPr id="394" name="OTLSHAPE_T_0b9d5330344c41c1ae123254b62682b2_ShapePercentage" hidden="1"/>
+          <p:cNvSpPr/>
+          <p:nvPr>
+            <p:custDataLst>
+              <p:tags r:id="rId22"/>
+            </p:custDataLst>
+          </p:nvPr>
+        </p:nvSpPr>
+        <p:spPr>
+          <a:xfrm>
+            <a:off x="3267584" y="5012055"/>
+            <a:ext cx="0" cy="0"/>
+          </a:xfrm>
+          <a:prstGeom prst="roundRect">
+            <a:avLst/>
+          </a:prstGeom>
+        </p:spPr>
+        <p:style>
+          <a:lnRef idx="2">
+            <a:schemeClr val="accent1">
+              <a:shade val="50000"/>
+            </a:schemeClr>
+          </a:lnRef>
+          <a:fillRef idx="1">
+            <a:schemeClr val="accent1"/>
+          </a:fillRef>
+          <a:effectRef idx="0">
+            <a:schemeClr val="accent1"/>
+          </a:effectRef>
+          <a:fontRef idx="minor">
+            <a:schemeClr val="lt1"/>
+          </a:fontRef>
+        </p:style>
+        <p:txBody>
+          <a:bodyPr rtlCol="0" anchor="ctr"/>
+          <a:lstStyle/>
+          <a:p>
+            <a:pPr algn="ctr"/>
+            <a:endParaRPr lang="nl-BE"/>
+          </a:p>
+        </p:txBody>
+      </p:sp>
+      <p:sp>
+        <p:nvSpPr>
+          <p:cNvPr id="395" name="OTLSHAPE_T_0b9d5330344c41c1ae123254b62682b2_Duration" hidden="1"/>
+          <p:cNvSpPr txBox="1"/>
+          <p:nvPr>
+            <p:custDataLst>
+              <p:tags r:id="rId23"/>
+            </p:custDataLst>
+          </p:nvPr>
+        </p:nvSpPr>
+        <p:spPr>
+          <a:xfrm>
+            <a:off x="0" y="5012055"/>
+            <a:ext cx="393700" cy="155025"/>
+          </a:xfrm>
+          <a:prstGeom prst="rect">
+            <a:avLst/>
+          </a:prstGeom>
+          <a:noFill/>
+        </p:spPr>
+        <p:txBody>
+          <a:bodyPr vert="horz" wrap="square" lIns="0" tIns="0" rIns="0" bIns="0" rtlCol="0" anchor="ctr" anchorCtr="0">
+            <a:spAutoFit/>
+          </a:bodyPr>
+          <a:lstStyle/>
+          <a:p>
+            <a:pPr algn="ctr"/>
+            <a:r>
+              <a:rPr lang="nl-BE" sz="1000" smtClean="0">
+                <a:solidFill>
+                  <a:srgbClr val="ED7D31"/>
+                </a:solidFill>
+                <a:latin typeface="Calibri"/>
+              </a:rPr>
+              <a:t>24 days</a:t>
+            </a:r>
+            <a:endParaRPr lang="nl-BE" sz="1000">
+              <a:solidFill>
+                <a:srgbClr val="ED7D31"/>
+              </a:solidFill>
+              <a:latin typeface="Calibri"/>
+            </a:endParaRPr>
+          </a:p>
+        </p:txBody>
+      </p:sp>
+      <p:sp>
+        <p:nvSpPr>
+          <p:cNvPr id="396" name="OTLSHAPE_T_0b9d5330344c41c1ae123254b62682b2_TextPercentage" hidden="1"/>
+          <p:cNvSpPr txBox="1"/>
+          <p:nvPr>
+            <p:custDataLst>
+              <p:tags r:id="rId24"/>
+            </p:custDataLst>
+          </p:nvPr>
+        </p:nvSpPr>
+        <p:spPr>
+          <a:xfrm>
+            <a:off x="0" y="5167080"/>
+            <a:ext cx="1588" cy="153888"/>
+          </a:xfrm>
+          <a:prstGeom prst="rect">
+            <a:avLst/>
+          </a:prstGeom>
+          <a:noFill/>
+        </p:spPr>
+        <p:txBody>
+          <a:bodyPr vert="horz" wrap="square" lIns="0" tIns="0" rIns="0" bIns="0" rtlCol="0" anchor="ctr" anchorCtr="0">
+            <a:spAutoFit/>
+          </a:bodyPr>
+          <a:lstStyle/>
+          <a:p>
+            <a:pPr algn="ctr"/>
+            <a:endParaRPr lang="nl-BE" sz="1000">
+              <a:solidFill>
+                <a:srgbClr val="ED7D31"/>
+              </a:solidFill>
+              <a:latin typeface="Calibri"/>
+            </a:endParaRPr>
+          </a:p>
+        </p:txBody>
+      </p:sp>
+      <p:sp>
+        <p:nvSpPr>
+          <p:cNvPr id="397" name="OTLSHAPE_T_0b9d5330344c41c1ae123254b62682b2_StartDate" hidden="1"/>
+          <p:cNvSpPr txBox="1"/>
+          <p:nvPr>
+            <p:custDataLst>
+              <p:tags r:id="rId25"/>
+            </p:custDataLst>
+          </p:nvPr>
+        </p:nvSpPr>
+        <p:spPr>
+          <a:xfrm>
+            <a:off x="0" y="5167080"/>
+            <a:ext cx="1588" cy="153888"/>
+          </a:xfrm>
+          <a:prstGeom prst="rect">
+            <a:avLst/>
+          </a:prstGeom>
+          <a:noFill/>
+        </p:spPr>
+        <p:txBody>
+          <a:bodyPr vert="horz" wrap="square" lIns="0" tIns="0" rIns="0" bIns="0" rtlCol="0" anchor="ctr" anchorCtr="0">
+            <a:spAutoFit/>
+          </a:bodyPr>
+          <a:lstStyle/>
+          <a:p>
+            <a:pPr algn="ctr"/>
+            <a:endParaRPr lang="nl-BE" sz="1000">
+              <a:solidFill>
+                <a:srgbClr val="44546A"/>
+              </a:solidFill>
+              <a:latin typeface="Calibri"/>
+            </a:endParaRPr>
+          </a:p>
+        </p:txBody>
+      </p:sp>
+      <p:sp>
+        <p:nvSpPr>
+          <p:cNvPr id="398" name="OTLSHAPE_T_0b9d5330344c41c1ae123254b62682b2_EndDate" hidden="1"/>
+          <p:cNvSpPr txBox="1"/>
+          <p:nvPr>
+            <p:custDataLst>
+              <p:tags r:id="rId26"/>
+            </p:custDataLst>
+          </p:nvPr>
+        </p:nvSpPr>
+        <p:spPr>
+          <a:xfrm>
+            <a:off x="0" y="5167080"/>
+            <a:ext cx="1588" cy="153888"/>
+          </a:xfrm>
+          <a:prstGeom prst="rect">
+            <a:avLst/>
+          </a:prstGeom>
+          <a:noFill/>
+        </p:spPr>
+        <p:txBody>
+          <a:bodyPr vert="horz" wrap="square" lIns="0" tIns="0" rIns="0" bIns="0" rtlCol="0" anchor="ctr" anchorCtr="0">
+            <a:spAutoFit/>
+          </a:bodyPr>
+          <a:lstStyle/>
+          <a:p>
+            <a:pPr algn="ctr"/>
+            <a:endParaRPr lang="nl-BE" sz="1000">
+              <a:solidFill>
+                <a:srgbClr val="44546A"/>
+              </a:solidFill>
+              <a:latin typeface="Calibri"/>
+            </a:endParaRPr>
+          </a:p>
+        </p:txBody>
+      </p:sp>
+      <p:sp>
+        <p:nvSpPr>
+          <p:cNvPr id="402" name="OTLSHAPE_T_e22c32a7f1d844e7b948b5db434b943c_ShapePercentage" hidden="1"/>
+          <p:cNvSpPr/>
+          <p:nvPr>
+            <p:custDataLst>
+              <p:tags r:id="rId27"/>
+            </p:custDataLst>
+          </p:nvPr>
+        </p:nvSpPr>
+        <p:spPr>
+          <a:xfrm>
+            <a:off x="4057099" y="5278755"/>
+            <a:ext cx="0" cy="0"/>
+          </a:xfrm>
+          <a:prstGeom prst="roundRect">
+            <a:avLst/>
+          </a:prstGeom>
+        </p:spPr>
+        <p:style>
+          <a:lnRef idx="2">
+            <a:schemeClr val="accent1">
+              <a:shade val="50000"/>
+            </a:schemeClr>
+          </a:lnRef>
+          <a:fillRef idx="1">
+            <a:schemeClr val="accent1"/>
+          </a:fillRef>
+          <a:effectRef idx="0">
+            <a:schemeClr val="accent1"/>
+          </a:effectRef>
+          <a:fontRef idx="minor">
+            <a:schemeClr val="lt1"/>
+          </a:fontRef>
+        </p:style>
+        <p:txBody>
+          <a:bodyPr rtlCol="0" anchor="ctr"/>
+          <a:lstStyle/>
+          <a:p>
+            <a:pPr algn="ctr"/>
+            <a:endParaRPr lang="nl-BE"/>
+          </a:p>
+        </p:txBody>
+      </p:sp>
+      <p:sp>
+        <p:nvSpPr>
+          <p:cNvPr id="403" name="OTLSHAPE_T_e22c32a7f1d844e7b948b5db434b943c_Duration" hidden="1"/>
+          <p:cNvSpPr txBox="1"/>
+          <p:nvPr>
+            <p:custDataLst>
+              <p:tags r:id="rId28"/>
+            </p:custDataLst>
+          </p:nvPr>
+        </p:nvSpPr>
+        <p:spPr>
+          <a:xfrm>
+            <a:off x="0" y="5278755"/>
+            <a:ext cx="393700" cy="155025"/>
+          </a:xfrm>
+          <a:prstGeom prst="rect">
+            <a:avLst/>
+          </a:prstGeom>
+          <a:noFill/>
+        </p:spPr>
+        <p:txBody>
+          <a:bodyPr vert="horz" wrap="square" lIns="0" tIns="0" rIns="0" bIns="0" rtlCol="0" anchor="ctr" anchorCtr="0">
+            <a:spAutoFit/>
+          </a:bodyPr>
+          <a:lstStyle/>
+          <a:p>
+            <a:pPr algn="ctr"/>
+            <a:r>
+              <a:rPr lang="nl-BE" sz="1000" smtClean="0">
+                <a:solidFill>
+                  <a:srgbClr val="ED7D31"/>
+                </a:solidFill>
+                <a:latin typeface="Calibri"/>
+              </a:rPr>
+              <a:t>24 days</a:t>
+            </a:r>
+            <a:endParaRPr lang="nl-BE" sz="1000">
+              <a:solidFill>
+                <a:srgbClr val="ED7D31"/>
+              </a:solidFill>
+              <a:latin typeface="Calibri"/>
+            </a:endParaRPr>
+          </a:p>
+        </p:txBody>
+      </p:sp>
+      <p:sp>
+        <p:nvSpPr>
+          <p:cNvPr id="404" name="OTLSHAPE_T_e22c32a7f1d844e7b948b5db434b943c_TextPercentage" hidden="1"/>
+          <p:cNvSpPr txBox="1"/>
+          <p:nvPr>
+            <p:custDataLst>
+              <p:tags r:id="rId29"/>
+            </p:custDataLst>
+          </p:nvPr>
+        </p:nvSpPr>
+        <p:spPr>
+          <a:xfrm>
+            <a:off x="0" y="5433780"/>
+            <a:ext cx="1588" cy="153888"/>
+          </a:xfrm>
+          <a:prstGeom prst="rect">
+            <a:avLst/>
+          </a:prstGeom>
+          <a:noFill/>
+        </p:spPr>
+        <p:txBody>
+          <a:bodyPr vert="horz" wrap="square" lIns="0" tIns="0" rIns="0" bIns="0" rtlCol="0" anchor="ctr" anchorCtr="0">
+            <a:spAutoFit/>
+          </a:bodyPr>
+          <a:lstStyle/>
+          <a:p>
+            <a:pPr algn="ctr"/>
+            <a:endParaRPr lang="nl-BE" sz="1000">
+              <a:solidFill>
+                <a:srgbClr val="ED7D31"/>
+              </a:solidFill>
+              <a:latin typeface="Calibri"/>
+            </a:endParaRPr>
+          </a:p>
+        </p:txBody>
+      </p:sp>
+      <p:sp>
+        <p:nvSpPr>
+          <p:cNvPr id="405" name="OTLSHAPE_T_e22c32a7f1d844e7b948b5db434b943c_StartDate" hidden="1"/>
+          <p:cNvSpPr txBox="1"/>
+          <p:nvPr>
+            <p:custDataLst>
+              <p:tags r:id="rId30"/>
+            </p:custDataLst>
+          </p:nvPr>
+        </p:nvSpPr>
+        <p:spPr>
+          <a:xfrm>
+            <a:off x="0" y="5433780"/>
+            <a:ext cx="1588" cy="153888"/>
+          </a:xfrm>
+          <a:prstGeom prst="rect">
+            <a:avLst/>
+          </a:prstGeom>
+          <a:noFill/>
+        </p:spPr>
+        <p:txBody>
+          <a:bodyPr vert="horz" wrap="square" lIns="0" tIns="0" rIns="0" bIns="0" rtlCol="0" anchor="ctr" anchorCtr="0">
+            <a:spAutoFit/>
+          </a:bodyPr>
+          <a:lstStyle/>
+          <a:p>
+            <a:pPr algn="ctr"/>
+            <a:endParaRPr lang="nl-BE" sz="1000">
+              <a:solidFill>
+                <a:srgbClr val="44546A"/>
+              </a:solidFill>
+              <a:latin typeface="Calibri"/>
+            </a:endParaRPr>
+          </a:p>
+        </p:txBody>
+      </p:sp>
+      <p:sp>
+        <p:nvSpPr>
+          <p:cNvPr id="406" name="OTLSHAPE_T_e22c32a7f1d844e7b948b5db434b943c_EndDate" hidden="1"/>
+          <p:cNvSpPr txBox="1"/>
+          <p:nvPr>
+            <p:custDataLst>
+              <p:tags r:id="rId31"/>
+            </p:custDataLst>
+          </p:nvPr>
+        </p:nvSpPr>
+        <p:spPr>
+          <a:xfrm>
+            <a:off x="0" y="5433780"/>
+            <a:ext cx="1588" cy="153888"/>
+          </a:xfrm>
+          <a:prstGeom prst="rect">
+            <a:avLst/>
+          </a:prstGeom>
+          <a:noFill/>
+        </p:spPr>
+        <p:txBody>
+          <a:bodyPr vert="horz" wrap="square" lIns="0" tIns="0" rIns="0" bIns="0" rtlCol="0" anchor="ctr" anchorCtr="0">
+            <a:spAutoFit/>
+          </a:bodyPr>
+          <a:lstStyle/>
+          <a:p>
+            <a:pPr algn="ctr"/>
+            <a:endParaRPr lang="nl-BE" sz="1000">
+              <a:solidFill>
+                <a:srgbClr val="44546A"/>
+              </a:solidFill>
+              <a:latin typeface="Calibri"/>
+            </a:endParaRPr>
+          </a:p>
+        </p:txBody>
+      </p:sp>
+      <p:sp>
+        <p:nvSpPr>
+          <p:cNvPr id="410" name="OTLSHAPE_T_99d4e472b35549ada7464a4b4a0d7401_ShapePercentage" hidden="1"/>
+          <p:cNvSpPr/>
+          <p:nvPr>
+            <p:custDataLst>
+              <p:tags r:id="rId32"/>
+            </p:custDataLst>
+          </p:nvPr>
+        </p:nvSpPr>
+        <p:spPr>
+          <a:xfrm>
+            <a:off x="4880941" y="5598880"/>
+            <a:ext cx="0" cy="0"/>
+          </a:xfrm>
+          <a:prstGeom prst="roundRect">
+            <a:avLst/>
+          </a:prstGeom>
+        </p:spPr>
+        <p:style>
+          <a:lnRef idx="2">
+            <a:schemeClr val="accent1">
+              <a:shade val="50000"/>
+            </a:schemeClr>
+          </a:lnRef>
+          <a:fillRef idx="1">
+            <a:schemeClr val="accent1"/>
+          </a:fillRef>
+          <a:effectRef idx="0">
+            <a:schemeClr val="accent1"/>
+          </a:effectRef>
+          <a:fontRef idx="minor">
+            <a:schemeClr val="lt1"/>
+          </a:fontRef>
+        </p:style>
+        <p:txBody>
+          <a:bodyPr rtlCol="0" anchor="ctr"/>
+          <a:lstStyle/>
+          <a:p>
+            <a:pPr algn="ctr"/>
+            <a:endParaRPr lang="nl-BE"/>
+          </a:p>
+        </p:txBody>
+      </p:sp>
+      <p:sp>
+        <p:nvSpPr>
+          <p:cNvPr id="411" name="OTLSHAPE_T_99d4e472b35549ada7464a4b4a0d7401_Duration" hidden="1"/>
+          <p:cNvSpPr txBox="1"/>
+          <p:nvPr>
+            <p:custDataLst>
+              <p:tags r:id="rId33"/>
+            </p:custDataLst>
+          </p:nvPr>
+        </p:nvSpPr>
+        <p:spPr>
+          <a:xfrm>
+            <a:off x="0" y="5545455"/>
+            <a:ext cx="393700" cy="155025"/>
+          </a:xfrm>
+          <a:prstGeom prst="rect">
+            <a:avLst/>
+          </a:prstGeom>
+          <a:noFill/>
+        </p:spPr>
+        <p:txBody>
+          <a:bodyPr vert="horz" wrap="square" lIns="0" tIns="0" rIns="0" bIns="0" rtlCol="0" anchor="ctr" anchorCtr="0">
+            <a:spAutoFit/>
+          </a:bodyPr>
+          <a:lstStyle/>
+          <a:p>
+            <a:pPr algn="ctr"/>
+            <a:r>
+              <a:rPr lang="nl-BE" sz="1000" smtClean="0">
+                <a:solidFill>
+                  <a:srgbClr val="ED7D31"/>
+                </a:solidFill>
+                <a:latin typeface="Calibri"/>
+              </a:rPr>
+              <a:t>97 days</a:t>
+            </a:r>
+            <a:endParaRPr lang="nl-BE" sz="1000">
+              <a:solidFill>
+                <a:srgbClr val="ED7D31"/>
+              </a:solidFill>
+              <a:latin typeface="Calibri"/>
+            </a:endParaRPr>
+          </a:p>
+        </p:txBody>
+      </p:sp>
+      <p:sp>
+        <p:nvSpPr>
+          <p:cNvPr id="412" name="OTLSHAPE_T_99d4e472b35549ada7464a4b4a0d7401_TextPercentage" hidden="1"/>
+          <p:cNvSpPr txBox="1"/>
+          <p:nvPr>
+            <p:custDataLst>
+              <p:tags r:id="rId34"/>
+            </p:custDataLst>
+          </p:nvPr>
+        </p:nvSpPr>
+        <p:spPr>
+          <a:xfrm>
+            <a:off x="0" y="5700480"/>
+            <a:ext cx="1588" cy="153888"/>
+          </a:xfrm>
+          <a:prstGeom prst="rect">
+            <a:avLst/>
+          </a:prstGeom>
+          <a:noFill/>
+        </p:spPr>
+        <p:txBody>
+          <a:bodyPr vert="horz" wrap="square" lIns="0" tIns="0" rIns="0" bIns="0" rtlCol="0" anchor="ctr" anchorCtr="0">
+            <a:spAutoFit/>
+          </a:bodyPr>
+          <a:lstStyle/>
+          <a:p>
+            <a:pPr algn="ctr"/>
+            <a:endParaRPr lang="nl-BE" sz="1000">
+              <a:solidFill>
+                <a:srgbClr val="ED7D31"/>
+              </a:solidFill>
+              <a:latin typeface="Calibri"/>
+            </a:endParaRPr>
+          </a:p>
+        </p:txBody>
+      </p:sp>
+      <p:sp>
+        <p:nvSpPr>
+          <p:cNvPr id="413" name="OTLSHAPE_T_99d4e472b35549ada7464a4b4a0d7401_StartDate" hidden="1"/>
+          <p:cNvSpPr txBox="1"/>
+          <p:nvPr>
+            <p:custDataLst>
+              <p:tags r:id="rId35"/>
+            </p:custDataLst>
+          </p:nvPr>
+        </p:nvSpPr>
+        <p:spPr>
+          <a:xfrm>
+            <a:off x="0" y="5700480"/>
+            <a:ext cx="1588" cy="153888"/>
+          </a:xfrm>
+          <a:prstGeom prst="rect">
+            <a:avLst/>
+          </a:prstGeom>
+          <a:noFill/>
+        </p:spPr>
+        <p:txBody>
+          <a:bodyPr vert="horz" wrap="square" lIns="0" tIns="0" rIns="0" bIns="0" rtlCol="0" anchor="ctr" anchorCtr="0">
+            <a:spAutoFit/>
+          </a:bodyPr>
+          <a:lstStyle/>
+          <a:p>
+            <a:pPr algn="ctr"/>
+            <a:endParaRPr lang="nl-BE" sz="1000">
+              <a:solidFill>
+                <a:srgbClr val="44546A"/>
+              </a:solidFill>
+              <a:latin typeface="Calibri"/>
+            </a:endParaRPr>
+          </a:p>
+        </p:txBody>
+      </p:sp>
+      <p:sp>
+        <p:nvSpPr>
+          <p:cNvPr id="414" name="OTLSHAPE_T_99d4e472b35549ada7464a4b4a0d7401_EndDate" hidden="1"/>
+          <p:cNvSpPr txBox="1"/>
+          <p:nvPr>
+            <p:custDataLst>
+              <p:tags r:id="rId36"/>
+            </p:custDataLst>
+          </p:nvPr>
+        </p:nvSpPr>
+        <p:spPr>
+          <a:xfrm>
+            <a:off x="0" y="5700480"/>
+            <a:ext cx="1588" cy="153888"/>
+          </a:xfrm>
+          <a:prstGeom prst="rect">
+            <a:avLst/>
+          </a:prstGeom>
+          <a:noFill/>
+        </p:spPr>
+        <p:txBody>
+          <a:bodyPr vert="horz" wrap="square" lIns="0" tIns="0" rIns="0" bIns="0" rtlCol="0" anchor="ctr" anchorCtr="0">
+            <a:spAutoFit/>
+          </a:bodyPr>
+          <a:lstStyle/>
+          <a:p>
+            <a:pPr algn="ctr"/>
+            <a:endParaRPr lang="nl-BE" sz="1000">
+              <a:solidFill>
+                <a:srgbClr val="44546A"/>
+              </a:solidFill>
+              <a:latin typeface="Calibri"/>
+            </a:endParaRPr>
+          </a:p>
+        </p:txBody>
+      </p:sp>
+      <p:grpSp>
+        <p:nvGrpSpPr>
+          <p:cNvPr id="429" name="Group 428"/>
+          <p:cNvGrpSpPr/>
+          <p:nvPr/>
+        </p:nvGrpSpPr>
+        <p:grpSpPr>
+          <a:xfrm>
+            <a:off x="127001" y="1683657"/>
+            <a:ext cx="9016999" cy="4171847"/>
+            <a:chOff x="127000" y="3048000"/>
+            <a:chExt cx="8769411" cy="2807504"/>
+          </a:xfrm>
+        </p:grpSpPr>
+        <p:cxnSp>
+          <p:nvCxnSpPr>
+            <p:cNvPr id="360" name="OTLSHAPE_T_99d4e472b35549ada7464a4b4a0d7401_HorizontalConnector1"/>
+            <p:cNvCxnSpPr/>
+            <p:nvPr>
+              <p:custDataLst>
+                <p:tags r:id="rId37"/>
+              </p:custDataLst>
+            </p:nvPr>
+          </p:nvCxnSpPr>
+          <p:spPr>
+            <a:xfrm>
+              <a:off x="3273256" y="5700480"/>
+              <a:ext cx="1607685" cy="0"/>
+            </a:xfrm>
+            <a:prstGeom prst="line">
+              <a:avLst/>
+            </a:prstGeom>
+            <a:ln w="9525" cap="flat" cmpd="sng" algn="ctr">
+              <a:solidFill>
+                <a:srgbClr val="CCCCCC"/>
+              </a:solidFill>
+              <a:prstDash val="solid"/>
+              <a:miter lim="800000"/>
+              <a:headEnd type="none" w="med" len="med"/>
+              <a:tailEnd type="none" w="med" len="med"/>
+            </a:ln>
+          </p:spPr>
+          <p:style>
+            <a:lnRef idx="1">
+              <a:schemeClr val="accent1"/>
+            </a:lnRef>
+            <a:fillRef idx="0">
+              <a:schemeClr val="accent1"/>
+            </a:fillRef>
+            <a:effectRef idx="0">
+              <a:schemeClr val="accent1"/>
+            </a:effectRef>
+            <a:fontRef idx="minor">
+              <a:schemeClr val="tx1"/>
+            </a:fontRef>
+          </p:style>
+        </p:cxnSp>
+        <p:cxnSp>
+          <p:nvCxnSpPr>
+            <p:cNvPr id="359" name="OTLSHAPE_T_e22c32a7f1d844e7b948b5db434b943c_HorizontalConnector1"/>
+            <p:cNvCxnSpPr/>
+            <p:nvPr>
+              <p:custDataLst>
+                <p:tags r:id="rId38"/>
+              </p:custDataLst>
+            </p:nvPr>
+          </p:nvCxnSpPr>
+          <p:spPr>
+            <a:xfrm>
+              <a:off x="1696720" y="5380355"/>
+              <a:ext cx="2360379" cy="0"/>
+            </a:xfrm>
+            <a:prstGeom prst="line">
+              <a:avLst/>
+            </a:prstGeom>
+            <a:ln w="9525" cap="flat" cmpd="sng" algn="ctr">
+              <a:solidFill>
+                <a:srgbClr val="CCCCCC"/>
+              </a:solidFill>
+              <a:prstDash val="solid"/>
+              <a:miter lim="800000"/>
+              <a:headEnd type="none" w="med" len="med"/>
+              <a:tailEnd type="none" w="med" len="med"/>
+            </a:ln>
+          </p:spPr>
+          <p:style>
+            <a:lnRef idx="1">
+              <a:schemeClr val="accent1"/>
+            </a:lnRef>
+            <a:fillRef idx="0">
+              <a:schemeClr val="accent1"/>
+            </a:fillRef>
+            <a:effectRef idx="0">
+              <a:schemeClr val="accent1"/>
+            </a:effectRef>
+            <a:fontRef idx="minor">
+              <a:schemeClr val="tx1"/>
+            </a:fontRef>
+          </p:style>
+        </p:cxnSp>
+        <p:cxnSp>
+          <p:nvCxnSpPr>
+            <p:cNvPr id="358" name="OTLSHAPE_T_0b9d5330344c41c1ae123254b62682b2_HorizontalConnector1"/>
+            <p:cNvCxnSpPr/>
+            <p:nvPr>
+              <p:custDataLst>
+                <p:tags r:id="rId39"/>
+              </p:custDataLst>
+            </p:nvPr>
+          </p:nvCxnSpPr>
+          <p:spPr>
+            <a:xfrm>
+              <a:off x="950553" y="5113655"/>
+              <a:ext cx="2317031" cy="0"/>
+            </a:xfrm>
+            <a:prstGeom prst="line">
+              <a:avLst/>
+            </a:prstGeom>
+            <a:ln w="9525" cap="flat" cmpd="sng" algn="ctr">
+              <a:solidFill>
+                <a:srgbClr val="CCCCCC"/>
+              </a:solidFill>
+              <a:prstDash val="solid"/>
+              <a:miter lim="800000"/>
+              <a:headEnd type="none" w="med" len="med"/>
+              <a:tailEnd type="none" w="med" len="med"/>
+            </a:ln>
+          </p:spPr>
+          <p:style>
+            <a:lnRef idx="1">
+              <a:schemeClr val="accent1"/>
+            </a:lnRef>
+            <a:fillRef idx="0">
+              <a:schemeClr val="accent1"/>
+            </a:fillRef>
+            <a:effectRef idx="0">
+              <a:schemeClr val="accent1"/>
+            </a:effectRef>
+            <a:fontRef idx="minor">
+              <a:schemeClr val="tx1"/>
+            </a:fontRef>
+          </p:style>
+        </p:cxnSp>
+        <p:cxnSp>
+          <p:nvCxnSpPr>
+            <p:cNvPr id="357" name="OTLSHAPE_T_da05b37708814f28b607c95b1f837828_HorizontalConnector1"/>
+            <p:cNvCxnSpPr/>
+            <p:nvPr>
+              <p:custDataLst>
+                <p:tags r:id="rId40"/>
+              </p:custDataLst>
+            </p:nvPr>
+          </p:nvCxnSpPr>
+          <p:spPr>
+            <a:xfrm>
+              <a:off x="1181185" y="4846955"/>
+              <a:ext cx="2086399" cy="0"/>
+            </a:xfrm>
+            <a:prstGeom prst="line">
+              <a:avLst/>
+            </a:prstGeom>
+            <a:ln w="9525" cap="flat" cmpd="sng" algn="ctr">
+              <a:solidFill>
+                <a:srgbClr val="CCCCCC"/>
+              </a:solidFill>
+              <a:prstDash val="solid"/>
+              <a:miter lim="800000"/>
+              <a:headEnd type="none" w="med" len="med"/>
+              <a:tailEnd type="none" w="med" len="med"/>
+            </a:ln>
+          </p:spPr>
+          <p:style>
+            <a:lnRef idx="1">
+              <a:schemeClr val="accent1"/>
+            </a:lnRef>
+            <a:fillRef idx="0">
+              <a:schemeClr val="accent1"/>
+            </a:fillRef>
+            <a:effectRef idx="0">
+              <a:schemeClr val="accent1"/>
+            </a:effectRef>
+            <a:fontRef idx="minor">
+              <a:schemeClr val="tx1"/>
+            </a:fontRef>
+          </p:style>
+        </p:cxnSp>
+        <p:cxnSp>
+          <p:nvCxnSpPr>
+            <p:cNvPr id="356" name="OTLSHAPE_T_ea3cade452d0441d8026f874a2be9696_HorizontalConnector1"/>
+            <p:cNvCxnSpPr/>
+            <p:nvPr>
+              <p:custDataLst>
+                <p:tags r:id="rId41"/>
+              </p:custDataLst>
+            </p:nvPr>
+          </p:nvCxnSpPr>
+          <p:spPr>
+            <a:xfrm>
+              <a:off x="1509522" y="4580255"/>
+              <a:ext cx="762586" cy="0"/>
+            </a:xfrm>
+            <a:prstGeom prst="line">
+              <a:avLst/>
+            </a:prstGeom>
+            <a:ln w="9525" cap="flat" cmpd="sng" algn="ctr">
+              <a:solidFill>
+                <a:srgbClr val="CCCCCC"/>
+              </a:solidFill>
+              <a:prstDash val="solid"/>
+              <a:miter lim="800000"/>
+              <a:headEnd type="none" w="med" len="med"/>
+              <a:tailEnd type="none" w="med" len="med"/>
+            </a:ln>
+          </p:spPr>
+          <p:style>
+            <a:lnRef idx="1">
+              <a:schemeClr val="accent1"/>
+            </a:lnRef>
+            <a:fillRef idx="0">
+              <a:schemeClr val="accent1"/>
+            </a:fillRef>
+            <a:effectRef idx="0">
+              <a:schemeClr val="accent1"/>
+            </a:effectRef>
+            <a:fontRef idx="minor">
+              <a:schemeClr val="tx1"/>
+            </a:fontRef>
+          </p:style>
+        </p:cxnSp>
+        <p:cxnSp>
+          <p:nvCxnSpPr>
+            <p:cNvPr id="355" name="OTLSHAPE_T_f6a5723318b9412b87df5aeb694ddb88_HorizontalConnector1"/>
+            <p:cNvCxnSpPr/>
+            <p:nvPr>
+              <p:custDataLst>
+                <p:tags r:id="rId42"/>
+              </p:custDataLst>
+            </p:nvPr>
+          </p:nvCxnSpPr>
+          <p:spPr>
+            <a:xfrm>
+              <a:off x="927269" y="4046855"/>
+              <a:ext cx="555324" cy="0"/>
+            </a:xfrm>
+            <a:prstGeom prst="line">
+              <a:avLst/>
+            </a:prstGeom>
+            <a:ln w="9525" cap="flat" cmpd="sng" algn="ctr">
+              <a:solidFill>
+                <a:srgbClr val="CCCCCC"/>
+              </a:solidFill>
+              <a:prstDash val="solid"/>
+              <a:miter lim="800000"/>
+              <a:headEnd type="none" w="med" len="med"/>
+              <a:tailEnd type="none" w="med" len="med"/>
+            </a:ln>
+          </p:spPr>
+          <p:style>
+            <a:lnRef idx="1">
+              <a:schemeClr val="accent1"/>
+            </a:lnRef>
+            <a:fillRef idx="0">
+              <a:schemeClr val="accent1"/>
+            </a:fillRef>
+            <a:effectRef idx="0">
+              <a:schemeClr val="accent1"/>
+            </a:effectRef>
+            <a:fontRef idx="minor">
+              <a:schemeClr val="tx1"/>
+            </a:fontRef>
+          </p:style>
+        </p:cxnSp>
+        <p:sp>
+          <p:nvSpPr>
+            <p:cNvPr id="336" name="OTLSHAPE_TB_00000000000000000000000000000000_LeftEndCaps"/>
+            <p:cNvSpPr txBox="1"/>
+            <p:nvPr>
+              <p:custDataLst>
+                <p:tags r:id="rId43"/>
+              </p:custDataLst>
+            </p:nvPr>
+          </p:nvSpPr>
+          <p:spPr>
+            <a:xfrm>
+              <a:off x="317500" y="3098969"/>
+              <a:ext cx="451662" cy="279061"/>
+            </a:xfrm>
+            <a:prstGeom prst="rect">
+              <a:avLst/>
+            </a:prstGeom>
+            <a:noFill/>
+          </p:spPr>
+          <p:txBody>
+            <a:bodyPr vert="horz" wrap="none" lIns="0" tIns="0" rIns="0" bIns="0" rtlCol="0" anchor="ctr" anchorCtr="0">
+              <a:spAutoFit/>
+            </a:bodyPr>
+            <a:lstStyle/>
+            <a:p>
+              <a:pPr algn="ctr"/>
+              <a:r>
+                <a:rPr lang="nl-BE" b="1" spc="-38" smtClean="0">
+                  <a:solidFill>
+                    <a:srgbClr val="ED7D31"/>
+                  </a:solidFill>
+                  <a:latin typeface="Calibri"/>
+                </a:rPr>
+                <a:t>2017</a:t>
+              </a:r>
+              <a:endParaRPr lang="nl-BE" b="1" spc="-38">
+                <a:solidFill>
+                  <a:srgbClr val="ED7D31"/>
+                </a:solidFill>
+                <a:latin typeface="Calibri"/>
+              </a:endParaRPr>
+            </a:p>
+          </p:txBody>
+        </p:sp>
+        <p:sp>
+          <p:nvSpPr>
+            <p:cNvPr id="337" name="OTLSHAPE_TB_00000000000000000000000000000000_RightEndCaps"/>
+            <p:cNvSpPr txBox="1"/>
+            <p:nvPr>
+              <p:custDataLst>
+                <p:tags r:id="rId44"/>
+              </p:custDataLst>
+            </p:nvPr>
+          </p:nvSpPr>
+          <p:spPr>
+            <a:xfrm>
+              <a:off x="8363034" y="3098969"/>
+              <a:ext cx="451662" cy="279061"/>
+            </a:xfrm>
+            <a:prstGeom prst="rect">
+              <a:avLst/>
+            </a:prstGeom>
+            <a:noFill/>
+          </p:spPr>
+          <p:txBody>
+            <a:bodyPr vert="horz" wrap="none" lIns="0" tIns="0" rIns="0" bIns="0" rtlCol="0" anchor="ctr" anchorCtr="0">
+              <a:spAutoFit/>
+            </a:bodyPr>
+            <a:lstStyle/>
+            <a:p>
+              <a:pPr algn="ctr"/>
+              <a:r>
+                <a:rPr lang="nl-BE" b="1" spc="-38" smtClean="0">
+                  <a:solidFill>
+                    <a:srgbClr val="ED7D31"/>
+                  </a:solidFill>
+                  <a:latin typeface="Calibri"/>
+                </a:rPr>
+                <a:t>2018</a:t>
+              </a:r>
+              <a:endParaRPr lang="nl-BE" b="1" spc="-38">
+                <a:solidFill>
+                  <a:srgbClr val="ED7D31"/>
+                </a:solidFill>
+                <a:latin typeface="Calibri"/>
+              </a:endParaRPr>
+            </a:p>
+          </p:txBody>
+        </p:sp>
+        <p:sp>
+          <p:nvSpPr>
+            <p:cNvPr id="338" name="OTLSHAPE_TB_00000000000000000000000000000000_ScaleContainer"/>
+            <p:cNvSpPr/>
+            <p:nvPr>
+              <p:custDataLst>
+                <p:tags r:id="rId45"/>
+              </p:custDataLst>
+            </p:nvPr>
+          </p:nvSpPr>
+          <p:spPr>
+            <a:xfrm>
+              <a:off x="933365" y="3048000"/>
+              <a:ext cx="7289800" cy="381000"/>
+            </a:xfrm>
+            <a:prstGeom prst="rect">
+              <a:avLst/>
+            </a:prstGeom>
+            <a:gradFill flip="none" rotWithShape="1">
+              <a:gsLst>
+                <a:gs pos="0">
+                  <a:srgbClr val="44546A"/>
+                </a:gs>
+                <a:gs pos="0">
+                  <a:srgbClr val="44546A"/>
+                </a:gs>
+              </a:gsLst>
+              <a:lin ang="5400000" scaled="1"/>
+              <a:tileRect/>
+            </a:gradFill>
+            <a:ln w="12700" cap="flat" cmpd="sng" algn="ctr">
+              <a:noFill/>
+              <a:prstDash val="solid"/>
+              <a:miter lim="800000"/>
+            </a:ln>
+            <a:effectLst>
+              <a:reflection blurRad="6350" stA="50000" endA="300" endPos="55500" dist="50800" dir="5400000" sy="-100000" algn="bl" rotWithShape="0"/>
+            </a:effectLst>
+            <a:scene3d>
+              <a:camera prst="orthographicFront"/>
+              <a:lightRig rig="threePt" dir="t">
+                <a:rot lat="0" lon="0" rev="8700000"/>
+              </a:lightRig>
+            </a:scene3d>
+            <a:sp3d>
+              <a:bevelT w="165100" h="19050"/>
+            </a:sp3d>
+            <a:extLst>
+              <a:ext uri="{91240B29-F687-4F45-9708-019B960494DF}">
+                <a14:hiddenLine xmlns:a14="http://schemas.microsoft.com/office/drawing/2010/main" w="12700" cap="flat" cmpd="sng" algn="ctr">
+                  <a:solidFill>
+                    <a:schemeClr val="accent1">
+                      <a:shade val="50000"/>
+                    </a:schemeClr>
+                  </a:solidFill>
+                  <a:prstDash val="solid"/>
+                  <a:miter lim="800000"/>
+                </a14:hiddenLine>
+              </a:ext>
+            </a:extLst>
+          </p:spPr>
+          <p:style>
+            <a:lnRef idx="2">
+              <a:schemeClr val="accent1">
+                <a:shade val="50000"/>
+              </a:schemeClr>
+            </a:lnRef>
+            <a:fillRef idx="1">
+              <a:schemeClr val="accent1"/>
+            </a:fillRef>
+            <a:effectRef idx="0">
+              <a:schemeClr val="accent1"/>
+            </a:effectRef>
+            <a:fontRef idx="minor">
+              <a:schemeClr val="lt1"/>
+            </a:fontRef>
+          </p:style>
+          <p:txBody>
+            <a:bodyPr rtlCol="0" anchor="ctr"/>
+            <a:lstStyle/>
+            <a:p>
+              <a:pPr algn="ctr"/>
+              <a:endParaRPr lang="nl-BE"/>
+            </a:p>
+          </p:txBody>
+        </p:sp>
+        <p:sp>
+          <p:nvSpPr>
+            <p:cNvPr id="339" name="OTLSHAPE_TB_00000000000000000000000000000000_ElapsedTime"/>
+            <p:cNvSpPr/>
+            <p:nvPr>
+              <p:custDataLst>
+                <p:tags r:id="rId46"/>
+              </p:custDataLst>
+            </p:nvPr>
+          </p:nvSpPr>
+          <p:spPr>
+            <a:xfrm>
+              <a:off x="933365" y="3352800"/>
+              <a:ext cx="939800" cy="76200"/>
+            </a:xfrm>
+            <a:prstGeom prst="rect">
+              <a:avLst/>
+            </a:prstGeom>
+            <a:solidFill>
+              <a:srgbClr val="FF0000">
+                <a:alpha val="74902"/>
+              </a:srgbClr>
+            </a:solidFill>
+            <a:ln w="12700" cap="flat" cmpd="sng" algn="ctr">
+              <a:noFill/>
+              <a:prstDash val="solid"/>
+              <a:miter lim="800000"/>
+            </a:ln>
+            <a:effectLst/>
+            <a:scene3d>
+              <a:camera prst="orthographicFront"/>
+              <a:lightRig rig="threePt" dir="t">
+                <a:rot lat="0" lon="0" rev="0"/>
+              </a:lightRig>
+            </a:scene3d>
+            <a:sp3d>
+              <a:bevelT w="12700" h="139700"/>
+            </a:sp3d>
+            <a:extLst>
+              <a:ext uri="{91240B29-F687-4F45-9708-019B960494DF}">
+                <a14:hiddenLine xmlns:a14="http://schemas.microsoft.com/office/drawing/2010/main" w="12700" cap="flat" cmpd="sng" algn="ctr">
+                  <a:solidFill>
+                    <a:schemeClr val="accent1">
+                      <a:shade val="50000"/>
+                    </a:schemeClr>
+                  </a:solidFill>
+                  <a:prstDash val="solid"/>
+                  <a:miter lim="800000"/>
+                </a14:hiddenLine>
+              </a:ext>
+            </a:extLst>
+          </p:spPr>
+          <p:style>
+            <a:lnRef idx="2">
+              <a:schemeClr val="accent1">
+                <a:shade val="50000"/>
+              </a:schemeClr>
+            </a:lnRef>
+            <a:fillRef idx="1">
+              <a:schemeClr val="accent1"/>
+            </a:fillRef>
+            <a:effectRef idx="0">
+              <a:schemeClr val="accent1"/>
+            </a:effectRef>
+            <a:fontRef idx="minor">
+              <a:schemeClr val="lt1"/>
+            </a:fontRef>
+          </p:style>
+          <p:txBody>
+            <a:bodyPr rtlCol="0" anchor="ctr"/>
+            <a:lstStyle/>
+            <a:p>
+              <a:pPr algn="ctr"/>
+              <a:endParaRPr lang="nl-BE"/>
+            </a:p>
+          </p:txBody>
+        </p:sp>
+        <p:sp>
+          <p:nvSpPr>
+            <p:cNvPr id="340" name="OTLSHAPE_TB_00000000000000000000000000000000_TodayMarkerShape"/>
+            <p:cNvSpPr/>
+            <p:nvPr>
+              <p:custDataLst>
+                <p:tags r:id="rId47"/>
+              </p:custDataLst>
+            </p:nvPr>
+          </p:nvSpPr>
+          <p:spPr>
+            <a:xfrm>
+              <a:off x="1818590" y="3429000"/>
+              <a:ext cx="114300" cy="127000"/>
+            </a:xfrm>
+            <a:prstGeom prst="triangle">
+              <a:avLst/>
+            </a:prstGeom>
+            <a:solidFill>
+              <a:srgbClr val="FF0000"/>
+            </a:solidFill>
+            <a:ln w="12700" cap="flat" cmpd="sng" algn="ctr">
+              <a:noFill/>
+              <a:prstDash val="solid"/>
+              <a:miter lim="800000"/>
+            </a:ln>
+            <a:effectLst>
+              <a:outerShdw>
+                <a:scrgbClr r="0" g="0" b="0">
+                  <a:alpha val="50000"/>
+                </a:scrgbClr>
+              </a:outerShdw>
+            </a:effectLst>
+            <a:extLst>
+              <a:ext uri="{91240B29-F687-4F45-9708-019B960494DF}">
+                <a14:hiddenLine xmlns:a14="http://schemas.microsoft.com/office/drawing/2010/main" w="12700" cap="flat" cmpd="sng" algn="ctr">
+                  <a:solidFill>
+                    <a:schemeClr val="accent1">
+                      <a:shade val="50000"/>
+                    </a:schemeClr>
+                  </a:solidFill>
+                  <a:prstDash val="solid"/>
+                  <a:miter lim="800000"/>
+                </a14:hiddenLine>
+              </a:ext>
+              <a:ext uri="{53640926-AAD7-44D8-BBD7-CCE9431645EC}">
+                <a14:shadowObscured xmlns:a14="http://schemas.microsoft.com/office/drawing/2010/main" val="1"/>
+              </a:ext>
+            </a:extLst>
+          </p:spPr>
+          <p:style>
+            <a:lnRef idx="2">
+              <a:schemeClr val="accent1">
+                <a:shade val="50000"/>
+              </a:schemeClr>
+            </a:lnRef>
+            <a:fillRef idx="1">
+              <a:schemeClr val="accent1"/>
+            </a:fillRef>
+            <a:effectRef idx="0">
+              <a:schemeClr val="accent1"/>
+            </a:effectRef>
+            <a:fontRef idx="minor">
+              <a:schemeClr val="lt1"/>
+            </a:fontRef>
+          </p:style>
+          <p:txBody>
+            <a:bodyPr rtlCol="0" anchor="ctr"/>
+            <a:lstStyle/>
+            <a:p>
+              <a:pPr algn="ctr"/>
+              <a:endParaRPr lang="nl-BE"/>
+            </a:p>
+          </p:txBody>
+        </p:sp>
+        <p:sp>
+          <p:nvSpPr>
+            <p:cNvPr id="341" name="OTLSHAPE_TB_00000000000000000000000000000000_TodayMarkerText"/>
+            <p:cNvSpPr txBox="1"/>
+            <p:nvPr>
+              <p:custDataLst>
+                <p:tags r:id="rId48"/>
+              </p:custDataLst>
+            </p:nvPr>
+          </p:nvSpPr>
+          <p:spPr>
+            <a:xfrm>
+              <a:off x="1692890" y="3556000"/>
+              <a:ext cx="368300" cy="186055"/>
+            </a:xfrm>
+            <a:prstGeom prst="rect">
+              <a:avLst/>
+            </a:prstGeom>
+            <a:noFill/>
+          </p:spPr>
+          <p:txBody>
+            <a:bodyPr vert="horz" wrap="none" lIns="0" tIns="0" rIns="0" bIns="0" rtlCol="0" anchor="ctr" anchorCtr="0">
+              <a:spAutoFit/>
+            </a:bodyPr>
+            <a:lstStyle/>
+            <a:p>
+              <a:pPr algn="ctr"/>
+              <a:r>
+                <a:rPr lang="nl-BE" sz="1200" spc="-12" smtClean="0">
+                  <a:solidFill>
+                    <a:srgbClr val="000000"/>
+                  </a:solidFill>
+                  <a:latin typeface="Calibri"/>
+                </a:rPr>
+                <a:t>Today</a:t>
+              </a:r>
+              <a:endParaRPr lang="nl-BE" sz="1200" spc="-12">
+                <a:solidFill>
+                  <a:srgbClr val="000000"/>
+                </a:solidFill>
+                <a:latin typeface="Calibri"/>
+              </a:endParaRPr>
+            </a:p>
+          </p:txBody>
+        </p:sp>
+        <p:sp>
+          <p:nvSpPr>
+            <p:cNvPr id="342" name="OTLSHAPE_TB_00000000000000000000000000000000_TimescaleInterval1"/>
+            <p:cNvSpPr txBox="1"/>
+            <p:nvPr>
+              <p:custDataLst>
+                <p:tags r:id="rId49"/>
+              </p:custDataLst>
+            </p:nvPr>
+          </p:nvSpPr>
+          <p:spPr>
+            <a:xfrm>
+              <a:off x="996865" y="3145473"/>
+              <a:ext cx="243978" cy="186055"/>
+            </a:xfrm>
+            <a:prstGeom prst="rect">
+              <a:avLst/>
+            </a:prstGeom>
+            <a:noFill/>
+          </p:spPr>
+          <p:txBody>
+            <a:bodyPr vert="horz" wrap="none" lIns="0" tIns="0" rIns="0" bIns="0" rtlCol="0" anchor="ctr" anchorCtr="0">
+              <a:noAutofit/>
+            </a:bodyPr>
+            <a:lstStyle/>
+            <a:p>
+              <a:r>
+                <a:rPr lang="nl-BE" sz="1200" spc="-20" smtClean="0">
+                  <a:solidFill>
+                    <a:schemeClr val="lt1"/>
+                  </a:solidFill>
+                  <a:latin typeface="Calibri"/>
+                </a:rPr>
+                <a:t>Nov</a:t>
+              </a:r>
+              <a:endParaRPr lang="nl-BE" sz="1200" spc="-20">
+                <a:solidFill>
+                  <a:schemeClr val="lt1"/>
+                </a:solidFill>
+                <a:latin typeface="Calibri"/>
+              </a:endParaRPr>
+            </a:p>
+          </p:txBody>
+        </p:sp>
+        <p:cxnSp>
+          <p:nvCxnSpPr>
+            <p:cNvPr id="343" name="OTLSHAPE_TB_00000000000000000000000000000000_Separator1"/>
+            <p:cNvCxnSpPr/>
+            <p:nvPr>
+              <p:custDataLst>
+                <p:tags r:id="rId50"/>
+              </p:custDataLst>
+            </p:nvPr>
+          </p:nvCxnSpPr>
+          <p:spPr>
+            <a:xfrm>
+              <a:off x="1963167" y="3136900"/>
+              <a:ext cx="0" cy="203200"/>
+            </a:xfrm>
+            <a:prstGeom prst="line">
+              <a:avLst/>
+            </a:prstGeom>
+            <a:ln w="6350" cap="flat" cmpd="sng" algn="ctr">
+              <a:solidFill>
+                <a:schemeClr val="lt1">
+                  <a:alpha val="29804"/>
+                </a:schemeClr>
+              </a:solidFill>
+              <a:prstDash val="solid"/>
+              <a:miter lim="800000"/>
+              <a:headEnd type="none" w="med" len="med"/>
+              <a:tailEnd type="none" w="med" len="med"/>
+            </a:ln>
+          </p:spPr>
+          <p:style>
+            <a:lnRef idx="1">
+              <a:schemeClr val="accent1"/>
+            </a:lnRef>
+            <a:fillRef idx="0">
+              <a:schemeClr val="accent1"/>
+            </a:fillRef>
+            <a:effectRef idx="0">
+              <a:schemeClr val="accent1"/>
+            </a:effectRef>
+            <a:fontRef idx="minor">
+              <a:schemeClr val="tx1"/>
+            </a:fontRef>
+          </p:style>
+        </p:cxnSp>
+        <p:sp>
+          <p:nvSpPr>
+            <p:cNvPr id="344" name="OTLSHAPE_TB_00000000000000000000000000000000_TimescaleInterval2"/>
+            <p:cNvSpPr txBox="1"/>
+            <p:nvPr>
+              <p:custDataLst>
+                <p:tags r:id="rId51"/>
+              </p:custDataLst>
+            </p:nvPr>
+          </p:nvSpPr>
+          <p:spPr>
+            <a:xfrm>
+              <a:off x="2026668" y="3145473"/>
+              <a:ext cx="231858" cy="186055"/>
+            </a:xfrm>
+            <a:prstGeom prst="rect">
+              <a:avLst/>
+            </a:prstGeom>
+            <a:noFill/>
+          </p:spPr>
+          <p:txBody>
+            <a:bodyPr vert="horz" wrap="none" lIns="0" tIns="0" rIns="0" bIns="0" rtlCol="0" anchor="ctr" anchorCtr="0">
+              <a:noAutofit/>
+            </a:bodyPr>
+            <a:lstStyle/>
+            <a:p>
+              <a:r>
+                <a:rPr lang="nl-BE" sz="1200" spc="-22" smtClean="0">
+                  <a:solidFill>
+                    <a:schemeClr val="lt1"/>
+                  </a:solidFill>
+                  <a:latin typeface="Calibri"/>
+                </a:rPr>
+                <a:t>Dec</a:t>
+              </a:r>
+              <a:endParaRPr lang="nl-BE" sz="1200" spc="-22">
+                <a:solidFill>
+                  <a:schemeClr val="lt1"/>
+                </a:solidFill>
+                <a:latin typeface="Calibri"/>
+              </a:endParaRPr>
+            </a:p>
+          </p:txBody>
+        </p:sp>
+        <p:cxnSp>
+          <p:nvCxnSpPr>
+            <p:cNvPr id="345" name="OTLSHAPE_TB_00000000000000000000000000000000_Separator2"/>
+            <p:cNvCxnSpPr/>
+            <p:nvPr>
+              <p:custDataLst>
+                <p:tags r:id="rId52"/>
+              </p:custDataLst>
+            </p:nvPr>
+          </p:nvCxnSpPr>
+          <p:spPr>
+            <a:xfrm>
+              <a:off x="3027296" y="3136900"/>
+              <a:ext cx="0" cy="203200"/>
+            </a:xfrm>
+            <a:prstGeom prst="line">
+              <a:avLst/>
+            </a:prstGeom>
+            <a:ln w="6350" cap="flat" cmpd="sng" algn="ctr">
+              <a:solidFill>
+                <a:schemeClr val="lt1">
+                  <a:alpha val="29804"/>
+                </a:schemeClr>
+              </a:solidFill>
+              <a:prstDash val="solid"/>
+              <a:miter lim="800000"/>
+              <a:headEnd type="none" w="med" len="med"/>
+              <a:tailEnd type="none" w="med" len="med"/>
+            </a:ln>
+          </p:spPr>
+          <p:style>
+            <a:lnRef idx="1">
+              <a:schemeClr val="accent1"/>
+            </a:lnRef>
+            <a:fillRef idx="0">
+              <a:schemeClr val="accent1"/>
+            </a:fillRef>
+            <a:effectRef idx="0">
+              <a:schemeClr val="accent1"/>
+            </a:effectRef>
+            <a:fontRef idx="minor">
+              <a:schemeClr val="tx1"/>
+            </a:fontRef>
+          </p:style>
+        </p:cxnSp>
+        <p:sp>
+          <p:nvSpPr>
+            <p:cNvPr id="346" name="OTLSHAPE_TB_00000000000000000000000000000000_TimescaleInterval3"/>
+            <p:cNvSpPr txBox="1"/>
+            <p:nvPr>
+              <p:custDataLst>
+                <p:tags r:id="rId53"/>
+              </p:custDataLst>
+            </p:nvPr>
+          </p:nvSpPr>
+          <p:spPr>
+            <a:xfrm>
+              <a:off x="3090797" y="3145473"/>
+              <a:ext cx="304955" cy="186055"/>
+            </a:xfrm>
+            <a:prstGeom prst="rect">
+              <a:avLst/>
+            </a:prstGeom>
+            <a:noFill/>
+          </p:spPr>
+          <p:txBody>
+            <a:bodyPr vert="horz" wrap="none" lIns="0" tIns="0" rIns="0" bIns="0" rtlCol="0" anchor="ctr" anchorCtr="0">
+              <a:noAutofit/>
+            </a:bodyPr>
+            <a:lstStyle/>
+            <a:p>
+              <a:r>
+                <a:rPr lang="nl-BE" sz="1200" spc="-20" smtClean="0">
+                  <a:solidFill>
+                    <a:schemeClr val="lt1"/>
+                  </a:solidFill>
+                  <a:latin typeface="Calibri"/>
+                </a:rPr>
+                <a:t>2018</a:t>
+              </a:r>
+              <a:endParaRPr lang="nl-BE" sz="1200" spc="-20">
+                <a:solidFill>
+                  <a:schemeClr val="lt1"/>
+                </a:solidFill>
+                <a:latin typeface="Calibri"/>
+              </a:endParaRPr>
+            </a:p>
+          </p:txBody>
+        </p:sp>
+        <p:cxnSp>
+          <p:nvCxnSpPr>
+            <p:cNvPr id="347" name="OTLSHAPE_TB_00000000000000000000000000000000_Separator3"/>
+            <p:cNvCxnSpPr/>
+            <p:nvPr>
+              <p:custDataLst>
+                <p:tags r:id="rId54"/>
+              </p:custDataLst>
+            </p:nvPr>
+          </p:nvCxnSpPr>
+          <p:spPr>
+            <a:xfrm>
+              <a:off x="4091425" y="3136900"/>
+              <a:ext cx="0" cy="203200"/>
+            </a:xfrm>
+            <a:prstGeom prst="line">
+              <a:avLst/>
+            </a:prstGeom>
+            <a:ln w="6350" cap="flat" cmpd="sng" algn="ctr">
+              <a:solidFill>
+                <a:schemeClr val="lt1">
+                  <a:alpha val="29804"/>
+                </a:schemeClr>
+              </a:solidFill>
+              <a:prstDash val="solid"/>
+              <a:miter lim="800000"/>
+              <a:headEnd type="none" w="med" len="med"/>
+              <a:tailEnd type="none" w="med" len="med"/>
+            </a:ln>
+          </p:spPr>
+          <p:style>
+            <a:lnRef idx="1">
+              <a:schemeClr val="accent1"/>
+            </a:lnRef>
+            <a:fillRef idx="0">
+              <a:schemeClr val="accent1"/>
+            </a:fillRef>
+            <a:effectRef idx="0">
+              <a:schemeClr val="accent1"/>
+            </a:effectRef>
+            <a:fontRef idx="minor">
+              <a:schemeClr val="tx1"/>
+            </a:fontRef>
+          </p:style>
+        </p:cxnSp>
+        <p:sp>
+          <p:nvSpPr>
+            <p:cNvPr id="348" name="OTLSHAPE_TB_00000000000000000000000000000000_TimescaleInterval4"/>
+            <p:cNvSpPr txBox="1"/>
+            <p:nvPr>
+              <p:custDataLst>
+                <p:tags r:id="rId55"/>
+              </p:custDataLst>
+            </p:nvPr>
+          </p:nvSpPr>
+          <p:spPr>
+            <a:xfrm>
+              <a:off x="4154926" y="3145473"/>
+              <a:ext cx="219227" cy="186055"/>
+            </a:xfrm>
+            <a:prstGeom prst="rect">
+              <a:avLst/>
+            </a:prstGeom>
+            <a:noFill/>
+          </p:spPr>
+          <p:txBody>
+            <a:bodyPr vert="horz" wrap="none" lIns="0" tIns="0" rIns="0" bIns="0" rtlCol="0" anchor="ctr" anchorCtr="0">
+              <a:noAutofit/>
+            </a:bodyPr>
+            <a:lstStyle/>
+            <a:p>
+              <a:r>
+                <a:rPr lang="nl-BE" sz="1200" spc="-18" smtClean="0">
+                  <a:solidFill>
+                    <a:schemeClr val="lt1"/>
+                  </a:solidFill>
+                  <a:latin typeface="Calibri"/>
+                </a:rPr>
+                <a:t>Feb</a:t>
+              </a:r>
+              <a:endParaRPr lang="nl-BE" sz="1200" spc="-18">
+                <a:solidFill>
+                  <a:schemeClr val="lt1"/>
+                </a:solidFill>
+                <a:latin typeface="Calibri"/>
+              </a:endParaRPr>
+            </a:p>
+          </p:txBody>
+        </p:sp>
+        <p:cxnSp>
+          <p:nvCxnSpPr>
+            <p:cNvPr id="349" name="OTLSHAPE_TB_00000000000000000000000000000000_Separator4"/>
+            <p:cNvCxnSpPr/>
+            <p:nvPr>
+              <p:custDataLst>
+                <p:tags r:id="rId56"/>
+              </p:custDataLst>
+            </p:nvPr>
+          </p:nvCxnSpPr>
+          <p:spPr>
+            <a:xfrm>
+              <a:off x="5052574" y="3136900"/>
+              <a:ext cx="0" cy="203200"/>
+            </a:xfrm>
+            <a:prstGeom prst="line">
+              <a:avLst/>
+            </a:prstGeom>
+            <a:ln w="6350" cap="flat" cmpd="sng" algn="ctr">
+              <a:solidFill>
+                <a:schemeClr val="lt1">
+                  <a:alpha val="29804"/>
+                </a:schemeClr>
+              </a:solidFill>
+              <a:prstDash val="solid"/>
+              <a:miter lim="800000"/>
+              <a:headEnd type="none" w="med" len="med"/>
+              <a:tailEnd type="none" w="med" len="med"/>
+            </a:ln>
+          </p:spPr>
+          <p:style>
+            <a:lnRef idx="1">
+              <a:schemeClr val="accent1"/>
+            </a:lnRef>
+            <a:fillRef idx="0">
+              <a:schemeClr val="accent1"/>
+            </a:fillRef>
+            <a:effectRef idx="0">
+              <a:schemeClr val="accent1"/>
+            </a:effectRef>
+            <a:fontRef idx="minor">
+              <a:schemeClr val="tx1"/>
+            </a:fontRef>
+          </p:style>
+        </p:cxnSp>
+        <p:sp>
+          <p:nvSpPr>
+            <p:cNvPr id="350" name="OTLSHAPE_TB_00000000000000000000000000000000_TimescaleInterval5"/>
+            <p:cNvSpPr txBox="1"/>
+            <p:nvPr>
+              <p:custDataLst>
+                <p:tags r:id="rId57"/>
+              </p:custDataLst>
+            </p:nvPr>
+          </p:nvSpPr>
+          <p:spPr>
+            <a:xfrm>
+              <a:off x="5116075" y="3145473"/>
+              <a:ext cx="255776" cy="186055"/>
+            </a:xfrm>
+            <a:prstGeom prst="rect">
+              <a:avLst/>
+            </a:prstGeom>
+            <a:noFill/>
+          </p:spPr>
+          <p:txBody>
+            <a:bodyPr vert="horz" wrap="none" lIns="0" tIns="0" rIns="0" bIns="0" rtlCol="0" anchor="ctr" anchorCtr="0">
+              <a:noAutofit/>
+            </a:bodyPr>
+            <a:lstStyle/>
+            <a:p>
+              <a:r>
+                <a:rPr lang="nl-BE" sz="1200" spc="-18" smtClean="0">
+                  <a:solidFill>
+                    <a:schemeClr val="lt1"/>
+                  </a:solidFill>
+                  <a:latin typeface="Calibri"/>
+                </a:rPr>
+                <a:t>Mar</a:t>
+              </a:r>
+              <a:endParaRPr lang="nl-BE" sz="1200" spc="-18">
+                <a:solidFill>
+                  <a:schemeClr val="lt1"/>
+                </a:solidFill>
+                <a:latin typeface="Calibri"/>
+              </a:endParaRPr>
+            </a:p>
+          </p:txBody>
+        </p:sp>
+        <p:cxnSp>
+          <p:nvCxnSpPr>
+            <p:cNvPr id="351" name="OTLSHAPE_TB_00000000000000000000000000000000_Separator5"/>
+            <p:cNvCxnSpPr/>
+            <p:nvPr>
+              <p:custDataLst>
+                <p:tags r:id="rId58"/>
+              </p:custDataLst>
+            </p:nvPr>
+          </p:nvCxnSpPr>
+          <p:spPr>
+            <a:xfrm>
+              <a:off x="6116703" y="3136900"/>
+              <a:ext cx="0" cy="203200"/>
+            </a:xfrm>
+            <a:prstGeom prst="line">
+              <a:avLst/>
+            </a:prstGeom>
+            <a:ln w="6350" cap="flat" cmpd="sng" algn="ctr">
+              <a:solidFill>
+                <a:schemeClr val="lt1">
+                  <a:alpha val="29804"/>
+                </a:schemeClr>
+              </a:solidFill>
+              <a:prstDash val="solid"/>
+              <a:miter lim="800000"/>
+              <a:headEnd type="none" w="med" len="med"/>
+              <a:tailEnd type="none" w="med" len="med"/>
+            </a:ln>
+          </p:spPr>
+          <p:style>
+            <a:lnRef idx="1">
+              <a:schemeClr val="accent1"/>
+            </a:lnRef>
+            <a:fillRef idx="0">
+              <a:schemeClr val="accent1"/>
+            </a:fillRef>
+            <a:effectRef idx="0">
+              <a:schemeClr val="accent1"/>
+            </a:effectRef>
+            <a:fontRef idx="minor">
+              <a:schemeClr val="tx1"/>
+            </a:fontRef>
+          </p:style>
+        </p:cxnSp>
+        <p:sp>
+          <p:nvSpPr>
+            <p:cNvPr id="352" name="OTLSHAPE_TB_00000000000000000000000000000000_TimescaleInterval6"/>
+            <p:cNvSpPr txBox="1"/>
+            <p:nvPr>
+              <p:custDataLst>
+                <p:tags r:id="rId59"/>
+              </p:custDataLst>
+            </p:nvPr>
+          </p:nvSpPr>
+          <p:spPr>
+            <a:xfrm>
+              <a:off x="6180204" y="3145473"/>
+              <a:ext cx="219740" cy="186055"/>
+            </a:xfrm>
+            <a:prstGeom prst="rect">
+              <a:avLst/>
+            </a:prstGeom>
+            <a:noFill/>
+          </p:spPr>
+          <p:txBody>
+            <a:bodyPr vert="horz" wrap="none" lIns="0" tIns="0" rIns="0" bIns="0" rtlCol="0" anchor="ctr" anchorCtr="0">
+              <a:noAutofit/>
+            </a:bodyPr>
+            <a:lstStyle/>
+            <a:p>
+              <a:r>
+                <a:rPr lang="nl-BE" sz="1200" spc="-18" smtClean="0">
+                  <a:solidFill>
+                    <a:schemeClr val="lt1"/>
+                  </a:solidFill>
+                  <a:latin typeface="Calibri"/>
+                </a:rPr>
+                <a:t>Apr</a:t>
+              </a:r>
+              <a:endParaRPr lang="nl-BE" sz="1200" spc="-18">
+                <a:solidFill>
+                  <a:schemeClr val="lt1"/>
+                </a:solidFill>
+                <a:latin typeface="Calibri"/>
+              </a:endParaRPr>
+            </a:p>
+          </p:txBody>
+        </p:sp>
+        <p:cxnSp>
+          <p:nvCxnSpPr>
+            <p:cNvPr id="353" name="OTLSHAPE_TB_00000000000000000000000000000000_Separator6"/>
+            <p:cNvCxnSpPr/>
+            <p:nvPr>
+              <p:custDataLst>
+                <p:tags r:id="rId60"/>
+              </p:custDataLst>
+            </p:nvPr>
+          </p:nvCxnSpPr>
+          <p:spPr>
+            <a:xfrm>
+              <a:off x="7146506" y="3136900"/>
+              <a:ext cx="0" cy="203200"/>
+            </a:xfrm>
+            <a:prstGeom prst="line">
+              <a:avLst/>
+            </a:prstGeom>
+            <a:ln w="6350" cap="flat" cmpd="sng" algn="ctr">
+              <a:solidFill>
+                <a:schemeClr val="lt1">
+                  <a:alpha val="29804"/>
+                </a:schemeClr>
+              </a:solidFill>
+              <a:prstDash val="solid"/>
+              <a:miter lim="800000"/>
+              <a:headEnd type="none" w="med" len="med"/>
+              <a:tailEnd type="none" w="med" len="med"/>
+            </a:ln>
+          </p:spPr>
+          <p:style>
+            <a:lnRef idx="1">
+              <a:schemeClr val="accent1"/>
+            </a:lnRef>
+            <a:fillRef idx="0">
+              <a:schemeClr val="accent1"/>
+            </a:fillRef>
+            <a:effectRef idx="0">
+              <a:schemeClr val="accent1"/>
+            </a:effectRef>
+            <a:fontRef idx="minor">
+              <a:schemeClr val="tx1"/>
+            </a:fontRef>
+          </p:style>
+        </p:cxnSp>
+        <p:sp>
+          <p:nvSpPr>
+            <p:cNvPr id="354" name="OTLSHAPE_TB_00000000000000000000000000000000_TimescaleInterval7"/>
+            <p:cNvSpPr txBox="1"/>
+            <p:nvPr>
+              <p:custDataLst>
+                <p:tags r:id="rId61"/>
+              </p:custDataLst>
+            </p:nvPr>
+          </p:nvSpPr>
+          <p:spPr>
+            <a:xfrm>
+              <a:off x="7210006" y="3145473"/>
+              <a:ext cx="268150" cy="186055"/>
+            </a:xfrm>
+            <a:prstGeom prst="rect">
+              <a:avLst/>
+            </a:prstGeom>
+            <a:noFill/>
+          </p:spPr>
+          <p:txBody>
+            <a:bodyPr vert="horz" wrap="none" lIns="0" tIns="0" rIns="0" bIns="0" rtlCol="0" anchor="ctr" anchorCtr="0">
+              <a:noAutofit/>
+            </a:bodyPr>
+            <a:lstStyle/>
+            <a:p>
+              <a:r>
+                <a:rPr lang="nl-BE" sz="1200" spc="-18" smtClean="0">
+                  <a:solidFill>
+                    <a:schemeClr val="lt1"/>
+                  </a:solidFill>
+                  <a:latin typeface="Calibri"/>
+                </a:rPr>
+                <a:t>May</a:t>
+              </a:r>
+              <a:endParaRPr lang="nl-BE" sz="1200" spc="-18">
+                <a:solidFill>
+                  <a:schemeClr val="lt1"/>
+                </a:solidFill>
+                <a:latin typeface="Calibri"/>
+              </a:endParaRPr>
+            </a:p>
+          </p:txBody>
+        </p:sp>
+        <p:sp>
+          <p:nvSpPr>
+            <p:cNvPr id="361" name="OTLSHAPE_T_f6a5723318b9412b87df5aeb694ddb88_Shape"/>
+            <p:cNvSpPr/>
+            <p:nvPr>
+              <p:custDataLst>
+                <p:tags r:id="rId62"/>
+              </p:custDataLst>
+            </p:nvPr>
+          </p:nvSpPr>
+          <p:spPr>
+            <a:xfrm>
+              <a:off x="1482593" y="3945255"/>
+              <a:ext cx="825500" cy="203200"/>
+            </a:xfrm>
+            <a:prstGeom prst="roundRect">
+              <a:avLst/>
+            </a:prstGeom>
+            <a:solidFill>
+              <a:schemeClr val="dk2"/>
+            </a:solidFill>
+            <a:ln w="12700" cap="flat" cmpd="sng" algn="ctr">
+              <a:noFill/>
+              <a:prstDash val="solid"/>
+              <a:miter lim="800000"/>
+            </a:ln>
+            <a:effectLst/>
+            <a:scene3d>
+              <a:camera prst="orthographicFront"/>
+              <a:lightRig rig="balanced" dir="t">
+                <a:rot lat="0" lon="0" rev="8700000"/>
+              </a:lightRig>
+            </a:scene3d>
+            <a:sp3d>
+              <a:bevelT w="165100" h="12700"/>
+            </a:sp3d>
+            <a:extLst>
+              <a:ext uri="{91240B29-F687-4F45-9708-019B960494DF}">
+                <a14:hiddenLine xmlns:a14="http://schemas.microsoft.com/office/drawing/2010/main" w="12700" cap="flat" cmpd="sng" algn="ctr">
+                  <a:solidFill>
+                    <a:schemeClr val="accent1">
+                      <a:shade val="50000"/>
+                    </a:schemeClr>
+                  </a:solidFill>
+                  <a:prstDash val="solid"/>
+                  <a:miter lim="800000"/>
+                </a14:hiddenLine>
+              </a:ext>
+              <a:ext uri="{AF507438-7753-43E0-B8FC-AC1667EBCBE1}">
+                <a14:hiddenEffects xmlns:a14="http://schemas.microsoft.com/office/drawing/2010/main">
+                  <a:effectLst>
+                    <a:outerShdw>
+                      <a:scrgbClr r="0" g="0" b="0">
+                        <a:alpha val="50000"/>
+                      </a:scrgbClr>
+                    </a:outerShdw>
+                  </a:effectLst>
+                </a14:hiddenEffects>
+              </a:ext>
+              <a:ext uri="{53640926-AAD7-44D8-BBD7-CCE9431645EC}">
+                <a14:shadowObscured xmlns:a14="http://schemas.microsoft.com/office/drawing/2010/main" val="1"/>
+              </a:ext>
+            </a:extLst>
+          </p:spPr>
+          <p:style>
+            <a:lnRef idx="2">
+              <a:schemeClr val="accent1">
+                <a:shade val="50000"/>
+              </a:schemeClr>
+            </a:lnRef>
+            <a:fillRef idx="1">
+              <a:schemeClr val="accent1"/>
+            </a:fillRef>
+            <a:effectRef idx="0">
+              <a:schemeClr val="accent1"/>
+            </a:effectRef>
+            <a:fontRef idx="minor">
+              <a:schemeClr val="lt1"/>
+            </a:fontRef>
+          </p:style>
+          <p:txBody>
+            <a:bodyPr rtlCol="0" anchor="ctr"/>
+            <a:lstStyle/>
+            <a:p>
+              <a:pPr algn="ctr"/>
+              <a:endParaRPr lang="nl-BE"/>
+            </a:p>
+          </p:txBody>
+        </p:sp>
+        <p:sp>
+          <p:nvSpPr>
+            <p:cNvPr id="367" name="OTLSHAPE_T_f6a5723318b9412b87df5aeb694ddb88_JoinedDate"/>
+            <p:cNvSpPr txBox="1"/>
+            <p:nvPr>
+              <p:custDataLst>
+                <p:tags r:id="rId63"/>
+              </p:custDataLst>
+            </p:nvPr>
+          </p:nvSpPr>
+          <p:spPr>
+            <a:xfrm>
+              <a:off x="2357211" y="3969343"/>
+              <a:ext cx="1282700" cy="155025"/>
+            </a:xfrm>
+            <a:prstGeom prst="rect">
+              <a:avLst/>
+            </a:prstGeom>
+            <a:noFill/>
+          </p:spPr>
+          <p:txBody>
+            <a:bodyPr vert="horz" wrap="square" lIns="0" tIns="0" rIns="0" bIns="0" rtlCol="0" anchor="ctr" anchorCtr="0">
+              <a:spAutoFit/>
+            </a:bodyPr>
+            <a:lstStyle/>
+            <a:p>
+              <a:r>
+                <a:rPr lang="nl-BE" sz="1000" spc="-4" smtClean="0">
+                  <a:solidFill>
+                    <a:srgbClr val="44546A"/>
+                  </a:solidFill>
+                  <a:latin typeface="Calibri"/>
+                </a:rPr>
+                <a:t>11-17-2017 - 12-10-2017</a:t>
+              </a:r>
+              <a:endParaRPr lang="nl-BE" sz="1000" spc="-4">
+                <a:solidFill>
+                  <a:srgbClr val="44546A"/>
+                </a:solidFill>
+                <a:latin typeface="Calibri"/>
+              </a:endParaRPr>
+            </a:p>
+          </p:txBody>
+        </p:sp>
+        <p:sp>
+          <p:nvSpPr>
+            <p:cNvPr id="368" name="OTLSHAPE_T_f6a5723318b9412b87df5aeb694ddb88_Title"/>
+            <p:cNvSpPr txBox="1"/>
+            <p:nvPr>
+              <p:custDataLst>
+                <p:tags r:id="rId64"/>
+              </p:custDataLst>
+            </p:nvPr>
+          </p:nvSpPr>
+          <p:spPr>
+            <a:xfrm>
+              <a:off x="127000" y="3961596"/>
+              <a:ext cx="812800" cy="170519"/>
+            </a:xfrm>
+            <a:prstGeom prst="rect">
+              <a:avLst/>
+            </a:prstGeom>
+            <a:noFill/>
+          </p:spPr>
+          <p:txBody>
+            <a:bodyPr vert="horz" wrap="square" lIns="0" tIns="0" rIns="0" bIns="0" rtlCol="0" anchor="ctr" anchorCtr="0">
+              <a:spAutoFit/>
+            </a:bodyPr>
+            <a:lstStyle/>
+            <a:p>
+              <a:r>
+                <a:rPr lang="nl-BE" sz="1100" b="1" spc="-14" smtClean="0">
+                  <a:solidFill>
+                    <a:srgbClr val="000000"/>
+                  </a:solidFill>
+                  <a:latin typeface="Calibri"/>
+                </a:rPr>
+                <a:t>Tekst ProbLog</a:t>
+              </a:r>
+              <a:endParaRPr lang="nl-BE" sz="1100" b="1" spc="-14">
+                <a:solidFill>
+                  <a:srgbClr val="000000"/>
+                </a:solidFill>
+                <a:latin typeface="Calibri"/>
+              </a:endParaRPr>
+            </a:p>
+          </p:txBody>
+        </p:sp>
+        <p:sp>
+          <p:nvSpPr>
+            <p:cNvPr id="369" name="OTLSHAPE_T_a6f8915c3b5f4e65a2c333f8dd634937_Shape"/>
+            <p:cNvSpPr/>
+            <p:nvPr>
+              <p:custDataLst>
+                <p:tags r:id="rId65"/>
+              </p:custDataLst>
+            </p:nvPr>
+          </p:nvSpPr>
+          <p:spPr>
+            <a:xfrm>
+              <a:off x="1688554" y="4211955"/>
+              <a:ext cx="622300" cy="203200"/>
+            </a:xfrm>
+            <a:prstGeom prst="roundRect">
+              <a:avLst/>
+            </a:prstGeom>
+            <a:solidFill>
+              <a:schemeClr val="dk2"/>
+            </a:solidFill>
+            <a:ln w="12700" cap="flat" cmpd="sng" algn="ctr">
+              <a:noFill/>
+              <a:prstDash val="solid"/>
+              <a:miter lim="800000"/>
+            </a:ln>
+            <a:effectLst/>
+            <a:scene3d>
+              <a:camera prst="orthographicFront"/>
+              <a:lightRig rig="balanced" dir="t">
+                <a:rot lat="0" lon="0" rev="8700000"/>
+              </a:lightRig>
+            </a:scene3d>
+            <a:sp3d>
+              <a:bevelT w="165100" h="12700"/>
+            </a:sp3d>
+            <a:extLst>
+              <a:ext uri="{91240B29-F687-4F45-9708-019B960494DF}">
+                <a14:hiddenLine xmlns:a14="http://schemas.microsoft.com/office/drawing/2010/main" w="12700" cap="flat" cmpd="sng" algn="ctr">
+                  <a:solidFill>
+                    <a:schemeClr val="accent1">
+                      <a:shade val="50000"/>
+                    </a:schemeClr>
+                  </a:solidFill>
+                  <a:prstDash val="solid"/>
+                  <a:miter lim="800000"/>
+                </a14:hiddenLine>
+              </a:ext>
+              <a:ext uri="{AF507438-7753-43E0-B8FC-AC1667EBCBE1}">
+                <a14:hiddenEffects xmlns:a14="http://schemas.microsoft.com/office/drawing/2010/main">
+                  <a:effectLst>
+                    <a:outerShdw>
+                      <a:scrgbClr r="0" g="0" b="0">
+                        <a:alpha val="50000"/>
+                      </a:scrgbClr>
+                    </a:outerShdw>
+                  </a:effectLst>
+                </a14:hiddenEffects>
+              </a:ext>
+              <a:ext uri="{53640926-AAD7-44D8-BBD7-CCE9431645EC}">
+                <a14:shadowObscured xmlns:a14="http://schemas.microsoft.com/office/drawing/2010/main" val="1"/>
+              </a:ext>
+            </a:extLst>
+          </p:spPr>
+          <p:style>
+            <a:lnRef idx="2">
+              <a:schemeClr val="accent1">
+                <a:shade val="50000"/>
+              </a:schemeClr>
+            </a:lnRef>
+            <a:fillRef idx="1">
+              <a:schemeClr val="accent1"/>
+            </a:fillRef>
+            <a:effectRef idx="0">
+              <a:schemeClr val="accent1"/>
+            </a:effectRef>
+            <a:fontRef idx="minor">
+              <a:schemeClr val="lt1"/>
+            </a:fontRef>
+          </p:style>
+          <p:txBody>
+            <a:bodyPr rtlCol="0" anchor="ctr"/>
+            <a:lstStyle/>
+            <a:p>
+              <a:pPr algn="ctr"/>
+              <a:endParaRPr lang="nl-BE"/>
+            </a:p>
+          </p:txBody>
+        </p:sp>
+        <p:sp>
+          <p:nvSpPr>
+            <p:cNvPr id="375" name="OTLSHAPE_T_a6f8915c3b5f4e65a2c333f8dd634937_JoinedDate"/>
+            <p:cNvSpPr txBox="1"/>
+            <p:nvPr>
+              <p:custDataLst>
+                <p:tags r:id="rId66"/>
+              </p:custDataLst>
+            </p:nvPr>
+          </p:nvSpPr>
+          <p:spPr>
+            <a:xfrm>
+              <a:off x="2357211" y="4236043"/>
+              <a:ext cx="1282700" cy="155025"/>
+            </a:xfrm>
+            <a:prstGeom prst="rect">
+              <a:avLst/>
+            </a:prstGeom>
+            <a:noFill/>
+          </p:spPr>
+          <p:txBody>
+            <a:bodyPr vert="horz" wrap="square" lIns="0" tIns="0" rIns="0" bIns="0" rtlCol="0" anchor="ctr" anchorCtr="0">
+              <a:spAutoFit/>
+            </a:bodyPr>
+            <a:lstStyle/>
+            <a:p>
+              <a:r>
+                <a:rPr lang="nl-BE" sz="1000" spc="-4" smtClean="0">
+                  <a:solidFill>
+                    <a:srgbClr val="44546A"/>
+                  </a:solidFill>
+                  <a:latin typeface="Calibri"/>
+                </a:rPr>
+                <a:t>11-23-2017 - 12-10-2017</a:t>
+              </a:r>
+              <a:endParaRPr lang="nl-BE" sz="1000" spc="-4">
+                <a:solidFill>
+                  <a:srgbClr val="44546A"/>
+                </a:solidFill>
+                <a:latin typeface="Calibri"/>
+              </a:endParaRPr>
+            </a:p>
+          </p:txBody>
+        </p:sp>
+        <p:sp>
+          <p:nvSpPr>
+            <p:cNvPr id="376" name="OTLSHAPE_T_a6f8915c3b5f4e65a2c333f8dd634937_Title"/>
+            <p:cNvSpPr txBox="1"/>
+            <p:nvPr>
+              <p:custDataLst>
+                <p:tags r:id="rId67"/>
+              </p:custDataLst>
+            </p:nvPr>
+          </p:nvSpPr>
+          <p:spPr>
+            <a:xfrm>
+              <a:off x="127000" y="4228296"/>
+              <a:ext cx="1511300" cy="170519"/>
+            </a:xfrm>
+            <a:prstGeom prst="rect">
+              <a:avLst/>
+            </a:prstGeom>
+            <a:noFill/>
+          </p:spPr>
+          <p:txBody>
+            <a:bodyPr vert="horz" wrap="square" lIns="0" tIns="0" rIns="0" bIns="0" rtlCol="0" anchor="ctr" anchorCtr="0">
+              <a:spAutoFit/>
+            </a:bodyPr>
+            <a:lstStyle/>
+            <a:p>
+              <a:r>
+                <a:rPr lang="nl-BE" sz="1100" b="1" spc="-8" smtClean="0">
+                  <a:solidFill>
+                    <a:srgbClr val="000000"/>
+                  </a:solidFill>
+                  <a:latin typeface="Calibri"/>
+                </a:rPr>
+                <a:t>Verdere evaluatie Problog</a:t>
+              </a:r>
+              <a:endParaRPr lang="nl-BE" sz="1100" b="1" spc="-8">
+                <a:solidFill>
+                  <a:srgbClr val="000000"/>
+                </a:solidFill>
+                <a:latin typeface="Calibri"/>
+              </a:endParaRPr>
+            </a:p>
+          </p:txBody>
+        </p:sp>
+        <p:sp>
+          <p:nvSpPr>
+            <p:cNvPr id="377" name="OTLSHAPE_T_ea3cade452d0441d8026f874a2be9696_Shape"/>
+            <p:cNvSpPr/>
+            <p:nvPr>
+              <p:custDataLst>
+                <p:tags r:id="rId68"/>
+              </p:custDataLst>
+            </p:nvPr>
+          </p:nvSpPr>
+          <p:spPr>
+            <a:xfrm>
+              <a:off x="2272108" y="4478655"/>
+              <a:ext cx="1003300" cy="203200"/>
+            </a:xfrm>
+            <a:prstGeom prst="roundRect">
+              <a:avLst/>
+            </a:prstGeom>
+            <a:solidFill>
+              <a:schemeClr val="dk2"/>
+            </a:solidFill>
+            <a:ln w="12700" cap="flat" cmpd="sng" algn="ctr">
+              <a:noFill/>
+              <a:prstDash val="solid"/>
+              <a:miter lim="800000"/>
+            </a:ln>
+            <a:effectLst/>
+            <a:scene3d>
+              <a:camera prst="orthographicFront"/>
+              <a:lightRig rig="balanced" dir="t">
+                <a:rot lat="0" lon="0" rev="8700000"/>
+              </a:lightRig>
+            </a:scene3d>
+            <a:sp3d>
+              <a:bevelT w="165100" h="12700"/>
+            </a:sp3d>
+            <a:extLst>
+              <a:ext uri="{91240B29-F687-4F45-9708-019B960494DF}">
+                <a14:hiddenLine xmlns:a14="http://schemas.microsoft.com/office/drawing/2010/main" w="12700" cap="flat" cmpd="sng" algn="ctr">
+                  <a:solidFill>
+                    <a:schemeClr val="accent1">
+                      <a:shade val="50000"/>
+                    </a:schemeClr>
+                  </a:solidFill>
+                  <a:prstDash val="solid"/>
+                  <a:miter lim="800000"/>
+                </a14:hiddenLine>
+              </a:ext>
+              <a:ext uri="{AF507438-7753-43E0-B8FC-AC1667EBCBE1}">
+                <a14:hiddenEffects xmlns:a14="http://schemas.microsoft.com/office/drawing/2010/main">
+                  <a:effectLst>
+                    <a:outerShdw>
+                      <a:scrgbClr r="0" g="0" b="0">
+                        <a:alpha val="50000"/>
+                      </a:scrgbClr>
+                    </a:outerShdw>
+                  </a:effectLst>
+                </a14:hiddenEffects>
+              </a:ext>
+              <a:ext uri="{53640926-AAD7-44D8-BBD7-CCE9431645EC}">
+                <a14:shadowObscured xmlns:a14="http://schemas.microsoft.com/office/drawing/2010/main" val="1"/>
+              </a:ext>
+            </a:extLst>
+          </p:spPr>
+          <p:style>
+            <a:lnRef idx="2">
+              <a:schemeClr val="accent1">
+                <a:shade val="50000"/>
+              </a:schemeClr>
+            </a:lnRef>
+            <a:fillRef idx="1">
+              <a:schemeClr val="accent1"/>
+            </a:fillRef>
+            <a:effectRef idx="0">
+              <a:schemeClr val="accent1"/>
+            </a:effectRef>
+            <a:fontRef idx="minor">
+              <a:schemeClr val="lt1"/>
+            </a:fontRef>
+          </p:style>
+          <p:txBody>
+            <a:bodyPr rtlCol="0" anchor="ctr"/>
+            <a:lstStyle/>
+            <a:p>
+              <a:pPr algn="ctr"/>
+              <a:endParaRPr lang="nl-BE"/>
+            </a:p>
+          </p:txBody>
+        </p:sp>
+        <p:sp>
+          <p:nvSpPr>
+            <p:cNvPr id="383" name="OTLSHAPE_T_ea3cade452d0441d8026f874a2be9696_JoinedDate"/>
+            <p:cNvSpPr txBox="1"/>
+            <p:nvPr>
+              <p:custDataLst>
+                <p:tags r:id="rId69"/>
+              </p:custDataLst>
+            </p:nvPr>
+          </p:nvSpPr>
+          <p:spPr>
+            <a:xfrm>
+              <a:off x="3318360" y="4502743"/>
+              <a:ext cx="1155700" cy="155025"/>
+            </a:xfrm>
+            <a:prstGeom prst="rect">
+              <a:avLst/>
+            </a:prstGeom>
+            <a:noFill/>
+          </p:spPr>
+          <p:txBody>
+            <a:bodyPr vert="horz" wrap="square" lIns="0" tIns="0" rIns="0" bIns="0" rtlCol="0" anchor="ctr" anchorCtr="0">
+              <a:spAutoFit/>
+            </a:bodyPr>
+            <a:lstStyle/>
+            <a:p>
+              <a:r>
+                <a:rPr lang="nl-BE" sz="1000" spc="-4" smtClean="0">
+                  <a:solidFill>
+                    <a:srgbClr val="44546A"/>
+                  </a:solidFill>
+                  <a:latin typeface="Calibri"/>
+                </a:rPr>
+                <a:t>12-10-2017 - 1-7-2018</a:t>
+              </a:r>
+              <a:endParaRPr lang="nl-BE" sz="1000" spc="-4">
+                <a:solidFill>
+                  <a:srgbClr val="44546A"/>
+                </a:solidFill>
+                <a:latin typeface="Calibri"/>
+              </a:endParaRPr>
+            </a:p>
+          </p:txBody>
+        </p:sp>
+        <p:sp>
+          <p:nvSpPr>
+            <p:cNvPr id="384" name="OTLSHAPE_T_ea3cade452d0441d8026f874a2be9696_Title"/>
+            <p:cNvSpPr txBox="1"/>
+            <p:nvPr>
+              <p:custDataLst>
+                <p:tags r:id="rId70"/>
+              </p:custDataLst>
+            </p:nvPr>
+          </p:nvSpPr>
+          <p:spPr>
+            <a:xfrm>
+              <a:off x="127000" y="4494996"/>
+              <a:ext cx="1384300" cy="170519"/>
+            </a:xfrm>
+            <a:prstGeom prst="rect">
+              <a:avLst/>
+            </a:prstGeom>
+            <a:noFill/>
+          </p:spPr>
+          <p:txBody>
+            <a:bodyPr vert="horz" wrap="square" lIns="0" tIns="0" rIns="0" bIns="0" rtlCol="0" anchor="ctr" anchorCtr="0">
+              <a:spAutoFit/>
+            </a:bodyPr>
+            <a:lstStyle/>
+            <a:p>
+              <a:r>
+                <a:rPr lang="nl-BE" sz="1100" b="1" spc="-6" smtClean="0">
+                  <a:solidFill>
+                    <a:srgbClr val="000000"/>
+                  </a:solidFill>
+                  <a:latin typeface="Calibri"/>
+                </a:rPr>
+                <a:t>Implementatie Anglican</a:t>
+              </a:r>
+              <a:endParaRPr lang="nl-BE" sz="1100" b="1" spc="-6">
+                <a:solidFill>
+                  <a:srgbClr val="000000"/>
+                </a:solidFill>
+                <a:latin typeface="Calibri"/>
+              </a:endParaRPr>
+            </a:p>
+          </p:txBody>
+        </p:sp>
+        <p:sp>
+          <p:nvSpPr>
+            <p:cNvPr id="385" name="OTLSHAPE_T_da05b37708814f28b607c95b1f837828_Shape"/>
+            <p:cNvSpPr/>
+            <p:nvPr>
+              <p:custDataLst>
+                <p:tags r:id="rId71"/>
+              </p:custDataLst>
+            </p:nvPr>
+          </p:nvSpPr>
+          <p:spPr>
+            <a:xfrm>
+              <a:off x="3267584" y="4745355"/>
+              <a:ext cx="825500" cy="203200"/>
+            </a:xfrm>
+            <a:prstGeom prst="roundRect">
+              <a:avLst/>
+            </a:prstGeom>
+            <a:solidFill>
+              <a:schemeClr val="dk2"/>
+            </a:solidFill>
+            <a:ln w="12700" cap="flat" cmpd="sng" algn="ctr">
+              <a:noFill/>
+              <a:prstDash val="solid"/>
+              <a:miter lim="800000"/>
+            </a:ln>
+            <a:effectLst/>
+            <a:scene3d>
+              <a:camera prst="orthographicFront"/>
+              <a:lightRig rig="balanced" dir="t">
+                <a:rot lat="0" lon="0" rev="8700000"/>
+              </a:lightRig>
+            </a:scene3d>
+            <a:sp3d>
+              <a:bevelT w="165100" h="12700"/>
+            </a:sp3d>
+            <a:extLst>
+              <a:ext uri="{91240B29-F687-4F45-9708-019B960494DF}">
+                <a14:hiddenLine xmlns:a14="http://schemas.microsoft.com/office/drawing/2010/main" w="12700" cap="flat" cmpd="sng" algn="ctr">
+                  <a:solidFill>
+                    <a:schemeClr val="accent1">
+                      <a:shade val="50000"/>
+                    </a:schemeClr>
+                  </a:solidFill>
+                  <a:prstDash val="solid"/>
+                  <a:miter lim="800000"/>
+                </a14:hiddenLine>
+              </a:ext>
+              <a:ext uri="{AF507438-7753-43E0-B8FC-AC1667EBCBE1}">
+                <a14:hiddenEffects xmlns:a14="http://schemas.microsoft.com/office/drawing/2010/main">
+                  <a:effectLst>
+                    <a:outerShdw>
+                      <a:scrgbClr r="0" g="0" b="0">
+                        <a:alpha val="50000"/>
+                      </a:scrgbClr>
+                    </a:outerShdw>
+                  </a:effectLst>
+                </a14:hiddenEffects>
+              </a:ext>
+              <a:ext uri="{53640926-AAD7-44D8-BBD7-CCE9431645EC}">
+                <a14:shadowObscured xmlns:a14="http://schemas.microsoft.com/office/drawing/2010/main" val="1"/>
+              </a:ext>
+            </a:extLst>
+          </p:spPr>
+          <p:style>
+            <a:lnRef idx="2">
+              <a:schemeClr val="accent1">
+                <a:shade val="50000"/>
+              </a:schemeClr>
+            </a:lnRef>
+            <a:fillRef idx="1">
+              <a:schemeClr val="accent1"/>
+            </a:fillRef>
+            <a:effectRef idx="0">
+              <a:schemeClr val="accent1"/>
+            </a:effectRef>
+            <a:fontRef idx="minor">
+              <a:schemeClr val="lt1"/>
+            </a:fontRef>
+          </p:style>
+          <p:txBody>
+            <a:bodyPr rtlCol="0" anchor="ctr"/>
+            <a:lstStyle/>
+            <a:p>
+              <a:pPr algn="ctr"/>
+              <a:endParaRPr lang="nl-BE"/>
+            </a:p>
+          </p:txBody>
+        </p:sp>
+        <p:sp>
+          <p:nvSpPr>
+            <p:cNvPr id="391" name="OTLSHAPE_T_da05b37708814f28b607c95b1f837828_JoinedDate"/>
+            <p:cNvSpPr txBox="1"/>
+            <p:nvPr>
+              <p:custDataLst>
+                <p:tags r:id="rId72"/>
+              </p:custDataLst>
+            </p:nvPr>
+          </p:nvSpPr>
+          <p:spPr>
+            <a:xfrm>
+              <a:off x="4142202" y="4769443"/>
+              <a:ext cx="1092200" cy="155025"/>
+            </a:xfrm>
+            <a:prstGeom prst="rect">
+              <a:avLst/>
+            </a:prstGeom>
+            <a:noFill/>
+          </p:spPr>
+          <p:txBody>
+            <a:bodyPr vert="horz" wrap="square" lIns="0" tIns="0" rIns="0" bIns="0" rtlCol="0" anchor="ctr" anchorCtr="0">
+              <a:spAutoFit/>
+            </a:bodyPr>
+            <a:lstStyle/>
+            <a:p>
+              <a:r>
+                <a:rPr lang="nl-BE" sz="1000" spc="-4" smtClean="0">
+                  <a:solidFill>
+                    <a:srgbClr val="44546A"/>
+                  </a:solidFill>
+                  <a:latin typeface="Calibri"/>
+                </a:rPr>
+                <a:t>1-8-2018 - 1-31-2018</a:t>
+              </a:r>
+              <a:endParaRPr lang="nl-BE" sz="1000" spc="-4">
+                <a:solidFill>
+                  <a:srgbClr val="44546A"/>
+                </a:solidFill>
+                <a:latin typeface="Calibri"/>
+              </a:endParaRPr>
+            </a:p>
+          </p:txBody>
+        </p:sp>
+        <p:sp>
+          <p:nvSpPr>
+            <p:cNvPr id="392" name="OTLSHAPE_T_da05b37708814f28b607c95b1f837828_Title"/>
+            <p:cNvSpPr txBox="1"/>
+            <p:nvPr>
+              <p:custDataLst>
+                <p:tags r:id="rId73"/>
+              </p:custDataLst>
+            </p:nvPr>
+          </p:nvSpPr>
+          <p:spPr>
+            <a:xfrm>
+              <a:off x="127000" y="4761696"/>
+              <a:ext cx="1066800" cy="170519"/>
+            </a:xfrm>
+            <a:prstGeom prst="rect">
+              <a:avLst/>
+            </a:prstGeom>
+            <a:noFill/>
+          </p:spPr>
+          <p:txBody>
+            <a:bodyPr vert="horz" wrap="square" lIns="0" tIns="0" rIns="0" bIns="0" rtlCol="0" anchor="ctr" anchorCtr="0">
+              <a:spAutoFit/>
+            </a:bodyPr>
+            <a:lstStyle/>
+            <a:p>
+              <a:r>
+                <a:rPr lang="nl-BE" sz="1100" b="1" spc="-8" smtClean="0">
+                  <a:solidFill>
+                    <a:srgbClr val="000000"/>
+                  </a:solidFill>
+                  <a:latin typeface="Calibri"/>
+                </a:rPr>
+                <a:t>Evaluatie Anglican</a:t>
+              </a:r>
+              <a:endParaRPr lang="nl-BE" sz="1100" b="1" spc="-8">
+                <a:solidFill>
+                  <a:srgbClr val="000000"/>
+                </a:solidFill>
+                <a:latin typeface="Calibri"/>
+              </a:endParaRPr>
+            </a:p>
+          </p:txBody>
+        </p:sp>
+        <p:sp>
+          <p:nvSpPr>
+            <p:cNvPr id="393" name="OTLSHAPE_T_0b9d5330344c41c1ae123254b62682b2_Shape"/>
+            <p:cNvSpPr/>
+            <p:nvPr>
+              <p:custDataLst>
+                <p:tags r:id="rId74"/>
+              </p:custDataLst>
+            </p:nvPr>
+          </p:nvSpPr>
+          <p:spPr>
+            <a:xfrm>
+              <a:off x="3267584" y="5012055"/>
+              <a:ext cx="825500" cy="203200"/>
+            </a:xfrm>
+            <a:prstGeom prst="roundRect">
+              <a:avLst/>
+            </a:prstGeom>
+            <a:solidFill>
+              <a:schemeClr val="dk2"/>
+            </a:solidFill>
+            <a:ln w="12700" cap="flat" cmpd="sng" algn="ctr">
+              <a:noFill/>
+              <a:prstDash val="solid"/>
+              <a:miter lim="800000"/>
+            </a:ln>
+            <a:effectLst/>
+            <a:scene3d>
+              <a:camera prst="orthographicFront"/>
+              <a:lightRig rig="balanced" dir="t">
+                <a:rot lat="0" lon="0" rev="8700000"/>
+              </a:lightRig>
+            </a:scene3d>
+            <a:sp3d>
+              <a:bevelT w="165100" h="12700"/>
+            </a:sp3d>
+            <a:extLst>
+              <a:ext uri="{91240B29-F687-4F45-9708-019B960494DF}">
+                <a14:hiddenLine xmlns:a14="http://schemas.microsoft.com/office/drawing/2010/main" w="12700" cap="flat" cmpd="sng" algn="ctr">
+                  <a:solidFill>
+                    <a:schemeClr val="accent1">
+                      <a:shade val="50000"/>
+                    </a:schemeClr>
+                  </a:solidFill>
+                  <a:prstDash val="solid"/>
+                  <a:miter lim="800000"/>
+                </a14:hiddenLine>
+              </a:ext>
+              <a:ext uri="{AF507438-7753-43E0-B8FC-AC1667EBCBE1}">
+                <a14:hiddenEffects xmlns:a14="http://schemas.microsoft.com/office/drawing/2010/main">
+                  <a:effectLst>
+                    <a:outerShdw>
+                      <a:scrgbClr r="0" g="0" b="0">
+                        <a:alpha val="50000"/>
+                      </a:scrgbClr>
+                    </a:outerShdw>
+                  </a:effectLst>
+                </a14:hiddenEffects>
+              </a:ext>
+              <a:ext uri="{53640926-AAD7-44D8-BBD7-CCE9431645EC}">
+                <a14:shadowObscured xmlns:a14="http://schemas.microsoft.com/office/drawing/2010/main" val="1"/>
+              </a:ext>
+            </a:extLst>
+          </p:spPr>
+          <p:style>
+            <a:lnRef idx="2">
+              <a:schemeClr val="accent1">
+                <a:shade val="50000"/>
+              </a:schemeClr>
+            </a:lnRef>
+            <a:fillRef idx="1">
+              <a:schemeClr val="accent1"/>
+            </a:fillRef>
+            <a:effectRef idx="0">
+              <a:schemeClr val="accent1"/>
+            </a:effectRef>
+            <a:fontRef idx="minor">
+              <a:schemeClr val="lt1"/>
+            </a:fontRef>
+          </p:style>
+          <p:txBody>
+            <a:bodyPr rtlCol="0" anchor="ctr"/>
+            <a:lstStyle/>
+            <a:p>
+              <a:pPr algn="ctr"/>
+              <a:endParaRPr lang="nl-BE"/>
+            </a:p>
+          </p:txBody>
+        </p:sp>
+        <p:sp>
+          <p:nvSpPr>
+            <p:cNvPr id="399" name="OTLSHAPE_T_0b9d5330344c41c1ae123254b62682b2_JoinedDate"/>
+            <p:cNvSpPr txBox="1"/>
+            <p:nvPr>
+              <p:custDataLst>
+                <p:tags r:id="rId75"/>
+              </p:custDataLst>
+            </p:nvPr>
+          </p:nvSpPr>
+          <p:spPr>
+            <a:xfrm>
+              <a:off x="4142202" y="5036143"/>
+              <a:ext cx="1092200" cy="155025"/>
+            </a:xfrm>
+            <a:prstGeom prst="rect">
+              <a:avLst/>
+            </a:prstGeom>
+            <a:noFill/>
+          </p:spPr>
+          <p:txBody>
+            <a:bodyPr vert="horz" wrap="square" lIns="0" tIns="0" rIns="0" bIns="0" rtlCol="0" anchor="ctr" anchorCtr="0">
+              <a:spAutoFit/>
+            </a:bodyPr>
+            <a:lstStyle/>
+            <a:p>
+              <a:r>
+                <a:rPr lang="nl-BE" sz="1000" spc="-4" smtClean="0">
+                  <a:solidFill>
+                    <a:srgbClr val="44546A"/>
+                  </a:solidFill>
+                  <a:latin typeface="Calibri"/>
+                </a:rPr>
+                <a:t>1-8-2018 - 1-31-2018</a:t>
+              </a:r>
+              <a:endParaRPr lang="nl-BE" sz="1000" spc="-4">
+                <a:solidFill>
+                  <a:srgbClr val="44546A"/>
+                </a:solidFill>
+                <a:latin typeface="Calibri"/>
+              </a:endParaRPr>
+            </a:p>
+          </p:txBody>
+        </p:sp>
+        <p:sp>
+          <p:nvSpPr>
+            <p:cNvPr id="400" name="OTLSHAPE_T_0b9d5330344c41c1ae123254b62682b2_Title"/>
+            <p:cNvSpPr txBox="1"/>
+            <p:nvPr>
+              <p:custDataLst>
+                <p:tags r:id="rId76"/>
+              </p:custDataLst>
+            </p:nvPr>
+          </p:nvSpPr>
+          <p:spPr>
+            <a:xfrm>
+              <a:off x="127000" y="5028396"/>
+              <a:ext cx="825500" cy="170519"/>
+            </a:xfrm>
+            <a:prstGeom prst="rect">
+              <a:avLst/>
+            </a:prstGeom>
+            <a:noFill/>
+          </p:spPr>
+          <p:txBody>
+            <a:bodyPr vert="horz" wrap="square" lIns="0" tIns="0" rIns="0" bIns="0" rtlCol="0" anchor="ctr" anchorCtr="0">
+              <a:spAutoFit/>
+            </a:bodyPr>
+            <a:lstStyle/>
+            <a:p>
+              <a:r>
+                <a:rPr lang="nl-BE" sz="1100" b="1" spc="-12" smtClean="0">
+                  <a:solidFill>
+                    <a:srgbClr val="000000"/>
+                  </a:solidFill>
+                  <a:latin typeface="Calibri"/>
+                </a:rPr>
+                <a:t>Tekst Anglican</a:t>
+              </a:r>
+              <a:endParaRPr lang="nl-BE" sz="1100" b="1" spc="-12">
+                <a:solidFill>
+                  <a:srgbClr val="000000"/>
+                </a:solidFill>
+                <a:latin typeface="Calibri"/>
+              </a:endParaRPr>
+            </a:p>
+          </p:txBody>
+        </p:sp>
+        <p:sp>
+          <p:nvSpPr>
+            <p:cNvPr id="401" name="OTLSHAPE_T_e22c32a7f1d844e7b948b5db434b943c_Shape"/>
+            <p:cNvSpPr/>
+            <p:nvPr>
+              <p:custDataLst>
+                <p:tags r:id="rId77"/>
+              </p:custDataLst>
+            </p:nvPr>
+          </p:nvSpPr>
+          <p:spPr>
+            <a:xfrm>
+              <a:off x="4057099" y="5278755"/>
+              <a:ext cx="825500" cy="203200"/>
+            </a:xfrm>
+            <a:prstGeom prst="roundRect">
+              <a:avLst/>
+            </a:prstGeom>
+            <a:solidFill>
+              <a:schemeClr val="dk2"/>
+            </a:solidFill>
+            <a:ln w="12700" cap="flat" cmpd="sng" algn="ctr">
+              <a:noFill/>
+              <a:prstDash val="solid"/>
+              <a:miter lim="800000"/>
+            </a:ln>
+            <a:effectLst/>
+            <a:scene3d>
+              <a:camera prst="orthographicFront"/>
+              <a:lightRig rig="balanced" dir="t">
+                <a:rot lat="0" lon="0" rev="8700000"/>
+              </a:lightRig>
+            </a:scene3d>
+            <a:sp3d>
+              <a:bevelT w="165100" h="12700"/>
+            </a:sp3d>
+            <a:extLst>
+              <a:ext uri="{91240B29-F687-4F45-9708-019B960494DF}">
+                <a14:hiddenLine xmlns:a14="http://schemas.microsoft.com/office/drawing/2010/main" w="12700" cap="flat" cmpd="sng" algn="ctr">
+                  <a:solidFill>
+                    <a:schemeClr val="accent1">
+                      <a:shade val="50000"/>
+                    </a:schemeClr>
+                  </a:solidFill>
+                  <a:prstDash val="solid"/>
+                  <a:miter lim="800000"/>
+                </a14:hiddenLine>
+              </a:ext>
+              <a:ext uri="{AF507438-7753-43E0-B8FC-AC1667EBCBE1}">
+                <a14:hiddenEffects xmlns:a14="http://schemas.microsoft.com/office/drawing/2010/main">
+                  <a:effectLst>
+                    <a:outerShdw>
+                      <a:scrgbClr r="0" g="0" b="0">
+                        <a:alpha val="50000"/>
+                      </a:scrgbClr>
+                    </a:outerShdw>
+                  </a:effectLst>
+                </a14:hiddenEffects>
+              </a:ext>
+              <a:ext uri="{53640926-AAD7-44D8-BBD7-CCE9431645EC}">
+                <a14:shadowObscured xmlns:a14="http://schemas.microsoft.com/office/drawing/2010/main" val="1"/>
+              </a:ext>
+            </a:extLst>
+          </p:spPr>
+          <p:style>
+            <a:lnRef idx="2">
+              <a:schemeClr val="accent1">
+                <a:shade val="50000"/>
+              </a:schemeClr>
+            </a:lnRef>
+            <a:fillRef idx="1">
+              <a:schemeClr val="accent1"/>
+            </a:fillRef>
+            <a:effectRef idx="0">
+              <a:schemeClr val="accent1"/>
+            </a:effectRef>
+            <a:fontRef idx="minor">
+              <a:schemeClr val="lt1"/>
+            </a:fontRef>
+          </p:style>
+          <p:txBody>
+            <a:bodyPr rtlCol="0" anchor="ctr"/>
+            <a:lstStyle/>
+            <a:p>
+              <a:pPr algn="ctr"/>
+              <a:endParaRPr lang="nl-BE"/>
+            </a:p>
+          </p:txBody>
+        </p:sp>
+        <p:sp>
+          <p:nvSpPr>
+            <p:cNvPr id="407" name="OTLSHAPE_T_e22c32a7f1d844e7b948b5db434b943c_JoinedDate"/>
+            <p:cNvSpPr txBox="1"/>
+            <p:nvPr>
+              <p:custDataLst>
+                <p:tags r:id="rId78"/>
+              </p:custDataLst>
+            </p:nvPr>
+          </p:nvSpPr>
+          <p:spPr>
+            <a:xfrm>
+              <a:off x="4931717" y="5302843"/>
+              <a:ext cx="1155700" cy="155025"/>
+            </a:xfrm>
+            <a:prstGeom prst="rect">
+              <a:avLst/>
+            </a:prstGeom>
+            <a:noFill/>
+          </p:spPr>
+          <p:txBody>
+            <a:bodyPr vert="horz" wrap="square" lIns="0" tIns="0" rIns="0" bIns="0" rtlCol="0" anchor="ctr" anchorCtr="0">
+              <a:spAutoFit/>
+            </a:bodyPr>
+            <a:lstStyle/>
+            <a:p>
+              <a:r>
+                <a:rPr lang="nl-BE" sz="1000" spc="-4" smtClean="0">
+                  <a:solidFill>
+                    <a:srgbClr val="44546A"/>
+                  </a:solidFill>
+                  <a:latin typeface="Calibri"/>
+                </a:rPr>
+                <a:t>1-31-2018 - 2-23-2018</a:t>
+              </a:r>
+              <a:endParaRPr lang="nl-BE" sz="1000" spc="-4">
+                <a:solidFill>
+                  <a:srgbClr val="44546A"/>
+                </a:solidFill>
+                <a:latin typeface="Calibri"/>
+              </a:endParaRPr>
+            </a:p>
+          </p:txBody>
+        </p:sp>
+        <p:sp>
+          <p:nvSpPr>
+            <p:cNvPr id="408" name="OTLSHAPE_T_e22c32a7f1d844e7b948b5db434b943c_Title"/>
+            <p:cNvSpPr txBox="1"/>
+            <p:nvPr>
+              <p:custDataLst>
+                <p:tags r:id="rId79"/>
+              </p:custDataLst>
+            </p:nvPr>
+          </p:nvSpPr>
+          <p:spPr>
+            <a:xfrm>
+              <a:off x="127000" y="5295096"/>
+              <a:ext cx="1574800" cy="170519"/>
+            </a:xfrm>
+            <a:prstGeom prst="rect">
+              <a:avLst/>
+            </a:prstGeom>
+            <a:noFill/>
+          </p:spPr>
+          <p:txBody>
+            <a:bodyPr vert="horz" wrap="square" lIns="0" tIns="0" rIns="0" bIns="0" rtlCol="0" anchor="ctr" anchorCtr="0">
+              <a:spAutoFit/>
+            </a:bodyPr>
+            <a:lstStyle/>
+            <a:p>
+              <a:r>
+                <a:rPr lang="nl-BE" sz="1100" b="1" spc="-6" smtClean="0">
+                  <a:solidFill>
+                    <a:srgbClr val="000000"/>
+                  </a:solidFill>
+                  <a:latin typeface="Calibri"/>
+                </a:rPr>
+                <a:t>Evaluatie ProbLog-Anglican</a:t>
+              </a:r>
+              <a:endParaRPr lang="nl-BE" sz="1100" b="1" spc="-6">
+                <a:solidFill>
+                  <a:srgbClr val="000000"/>
+                </a:solidFill>
+                <a:latin typeface="Calibri"/>
+              </a:endParaRPr>
+            </a:p>
+          </p:txBody>
+        </p:sp>
+        <p:sp>
+          <p:nvSpPr>
+            <p:cNvPr id="409" name="OTLSHAPE_T_99d4e472b35549ada7464a4b4a0d7401_Shape"/>
+            <p:cNvSpPr/>
+            <p:nvPr>
+              <p:custDataLst>
+                <p:tags r:id="rId80"/>
+              </p:custDataLst>
+            </p:nvPr>
+          </p:nvSpPr>
+          <p:spPr>
+            <a:xfrm>
+              <a:off x="4880941" y="5598880"/>
+              <a:ext cx="3340100" cy="203200"/>
+            </a:xfrm>
+            <a:prstGeom prst="roundRect">
+              <a:avLst/>
+            </a:prstGeom>
+            <a:solidFill>
+              <a:schemeClr val="dk2"/>
+            </a:solidFill>
+            <a:ln w="12700" cap="flat" cmpd="sng" algn="ctr">
+              <a:noFill/>
+              <a:prstDash val="solid"/>
+              <a:miter lim="800000"/>
+            </a:ln>
+            <a:effectLst/>
+            <a:scene3d>
+              <a:camera prst="orthographicFront"/>
+              <a:lightRig rig="balanced" dir="t">
+                <a:rot lat="0" lon="0" rev="8700000"/>
+              </a:lightRig>
+            </a:scene3d>
+            <a:sp3d>
+              <a:bevelT w="165100" h="12700"/>
+            </a:sp3d>
+            <a:extLst>
+              <a:ext uri="{91240B29-F687-4F45-9708-019B960494DF}">
+                <a14:hiddenLine xmlns:a14="http://schemas.microsoft.com/office/drawing/2010/main" w="12700" cap="flat" cmpd="sng" algn="ctr">
+                  <a:solidFill>
+                    <a:schemeClr val="accent1">
+                      <a:shade val="50000"/>
+                    </a:schemeClr>
+                  </a:solidFill>
+                  <a:prstDash val="solid"/>
+                  <a:miter lim="800000"/>
+                </a14:hiddenLine>
+              </a:ext>
+              <a:ext uri="{AF507438-7753-43E0-B8FC-AC1667EBCBE1}">
+                <a14:hiddenEffects xmlns:a14="http://schemas.microsoft.com/office/drawing/2010/main">
+                  <a:effectLst>
+                    <a:outerShdw>
+                      <a:scrgbClr r="0" g="0" b="0">
+                        <a:alpha val="50000"/>
+                      </a:scrgbClr>
+                    </a:outerShdw>
+                  </a:effectLst>
+                </a14:hiddenEffects>
+              </a:ext>
+              <a:ext uri="{53640926-AAD7-44D8-BBD7-CCE9431645EC}">
+                <a14:shadowObscured xmlns:a14="http://schemas.microsoft.com/office/drawing/2010/main" val="1"/>
+              </a:ext>
+            </a:extLst>
+          </p:spPr>
+          <p:style>
+            <a:lnRef idx="2">
+              <a:schemeClr val="accent1">
+                <a:shade val="50000"/>
+              </a:schemeClr>
+            </a:lnRef>
+            <a:fillRef idx="1">
+              <a:schemeClr val="accent1"/>
+            </a:fillRef>
+            <a:effectRef idx="0">
+              <a:schemeClr val="accent1"/>
+            </a:effectRef>
+            <a:fontRef idx="minor">
+              <a:schemeClr val="lt1"/>
+            </a:fontRef>
+          </p:style>
+          <p:txBody>
+            <a:bodyPr rtlCol="0" anchor="ctr"/>
+            <a:lstStyle/>
+            <a:p>
+              <a:pPr algn="ctr"/>
+              <a:endParaRPr lang="nl-BE"/>
+            </a:p>
+          </p:txBody>
+        </p:sp>
+        <p:sp>
+          <p:nvSpPr>
+            <p:cNvPr id="415" name="OTLSHAPE_T_99d4e472b35549ada7464a4b4a0d7401_JoinedDate"/>
+            <p:cNvSpPr txBox="1"/>
+            <p:nvPr>
+              <p:custDataLst>
+                <p:tags r:id="rId81"/>
+              </p:custDataLst>
+            </p:nvPr>
+          </p:nvSpPr>
+          <p:spPr>
+            <a:xfrm>
+              <a:off x="8261411" y="5545455"/>
+              <a:ext cx="635000" cy="310049"/>
+            </a:xfrm>
+            <a:prstGeom prst="rect">
+              <a:avLst/>
+            </a:prstGeom>
+            <a:noFill/>
+          </p:spPr>
+          <p:txBody>
+            <a:bodyPr vert="horz" wrap="square" lIns="0" tIns="0" rIns="0" bIns="0" rtlCol="0" anchor="ctr" anchorCtr="0">
+              <a:spAutoFit/>
+            </a:bodyPr>
+            <a:lstStyle/>
+            <a:p>
+              <a:r>
+                <a:rPr lang="nl-BE" sz="1000" smtClean="0">
+                  <a:solidFill>
+                    <a:srgbClr val="44546A"/>
+                  </a:solidFill>
+                  <a:latin typeface="Calibri"/>
+                </a:rPr>
+                <a:t>2-24-2018 - 5-31-2018</a:t>
+              </a:r>
+              <a:endParaRPr lang="nl-BE" sz="1000">
+                <a:solidFill>
+                  <a:srgbClr val="44546A"/>
+                </a:solidFill>
+                <a:latin typeface="Calibri"/>
+              </a:endParaRPr>
+            </a:p>
+          </p:txBody>
+        </p:sp>
+        <p:sp>
+          <p:nvSpPr>
+            <p:cNvPr id="416" name="OTLSHAPE_T_99d4e472b35549ada7464a4b4a0d7401_Title"/>
+            <p:cNvSpPr txBox="1"/>
+            <p:nvPr>
+              <p:custDataLst>
+                <p:tags r:id="rId82"/>
+              </p:custDataLst>
+            </p:nvPr>
+          </p:nvSpPr>
+          <p:spPr>
+            <a:xfrm>
+              <a:off x="127000" y="5615220"/>
+              <a:ext cx="3149600" cy="170519"/>
+            </a:xfrm>
+            <a:prstGeom prst="rect">
+              <a:avLst/>
+            </a:prstGeom>
+            <a:noFill/>
+          </p:spPr>
+          <p:txBody>
+            <a:bodyPr vert="horz" wrap="square" lIns="0" tIns="0" rIns="0" bIns="0" rtlCol="0" anchor="ctr" anchorCtr="0">
+              <a:spAutoFit/>
+            </a:bodyPr>
+            <a:lstStyle/>
+            <a:p>
+              <a:r>
+                <a:rPr lang="nl-NL" sz="1100" b="1" spc="-6" smtClean="0">
+                  <a:solidFill>
+                    <a:srgbClr val="000000"/>
+                  </a:solidFill>
+                  <a:latin typeface="Calibri"/>
+                </a:rPr>
+                <a:t>(Optioneel) Implementatie, Tekst en Evaluatie 3de taal</a:t>
+              </a:r>
+              <a:endParaRPr lang="nl-BE" sz="1100" b="1" spc="-6">
+                <a:solidFill>
+                  <a:srgbClr val="000000"/>
+                </a:solidFill>
+                <a:latin typeface="Calibri"/>
+              </a:endParaRPr>
+            </a:p>
+          </p:txBody>
+        </p:sp>
+      </p:grpSp>
+      <p:sp>
+        <p:nvSpPr>
+          <p:cNvPr id="53" name="Title 4"/>
+          <p:cNvSpPr txBox="1">
+            <a:spLocks/>
+          </p:cNvSpPr>
+          <p:nvPr/>
+        </p:nvSpPr>
+        <p:spPr>
+          <a:xfrm>
+            <a:off x="576000" y="216000"/>
+            <a:ext cx="7991738" cy="1152000"/>
+          </a:xfrm>
+          <a:prstGeom prst="rect">
+            <a:avLst/>
+          </a:prstGeom>
+        </p:spPr>
+        <p:txBody>
+          <a:bodyPr anchor="ctr"/>
+          <a:lstStyle>
+            <a:lvl1pPr algn="l" defTabSz="914400" rtl="0" eaLnBrk="1" latinLnBrk="0" hangingPunct="1">
+              <a:lnSpc>
+                <a:spcPct val="90000"/>
+              </a:lnSpc>
+              <a:spcBef>
+                <a:spcPct val="0"/>
+              </a:spcBef>
+              <a:buNone/>
+              <a:defRPr sz="4000" kern="1200">
+                <a:solidFill>
+                  <a:schemeClr val="tx2"/>
+                </a:solidFill>
+                <a:latin typeface="+mj-lt"/>
+                <a:ea typeface="+mj-ea"/>
+                <a:cs typeface="+mj-cs"/>
+              </a:defRPr>
+            </a:lvl1pPr>
+          </a:lstStyle>
+          <a:p>
+            <a:pPr algn="ctr"/>
+            <a:r>
+              <a:rPr lang="en-US" dirty="0" err="1" smtClean="0"/>
+              <a:t>Toekomst</a:t>
+            </a:r>
+            <a:endParaRPr lang="nl-BE" dirty="0"/>
+          </a:p>
+        </p:txBody>
+      </p:sp>
     </p:spTree>
+    <p:custDataLst>
+      <p:tags r:id="rId1"/>
+    </p:custDataLst>
     <p:extLst>
       <p:ext uri="{BB962C8B-B14F-4D97-AF65-F5344CB8AC3E}">
-        <p14:creationId xmlns:p14="http://schemas.microsoft.com/office/powerpoint/2010/main" val="984370636"/>
+        <p14:creationId xmlns:p14="http://schemas.microsoft.com/office/powerpoint/2010/main" val="475847069"/>
       </p:ext>
     </p:extLst>
   </p:cSld>
   <p:clrMapOvr>
     <a:masterClrMapping/>
   </p:clrMapOvr>
-  <p:timing>
-    <p:tnLst>
-      <p:par>
-        <p:cTn id="1" dur="indefinite" restart="never" nodeType="tmRoot"/>
-      </p:par>
-    </p:tnLst>
-  </p:timing>
 </p:sld>
 </file>
 
@@ -32507,6 +36091,499 @@
 </p:sld>
 </file>
 
+<file path=ppt/tags/tag1.xml><?xml version="1.0" encoding="utf-8"?>
+<p:tagLst xmlns:a="http://schemas.openxmlformats.org/drawingml/2006/main" xmlns:r="http://schemas.openxmlformats.org/officeDocument/2006/relationships" xmlns:p="http://schemas.openxmlformats.org/presentationml/2006/main">
+  <p:tag name="__PART_0" val="eyIkaWQiOiIxIiwiQ3VsdHVyZUluZm9OYW1lIjoiZW4tVVMiLCJTdHlsZU5hbWUiOm51bGwsIlZlcnNpb24iOnsiJGlkIjoiMiIsIlZlcnNpb24iOiIzLjEuMSIsIk9yaWdpbmFsQXNzZW1ibHlWZXJzaW9uIjoiMy4xNy4wMy4wMCIsIkVkaXRpb24iOiJCYXNpYyIsIklzUGx1c0VkaXRpb24iOmZhbHNlfSwiRWZmZWN0IjoxLCJTdHlsZSI6eyIkaWQiOiIzIiwiVGltZWJhbmRTdHlsZSI6eyIkaWQiOiI0IiwiU2NhbGVNYXJraW5nIjowLCJTaGFwZSI6MCwiU2hhcGVTdHlsZSI6eyIkaWQiOiI1IiwiTWFyZ2luIjp7IiRpZCI6IjYiLCJUb3AiOjAsIkxlZnQiOjEyLCJSaWdodCI6MTIsIkJvdHRvbSI6MH0sIlBhZGRpbmciOnsiJGlkIjoiNyIsIlRvcCI6NywiTGVmdCI6MCwiUmlnaHQiOjAsIkJvdHRvbSI6N30sIkJhY2tncm91bmQiOnsiJGlkIjoiOCIsIkNvbG9yIjp7IiRpZCI6IjkiLCJBIjoyNTUsIlIiOjY4LCJHIjo4NCwiQiI6MTA2fX0sIklzVmlzaWJsZSI6dHJ1ZSwiV2lkdGgiOjg1OC4wLCJIZWlnaHQiOjMwLjAsIkJvcmRlclN0eWxlIjp7IiRpZCI6IjEwIiwiTGluZUNvbG9yIjp7IiRpZCI6IjExIiwiJHR5cGUiOiJOTFJFLkNvbW1vbi5Eb20uU29saWRDb2xvckJydXNoLCBOTFJFLkNvbW1vbiIsIkNvbG9yIjp7IiRpZCI6IjEyIiwiQSI6MjU1LCJSIjoyNTUsIkciOjAsIkIiOjB9fSwiTGluZVdlaWdodCI6MC4wLCJMaW5lVHlwZSI6MCwiUGFyZW50U3R5bGUiOm51bGx9LCJQYXJlbnRTdHlsZSI6bnVsbH0sIlJpZ2h0RW5kQ2Fwc1N0eWxlIjp7IiRpZCI6IjEzIiwiRm9udFNldHRpbmdzIjp7IiRpZCI6IjE0IiwiRm9udFNpemUiOjE4LCJGb250TmFtZSI6IkNhbGlicmkiLCJJc0JvbGQiOnRydWUsIklzSXRhbGljIjpmYWxzZSwiSXNVbmRlcmxpbmVkIjpmYWxzZSwiUGFyZW50U3R5bGUiOm51bGx9LCJBdXRvU2l6ZSI6MCwiRm9yZWdyb3VuZCI6eyIkaWQiOiIxNSIsIkNvbG9yIjp7IiRpZCI6IjE2IiwiQSI6MjU1LCJSIjoyMzcsIkciOjEyNSwiQiI6NDl9fSwiTWF4V2lkdGgiOiJJbmZpbml0eSIsIk1heEhlaWdodCI6IkluZmluaXR5IiwiU21hcnRGb3JlZ3JvdW5kSXNBY3RpdmUiOmZhbHNlLCJIb3Jpem9udGFsQWxpZ25tZW50IjowLCJWZXJ0aWNhbEFsaWdubWVudCI6MCwiU21hcnRGb3JlZ3JvdW5kIjpudWxsLCJNYXJnaW4iOnsiJGlkIjoiMTciLCJUb3AiOjAsIkxlZnQiOjAsIlJpZ2h0IjoyNSwiQm90dG9tIjowfSwiUGFkZGluZyI6eyIkaWQiOiIxOCIsIlRvcCI6MCwiTGVmdCI6MCwiUmlnaHQiOjAsIkJvdHRvbSI6MH0sIkJhY2tncm91bmQiOnsiJGlkIjoiMTkiLCJDb2xvciI6eyIkaWQiOiIyMCIsIkEiOjg5LCJSIjowLCJHIjowLCJCIjowfX0sIklzVmlzaWJsZSI6dHJ1ZSwiV2lkdGgiOjAuMCwiSGVpZ2h0IjowLjAsIkJvcmRlclN0eWxlIjpudWxsLCJQYXJlbnRTdHlsZSI6bnVsbH0sIkxlZnRFbmRDYXBzU3R5bGUiOnsiJGlkIjoiMjEiLCJGb250U2V0dGluZ3MiOnsiJGlkIjoiMjIiLCJGb250U2l6ZSI6MTgsIkZvbnROYW1lIjoiQ2FsaWJyaSIsIklzQm9sZCI6dHJ1ZSwiSXNJdGFsaWMiOmZhbHNlLCJJc1VuZGVybGluZWQiOmZhbHNlLCJQYXJlbnRTdHlsZSI6bnVsbH0sIkF1dG9TaXplIjowLCJGb3JlZ3JvdW5kIjp7IiRpZCI6IjIzIiwiQ29sb3IiOnsiJGlkIjoiMjQiLCJBIjoyNTUsIlIiOjIzNywiRyI6MTI1LCJCIjo0OX19LCJNYXhXaWR0aCI6IkluZmluaXR5IiwiTWF4SGVpZ2h0IjoiSW5maW5pdHkiLCJTbWFydEZvcmVncm91bmRJc0FjdGl2ZSI6ZmFsc2UsIkhvcml6b250YWxBbGlnbm1lbnQiOjAsIlZlcnRpY2FsQWxpZ25tZW50IjowLCJTbWFydEZvcmVncm91bmQiOm51bGwsIk1hcmdpbiI6eyIkaWQiOiIyNSIsIlRvcCI6MCwiTGVmdCI6MjUsIlJpZ2h0IjowLCJCb3R0b20iOjB9LCJQYWRkaW5nIjp7IiRpZCI6IjI2IiwiVG9wIjowLCJMZWZ0IjowLCJSaWdodCI6MCwiQm90dG9tIjowfSwiQmFja2dyb3VuZCI6eyIkaWQiOiIyNyIsIkNvbG9yIjp7IiRyZWYiOiIyMCJ9fSwiSXNWaXNpYmxlIjp0cnVlLCJXaWR0aCI6MC4wLCJIZWlnaHQiOjAuMCwiQm9yZGVyU3R5bGUiOm51bGwsIlBhcmVudFN0eWxlIjpudWxsfSwiVG9kYXlUZXh0U3R5bGUiOnsiJGlkIjoiMjgiLCJGb250U2V0dGluZ3MiOnsiJGlkIjoiMjkiLCJGb250U2l6ZSI6MTIsIkZvbnROYW1lIjoiQ2FsaWJyaSIsIklzQm9sZCI6ZmFsc2UsIklzSXRhbGljIjpmYWxzZSwiSXNVbmRlcmxpbmVkIjpmYWxzZSwiUGFyZW50U3R5bGUiOm51bGx9LCJBdXRvU2l6ZSI6MCwiRm9yZWdyb3VuZCI6eyIkaWQiOiIzMCIsIkNvbG9yIjp7IiRpZCI6IjMxIiwiQSI6MjU1LCJSIjowLCJHIjowLCJCIjowfX0sIk1heFdpZHRoIjoyMDAuMCwiTWF4SGVpZ2h0IjoiSW5maW5pdHkiLCJTbWFydEZvcmVncm91bmRJc0FjdGl2ZSI6ZmFsc2UsIkhvcml6b250YWxBbGlnbm1lbnQiOjAsIlZlcnRpY2FsQWxpZ25tZW50IjowLCJTbWFydEZvcmVncm91bmQiOm51bGwsIk1hcmdpbiI6eyIkaWQiOiIzMiIsIlRvcCI6MCwiTGVmdCI6MCwiUmlnaHQiOjAsIkJvdHRvbSI6MH0sIlBhZGRpbmciOnsiJGlkIjoiMzMiLCJUb3AiOjAsIkxlZnQiOjAsIlJpZ2h0IjowLCJCb3R0b20iOjB9LCJCYWNrZ3JvdW5kIjp7IiRpZCI6IjM0IiwiQ29sb3IiOnsiJHJlZiI6IjIwIn19LCJJc1Zpc2libGUiOnRydWUsIldpZHRoIjowLjAsIkhlaWdodCI6MC4wLCJCb3JkZXJTdHlsZSI6bnVsbCwiUGFyZW50U3R5bGUiOm51bGx9LCJUb2RheU1hcmtlclN0eWxlIjp7IiRpZCI6IjM1IiwiTWFyZ2luIjp7IiRpZCI6IjM2IiwiVG9wIjowLCJMZWZ0IjowLCJSaWdodCI6MCwiQm90dG9tIjowfSwiUGFkZGluZyI6eyIkaWQiOiIzNyIsIlRvcCI6MCwiTGVmdCI6MCwiUmlnaHQiOjAsIkJvdHRvbSI6MH0sIkJhY2tncm91bmQiOnsiJGlkIjoiMzgiLCJDb2xvciI6eyIkaWQiOiIzOSIsIkEiOjI1NSwiUiI6MjU1LCJHIjowLCJCIjowfX0sIklzVmlzaWJsZSI6dHJ1ZSwiV2lkdGgiOjAuMCwiSGVpZ2h0IjowLjAsIkJvcmRlclN0eWxlIjpudWxsLCJQYXJlbnRTdHlsZSI6bnVsbH0sIlNjYWxlU3R5bGUiOnsiJGlkIjoiNDAiLCJTaG93U2VnbWVudFNlcGFyYXRvcnMiOnRydWUsIlNlZ21lbnRTZXBhcmF0b3JPcGFjaXR5IjozMCwiRm9udFNldHRpbmdzIjp7IiRpZCI6IjQxIiwiRm9udFNpemUiOjEyLCJGb250TmFtZSI6IkNhbGlicmkiLCJJc0JvbGQiOmZhbHNlLCJJc0l0YWxpYyI6ZmFsc2UsIklzVW5kZXJsaW5lZCI6ZmFsc2UsIlBhcmVudFN0eWxlIjpudWxsfSwiQXV0b1NpemUiOjAsIkZvcmVncm91bmQiOnsiJGlkIjoiNDIiLCJDb2xvciI6eyIkaWQiOiI0MyIsIkEiOjI1NSwiUiI6MjU1LCJHIjoyNTUsIkIiOjI1NX19LCJNYXhXaWR0aCI6MjAwLjAsIk1heEhlaWdodCI6IkluZmluaXR5IiwiU21hcnRGb3JlZ3JvdW5kSXNBY3RpdmUiOmZhbHNlLCJIb3Jpem9udGFsQWxpZ25tZW50IjowLCJWZXJ0aWNhbEFsaWdubWVudCI6MSwiU21hcnRGb3JlZ3JvdW5kIjpudWxsLCJNYXJnaW4iOnsiJGlkIjoiNDQiLCJUb3AiOjAsIkxlZnQiOjUsIlJpZ2h0IjowLCJCb3R0b20iOjB9LCJQYWRkaW5nIjp7IiRpZCI6IjQ1IiwiVG9wIjowLCJMZWZ0IjowLCJSaWdodCI6MCwiQm90dG9tIjowfSwiQmFja2dyb3VuZCI6eyIkaWQiOiI0NiIsIkNvbG9yIjp7IiRyZWYiOiIyMCJ9fSwiSXNWaXNpYmxlIjp0cnVlLCJXaWR0aCI6MC4wLCJIZWlnaHQiOjAuMCwiQm9yZGVyU3R5bGUiOm51bGwsIlBhcmVudFN0eWxlIjpudWxsfSwiRWxhcHNlZFRpbWVCYWNrZ3JvdW5kIjp7IiRpZCI6IjQ3IiwiQ29sb3IiOnsiJGlkIjoiNDgiLCJBIjoxOTEsIlIiOjI1NSwiRyI6MCwiQiI6MH19LCJBcHBlbmRZZWFyT25ZZWFyQ2hhbmdlIjp0cnVlLCJFbGFwc2VkVGltZUZvcm1hdCI6MiwiVG9kYXlNYXJrZXJQb3NpdGlvbiI6MywiUXVpY2tQb3NpdGlvbiI6MSwiQWJzb2x1dGVQb3NpdGlvbiI6MjQwLjAsIk1hcmdpbiI6eyIkaWQiOiI0OSIsIlRvcCI6MCwiTGVmdCI6MTAsIlJpZ2h0IjoxMCwiQm90dG9tIjowfSwiUGFkZGluZyI6eyIkaWQiOiI1MCIsIlRvcCI6MCwiTGVmdCI6MCwiUmlnaHQiOjAsIkJvdHRvbSI6MH0sIkJhY2tncm91bmQiOnsiJGlkIjoiNTEiLCJDb2xvciI6eyIkaWQiOiI1MiIsIkEiOjI1NSwiUiI6MzEsIkciOjczLCJCIjoxMjV9fSwiSXNWaXNpYmxlIjp0cnVlLCJXaWR0aCI6MC4wLCJIZWlnaHQiOjAuMCwiQm9yZGVyU3R5bGUiOm51bGwsIlBhcmVudFN0eWxlIjpudWxsfSwiRGVmYXVsdE1pbGVzdG9uZVN0eWxlIjp7IiRpZCI6IjUzIiwiU2hhcGUiOjIsIkNvbm5lY3Rvck1hcmdpbiI6eyIkaWQiOiI1NCIsIlRvcCI6MCwiTGVmdCI6MiwiUmlnaHQiOjIsIkJvdHRvbSI6MH0sIkNvbm5lY3RvclN0eWxlIjp7IiRpZCI6IjU1IiwiTGluZUNvbG9yIjp7IiRpZCI6IjU2IiwiJHR5cGUiOiJOTFJFLkNvbW1vbi5Eb20uU29saWRDb2xvckJydXNoLCBOTFJFLkNvbW1vbiIsIkNvbG9yIjp7IiRpZCI6IjU3IiwiQSI6MTI3LCJSIjozMSwiRyI6NzMsIkIiOjEyNn19LCJMaW5lV2VpZ2h0IjoxLjAsIkxpbmVUeXBlIjowLCJQYXJlbnRTdHlsZSI6bnVsbH0sIklzQmVsb3dUaW1lYmFuZCI6ZmFsc2UsIkhpZGVEYXRlIjpmYWxzZSwiU2hhcGVTaXplIjoxLCJTcGFjaW5nIjoxLjAsIlBhZGRpbmciOnsiJGlkIjoiNTgiLCJUb3AiOjcsIkxlZnQiOjMsIlJpZ2h0IjowLCJCb3R0b20iOjJ9LCJTaGFwZVN0eWxlIjp7IiRpZCI6IjU5IiwiTWFyZ2luIjp7IiRpZCI6IjYwIiwiVG9wIjowLCJMZWZ0IjowLCJSaWdodCI6MCwiQm90dG9tIjowfSwiUGFkZGluZyI6eyIkaWQiOiI2MSIsIlRvcCI6MCwiTGVmdCI6MCwiUmlnaHQiOjAsIkJvdHRvbSI6MH0sIkJhY2tncm91bmQiOnsiJGlkIjoiNjIiLCJDb2xvciI6eyIkaWQiOiI2MyIsIkEiOjI1NSwiUiI6MCwiRyI6MTE0LCJCIjoxODh9fSwiSXNWaXNpYmxlIjp0cnVlLCJXaWR0aCI6MTguMCwiSGVpZ2h0IjoyMC4wLCJCb3JkZXJTdHlsZSI6eyIkaWQiOiI2NCIsIkxpbmVDb2xvciI6eyIkaWQiOiI2NSIsIiR0eXBlIjoiTkxSRS5Db21tb24uRG9tLlNvbGlkQ29sb3JCcnVzaCwgTkxSRS5Db21tb24iLCJDb2xvciI6eyIkaWQiOiI2NiIsIkEiOjI1NSwiUiI6MjU1LCJHIjowLCJCIjowfX0sIkxpbmVXZWlnaHQiOjAuMCwiTGluZVR5cGUiOjAsIlBhcmVudFN0eWxlIjpudWxsfSwiUGFyZW50U3R5bGUiOm51bGx9LCJUaXRsZVN0eWxlIjp7IiRpZCI6IjY3IiwiRm9udFNldHRpbmdzIjp7IiRpZCI6IjY4IiwiRm9udFNpemUiOjExLCJGb250TmFtZSI6IkNhbGlicmkiLCJJc0JvbGQiOnRydWUsIklzSXRhbGljIjpmYWxzZSwiSXNVbmRlcmxpbmVkIjpmYWxzZSwiUGFyZW50U3R5bGUiOm51bGx9LCJBdXRvU2l6ZSI6MCwiRm9yZWdyb3VuZCI6eyIkaWQiOiI2OSIsIkNvbG9yIjp7IiRpZCI6IjcwIiwiQSI6MjU1LCJSIjowLCJHIjowLCJCIjowfX0sIk1heFdpZHRoIjoyMDAuMCwiTWF4SGVpZ2h0IjoiSW5maW5pdHkiLCJTbWFydEZvcmVncm91bmRJc0FjdGl2ZSI6ZmFsc2UsIkhvcml6b250YWxBbGlnbm1lbnQiOjAsIlZlcnRpY2FsQWxpZ25tZW50IjowLCJTbWFydEZvcmVncm91bmQiOm51bGwsIk1hcmdpbiI6eyIkaWQiOiI3MSIsIlRvcCI6MCwiTGVmdCI6MCwiUmlnaHQiOjAsIkJvdHRvbSI6MH0sIlBhZGRpbmciOnsiJGlkIjoiNzIiLCJUb3AiOjAsIkxlZnQiOjAsIlJpZ2h0IjowLCJCb3R0b20iOjB9LCJCYWNrZ3JvdW5kIjp7IiRpZCI6IjczIiwiQ29sb3IiOnsiJHJlZiI6IjIwIn19LCJJc1Zpc2libGUiOnRydWUsIldpZHRoIjowLjAsIkhlaWdodCI6MC4wLCJCb3JkZXJTdHlsZSI6bnVsbCwiUGFyZW50U3R5bGUiOm51bGx9LCJEYXRlU3R5bGUiOnsiJGlkIjoiNzQiLCJGb250U2V0dGluZ3MiOnsiJGlkIjoiNzUiLCJGb250U2l6ZSI6MTAsIkZvbnROYW1lIjoiQ2FsaWJyaSIsIklzQm9sZCI6ZmFsc2UsIklzSXRhbGljIjpmYWxzZSwiSXNVbmRlcmxpbmVkIjpmYWxzZSwiUGFyZW50U3R5bGUiOm51bGx9LCJBdXRvU2l6ZSI6MCwiRm9yZWdyb3VuZCI6eyIkaWQiOiI3NiIsIkNvbG9yIjp7IiRpZCI6Ijc3IiwiQSI6MjU1LCJSIjo2OCwiRyI6ODQsIkIiOjEwNn19LCJNYXhXaWR0aCI6MjAwLjAsIk1heEhlaWdodCI6IkluZmluaXR5IiwiU21hcnRGb3JlZ3JvdW5kSXNBY3RpdmUiOmZhbHNlLCJIb3Jpem9udGFsQWxpZ25tZW50IjowLCJWZXJ0aWNhbEFsaWdubWVudCI6MCwiU21hcnRGb3JlZ3JvdW5kIjpudWxsLCJNYXJnaW4iOnsiJGlkIjoiNzgiLCJUb3AiOjAsIkxlZnQiOjAsIlJpZ2h0IjowLCJCb3R0b20iOjB9LCJQYWRkaW5nIjp7IiRpZCI6Ijc5IiwiVG9wIjowLCJMZWZ0IjowLCJSaWdodCI6MCwiQm90dG9tIjowfSwiQmFja2dyb3VuZCI6eyIkaWQiOiI4MCIsIkNvbG9yIjp7IiRyZWYiOiIyMCJ9fSwiSXNWaXNpYmxlIjp0cnVlLCJXaWR0aCI6MC4wLCJIZWlnaHQiOjAuMCwiQm9yZGVyU3R5bGUiOm51bGwsIlBhcmVudFN0eWxlIjpudWxsfSwiRGF0ZUZvcm1hdCI6eyIkaWQiOiI4MSIsIkZvcm1hdFN0cmluZyI6Ik0vZC95eXl5IiwiU2VwYXJhdG9yIjoiLyIsIlVzZUludGVybmF0aW9uYWxEYXRlRm9ybWF0IjpmYWxzZSwiRGF0ZUlzVmlzaWJsZSI6dHJ1ZSwiVGltZUlzVmlzaWJsZSI6ZmFsc2UsIkhvdXJEaWdpdHMiOjEsIkFtUG1EZXNpZ25hdG9yIjoyLCJUcmltMDBNaW51dGVzIjpmYWxzZSwiTGFzdEtub3duVmlzaWJpbGl0eVN0YXRlIjpudWxsfSwiSXNWaXNpYmxlIjp0cnVlLCJQYXJlbnRTdHlsZSI6bnVsbH0sIkRlZmF1bHRUYXNrU3R5bGUiOnsiJGlkIjoiODIiLCJTaGFwZSI6MCwiU2hhcGVUaGlja25lc3MiOjEsIkR1cmF0aW9uRm9ybWF0IjowLCJJbmNsdWRlTm9uV29ya2luZ0RheXNJbkR1cmF0aW9uIjpmYWxzZSwiUGVyY2VudGFnZUNvbXBsZXRlU3R5bGUiOnsiJGlkIjoiODMiLCJGb250U2V0dGluZ3MiOnsiJGlkIjoiODQiLCJGb250U2l6ZSI6MTAsIkZvbnROYW1lIjoiQ2FsaWJyaSIsIklzQm9sZCI6ZmFsc2UsIklzSXRhbGljIjpmYWxzZSwiSXNVbmRlcmxpbmVkIjpmYWxzZSwiUGFyZW50U3R5bGUiOm51bGx9LCJBdXRvU2l6ZSI6MCwiRm9yZWdyb3VuZCI6eyIkaWQiOiI4NSIsIkNvbG9yIjp7IiRpZCI6Ijg2IiwiQSI6MjU1LCJSIjoyMzcsIkciOjEyNSwiQiI6NDl9fSwiTWF4V2lkdGgiOjIwMC4wLCJNYXhIZWlnaHQiOiJJbmZpbml0eSIsIlNtYXJ0Rm9yZWdyb3VuZElzQWN0aXZlIjpmYWxzZSwiSG9yaXpvbnRhbEFsaWdubWVudCI6MCwiVmVydGljYWxBbGlnbm1lbnQiOjAsIlNtYXJ0Rm9yZWdyb3VuZCI6bnVsbCwiTWFyZ2luIjp7IiRpZCI6Ijg3IiwiVG9wIjowLCJMZWZ0IjowLCJSaWdodCI6MCwiQm90dG9tIjowfSwiUGFkZGluZyI6eyIkaWQiOiI4OCIsIlRvcCI6MCwiTGVmdCI6MCwiUmlnaHQiOjAsIkJvdHRvbSI6MH0sIkJhY2tncm91bmQiOnsiJGlkIjoiODkiLCJDb2xvciI6eyIkcmVmIjoiMjAifX0sIklzVmlzaWJsZSI6dHJ1ZSwiV2lkdGgiOjAuMCwiSGVpZ2h0IjowLjAsIkJvcmRlclN0eWxlIjpudWxsLCJQYXJlbnRTdHlsZSI6bnVsbH0sIkR1cmF0aW9uU3R5bGUiOnsiJGlkIjoiOTAiLCJGb250U2V0dGluZ3MiOnsiJGlkIjoiOTEiLCJGb250U2l6ZSI6MTAsIkZvbnROYW1lIjoiQ2FsaWJyaSIsIklzQm9sZCI6ZmFsc2UsIklzSXRhbGljIjpmYWxzZSwiSXNVbmRlcmxpbmVkIjpmYWxzZSwiUGFyZW50U3R5bGUiOm51bGx9LCJBdXRvU2l6ZSI6MCwiRm9yZWdyb3VuZCI6eyIkaWQiOiI5MiIsIkNvbG9yIjp7IiRpZCI6IjkzIiwiQSI6MjU1LCJSIjoyMzcsIkciOjEyNSwiQiI6NDl9fSwiTWF4V2lkdGgiOjIwMC4wLCJNYXhIZWlnaHQiOiJJbmZpbml0eSIsIlNtYXJ0Rm9yZWdyb3VuZElzQWN0aXZlIjpmYWxzZSwiSG9yaXpvbnRhbEFsaWdubWVudCI6MCwiVmVydGljYWxBbGlnbm1lbnQiOjAsIlNtYXJ0Rm9yZWdyb3VuZCI6bnVsbCwiTWFyZ2luIjp7IiRpZCI6Ijk0IiwiVG9wIjowLCJMZWZ0IjowLCJSaWdodCI6MCwiQm90dG9tIjowfSwiUGFkZGluZyI6eyIkaWQiOiI5NSIsIlRvcCI6MCwiTGVmdCI6MCwiUmlnaHQiOjAsIkJvdHRvbSI6MH0sIkJhY2tncm91bmQiOnsiJGlkIjoiOTYiLCJDb2xvciI6eyIkcmVmIjoiMjAifX0sIklzVmlzaWJsZSI6dHJ1ZSwiV2lkdGgiOjAuMCwiSGVpZ2h0IjowLjAsIkJvcmRlclN0eWxlIjpudWxsLCJQYXJlbnRTdHlsZSI6bnVsbH0sIkhvcml6b250YWxDb25uZWN0b3JTdHlsZSI6eyIkaWQiOiI5NyIsIkxpbmVDb2xvciI6eyIkaWQiOiI5OCIsIiR0eXBlIjoiTkxSRS5Db21tb24uRG9tLlNvbGlkQ29sb3JCcnVzaCwgTkxSRS5Db21tb24iLCJDb2xvciI6eyIkaWQiOiI5OSIsIkEiOjI1NSwiUiI6MjA0LCJHIjoyMDQsIkIiOjIwNH19LCJMaW5lV2VpZ2h0IjoxLjAsIkxpbmVUeXBlIjowLCJQYXJlbnRTdHlsZSI6bnVsbH0sIlZlcnRpY2FsQ29ubmVjdG9yU3R5bGUiOnsiJGlkIjoiMTAwIiwiTGluZUNvbG9yIjp7IiRpZCI6IjEwMSIsIiR0eXBlIjoiTkxSRS5Db21tb24uRG9tLlNvbGlkQ29sb3JCcnVzaCwgTkxSRS5Db21tb24iLCJDb2xvciI6eyIkaWQiOiIxMDIiLCJBIjoyNTUsIlIiOjIwNCwiRyI6MjA0LCJCIjoyMDR9fSwiTGluZVdlaWdodCI6MC4wLCJMaW5lVHlwZSI6MCwiUGFyZW50U3R5bGUiOm51bGx9LCJNYXJnaW4iOm51bGwsIlN0YXJ0RGF0ZVBvc2l0aW9uIjo0LCJFbmREYXRlUG9zaXRpb24iOjQsIkRhdGVJc1Zpc2libGUiOnRydWUsIlRpdGxlUG9zaXRpb24iOjUsIkR1cmF0aW9uUG9zaXRpb24iOjYsIlBlcmNlbnRhZ2VDb21wbGV0ZWRQb3NpdGlvbiI6NiwiU3BhY2luZyI6NSwiSXNCZWxvd1RpbWViYW5kIjp0cnVlLCJQZXJjZW50YWdlQ29tcGxldGVTaGFwZU9wYWNpdHkiOjM1LCJTaGFwZVN0eWxlIjp7IiRpZCI6IjEwMyIsIk1hcmdpbiI6eyIkaWQiOiIxMDQiLCJUb3AiOjAsIkxlZnQiOjQsIlJpZ2h0Ijo0LCJCb3R0b20iOjB9LCJQYWRkaW5nIjp7IiRpZCI6IjEwNSIsIlRvcCI6MCwiTGVmdCI6MCwiUmlnaHQiOjAsIkJvdHRvbSI6MH0sIkJhY2tncm91bmQiOnsiJGlkIjoiMTA2IiwiQ29sb3IiOnsiJGlkIjoiMTA3IiwiQSI6MjU1LCJSIjowLCJHIjoxMTQsIkIiOjE4OH19LCJJc1Zpc2libGUiOnRydWUsIldpZHRoIjowLjAsIkhlaWdodCI6MTYuMCwiQm9yZGVyU3R5bGUiOnsiJGlkIjoiMTA4IiwiTGluZUNvbG9yIjp7IiRpZCI6IjEwOSIsIiR0eXBlIjoiTkxSRS5Db21tb24uRG9tLlNvbGlkQ29sb3JCcnVzaCwgTkxSRS5Db21tb24iLCJDb2xvciI6eyIkaWQiOiIxMTAiLCJBIjoyNTUsIlIiOjI1NSwiRyI6MCwiQiI6MH19LCJMaW5lV2VpZ2h0IjowLjAsIkxpbmVUeXBlIjowLCJQYXJlbnRTdHlsZSI6bnVsbH0sIlBhcmVudFN0eWxlIjpudWxsfSwiVGl0bGVTdHlsZSI6eyIkaWQiOiIxMTEiLCJGb250U2V0dGluZ3MiOnsiJGlkIjoiMTEyIiwiRm9udFNpemUiOjExLCJGb250TmFtZSI6IkNhbGlicmkiLCJJc0JvbGQiOnRydWUsIklzSXRhbGljIjpmYWxzZSwiSXNVbmRlcmxpbmVkIjpmYWxzZSwiUGFyZW50U3R5bGUiOm51bGx9LCJBdXRvU2l6ZSI6MCwiRm9yZWdyb3VuZCI6eyIkaWQiOiIxMTMiLCJDb2xvciI6eyIkaWQiOiIxMTQiLCJBIjoyNTUsIlIiOjAsIkciOjAsIkIiOjB9fSwiTWF4V2lkdGgiOjk2MC4wLCJNYXhIZWlnaHQiOiJJbmZpbml0eSIsIlNtYXJ0Rm9yZWdyb3VuZElzQWN0aXZlIjpmYWxzZSwiSG9yaXpvbnRhbEFsaWdubWVudCI6MCwiVmVydGljYWxBbGlnbm1lbnQiOjAsIlNtYXJ0Rm9yZWdyb3VuZCI6bnVsbCwiTWFyZ2luIjp7IiRpZCI6IjExNSIsIlRvcCI6MCwiTGVmdCI6MCwiUmlnaHQiOjAsIkJvdHRvbSI6MH0sIlBhZGRpbmciOnsiJGlkIjoiMTE2IiwiVG9wIjowLCJMZWZ0IjowLCJSaWdodCI6MCwiQm90dG9tIjowfSwiQmFja2dyb3VuZCI6eyIkaWQiOiIxMTciLCJDb2xvciI6eyIkcmVmIjoiMjAifX0sIklzVmlzaWJsZSI6dHJ1ZSwiV2lkdGgiOjAuMCwiSGVpZ2h0IjowLjAsIkJvcmRlclN0eWxlIjpudWxsLCJQYXJlbnRTdHlsZSI6bnVsbH0sIkRhdGVTdHlsZSI6eyIkaWQiOiIxMTgiLCJGb250U2V0dGluZ3MiOnsiJGlkIjoiMTE5IiwiRm9udFNpemUiOjEwLCJGb250TmFtZSI6IkNhbGlicmkiLCJJc0JvbGQiOmZhbHNlLCJJc0l0YWxpYyI6ZmFsc2UsIklzVW5kZXJsaW5lZCI6ZmFsc2UsIlBhcmVudFN0eWxlIjpudWxsfSwiQXV0b1NpemUiOjAsIkZvcmVncm91bmQiOnsiJGlkIjoiMTIwIiwiQ29sb3IiOnsiJGlkIjoiMTIxIiwiQSI6MjU1LCJSIjo2OCwiRyI6ODQsIkIiOjEwNn19LCJNYXhXaWR0aCI6MjAwLjAsIk1heEhlaWdodCI6IkluZmluaXR5IiwiU21hcnRGb3JlZ3JvdW5kSXNBY3RpdmUiOmZhbHNlLCJIb3Jpem9udGFsQWxpZ25tZW50IjowLCJWZXJ0aWNhbEFsaWdubWVudCI6MCwiU21hcnRGb3JlZ3JvdW5kIjpudWxsLCJNYXJnaW4iOnsiJGlkIjoiMTIyIiwiVG9wIjowLCJMZWZ0IjowLCJSaWdodCI6MCwiQm90dG9tIjowfSwiUGFkZGluZyI6eyIkaWQiOiIxMjMiLCJUb3AiOjAsIkxlZnQiOjAsIlJpZ2h0IjowLCJCb3R0b20iOjB9LCJCYWNrZ3JvdW5kIjp7IiRpZCI6IjEyNCIsIkNvbG9yIjp7IiRyZWYiOiIyMCJ9fSwiSXNWaXNpYmxlIjp0cnVlLCJXaWR0aCI6MC4wLCJIZWlnaHQiOjAuMCwiQm9yZGVyU3R5bGUiOm51bGwsIlBhcmVudFN0eWxlIjpudWxsfSwiRGF0ZUZvcm1hdCI6eyIkaWQiOiIxMjUiLCJGb3JtYXRTdHJpbmciOiJNL2QveXl5eSIsIlNlcGFyYXRvciI6Ii8iLCJVc2VJbnRlcm5hdGlvbmFsRGF0ZUZvcm1hdCI6ZmFsc2UsIkRhdGVJc1Zpc2libGUiOnRydWUsIlRpbWVJc1Zpc2libGUiOmZhbHNlLCJIb3VyRGlnaXRzIjoxLCJBbVBtRGVzaWduYXRvciI6MiwiVHJpbTAwTWludXRlcyI6ZmFsc2UsIkxhc3RLbm93blZpc2liaWxpdHlTdGF0ZSI6bnVsbH0sIklzVmlzaWJsZSI6dHJ1ZSwiUGFyZW50U3R5bGUiOm51bGwsIl9leHBsaWNpdGx5U2V0Ijp7IiRpZCI6IjEyNiIsIlNoYXBlU3R5bGUiOmZhbHNlLCJUaXRsZVN0eWxlIjpmYWxzZSwiRGF0ZVN0eWxlIjpmYWxzZSwiSG9yaXpvbnRhbENvbm5lY3RvclN0eWxlIjpmYWxzZSwiVmVydGljYWxDb25uZWN0b3JTdHlsZSI6ZmFsc2UsIlBlcmNlbnRhZ2VDb21wbGV0ZVNoYXBlT3BhY2l0eSI6ZmFsc2UsIkR1cmF0aW9uRm9ybWF0IjpmYWxzZSwiRHVyYXRpb25Qb3NpdGlvbiI6ZmFsc2UsIkVuZERhdGVQb3NpdGlvbiI6ZmFsc2UsIklzQmVsb3dUaW1lYmFuZCI6ZmFsc2UsIlBlcmNlbnRhZ2VDb21wbGV0ZWRQb3NpdGlvbiI6ZmFsc2UsIlNoYXBlIjpmYWxzZSwiU2hhcGVUaGlja25lc3MiOmZhbHNlLCJTcGFjaW5nIjpmYWxzZSwiU3RhcnREYXRlUG9zaXRpb24iOmZhbHNlLCJUaXRsZVBvc2l0aW9uIjpmYWxzZSwiRGF0ZUZvcm1hdCI6ZmFsc2UsIklzVmlzaWJsZSI6ZmFsc2UsIk1hcmdpbiI6ZmFsc2V9fSwiU2hvd0VsYXBzZWRUaW1lR3JhZGllbnRTdHlsZSI6ZmFsc2V9LCJTY2FsZSI6eyIkaWQiOiIxMjciLCJTdGFydERhdGUiOiIwMDAxLTAxLTAxVDAwOjAwOjAwIiwiRW5kRGF0ZSI6IjIwMTgtMDUtMzFUMjM6NTk6MDAiLCJGb3JtYXQiOiJNTU0iLCJUeXBlIjoyLCJBdXRvRGF0ZVJhbmdlIjp0cnVlLCJXb3JraW5nRGF5cyI6MTI3LCJUb2RheU1hcmtlclRleHQiOiJUb2RheSIsIkF1dG9TY2FsZVR5cGUiOnRydWV9LCJNaWxlc3RvbmVzIjpbXSwiVGFza3MiOlt7IiRpZCI6IjEyOCIsIkdyb3VwTmFtZSI6bnVsbCwiU3RhcnREYXRlIjoiMjAxNy0xMS0xN1QwMDowMDowMCIsIkVuZERhdGUiOiIyMDE3LTEyLTEwVDIzOjU5OjAwIiwiUGVyY2VudGFnZUNvbXBsZXRlIjpudWxsLCJTdHlsZSI6eyIkaWQiOiIxMjkiLCJTaGFwZSI6MSwiU2hhcGVUaGlja25lc3MiOjEsIkR1cmF0aW9uRm9ybWF0IjowLCJJbmNsdWRlTm9uV29ya2luZ0RheXNJbkR1cmF0aW9uIjpmYWxzZSwiUGVyY2VudGFnZUNvbXBsZXRlU3R5bGUiOnsiJGlkIjoiMTMwIiwiRm9udFNldHRpbmdzIjp7IiRpZCI6IjEzMSIsIkZvbnRTaXplIjoxMCwiRm9udE5hbWUiOiJDYWxpYnJpIiwiSXNCb2xkIjpmYWxzZSwiSXNJdGFsaWMiOmZhbHNlLCJJc1VuZGVybGluZWQiOmZhbHNlLCJQYXJlbnRTdHlsZSI6bnVsbH0sIkF1dG9TaXplIjowLCJGb3JlZ3JvdW5kIjp7IiRpZCI6IjEzMiIsIkNvbG9yIjp7IiRyZWYiOiI4NiJ9fSwiTWF4V2lkdGgiOjIwMC4wLCJNYXhIZWlnaHQiOiJJbmZpbml0eSIsIlNtYXJ0Rm9yZWdyb3VuZElzQWN0aXZlIjpmYWxzZSwiSG9yaXpvbnRhbEFsaWdubWVudCI6MCwiVmVydGljYWxBbGlnbm1lbnQiOjAsIlNtYXJ0Rm9yZWdyb3VuZCI6bnVsbCwiTWFyZ2luIjp7IiRyZWYiOiI4NyJ9LCJQYWRkaW5nIjp7IiRyZWYiOiI4OCJ9LCJCYWNrZ3JvdW5kIjp7IiRyZWYiOiI4OSJ9LCJJc1Zpc2libGUiOnRydWUsIldpZHRoIjowLjAsIkhlaWdodCI6MC4wLCJCb3JkZXJTdHlsZSI6eyIkaWQiOiIxMzMiLCJMaW5lQ29sb3IiOm51bGwsIkxpbmVXZWlnaHQiOjAuMCwiTGluZVR5cGUiOjAsIlBhcmVudFN0eWxlIjpudWxsfSwiUGFyZW50U3R5bGUiOm51bGx9LCJEdXJhdGlvblN0eWxlIjp7IiRpZCI6IjEzNCIsIkZvbnRTZXR0aW5ncyI6eyIkaWQiOiIxMzUiLCJGb250U2l6ZSI6MTAsIkZvbnROYW1lIjoiQ2FsaWJyaSIsIklzQm9sZCI6ZmFsc2UsIklzSXRhbGljIjpmYWxzZSwiSXNVbmRlcmxpbmVkIjpmYWxzZSwiUGFyZW50U3R5bGUiOm51bGx9LCJBdXRvU2l6ZSI6MCwiRm9yZWdyb3VuZCI6eyIkaWQiOiIxMzYiLCJDb2xvciI6eyIkcmVmIjoiOTMifX0sIk1heFdpZHRoIjoyMDAuMCwiTWF4SGVpZ2h0IjoiSW5maW5pdHkiLCJTbWFydEZvcmVncm91bmRJc0FjdGl2ZSI6ZmFsc2UsIkhvcml6b250YWxBbGlnbm1lbnQiOjAsIlZlcnRpY2FsQWxpZ25tZW50IjowLCJTbWFydEZvcmVncm91bmQiOm51bGwsIk1hcmdpbiI6eyIkcmVmIjoiOTQifSwiUGFkZGluZyI6eyIkcmVmIjoiOTUifSwiQmFja2dyb3VuZCI6eyIkcmVmIjoiOTYifSwiSXNWaXNpYmxlIjp0cnVlLCJXaWR0aCI6MC4wLCJIZWlnaHQiOjAuMCwiQm9yZGVyU3R5bGUiOnsiJGlkIjoiMTM3IiwiTGluZUNvbG9yIjpudWxsLCJMaW5lV2VpZ2h0IjowLjAsIkxpbmVUeXBlIjowLCJQYXJlbnRTdHlsZSI6bnVsbH0sIlBhcmVudFN0eWxlIjpudWxsfSwiSG9yaXpvbnRhbENvbm5lY3RvclN0eWxlIjp7IiRpZCI6IjEzOCIsIkxpbmVDb2xvciI6eyIkcmVmIjoiOTgifSwiTGluZVdlaWdodCI6MS4wLCJMaW5lVHlwZSI6MCwiUGFyZW50U3R5bGUiOm51bGx9LCJWZXJ0aWNhbENvbm5lY3RvclN0eWxlIjp7IiRpZCI6IjEzOSIsIkxpbmVDb2xvciI6eyIkcmVmIjoiMTAxIn0sIkxpbmVXZWlnaHQiOjAuMCwiTGluZVR5cGUiOjAsIlBhcmVudFN0eWxlIjpudWxsfSwiTWFyZ2luIjpudWxsLCJTdGFydERhdGVQb3NpdGlvbiI6NCwiRW5kRGF0ZVBvc2l0aW9uIjo0LCJEYXRlSXNWaXNpYmxlIjp0cnVlLCJUaXRsZVBvc2l0aW9uIjo1LCJEdXJhdGlvblBvc2l0aW9uIjo2LCJQZXJjZW50YWdlQ29tcGxldGVkUG9zaXRpb24iOjYsIlNwYWNpbmciOjUsIklzQmVsb3dUaW1lYmFuZCI6dHJ1ZSwiUGVyY2VudGFnZUNvbXBsZXRlU2hhcGVPcGFjaXR5IjozNSwiU2hhcGVTdHlsZSI6eyIkaWQiOiIxNDAiLCJNYXJnaW4iOnsiJHJlZiI6IjEwNCJ9LCJQYWRkaW5nIjp7IiRyZWYiOiIxMDUifSwiQmFja2dyb3VuZCI6eyIkaWQiOiIxNDEiLCJDb2xvciI6eyIkaWQiOiIxNDIiLCJBIjoyNTUsIlIiOjI5LCJHIjoxNDEsIkIiOjE3Nn19LCJJc1Zpc2libGUiOnRydWUsIldpZHRoIjowLjAsIkhlaWdodCI6MTYuMCwiQm9yZGVyU3R5bGUiOnsiJGlkIjoiMTQzIiwiTGluZUNvbG9yIjp7IiRyZWYiOiIxMDkifSwiTGluZVdlaWdodCI6MC4wLCJMaW5lVHlwZSI6MCwiUGFyZW50U3R5bGUiOm51bGx9LCJQYXJlbnRTdHlsZSI6bnVsbH0sIlRpdGxlU3R5bGUiOnsiJGlkIjoiMTQ0IiwiRm9udFNldHRpbmdzIjp7IiRpZCI6IjE0NSIsIkZvbnRTaXplIjoxMSwiRm9udE5hbWUiOiJDYWxpYnJpIiwiSXNCb2xkIjp0cnVlLCJJc0l0YWxpYyI6ZmFsc2UsIklzVW5kZXJsaW5lZCI6ZmFsc2UsIlBhcmVudFN0eWxlIjpudWxsfSwiQXV0b1NpemUiOjAsIkZvcmVncm91bmQiOnsiJGlkIjoiMTQ2IiwiQ29sb3IiOnsiJHJlZiI6IjExNCJ9fSwiTWF4V2lkdGgiOjk2MC4wLCJNYXhIZWlnaHQiOiJJbmZpbml0eSIsIlNtYXJ0Rm9yZWdyb3VuZElzQWN0aXZlIjpmYWxzZSwiSG9yaXpvbnRhbEFsaWdubWVudCI6MCwiVmVydGljYWxBbGlnbm1lbnQiOjAsIlNtYXJ0Rm9yZWdyb3VuZCI6bnVsbCwiTWFyZ2luIjp7IiRyZWYiOiIxMTUifSwiUGFkZGluZyI6eyIkcmVmIjoiMTE2In0sIkJhY2tncm91bmQiOnsiJHJlZiI6IjExNyJ9LCJJc1Zpc2libGUiOnRydWUsIldpZHRoIjowLjAsIkhlaWdodCI6MC4wLCJCb3JkZXJTdHlsZSI6eyIkaWQiOiIxNDciLCJMaW5lQ29sb3IiOm51bGwsIkxpbmVXZWlnaHQiOjAuMCwiTGluZVR5cGUiOjAsIlBhcmVudFN0eWxlIjpudWxsfSwiUGFyZW50U3R5bGUiOm51bGx9LCJEYXRlU3R5bGUiOnsiJGlkIjoiMTQ4IiwiRm9udFNldHRpbmdzIjp7IiRpZCI6IjE0OSIsIkZvbnRTaXplIjoxMCwiRm9udE5hbWUiOiJDYWxpYnJpIiwiSXNCb2xkIjpmYWxzZSwiSXNJdGFsaWMiOmZhbHNlLCJJc1VuZGVybGluZWQiOmZhbHNlLCJQYXJlbnRTdHlsZSI6bnVsbH0sIkF1dG9TaXplIjowLCJGb3JlZ3JvdW5kIjp7IiRpZCI6IjE1MCIsIkNvbG9yIjp7IiRyZWYiOiIxMjEifX0sIk1heFdpZHRoIjoyMDAuMCwiTWF4SGVpZ2h0IjoiSW5maW5pdHkiLCJTbWFydEZvcmVncm91bmRJc0FjdGl2ZSI6ZmFsc2UsIkhvcml6b250YWxBbGlnbm1lbnQiOjAsIlZlcnRpY2FsQWxpZ25tZW50IjowLCJTbWFydEZvcmVncm91bmQiOm51bGwsIk1hcmdpbiI6eyIkcmVmIjoiMTIyIn0sIlBhZGRpbmciOnsiJHJlZiI6IjEyMyJ9LCJCYWNrZ3JvdW5kIjp7IiRyZWYiOiIxMjQifSwiSXNWaXNpYmxlIjp0cnVlLCJXaWR0aCI6MC4wLCJIZWlnaHQiOjAuMCwiQm9yZGVyU3R5bGUiOnsiJGlkIjoiMTUxIiwiTGluZUNvbG9yIjpudWxsLCJMaW5lV2VpZ2h0IjowLjAsIkxpbmVUeXBlIjowLCJQYXJlbnRTdHlsZSI6bnVsbH0sIlBhcmVudFN0eWxlIjpudWxsfSwiRGF0ZUZvcm1hdCI6eyIkcmVmIjoiMTI1In0sIklzVmlzaWJsZSI6dHJ1ZSwiUGFyZW50U3R5bGUiOm51bGx9LCJJbmRleCI6MSwiU21hcnREdXJhdGlvbkFjdGl2YXRlZCI6ZmFsc2UsIkRhdGVGb3JtYXQiOnsiJHJlZiI6IjEyNSJ9LCJJZCI6ImY2YTU3MjMzLTE4YjktNDEyYi04N2RmLTVhZWI2OTRkZGI4OCIsIkltcG9ydElkIjpudWxsLCJUaXRsZSI6IlRla3N0IFByb2JMb2ciLCJOb3RlIjpudWxsLCJIeXBlcmxpbmsiOm51bGwsIklzQ2hhbmdlZCI6ZmFsc2UsIklzTmV3IjpmYWxzZX0seyIkaWQiOiIxNTIiLCJHcm91cE5hbWUiOm51bGwsIlN0YXJ0RGF0ZSI6IjIwMTctMTEtMjNUMDA6MDA6MDBaIiwiRW5kRGF0ZSI6IjIwMTctMTItMTBUMjM6NTk6MDBaIiwiUGVyY2VudGFnZUNvbXBsZXRlIjpudWxsLCJTdHlsZSI6eyIkaWQiOiIxNTMiLCJTaGFwZSI6MSwiU2hhcGVUaGlja25lc3MiOjEsIkR1cmF0aW9uRm9ybWF0IjowLCJJbmNsdWRlTm9uV29ya2luZ0RheXNJbkR1cmF0aW9uIjpmYWxzZSwiUGVyY2VudGFnZUNvbXBsZXRlU3R5bGUiOnsiJGlkIjoiMTU0IiwiRm9udFNldHRpbmdzIjp7IiRpZCI6IjE1NSIsIkZvbnRTaXplIjoxMCwiRm9udE5hbWUiOiJDYWxpYnJpIiwiSXNCb2xkIjpmYWxzZSwiSXNJdGFsaWMiOmZhbHNlLCJJc1VuZGVybGluZWQiOmZhbHNlLCJQYXJlbnRTdHlsZSI6bnVsbH0sIkF1dG9TaXplIjowLCJGb3JlZ3JvdW5kIjp7IiRyZWYiOiI4NSJ9LCJNYXhXaWR0aCI6MjAwLjAsIk1heEhlaWdodCI6IkluZmluaXR5IiwiU21hcnRGb3JlZ3JvdW5kSXNBY3RpdmUiOmZhbHNlLCJIb3Jpem9udGFsQWxpZ25tZW50IjowLCJWZXJ0aWNhbEFsaWdubWVudCI6MCwiU21hcnRGb3JlZ3JvdW5kIjpudWxsLCJNYXJnaW4iOnsiJHJlZiI6Ijg3In0sIlBhZGRpbmciOnsiJHJlZiI6Ijg4In0sIkJhY2tncm91bmQiOnsiJHJlZiI6Ijg5In0sIklzVmlzaWJsZSI6dHJ1ZSwiV2lkdGgiOjAuMCwiSGVpZ2h0IjowLjAsIkJvcmRlclN0eWxlIjp7IiRpZCI6IjE1NiIsIkxpbmVDb2xvciI6bnVsbCwiTGluZVdlaWdodCI6MC4wLCJMaW5lVHlwZSI6MCwiUGFyZW50U3R5bGUiOm51bGx9LCJQYXJlbnRTdHlsZSI6bnVsbH0sIkR1cmF0aW9uU3R5bGUiOnsiJGlkIjoiMTU3IiwiRm9udFNldHRpbmdzIjp7IiRpZCI6IjE1OCIsIkZvbnRTaXplIjoxMCwiRm9udE5hbWUiOiJDYWxpYnJpIiwiSXNCb2xkIjpmYWxzZSwiSXNJdGFsaWMiOmZhbHNlLCJJc1VuZGVybGluZWQiOmZhbHNlLCJQYXJlbnRTdHlsZSI6bnVsbH0sIkF1dG9TaXplIjowLCJGb3JlZ3JvdW5kIjp7IiRyZWYiOiI5MiJ9LCJNYXhXaWR0aCI6MjAwLjAsIk1heEhlaWdodCI6IkluZmluaXR5IiwiU21hcnRGb3JlZ3JvdW5kSXNBY3RpdmUiOmZhbHNlLCJIb3Jpem9udGFsQWxpZ25tZW50IjowLCJWZXJ0aWNhbEFsaWdubWVudCI6MCwiU21hcnRGb3JlZ3JvdW5kIjpudWxsLCJNYXJnaW4iOnsiJHJlZiI6Ijk0In0sIlBhZGRpbmciOnsiJHJlZiI6Ijk1In0sIkJhY2tncm91bmQiOnsiJHJlZiI6Ijk2In0sIklzVmlzaWJsZSI6dHJ1ZSwiV2lkdGgiOjAuMCwiSGVpZ2h0IjowLjAsIkJvcmRlclN0eWxlIjp7IiRpZCI6IjE1OSIsIkxpbmVDb2xvciI6bnVsbCwiTGluZVdlaWdodCI6MC4wLCJMaW5lVHlwZSI6MCwiUGFyZW50U3R5bGUiOm51bGx9LCJQYXJlbnRTdHlsZSI6bnVsbH0sIkhvcml6b250YWxDb25uZWN0b3JTdHlsZSI6eyIkaWQiOiIxNjAiLCJMaW5lQ29sb3IiOnsiJHJlZiI6Ijk4In0sIkxpbmVXZWlnaHQiOjEuMCwiTGluZVR5cGUiOjAsIlBhcmVudFN0eWxlIjpudWxsfSwiVmVydGljYWxDb25uZWN0b3JTdHlsZSI6eyIkaWQiOiIxNjEiLCJMaW5lQ29sb3IiOnsiJHJlZiI6IjEwMSJ9LCJMaW5lV2VpZ2h0IjowLjAsIkxpbmVUeXBlIjowLCJQYXJlbnRTdHlsZSI6bnVsbH0sIk1hcmdpbiI6bnVsbCwiU3RhcnREYXRlUG9zaXRpb24iOjQsIkVuZERhdGVQb3NpdGlvbiI6NCwiRGF0ZUlzVmlzaWJsZSI6dHJ1ZSwiVGl0bGVQb3NpdGlvbiI6NSwiRHVyYXRpb25Qb3NpdGlvbiI6NiwiUGVyY2VudGFnZUNvbXBsZXRlZFBvc2l0aW9uIjo2LCJTcGFjaW5nIjo1LCJJc0JlbG93VGltZWJhbmQiOnRydWUsIlBlcmNlbnRhZ2VDb21wbGV0ZVNoYXBlT3BhY2l0eSI6MzUsIlNoYXBlU3R5bGUiOnsiJGlkIjoiMTYyIiwiTWFyZ2luIjp7IiRyZWYiOiIxMDQifSwiUGFkZGluZyI6eyIkcmVmIjoiMTA1In0sIkJhY2tncm91bmQiOnsiJGlkIjoiMTYzIiwiQ29sb3IiOnsiJGlkIjoiMTY0IiwiQSI6MjU1LCJSIjoyOSwiRyI6MTQxLCJCIjoxNzZ9fSwiSXNWaXNpYmxlIjp0cnVlLCJXaWR0aCI6MC4wLCJIZWlnaHQiOjE2LjAsIkJvcmRlclN0eWxlIjp7IiRpZCI6IjE2NSIsIkxpbmVDb2xvciI6eyIkcmVmIjoiMTA5In0sIkxpbmVXZWlnaHQiOjAuMCwiTGluZVR5cGUiOjAsIlBhcmVudFN0eWxlIjpudWxsfSwiUGFyZW50U3R5bGUiOm51bGx9LCJUaXRsZVN0eWxlIjp7IiRpZCI6IjE2NiIsIkZvbnRTZXR0aW5ncyI6eyIkaWQiOiIxNjciLCJGb250U2l6ZSI6MTEsIkZvbnROYW1lIjoiQ2FsaWJyaSIsIklzQm9sZCI6dHJ1ZSwiSXNJdGFsaWMiOmZhbHNlLCJJc1VuZGVybGluZWQiOmZhbHNlLCJQYXJlbnRTdHlsZSI6bnVsbH0sIkF1dG9TaXplIjowLCJGb3JlZ3JvdW5kIjp7IiRyZWYiOiIxMTMifSwiTWF4V2lkdGgiOjcyMC4wLCJNYXhIZWlnaHQiOiJJbmZpbml0eSIsIlNtYXJ0Rm9yZWdyb3VuZElzQWN0aXZlIjpmYWxzZSwiSG9yaXpvbnRhbEFsaWdubWVudCI6MCwiVmVydGljYWxBbGlnbm1lbnQiOjAsIlNtYXJ0Rm9yZWdyb3VuZCI6bnVsbCwiTWFyZ2luIjp7IiRyZWYiOiIxMTUifSwiUGFkZGluZyI6eyIkcmVmIjoiMTE2In0sIkJhY2tncm91bmQiOnsiJHJlZiI6IjExNyJ9LCJJc1Zpc2libGUiOnRydWUsIldpZHRoIjowLjAsIkhlaWdodCI6MC4wLCJCb3JkZXJTdHlsZSI6eyIkaWQiOiIxNjgiLCJMaW5lQ29sb3IiOm51bGwsIkxpbmVXZWlnaHQiOjAuMCwiTGluZVR5cGUiOjAsIlBhcmVudFN0eWxlIjpudWxsfSwiUGFyZW50U3R5bGUiOm51bGx9LCJEYXRlU3R5bGUiOnsiJGlkIjoiMTY5IiwiRm9udFNldHRpbmdzIjp7IiRpZCI6IjE3MCIsIkZvbnRTaXplIjoxMCwiRm9udE5hbWUiOiJDYWxpYnJpIiwiSXNCb2xkIjpmYWxzZSwiSXNJdGFsaWMiOmZhbHNlLCJJc1VuZGVybGluZWQiOmZhbHNlLCJQYXJlbnRTdHlsZSI6bnVsbH0sIkF1dG9TaXplIjowLCJGb3JlZ3JvdW5kIjp7IiRyZWYiOiIxMjAifSwiTWF4V2lkdGgiOjIwMC4wLCJNYXhIZWlnaHQiOiJJbmZpbml0eSIsIlNtYXJ0Rm9yZWdyb3VuZElzQWN0aXZlIjpmYWxzZSwiSG9yaXpvbnRhbEFsaWdubWVudCI6MCwiVmVydGljYWxBbGlnbm1lbnQiOjAsIlNtYXJ0Rm9yZWdyb3VuZCI6bnVsbCwiTWFyZ2luIjp7IiRyZWYiOiIxMjIifSwiUGFkZGluZyI6eyIkcmVmIjoiMTIzIn0sIkJhY2tncm91bmQiOnsiJHJlZiI6IjEyNCJ9LCJJc1Zpc2libGUiOnRydWUsIldpZHRoIjowLjAsIkhlaWdodCI6MC4wLCJCb3JkZXJTdHlsZSI6eyIkaWQiOiIxNzEiLCJMaW5lQ29sb3IiOm51bGwsIkxpbmVXZWlnaHQiOjAuMCwiTGluZVR5cGUiOjAsIlBhcmVudFN0eWxlIjpudWxsfSwiUGFyZW50U3R5bGUiOm51bGx9LCJEYXRlRm9ybWF0Ijp7IiRyZWYiOiIxMjUifSwiSXNWaXNpYmxlIjp0cnVlLCJQYXJlbnRTdHlsZSI6bnVsbH0sIkluZGV4IjoyLCJTbWFydER1cmF0aW9uQWN0aXZhdGVkIjpmYWxzZSwiRGF0ZUZvcm1hdCI6eyIkcmVmIjoiMTI1In0sIklkIjoiYTZmODkxNWMtM2I1Zi00ZTY1LWEyYzMtMzNmOGRkNjM0OTM3IiwiSW1wb3J0SWQiOm51bGwsIlRpdGxlIjoiVmVyZGVyZSBldmFsdWF0aWUgUHJvYmxvZyIsIk5vdGUiOm51bGwsIkh5cGVybGluayI6bnVsbCwiSXNDaGFuZ2VkIjpmYWxzZSwiSXNOZXciOmZhbHNlfSx7IiRpZCI6IjE3MiIsIkdyb3VwTmFtZSI6bnVsbCwiU3RhcnREYXRlIjoiMjAxNy0xMi0xMFQwMDowMDowMCIsIkVuZERhdGUiOiIyMDE4LTAxLTA3VDIzOjU5OjAwIiwiUGVyY2VudGFnZUNvbXBsZXRlIjpudWxsLCJTdHlsZSI6eyIkaWQiOiIxNzMiLCJTaGFwZSI6MSwiU2hhcGVUaGlja25lc3MiOjEsIkR1cmF0aW9uRm9ybWF0IjowLCJJbmNsdWRlTm9uV29ya2luZ0RheXNJbkR1cmF0aW9uIjpmYWxzZSwiUGVyY2VudGFnZUNvbXBsZXRlU3R5bGUiOnsiJGlkIjoiMTc0IiwiRm9udFNldHRpbmdzIjp7IiRpZCI6IjE3NSIsIkZvbnRTaXplIjoxMCwiRm9udE5hbWUiOiJDYWxpYnJpIiwiSXNCb2xkIjpmYWxzZSwiSXNJdGFsaWMiOmZhbHNlLCJJc1VuZGVybGluZWQiOmZhbHNlLCJQYXJlbnRTdHlsZSI6bnVsbH0sIkF1dG9TaXplIjowLCJGb3JlZ3JvdW5kIjp7IiRpZCI6IjE3NiIsIkNvbG9yIjp7IiRyZWYiOiI4NiJ9fSwiTWF4V2lkdGgiOjIwMC4wLCJNYXhIZWlnaHQiOiJJbmZpbml0eSIsIlNtYXJ0Rm9yZWdyb3VuZElzQWN0aXZlIjpmYWxzZSwiSG9yaXpvbnRhbEFsaWdubWVudCI6MCwiVmVydGljYWxBbGlnbm1lbnQiOjAsIlNtYXJ0Rm9yZWdyb3VuZCI6bnVsbCwiTWFyZ2luIjp7IiRyZWYiOiI4NyJ9LCJQYWRkaW5nIjp7IiRyZWYiOiI4OCJ9LCJCYWNrZ3JvdW5kIjp7IiRyZWYiOiI4OSJ9LCJJc1Zpc2libGUiOnRydWUsIldpZHRoIjowLjAsIkhlaWdodCI6MC4wLCJCb3JkZXJTdHlsZSI6eyIkaWQiOiIxNzciLCJMaW5lQ29sb3IiOm51bGwsIkxpbmVXZWlnaHQiOjAuMCwiTGluZVR5cGUiOjAsIlBhcmVudFN0eWxlIjpudWxsfSwiUGFyZW50U3R5bGUiOm51bGx9LCJEdXJhdGlvblN0eWxlIjp7IiRpZCI6IjE3OCIsIkZvbnRTZXR0aW5ncyI6eyIkaWQiOiIxNzkiLCJGb250U2l6ZSI6MTAsIkZvbnROYW1lIjoiQ2FsaWJyaSIsIklzQm9sZCI6ZmFsc2UsIklzSXRhbGljIjpmYWxzZSwiSXNVbmRlcmxpbmVkIjpmYWxzZSwiUGFyZW50U3R5bGUiOm51bGx9LCJBdXRvU2l6ZSI6MCwiRm9yZWdyb3VuZCI6eyIkaWQiOiIxODAiLCJDb2xvciI6eyIkcmVmIjoiOTMifX0sIk1heFdpZHRoIjoyMDAuMCwiTWF4SGVpZ2h0IjoiSW5maW5pdHkiLCJTbWFydEZvcmVncm91bmRJc0FjdGl2ZSI6ZmFsc2UsIkhvcml6b250YWxBbGlnbm1lbnQiOjAsIlZlcnRpY2FsQWxpZ25tZW50IjowLCJTbWFydEZvcmVncm91bmQiOm51bGwsIk1hcmdpbiI6eyIkcmVmIjoiOTQifSwiUGFkZGluZyI6eyIkcmVmIjoiOTUifSwiQmFja2dyb3VuZCI6eyIkcmVmIjoiOTYifSwiSXNWaXNpYmxlIjp0cnVlLCJXaWR0aCI6MC4wLCJIZWlnaHQiOjAuMCwiQm9yZGVyU3R5bGUiOnsiJGlkIjoiMTgxIiwiTGluZUNvbG9yIjpudWxsLCJMaW5lV2VpZ2h0IjowLjAsIkxpbmVUeXBlIjowLCJQYXJlbnRTdHlsZSI6bnVsbH0sIlBhcmVudFN0eWxlIjpudWxsfSwiSG9yaXpvbnRhbENvbm5lY3RvclN0eWxlIjp7IiRpZCI6IjE4MiIsIkxpbmVDb2xvciI6eyIkcmVmIjoiOTgifSwiTGluZVdlaWdodCI6MS4wLCJMaW5lVHlwZSI6MCwiUGFyZW50U3R5bGUiOm51bGx9LCJWZXJ0aWNhbENvbm5lY3RvclN0eWxlIjp7IiRpZCI6IjE4MyIsIkxpbmVDb2xvciI6eyIkcmVmIjoiMTAxIn0sIkxpbmVXZWlnaHQiOjAuMCwiTGluZVR5cGUiOjAsIlBhcmVudFN0eWxlIjpudWxsfSwiTWFyZ2luIjpudWxsLCJTdGFydERhdGVQb3NpdGlvbiI6NCwiRW5kRGF0ZVBvc2l0aW9uIjo0LCJEYXRlSXNWaXNpYmxlIjp0cnVlLCJUaXRsZVBvc2l0aW9uIjo1LCJEdXJhdGlvblBvc2l0aW9uIjo2LCJQZXJjZW50YWdlQ29tcGxldGVkUG9zaXRpb24iOjYsIlNwYWNpbmciOjUsIklzQmVsb3dUaW1lYmFuZCI6dHJ1ZSwiUGVyY2VudGFnZUNvbXBsZXRlU2hhcGVPcGFjaXR5IjozNSwiU2hhcGVTdHlsZSI6eyIkaWQiOiIxODQiLCJNYXJnaW4iOnsiJHJlZiI6IjEwNCJ9LCJQYWRkaW5nIjp7IiRyZWYiOiIxMDUifSwiQmFja2dyb3VuZCI6eyIkaWQiOiIxODUiLCJDb2xvciI6eyIkaWQiOiIxODYiLCJBIjoyNTUsIlIiOjI5LCJHIjoxNDEsIkIiOjE3Nn19LCJJc1Zpc2libGUiOnRydWUsIldpZHRoIjowLjAsIkhlaWdodCI6MTYuMCwiQm9yZGVyU3R5bGUiOnsiJGlkIjoiMTg3IiwiTGluZUNvbG9yIjp7IiRyZWYiOiIxMDkifSwiTGluZVdlaWdodCI6MC4wLCJMaW5lVHlwZSI6MCwiUGFyZW50U3R5bGUiOm51bGx9LCJQYXJlbnRTdHlsZSI6bnVsbH0sIlRpdGxlU3R5bGUiOnsiJGlkIjoiMTg4IiwiRm9udFNldHRpbmdzIjp7IiRpZCI6IjE4OSIsIkZvbnRTaXplIjoxMSwiRm9udE5hbWUiOiJDYWxpYnJpIiwiSXNCb2xkIjp0cnVlLCJJc0l0YWxpYyI6ZmFsc2UsIklzVW5kZXJsaW5lZCI6ZmFsc2UsIlBhcmVudFN0eWxlIjpudWxsfSwiQXV0b1NpemUiOjAsIkZvcmVncm91bmQiOnsiJGlkIjoiMTkwIiwiQ29sb3IiOnsiJHJlZiI6IjExNCJ9fSwiTWF4V2lkdGgiOjk2MC4wLCJNYXhIZWlnaHQiOiJJbmZpbml0eSIsIlNtYXJ0Rm9yZWdyb3VuZElzQWN0aXZlIjpmYWxzZSwiSG9yaXpvbnRhbEFsaWdubWVudCI6MCwiVmVydGljYWxBbGlnbm1lbnQiOjAsIlNtYXJ0Rm9yZWdyb3VuZCI6bnVsbCwiTWFyZ2luIjp7IiRyZWYiOiIxMTUifSwiUGFkZGluZyI6eyIkcmVmIjoiMTE2In0sIkJhY2tncm91bmQiOnsiJHJlZiI6IjExNyJ9LCJJc1Zpc2libGUiOnRydWUsIldpZHRoIjowLjAsIkhlaWdodCI6MC4wLCJCb3JkZXJTdHlsZSI6eyIkaWQiOiIxOTEiLCJMaW5lQ29sb3IiOm51bGwsIkxpbmVXZWlnaHQiOjAuMCwiTGluZVR5cGUiOjAsIlBhcmVudFN0eWxlIjpudWxsfSwiUGFyZW50U3R5bGUiOm51bGx9LCJEYXRlU3R5bGUiOnsiJGlkIjoiMTkyIiwiRm9udFNldHRpbmdzIjp7IiRpZCI6IjE5MyIsIkZvbnRTaXplIjoxMCwiRm9udE5hbWUiOiJDYWxpYnJpIiwiSXNCb2xkIjpmYWxzZSwiSXNJdGFsaWMiOmZhbHNlLCJJc1VuZGVybGluZWQiOmZhbHNlLCJQYXJlbnRTdHlsZSI6bnVsbH0sIkF1dG9TaXplIjowLCJGb3JlZ3JvdW5kIjp7IiRpZCI6IjE5NCIsIkNvbG9yIjp7IiRyZWYiOiIxMjEifX0sIk1heFdpZHRoIjoyMDAuMCwiTWF4SGVpZ2h0IjoiSW5maW5pdHkiLCJTbWFydEZvcmVncm91bmRJc0FjdGl2ZSI6ZmFsc2UsIkhvcml6b250YWxBbGlnbm1lbnQiOjAsIlZlcnRpY2FsQWxpZ25tZW50IjowLCJTbWFydEZvcmVncm91bmQiOm51bGwsIk1hcmdpbiI6eyIkcmVmIjoiMTIyIn0sIlBhZGRpbmciOnsiJHJlZiI6IjEyMyJ9LCJCYWNrZ3JvdW5kIjp7IiRyZWYiOiIxMjQifSwiSXNWaXNpYmxlIjp0cnVlLCJXaWR0aCI6MC4wLCJIZWlnaHQiOjAuMCwiQm9yZGVyU3R5bGUiOnsiJGlkIjoiMTk1IiwiTGluZUNvbG9yIjpudWxsLCJMaW5lV2VpZ2h0IjowLjAsIkxpbmVUeXBlIjowLCJQYXJlbnRTdHlsZSI6bnVsbH0sIlBhcmVudFN0eWxlIjpudWxsfSwiRGF0ZUZvcm1hdCI6eyIkcmVmIjoiMTI1In0sIklzVmlzaWJsZSI6dHJ1ZSwiUGFyZW50U3R5bGUiOm51bGx9LCJJbmRleCI6MywiU21hcnREdXJhdGlvbkFjdGl2YXRlZCI6ZmFsc2UsIkRhdGVGb3JtYXQiOnsiJHJlZiI6IjEyNSJ9LCJJZCI6ImVhM2NhZGU0LTUyZDAtNDQxZC04MDI2LWY4NzRhMmJlOTY5NiIsIkltcG9ydElkIjpudWxsLCJUaXRsZSI6IkltcGxlbWVudGF0aWUgQW5nbGljYW4iLCJOb3RlIjpudWxsLCJIeXBlcmxpbmsiOm51bGwsIklzQ2hhbmdlZCI6ZmFsc2UsIklzTmV3IjpmYWxzZX0seyIkaWQiOiIxOTYiLCJHcm91cE5hbWUiOm51bGwsIlN0YXJ0RGF0ZSI6IjIwMTgtMDEtMDhUMDA6MDA6MDBaIiwiRW5kRGF0ZSI6IjIwMTgtMDEtMzFUMjM6NTk6MDBaIiwiUGVyY2VudGFnZUNvbXBsZXRlIjpudWxsLCJTdHlsZSI6eyIkaWQiOiIxOTciLCJTaGFwZSI6MSwiU2hhcGVUaGlja25lc3MiOjEsIkR1cmF0aW9uRm9ybWF0IjowLCJJbmNsdWRlTm9uV29ya2luZ0RheXNJbkR1cmF0aW9uIjpmYWxzZSwiUGVyY2VudGFnZUNvbXBsZXRlU3R5bGUiOnsiJGlkIjoiMTk4IiwiRm9udFNldHRpbmdzIjp7IiRpZCI6IjE5OSIsIkZvbnRTaXplIjoxMCwiRm9udE5hbWUiOiJDYWxpYnJpIiwiSXNCb2xkIjpmYWxzZSwiSXNJdGFsaWMiOmZhbHNlLCJJc1VuZGVybGluZWQiOmZhbHNlLCJQYXJlbnRTdHlsZSI6bnVsbH0sIkF1dG9TaXplIjowLCJGb3JlZ3JvdW5kIjp7IiRyZWYiOiI4NSJ9LCJNYXhXaWR0aCI6MjAwLjAsIk1heEhlaWdodCI6IkluZmluaXR5IiwiU21hcnRGb3JlZ3JvdW5kSXNBY3RpdmUiOmZhbHNlLCJIb3Jpem9udGFsQWxpZ25tZW50IjowLCJWZXJ0aWNhbEFsaWdubWVudCI6MCwiU21hcnRGb3JlZ3JvdW5kIjpudWxsLCJNYXJnaW4iOnsiJHJlZiI6Ijg3In0sIlBhZGRpbmciOnsiJHJlZiI6Ijg4In0sIkJhY2tncm91bmQiOnsiJHJlZiI6Ijg5In0sIklzVmlzaWJsZSI6dHJ1ZSwiV2lkdGgiOjAuMCwiSGVpZ2h0IjowLjAsIkJvcmRlclN0eWxlIjp7IiRpZCI6IjIwMCIsIkxpbmVDb2xvciI6bnVsbCwiTGluZVdlaWdodCI6MC4wLCJMaW5lVHlwZSI6MCwiUGFyZW50U3R5bGUiOm51bGx9LCJQYXJlbnRTdHlsZSI6bnVsbH0sIkR1cmF0aW9uU3R5bGUiOnsiJGlkIjoiMjAxIiwiRm9udFNldHRpbmdzIjp7IiRpZCI6IjIwMiIsIkZvbnRTaXplIjoxMCwiRm9udE5hbWUiOiJDYWxpYnJpIiwiSXNCb2xkIjpmYWxzZSwiSXNJdGFsaWMiOmZhbHNlLCJJc1VuZGVybGluZWQiOmZhbHNlLCJQYXJlbnRTdHlsZSI6bnVsbH0sIkF1dG9TaXplIjowLCJGb3JlZ3JvdW5kIjp7IiRyZWYiOiI5MiJ9LCJNYXhXaWR0aCI6MjAwLjAsIk1heEhlaWdodCI6IkluZmluaXR5IiwiU21hcnRGb3JlZ3JvdW5kSXNBY3RpdmUiOmZhbHNlLCJIb3Jpem9udGFsQWxpZ25tZW50IjowLCJWZXJ0aWNhbEFsaWdubWVudCI6MCwiU21hcnRGb3JlZ3JvdW5kIjpudWxsLCJNYXJnaW4iOnsiJHJlZiI6Ijk0In0sIlBhZGRpbmciOnsiJHJlZiI6Ijk1In0sIkJhY2tncm91bmQiOnsiJHJlZiI6Ijk2In0sIklzVmlzaWJsZSI6dHJ1ZSwiV2lkdGgiOjAuMCwiSGVpZ2h0IjowLjAsIkJvcmRlclN0eWxlIjp7IiRpZCI6IjIwMyIsIkxpbmVDb2xvciI6bnVsbCwiTGluZVdlaWdodCI6MC4wLCJMaW5lVHlwZSI6MCwiUGFyZW50U3R5bGUiOm51bGx9LCJQYXJlbnRTdHlsZSI6bnVsbH0sIkhvcml6b250YWxDb25uZWN0b3JTdHlsZSI6eyIkaWQiOiIyMDQiLCJMaW5lQ29sb3IiOnsiJHJlZiI6Ijk4In0sIkxpbmVXZWlnaHQiOjEuMCwiTGluZVR5cGUiOjAsIlBhcmVudFN0eWxlIjpudWxsfSwiVmVydGljYWxDb25uZWN0b3JTdHlsZSI6eyIkaWQiOiIyMDUiLCJMaW5lQ29sb3IiOnsiJHJlZiI6IjEwMSJ9LCJMaW5lV2VpZ2h0IjowLjAsIkxpbmVUeXBlIjowLCJQYXJlbnRTdHlsZSI6bnVsbH0sIk1hcmdpbiI6bnVsbCwiU3RhcnREYXRlUG9zaXRpb24iOjQsIkVuZERhdGVQb3NpdGlvbiI6NCwiRGF0ZUlzVmlzaWJsZSI6dHJ1ZSwiVGl0bGVQb3NpdGlvbiI6NSwiRHVyYXRpb25Qb3NpdGlvbiI6NiwiUGVyY2VudGFnZUNvbXBsZXRlZFBvc2l0aW9uIjo2LCJTcGFjaW5nIjo1LCJJc0JlbG93VGltZWJhbmQiOnRydWUsIlBlcmNlbnRhZ2VDb21wbGV0ZVNoYXBlT3BhY2l0eSI6MzUsIlNoYXBlU3R5bGUiOnsiJGlkIjoiMjA2IiwiTWFyZ2luIjp7IiRyZWYiOiIxMDQifSwiUGFkZGluZyI6eyIkcmVmIjoiMTA1In0sIkJhY2tncm91bmQiOnsiJGlkIjoiMjA3IiwiQ29sb3IiOnsiJGlkIjoiMjA4IiwiQSI6MjU1LCJSIjoyOSwiRyI6MTQxLCJCIjoxNzZ9fSwiSXNWaXNpYmxlIjp0cnVlLCJXaWR0aCI6MC4wLCJIZWlnaHQiOjE2LjAsIkJvcmRlclN0eWxlIjp7IiRpZCI6IjIwOSIsIkxpbmVDb2xvciI6eyIkcmVmIjoiMTA5In0sIkxpbmVXZWlnaHQiOjAuMCwiTGluZVR5cGUiOjAsIlBhcmVudFN0eWxlIjpudWxsfSwiUGFyZW50U3R5bGUiOm51bGx9LCJUaXRsZVN0eWxlIjp7IiRpZCI6IjIxMCIsIkZvbnRTZXR0aW5ncyI6eyIkaWQiOiIyMTEiLCJGb250U2l6ZSI6MTEsIkZvbnROYW1lIjoiQ2FsaWJyaSIsIklzQm9sZCI6dHJ1ZSwiSXNJdGFsaWMiOmZhbHNlLCJJc1VuZGVybGluZWQiOmZhbHNlLCJQYXJlbnRTdHlsZSI6bnVsbH0sIkF1dG9TaXplIjowLCJGb3JlZ3JvdW5kIjp7IiRyZWYiOiIxMTMifSwiTWF4V2lkdGgiOjcyMC4wLCJNYXhIZWlnaHQiOiJJbmZpbml0eSIsIlNtYXJ0Rm9yZWdyb3VuZElzQWN0aXZlIjpmYWxzZSwiSG9yaXpvbnRhbEFsaWdubWVudCI6MCwiVmVydGljYWxBbGlnbm1lbnQiOjAsIlNtYXJ0Rm9yZWdyb3VuZCI6bnVsbCwiTWFyZ2luIjp7IiRyZWYiOiIxMTUifSwiUGFkZGluZyI6eyIkcmVmIjoiMTE2In0sIkJhY2tncm91bmQiOnsiJHJlZiI6IjExNyJ9LCJJc1Zpc2libGUiOnRydWUsIldpZHRoIjowLjAsIkhlaWdodCI6MC4wLCJCb3JkZXJTdHlsZSI6eyIkaWQiOiIyMTIiLCJMaW5lQ29sb3IiOm51bGwsIkxpbmVXZWlnaHQiOjAuMCwiTGluZVR5cGUiOjAsIlBhcmVudFN0eWxlIjpudWxsfSwiUGFyZW50U3R5bGUiOm51bGx9LCJEYXRlU3R5bGUiOnsiJGlkIjoiMjEzIiwiRm9udFNldHRpbmdzIjp7IiRpZCI6IjIxNCIsIkZvbnRTaXplIjoxMCwiRm9udE5hbWUiOiJDYWxpYnJpIiwiSXNCb2xkIjpmYWxzZSwiSXNJdGFsaWMiOmZhbHNlLCJJc1VuZGVybGluZWQiOmZhbHNlLCJQYXJlbnRTdHlsZSI6bnVsbH0sIkF1dG9TaXplIjowLCJGb3JlZ3JvdW5kIjp7IiRyZWYiOiIxMjAifSwiTWF4V2lkdGgiOjIwMC4wLCJNYXhIZWlnaHQiOiJJbmZpbml0eSIsIlNtYXJ0Rm9yZWdyb3VuZElzQWN0aXZlIjpmYWxzZSwiSG9yaXpvbnRhbEFsaWdubWVudCI6MCwiVmVydGljYWxBbGlnbm1lbnQiOjAsIlNtYXJ0Rm9yZWdyb3VuZCI6bnVsbCwiTWFyZ2luIjp7IiRyZWYiOiIxMjIifSwiUGFkZGluZyI6eyIkcmVmIjoiMTIzIn0sIkJhY2tncm91bmQiOnsiJHJlZiI6IjEyNCJ9LCJJc1Zpc2libGUiOnRydWUsIldpZHRoIjowLjAsIkhlaWdodCI6MC4wLCJCb3JkZXJTdHlsZSI6eyIkaWQiOiIyMTUiLCJMaW5lQ29sb3IiOm51bGwsIkxpbmVXZWlnaHQiOjAuMCwiTGluZVR5cGUiOjAsIlBhcmVudFN0eWxlIjpudWxsfSwiUGFyZW50U3R5bGUiOm51bGx9LCJEYXRlRm9ybWF0Ijp7IiRyZWYiOiIxMjUifSwiSXNWaXNpYmxlIjp0cnVlLCJQYXJlbnRTdHlsZSI6bnVsbH0sIkluZGV4Ijo0LCJTbWFydER1cmF0aW9uQWN0aXZhdGVkIjpmYWxzZSwiRGF0ZUZvcm1hdCI6eyIkcmVmIjoiMTI1In0sIklkIjoiZGEwNWIzNzctMDg4MS00ZjI4LWI2MDctYzk1YjFmODM3ODI4IiwiSW1wb3J0SWQiOm51bGwsIlRpdGxlIjoiRXZhbHVhdGllIEFuZ2xpY2FuIiwiTm90ZSI6bnVsbCwiSHlwZXJsaW5rIjpudWxsLCJJc0NoYW5nZWQiOmZhbHNlLCJJc05ldyI6ZmFsc2V9LHsiJGlkIjoiMjE2IiwiR3JvdXBOYW1lIjpudWxsLCJTdGFydERhdGUiOiIyMDE4LTAxLTA4VDAwOjAwOjAwWiIsIkVuZERhdGUiOiIyMDE4LTAxLTMxVDIzOjU5OjAwWiIsIlBlcmNlbnRhZ2VDb21wbGV0ZSI6bnVsbCwiU3R5bGUiOnsiJGlkIjoiMjE3IiwiU2hhcGUiOjEsIlNoYXBlVGhpY2tuZXNzIjoxLCJEdXJhdGlvbkZvcm1hdCI6MCwiSW5jbHVkZU5vbldvcmtpbmdEYXlzSW5EdXJhdGlvbiI6ZmFsc2UsIlBlcmNlbnRhZ2VDb21wbGV0ZVN0eWxlIjp7IiRpZCI6IjIxOCIsIkZvbnRTZXR0aW5ncyI6eyIkaWQiOiIyMTkiLCJGb250U2l6ZSI6MTAsIkZvbnROYW1lIjoiQ2FsaWJyaSIsIklzQm9sZCI6ZmFsc2UsIklzSXRhbGljIjpmYWxzZSwiSXNVbmRlcmxpbmVkIjpmYWxzZSwiUGFyZW50U3R5bGUiOm51bGx9LCJBdXRvU2l6ZSI6MCwiRm9yZWdyb3VuZCI6eyIkaWQiOiIyMjAiLCJDb2xvciI6eyIkcmVmIjoiODYifX0sIk1heFdpZHRoIjoyMDAuMCwiTWF4SGVpZ2h0IjoiSW5maW5pdHkiLCJTbWFydEZvcmVncm91bmRJc0FjdGl2ZSI6ZmFsc2UsIkhvcml6b250YWxBbGlnbm1lbnQiOjAsIlZlcnRpY2FsQWxpZ25tZW50IjowLCJTbWFydEZvcmVncm91bmQiOm51bGwsIk1hcmdpbiI6eyIkcmVmIjoiODcifSwiUGFkZGluZyI6eyIkcmVmIjoiODgifSwiQmFja2dyb3VuZCI6eyIkcmVmIjoiODkifSwiSXNWaXNpYmxlIjp0cnVlLCJXaWR0aCI6MC4wLCJIZWlnaHQiOjAuMCwiQm9yZGVyU3R5bGUiOnsiJGlkIjoiMjIxIiwiTGluZUNvbG9yIjpudWxsLCJMaW5lV2VpZ2h0IjowLjAsIkxpbmVUeXBlIjowLCJQYXJlbnRTdHlsZSI6bnVsbH0sIlBhcmVudFN0eWxlIjpudWxsfSwiRHVyYXRpb25TdHlsZSI6eyIkaWQiOiIyMjIiLCJGb250U2V0dGluZ3MiOnsiJGlkIjoiMjIzIiwiRm9udFNpemUiOjEwLCJGb250TmFtZSI6IkNhbGlicmkiLCJJc0JvbGQiOmZhbHNlLCJJc0l0YWxpYyI6ZmFsc2UsIklzVW5kZXJsaW5lZCI6ZmFsc2UsIlBhcmVudFN0eWxlIjpudWxsfSwiQXV0b1NpemUiOjAsIkZvcmVncm91bmQiOnsiJGlkIjoiMjI0IiwiQ29sb3IiOnsiJHJlZiI6IjkzIn19LCJNYXhXaWR0aCI6MjAwLjAsIk1heEhlaWdodCI6IkluZmluaXR5IiwiU21hcnRGb3JlZ3JvdW5kSXNBY3RpdmUiOmZhbHNlLCJIb3Jpem9udGFsQWxpZ25tZW50IjowLCJWZXJ0aWNhbEFsaWdubWVudCI6MCwiU21hcnRGb3JlZ3JvdW5kIjpudWxsLCJNYXJnaW4iOnsiJHJlZiI6Ijk0In0sIlBhZGRpbmciOnsiJHJlZiI6Ijk1In0sIkJhY2tncm91bmQiOnsiJHJlZiI6Ijk2In0sIklzVmlzaWJsZSI6dHJ1ZSwiV2lkdGgiOjAuMCwiSGVpZ2h0IjowLjAsIkJvcmRlclN0eWxlIjp7IiRpZCI6IjIyNSIsIkxpbmVDb2xvciI6bnVsbCwiTGluZVdlaWdodCI6MC4wLCJMaW5lVHlwZSI6MCwiUGFyZW50U3R5bGUiOm51bGx9LCJQYXJlbnRTdHlsZSI6bnVsbH0sIkhvcml6b250YWxDb25uZWN0b3JTdHlsZSI6eyIkaWQiOiIyMjYiLCJMaW5lQ29sb3IiOnsiJHJlZiI6Ijk4In0sIkxpbmVXZWlnaHQiOjEuMCwiTGluZVR5cGUiOjAsIlBhcmVudFN0eWxlIjpudWxsfSwiVmVydGljYWxDb25uZWN0b3JTdHlsZSI6eyIkaWQiOiIyMjciLCJMaW5lQ29sb3IiOnsiJHJlZiI6IjEwMSJ9LCJMaW5lV2VpZ2h0IjowLjAsIkxpbmVUeXBlIjowLCJQYXJlbnRTdHlsZSI6bnVsbH0sIk1hcmdpbiI6bnVsbCwiU3RhcnREYXRlUG9zaXRpb24iOjQsIkVuZERhdGVQb3NpdGlvbiI6NCwiRGF0ZUlzVmlzaWJsZSI6dHJ1ZSwiVGl0bGVQb3NpdGlvbiI6NSwiRHVyYXRpb25Qb3NpdGlvbiI6NiwiUGVyY2VudGFnZUNvbXBsZXRlZFBvc2l0aW9uIjo2LCJTcGFjaW5nIjo1LCJJc0JlbG93VGltZWJhbmQiOnRydWUsIlBlcmNlbnRhZ2VDb21wbGV0ZVNoYXBlT3BhY2l0eSI6MzUsIlNoYXBlU3R5bGUiOnsiJGlkIjoiMjI4IiwiTWFyZ2luIjp7IiRyZWYiOiIxMDQifSwiUGFkZGluZyI6eyIkcmVmIjoiMTA1In0sIkJhY2tncm91bmQiOnsiJGlkIjoiMjI5IiwiQ29sb3IiOnsiJGlkIjoiMjMwIiwiQSI6MjU1LCJSIjoyOSwiRyI6MTQxLCJCIjoxNzZ9fSwiSXNWaXNpYmxlIjp0cnVlLCJXaWR0aCI6MC4wLCJIZWlnaHQiOjE2LjAsIkJvcmRlclN0eWxlIjp7IiRpZCI6IjIzMSIsIkxpbmVDb2xvciI6eyIkcmVmIjoiMTA5In0sIkxpbmVXZWlnaHQiOjAuMCwiTGluZVR5cGUiOjAsIlBhcmVudFN0eWxlIjpudWxsfSwiUGFyZW50U3R5bGUiOm51bGx9LCJUaXRsZVN0eWxlIjp7IiRpZCI6IjIzMiIsIkZvbnRTZXR0aW5ncyI6eyIkaWQiOiIyMzMiLCJGb250U2l6ZSI6MTEsIkZvbnROYW1lIjoiQ2FsaWJyaSIsIklzQm9sZCI6dHJ1ZSwiSXNJdGFsaWMiOmZhbHNlLCJJc1VuZGVybGluZWQiOmZhbHNlLCJQYXJlbnRTdHlsZSI6bnVsbH0sIkF1dG9TaXplIjowLCJGb3JlZ3JvdW5kIjp7IiRpZCI6IjIzNCIsIkNvbG9yIjp7IiRyZWYiOiIxMTQifX0sIk1heFdpZHRoIjo5NjAuMCwiTWF4SGVpZ2h0IjoiSW5maW5pdHkiLCJTbWFydEZvcmVncm91bmRJc0FjdGl2ZSI6ZmFsc2UsIkhvcml6b250YWxBbGlnbm1lbnQiOjAsIlZlcnRpY2FsQWxpZ25tZW50IjowLCJTbWFydEZvcmVncm91bmQiOm51bGwsIk1hcmdpbiI6eyIkcmVmIjoiMTE1In0sIlBhZGRpbmciOnsiJHJlZiI6IjExNiJ9LCJCYWNrZ3JvdW5kIjp7IiRyZWYiOiIxMTcifSwiSXNWaXNpYmxlIjp0cnVlLCJXaWR0aCI6MC4wLCJIZWlnaHQiOjAuMCwiQm9yZGVyU3R5bGUiOnsiJGlkIjoiMjM1IiwiTGluZUNvbG9yIjpudWxsLCJMaW5lV2VpZ2h0IjowLjAsIkxpbmVUeXBlIjowLCJQYXJlbnRTdHlsZSI6bnVsbH0sIlBhcmVudFN0eWxlIjpudWxsfSwiRGF0ZVN0eWxlIjp7IiRpZCI6IjIzNiIsIkZvbnRTZXR0aW5ncyI6eyIkaWQiOiIyMzciLCJGb250U2l6ZSI6MTAsIkZvbnROYW1lIjoiQ2FsaWJyaSIsIklzQm9sZCI6ZmFsc2UsIklzSXRhbGljIjpmYWxzZSwiSXNVbmRlcmxpbmVkIjpmYWxzZSwiUGFyZW50U3R5bGUiOm51bGx9LCJBdXRvU2l6ZSI6MCwiRm9yZWdyb3VuZCI6eyIkaWQiOiIyMzgiLCJDb2xvciI6eyIkcmVmIjoiMTIxIn19LCJNYXhXaWR0aCI6MjAwLjAsIk1heEhlaWdodCI6IkluZmluaXR5IiwiU21hcnRGb3JlZ3JvdW5kSXNBY3RpdmUiOmZhbHNlLCJIb3Jpem9udGFsQWxpZ25tZW50IjowLCJWZXJ0aWNhbEFsaWdubWVudCI6MCwiU21hcnRGb3JlZ3JvdW5kIjpudWxsLCJNYXJnaW4iOnsiJHJlZiI6IjEyMiJ9LCJQYWRkaW5nIjp7IiRyZWYiOiIxMjMifSwiQmFja2dyb3VuZCI6eyIkcmVmIjoiMTI0In0sIklzVmlzaWJsZSI6dHJ1ZSwiV2lkdGgiOjAuMCwiSGVpZ2h0IjowLjAsIkJvcmRlclN0eWxlIjp7IiRpZCI6IjIzOSIsIkxpbmVDb2xvciI6bnVsbCwiTGluZVdlaWdodCI6MC4wLCJMaW5lVHlwZSI6MCwiUGFyZW50U3R5bGUiOm51bGx9LCJQYXJlbnRTdHlsZSI6bnVsbH0sIkRhdGVGb3JtYXQiOnsiJHJlZiI6IjEyNSJ9LCJJc1Zpc2libGUiOnRydWUsIlBhcmVudFN0eWxlIjpudWxsfSwiSW5kZXgiOjUsIlNtYXJ0RHVyYXRpb25BY3RpdmF0ZWQiOmZhbHNlLCJEYXRlRm9ybWF0Ijp7IiRyZWYiOiIxMjUifSwiSWQiOiIwYjlkNTMzMC0zNDRjLTQxYzEtYWUxMi0zMjU0YjYyNjgyYjIiLCJJbXBvcnRJZCI6bnVsbCwiVGl0bGUiOiJUZWtzdCBBbmdsaWNhbiIsIk5vdGUiOm51bGwsIkh5cGVybGluayI6bnVsbCwiSXNDaGFuZ2VkIjpmYWxzZSwiSXNOZXciOmZhbHNlfSx7IiRpZCI6IjI0MCIsIkdyb3VwTmFtZSI6bnVsbCwiU3RhcnREYXRlIjoiMjAxOC0wMS0zMVQwMDowMDowMCIsIkVuZERhdGUiOiIyMDE4LTAyLTIzVDIzOjU5OjAwIiwiUGVyY2VudGFnZUNvbXBsZXRlIjpudWxsLCJTdHlsZSI6eyIkaWQiOiIyNDEiLCJTaGFwZSI6MSwiU2hhcGVUaGlja25lc3MiOjEsIkR1cmF0aW9uRm9ybWF0IjowLCJJbmNsdWRlTm9uV29ya2luZ0RheXNJbkR1cmF0aW9uIjpmYWxzZSwiUGVyY2VudGFnZUNvbXBsZXRlU3R5bGUiOnsiJGlkIjoiMjQyIiwiRm9udFNldHRpbmdzIjp7IiRpZCI6IjI0MyIsIkZvbnRTaXplIjoxMCwiRm9udE5hbWUiOiJDYWxpYnJpIiwiSXNCb2xkIjpmYWxzZSwiSXNJdGFsaWMiOmZhbHNlLCJJc1VuZGVybGluZWQiOmZhbHNlLCJQYXJlbnRTdHlsZSI6bnVsbH0sIkF1dG9TaXplIjowLCJGb3JlZ3JvdW5kIjp7IiRpZCI6IjI0NCIsIkNvbG9yIjp7IiRyZWYiOiI4NiJ9fSwiTWF4V2lkdGgiOjIwMC4wLCJNYXhIZWlnaHQiOiJJbmZpbml0eSIsIlNtYXJ0Rm9yZWdyb3VuZElzQWN0aXZlIjpmYWxzZSwiSG9yaXpvbnRhbEFsaWdubWVudCI6MCwiVmVydGljYWxBbGlnbm1lbnQiOjAsIlNtYXJ0Rm9yZWdyb3VuZCI6bnVsbCwiTWFyZ2luIjp7IiRyZWYiOiI4NyJ9LCJQYWRkaW5nIjp7IiRyZWYiOiI4OCJ9LCJCYWNrZ3JvdW5kIjp7IiRyZWYiOiI4OSJ9LCJJc1Zpc2libGUiOnRydWUsIldpZHRoIjowLjAsIkhlaWdodCI6MC4wLCJCb3JkZXJTdHlsZSI6eyIkaWQiOiIyNDUiLCJMaW5lQ29sb3IiOm51bGwsIkxpbmVXZWlnaHQiOjAuMCwiTGluZVR5cGUiOjAsIlBhcmVudFN0eWxlIjpudWxsfSwiUGFyZW50U3R5bGUiOm51bGx9LCJEdXJhdGlvblN0eWxlIjp7IiRpZCI6IjI0NiIsIkZvbnRTZXR0aW5ncyI6eyIkaWQiOiIyNDciLCJGb250U2l6ZSI6MTAsIkZvbnROYW1lIjoiQ2FsaWJyaSIsIklzQm9sZCI6ZmFsc2UsIklzSXRhbGljIjpmYWxzZSwiSXNVbmRlcmxpbmVkIjpmYWxzZSwiUGFyZW50U3R5bGUiOm51bGx9LCJBdXRvU2l6ZSI6MCwiRm9yZWdyb3VuZCI6eyIkaWQiOiIyNDgiLCJDb2xvciI6eyIkcmVmIjoiOTMifX0sIk1heFdpZHRoIjoyMDAuMCwiTWF4SGVpZ2h0IjoiSW5maW5pdHkiLCJTbWFydEZvcmVncm91bmRJc0FjdGl2ZSI6ZmFsc2UsIkhvcml6b250YWxBbGlnbm1lbnQiOjAsIlZlcnRpY2FsQWxpZ25tZW50IjowLCJTbWFydEZvcmVncm91bmQiOm51bGwsIk1hcmdpbiI6eyIkcmVmIjoiOTQifSwiUGFkZGluZyI6eyIkcmVmIjoiOTUifSwiQmFja2dyb3VuZCI6eyIkcmVmIjoiOTYifSwiSXNWaXNpYmxlIjp0cnVlLCJXaWR0aCI6MC4wLCJIZWlnaHQiOjAuMCwiQm9yZGVyU3R5bGUiOnsiJGlkIjoiMjQ5IiwiTGluZUNvbG9yIjpudWxsLCJMaW5lV2VpZ2h0IjowLjAsIkxpbmVUeXBlIjowLCJQYXJlbnRTdHlsZSI6bnVsbH0sIlBhcmVudFN0eWxlIjpudWxsfSwiSG9yaXpvbnRhbENvbm5lY3RvclN0eWxlIjp7IiRpZCI6IjI1MCIsIkxpbmVDb2xvciI6eyIkcmVmIjoiOTgifSwiTGluZVdlaWdodCI6MS4wLCJMaW5lVHlwZSI6MCwiUGFyZW50U3R5bGUiOm51bGx9LCJWZXJ0aWNhbENvbm5lY3RvclN0eWxlIjp7IiRpZCI6IjI1MSIsIkxpbmVDb2xvciI6eyIkcmVmIjoiMTAxIn0sIkxpbmVXZWlnaHQiOjAuMCwiTGluZVR5cGUiOjAsIlBhcmVudFN0eWxlIjpudWxsfSwiTWFyZ2luIjpudWxsLCJTdGFydERhdGVQb3NpdGlvbiI6NCwiRW5kRGF0ZVBvc2l0aW9uIjo0LCJEYXRlSXNWaXNpYmxlIjp0cnVlLCJUaXRsZVBvc2l0aW9uIjo1LCJEdXJhdGlvblBvc2l0aW9uIjo2LCJQZXJjZW50YWdlQ29tcGxldGVkUG9zaXRpb24iOjYsIlNwYWNpbmciOjUsIklzQmVsb3dUaW1lYmFuZCI6dHJ1ZSwiUGVyY2VudGFnZUNvbXBsZXRlU2hhcGVPcGFjaXR5IjozNSwiU2hhcGVTdHlsZSI6eyIkaWQiOiIyNTIiLCJNYXJnaW4iOnsiJHJlZiI6IjEwNCJ9LCJQYWRkaW5nIjp7IiRyZWYiOiIxMDUifSwiQmFja2dyb3VuZCI6eyIkaWQiOiIyNTMiLCJDb2xvciI6eyIkaWQiOiIyNTQiLCJBIjoyNTUsIlIiOjI5LCJHIjoxNDEsIkIiOjE3Nn19LCJJc1Zpc2libGUiOnRydWUsIldpZHRoIjowLjAsIkhlaWdodCI6MTYuMCwiQm9yZGVyU3R5bGUiOnsiJGlkIjoiMjU1IiwiTGluZUNvbG9yIjp7IiRyZWYiOiIxMDkifSwiTGluZVdlaWdodCI6MC4wLCJMaW5lVHlwZSI6MCwiUGFyZW50U3R5bGUiOm51bGx9LCJQYXJlbnRTdHlsZSI6bnVsbH0sIlRpdGxlU3R5bGUiOnsiJGlkIjoiMjU2IiwiRm9udFNldHRpbmdzIjp7IiRpZCI6IjI1NyIsIkZvbnRTaXplIjoxMSwiRm9udE5hbWUiOiJDYWxpYnJpIiwiSXNCb2xkIjp0cnVlLCJJc0l0YWxpYyI6ZmFsc2UsIklzVW5kZXJsaW5lZCI6ZmFsc2UsIlBhcmVudFN0eWxlIjpudWxsfSwiQXV0b1NpemUiOjAsIkZvcmVncm91bmQiOnsiJGlkIjoiMjU4IiwiQ29sb3IiOnsiJHJlZiI6IjExNCJ9fSwiTWF4V2lkdGgiOjk2MC4wLCJNYXhIZWlnaHQiOiJJbmZpbml0eSIsIlNtYXJ0Rm9yZWdyb3VuZElzQWN0aXZlIjpmYWxzZSwiSG9yaXpvbnRhbEFsaWdubWVudCI6MCwiVmVydGljYWxBbGlnbm1lbnQiOjAsIlNtYXJ0Rm9yZWdyb3VuZCI6bnVsbCwiTWFyZ2luIjp7IiRyZWYiOiIxMTUifSwiUGFkZGluZyI6eyIkcmVmIjoiMTE2In0sIkJhY2tncm91bmQiOnsiJHJlZiI6IjExNyJ9LCJJc1Zpc2libGUiOnRydWUsIldpZHRoIjowLjAsIkhlaWdodCI6MC4wLCJCb3JkZXJTdHlsZSI6eyIkaWQiOiIyNTkiLCJMaW5lQ29sb3IiOm51bGwsIkxpbmVXZWlnaHQiOjAuMCwiTGluZVR5cGUiOjAsIlBhcmVudFN0eWxlIjpudWxsfSwiUGFyZW50U3R5bGUiOm51bGx9LCJEYXRlU3R5bGUiOnsiJGlkIjoiMjYwIiwiRm9udFNldHRpbmdzIjp7IiRpZCI6IjI2MSIsIkZvbnRTaXplIjoxMCwiRm9udE5hbWUiOiJDYWxpYnJpIiwiSXNCb2xkIjpmYWxzZSwiSXNJdGFsaWMiOmZhbHNlLCJJc1VuZGVybGluZWQiOmZhbHNlLCJQYXJlbnRTdHlsZSI6bnVsbH0sIkF1dG9TaXplIjowLCJGb3JlZ3JvdW5kIjp7IiRpZCI6IjI2MiIsIkNvbG9yIjp7IiRyZWYiOiIxMjEifX0sIk1heFdpZHRoIjoyMDAuMCwiTWF4SGVpZ2h0IjoiSW5maW5pdHkiLCJTbWFydEZvcmVncm91bmRJc0FjdGl2ZSI6ZmFsc2UsIkhvcml6b250YWxBbGlnbm1lbnQiOjAsIlZlcnRpY2FsQWxpZ25tZW50IjowLCJTbWFydEZvcmVncm91bmQiOm51bGwsIk1hcmdpbiI6eyIkcmVmIjoiMTIyIn0sIlBhZGRpbmciOnsiJHJlZiI6IjEyMyJ9LCJCYWNrZ3JvdW5kIjp7IiRyZWYiOiIxMjQifSwiSXNWaXNpYmxlIjp0cnVlLCJXaWR0aCI6MC4wLCJIZWlnaHQiOjAuMCwiQm9yZGVyU3R5bGUiOnsiJGlkIjoiMjYzIiwiTGluZUNvbG9yIjpudWxsLCJMaW5lV2VpZ2h0IjowLjAsIkxpbmVUeXBlIjowLCJQYXJlbnRTdHlsZSI6bnVsbH0sIlBhcmVudFN0eWxlIjpudWxsfSwiRGF0ZUZvcm1hdCI6eyIkcmVmIjoiMTI1In0sIklzVmlzaWJsZSI6dHJ1ZSwiUGFyZW50U3R5bGUiOm51bGx9LCJJbmRleCI6NiwiU21hcnREdXJhdGlvbkFjdGl2YXRlZCI6ZmFsc2UsIkRhdGVGb3JtYXQiOnsiJHJlZiI6IjEyNSJ9LCJJZCI6ImUyMmMzMmE3LWYxZDgtNDRlNy1iOTQ4LWI1ZGI0MzRiOTQzYyIsIkltcG9ydElkIjpudWxsLCJUaXRsZSI6IkV2YWx1YXRpZSBQcm9iTG9nLUFuZ2xpY2FuIiwiTm90ZSI6bnVsbCwiSHlwZXJsaW5rIjpudWxsLCJJc0NoYW5nZWQiOmZhbHNlLCJJc05ldyI6ZmFsc2V9LHsiJGlkIjoiMjY0IiwiR3JvdXBOYW1lIjpudWxsLCJTdGFydERhdGUiOiIyMDE4LTAyLTI0VDAwOjAwOjAwWiIsIkVuZERhdGUiOiIyMDE4LTA1LTMxVDIzOjU5OjAwWiIsIlBlcmNlbnRhZ2VDb21wbGV0ZSI6bnVsbCwiU3R5bGUiOnsiJGlkIjoiMjY1IiwiU2hhcGUiOjEsIlNoYXBlVGhpY2tuZXNzIjoxLCJEdXJhdGlvbkZvcm1hdCI6MCwiSW5jbHVkZU5vbldvcmtpbmdEYXlzSW5EdXJhdGlvbiI6ZmFsc2UsIlBlcmNlbnRhZ2VDb21wbGV0ZVN0eWxlIjp7IiRpZCI6IjI2NiIsIkZvbnRTZXR0aW5ncyI6eyIkaWQiOiIyNjciLCJGb250U2l6ZSI6MTAsIkZvbnROYW1lIjoiQ2FsaWJyaSIsIklzQm9sZCI6ZmFsc2UsIklzSXRhbGljIjpmYWxzZSwiSXNVbmRlcmxpbmVkIjpmYWxzZSwiUGFyZW50U3R5bGUiOm51bGx9LCJBdXRvU2l6ZSI6MCwiRm9yZWdyb3VuZCI6eyIkcmVmIjoiODUifSwiTWF4V2lkdGgiOjIwMC4wLCJNYXhIZWlnaHQiOiJJbmZpbml0eSIsIlNtYXJ0Rm9yZWdyb3VuZElzQWN0aXZlIjpmYWxzZSwiSG9yaXpvbnRhbEFsaWdubWVudCI6MCwiVmVydGljYWxBbGlnbm1lbnQiOjAsIlNtYXJ0Rm9yZWdyb3VuZCI6bnVsbCwiTWFyZ2luIjp7IiRyZWYiOiI4NyJ9LCJQYWRkaW5nIjp7IiRyZWYiOiI4OCJ9LCJCYWNrZ3JvdW5kIjp7IiRyZWYiOiI4OSJ9LCJJc1Zpc2libGUiOnRydWUsIldpZHRoIjowLjAsIkhlaWdodCI6MC4wLCJCb3JkZXJTdHlsZSI6eyIkaWQiOiIyNjgiLCJMaW5lQ29sb3IiOm51bGwsIkxpbmVXZWlnaHQiOjAuMCwiTGluZVR5cGUiOjAsIlBhcmVudFN0eWxlIjpudWxsfSwiUGFyZW50U3R5bGUiOm51bGx9LCJEdXJhdGlvblN0eWxlIjp7IiRpZCI6IjI2OSIsIkZvbnRTZXR0aW5ncyI6eyIkaWQiOiIyNzAiLCJGb250U2l6ZSI6MTAsIkZvbnROYW1lIjoiQ2FsaWJyaSIsIklzQm9sZCI6ZmFsc2UsIklzSXRhbGljIjpmYWxzZSwiSXNVbmRlcmxpbmVkIjpmYWxzZSwiUGFyZW50U3R5bGUiOm51bGx9LCJBdXRvU2l6ZSI6MCwiRm9yZWdyb3VuZCI6eyIkcmVmIjoiOTIifSwiTWF4V2lkdGgiOjIwMC4wLCJNYXhIZWlnaHQiOiJJbmZpbml0eSIsIlNtYXJ0Rm9yZWdyb3VuZElzQWN0aXZlIjpmYWxzZSwiSG9yaXpvbnRhbEFsaWdubWVudCI6MCwiVmVydGljYWxBbGlnbm1lbnQiOjAsIlNtYXJ0Rm9yZWdyb3VuZCI6bnVsbCwiTWFyZ2luIjp7IiRyZWYiOiI5NCJ9LCJQYWRkaW5nIjp7IiRyZWYiOiI5NSJ9LCJCYWNrZ3JvdW5kIjp7IiRyZWYiOiI5NiJ9LCJJc1Zpc2libGUiOnRydWUsIldpZHRoIjowLjAsIkhlaWdodCI6MC4wLCJCb3JkZXJTdHlsZSI6eyIkaWQiOiIyNzEiLCJMaW5lQ29sb3IiOm51bGwsIkxpbmVXZWlnaHQiOjAuMCwiTGluZVR5cGUiOjAsIlBhcmVudFN0eWxlIjpudWxsfSwiUGFyZW50U3R5bGUiOm51bGx9LCJIb3Jpem9udGFsQ29ubmVjdG9yU3R5bGUiOnsiJGlkIjoiMjcyIiwiTGluZUNvbG9yIjp7IiRyZWYiOiI5OCJ9LCJMaW5lV2VpZ2h0IjoxLjAsIkxpbmVUeXBlIjowLCJQYXJlbnRTdHlsZSI6bnVsbH0sIlZlcnRpY2FsQ29ubmVjdG9yU3R5bGUiOnsiJGlkIjoiMjczIiwiTGluZUNvbG9yIjp7IiRyZWYiOiIxMDEifSwiTGluZVdlaWdodCI6MC4wLCJMaW5lVHlwZSI6MCwiUGFyZW50U3R5bGUiOm51bGx9LCJNYXJnaW4iOm51bGwsIlN0YXJ0RGF0ZVBvc2l0aW9uIjo0LCJFbmREYXRlUG9zaXRpb24iOjQsIkRhdGVJc1Zpc2libGUiOnRydWUsIlRpdGxlUG9zaXRpb24iOjUsIkR1cmF0aW9uUG9zaXRpb24iOjYsIlBlcmNlbnRhZ2VDb21wbGV0ZWRQb3NpdGlvbiI6NiwiU3BhY2luZyI6NSwiSXNCZWxvd1RpbWViYW5kIjp0cnVlLCJQZXJjZW50YWdlQ29tcGxldGVTaGFwZU9wYWNpdHkiOjM1LCJTaGFwZVN0eWxlIjp7IiRpZCI6IjI3NCIsIk1hcmdpbiI6eyIkcmVmIjoiMTA0In0sIlBhZGRpbmciOnsiJHJlZiI6IjEwNSJ9LCJCYWNrZ3JvdW5kIjp7IiRpZCI6IjI3NSIsIkNvbG9yIjp7IiRpZCI6IjI3NiIsIkEiOjI1NSwiUiI6MjksIkciOjE0MSwiQiI6MTc2fX0sIklzVmlzaWJsZSI6dHJ1ZSwiV2lkdGgiOjAuMCwiSGVpZ2h0IjoxNi4wLCJCb3JkZXJTdHlsZSI6eyIkaWQiOiIyNzciLCJMaW5lQ29sb3IiOnsiJHJlZiI6IjEwOSJ9LCJMaW5lV2VpZ2h0IjowLjAsIkxpbmVUeXBlIjowLCJQYXJlbnRTdHlsZSI6bnVsbH0sIlBhcmVudFN0eWxlIjpudWxsfSwiVGl0bGVTdHlsZSI6eyIkaWQiOiIyNzgiLCJGb250U2V0dGluZ3MiOnsiJGlkIjoiMjc5IiwiRm9udFNpemUiOjExLCJGb250TmFtZSI6IkNhbGlicmkiLCJJc0JvbGQiOnRydWUsIklzSXRhbGljIjpmYWxzZSwiSXNVbmRlcmxpbmVkIjpmYWxzZSwiUGFyZW50U3R5bGUiOm51bGx9LCJBdXRvU2l6ZSI6MCwiRm9yZWdyb3VuZCI6eyIkcmVmIjoiMTEzIn0sIk1heFdpZHRoIjo3MjAuMCwiTWF4SGVpZ2h0IjoiSW5maW5pdHkiLCJTbWFydEZvcmVncm91bmRJc0FjdGl2ZSI6ZmFsc2UsIkhvcml6b250YWxBbGlnbm1lbnQiOjAsIlZlcnRpY2FsQWxpZ25tZW50IjowLCJTbWFydEZvcmVncm91bmQiOm51bGwsIk1hcmdpbiI6eyIkcmVmIjoiMTE1In0sIlBhZGRpbmciOnsiJHJlZiI6IjExNiJ9LCJCYWNrZ3JvdW5kIjp7IiRyZWYiOiIxMTcifSwiSXNWaXNpYmxlIjp0cnVlLCJXaWR0aCI6MC4wLCJIZWlnaHQiOjAuMCwiQm9yZGVyU3R5bGUiOnsiJGlkIjoiMjgwIiwiTGluZUNvbG9yIjpudWxsLCJMaW5lV2VpZ2h0IjowLjAsIkxpbmVUeXBlIjowLCJQYXJlbnRTdHlsZSI6bnVsbH0sIlBhcmVudFN0eWxlIjpudWxsfSwiRGF0ZVN0eWxlIjp7IiRpZCI6IjI4MSIsIkZvbnRTZXR0aW5ncyI6eyIkaWQiOiIyODIiLCJGb250U2l6ZSI6MTAsIkZvbnROYW1lIjoiQ2FsaWJyaSIsIklzQm9sZCI6ZmFsc2UsIklzSXRhbGljIjpmYWxzZSwiSXNVbmRlcmxpbmVkIjpmYWxzZSwiUGFyZW50U3R5bGUiOm51bGx9LCJBdXRvU2l6ZSI6MCwiRm9yZWdyb3VuZCI6eyIkcmVmIjoiMTIwIn0sIk1heFdpZHRoIjoyMDAuMCwiTWF4SGVpZ2h0IjoiSW5maW5pdHkiLCJTbWFydEZvcmVncm91bmRJc0FjdGl2ZSI6ZmFsc2UsIkhvcml6b250YWxBbGlnbm1lbnQiOjAsIlZlcnRpY2FsQWxpZ25tZW50IjowLCJTbWFydEZvcmVncm91bmQiOm51bGwsIk1hcmdpbiI6eyIkcmVmIjoiMTIyIn0sIlBhZGRpbmciOnsiJHJlZiI6IjEyMyJ9LCJCYWNrZ3JvdW5kIjp7IiRyZWYiOiIxMjQifSwiSXNWaXNpYmxlIjp0cnVlLCJXaWR0aCI6MC4wLCJIZWlnaHQiOjAuMCwiQm9yZGVyU3R5bGUiOnsiJGlkIjoiMjgzIiwiTGluZUNvbG9yIjpudWxsLCJMaW5lV2VpZ2h0IjowLjAsIkxpbmVUeXBlIjowLCJQYXJlbnRTdHlsZSI6bnVsbH0sIlBhcmVudFN0eWxlIjpudWxsfSwiRGF0ZUZvcm1hdCI6eyIkcmVmIjoiMTI1In0sIklzVmlzaWJsZSI6dHJ1ZSwiUGFyZW50U3R5bGUiOm51bGx9LCJJbmRleCI6NywiU21hcnREdXJhdGlvbkFjdGl2YXRlZCI6ZmFsc2UsIkRhdGVGb3JtYXQiOnsiJHJlZiI6IjEyNSJ9LCJJZCI6Ijk5ZDRlNDcyLWIzNTUtNDlhZC1hNzQ2LTRhNGI0YTBkNzQwMSIsIkltcG9ydElkIjpudWxsLCJUaXRsZSI6IihPcHRpb25lZWwpIEltcGxlbWVudGF0aWUsIFRla3N0IGVuIEV2YWx1YXRpZSAzZGUgdGFhbCIsIk5vdGUiOm51bGwsIkh5cGVybGluayI6bnVsbCwiSXNDaGFuZ2VkIjpmYWxzZSwiSXNOZXciOmZhbHNlfV0sIk1zUHJvamVjdEl0ZW1zVHJlZSI6eyIkaWQiOiIyODQiLCJSb290Ijp7IkltcG9ydElkIjpudWxsLCJJc0ltcG9ydGVkIjpmYWxzZSwiQ2hpbGRyZW4iOltdfX0sIk1ldGFkYXRhIjp7IiRpZCI6IjI4NSJ9LCJTZXR0aW5ncyI6eyIkaWQiOiIyODYiLCJJbXBhT3B0aW9ucyI6eyIkaWQiOiIyODciLCJMZWZ0VG9SaWdodCI6ZmFsc2UsIlBheWxvYWRPcHRpb25zIjoyfSwiVXNlQ29tcHJlc3Npb24iOmZhbHNlLCJDb21wcmVzaW9uUGVyY2VudGFnZSI6NTAuMCwiSW5hY3RpdmVJbnRlcnZhbFdpZHRoVGhyZXNob2xkIjozMC4wLCJJbmFjdGl2ZUludGVydmFsV2lkdGgiOjEuMCwiU3BsaXRUYXNrcyI6ZmFsc2UsIlVzZUNsdXN0ZXIiOmZhbHNlLCJFcHNpbG9uIjowLjAsIk1pblBvaW50c1RvRm9ybUFDbHVzdGVyIjoyLCJHZW5lcmF0ZUludmlzaWJsZVNoYXBlcyI6ZmFsc2UsIlNtYXJ0VGltZWxpbmVUYXNrUGVyY2VudGFnZUZpdCI6ZmFsc2V9LCJJc05ldyI6dHJ1ZSwiSW1wb3J0VHlwZSI6MCwiRmlsZVBhdGgiOm51bGwsIlRpbWVDb25maWd1cmF0aW9uIjp7IiRpZCI6IjI4OCIsIlVzZVRpbWUiOmZhbHNlLCJXb3JrRGF5U3RhcnQiOiIwMDowMDowMCIsIldvcmtEYXlFbmQiOiIyMzo1OTowMCJ9LCJMYXN0VXNlZFRlbXBsYXRlSWQiOiI3MzU1YjYzMy1hYzY2LTQ1MjgtOGI0ZC0yOTlmYWVkYzllZTkifQ=="/>
+  <p:tag name="__MASTER" val="__part_0"/>
+</p:tagLst>
+</file>
+
+<file path=ppt/tags/tag10.xml><?xml version="1.0" encoding="utf-8"?>
+<p:tagLst xmlns:a="http://schemas.openxmlformats.org/drawingml/2006/main" xmlns:r="http://schemas.openxmlformats.org/officeDocument/2006/relationships" xmlns:p="http://schemas.openxmlformats.org/presentationml/2006/main">
+  <p:tag name="OTLMARKERSHAPE" val="OTL"/>
+</p:tagLst>
+</file>
+
+<file path=ppt/tags/tag11.xml><?xml version="1.0" encoding="utf-8"?>
+<p:tagLst xmlns:a="http://schemas.openxmlformats.org/drawingml/2006/main" xmlns:r="http://schemas.openxmlformats.org/officeDocument/2006/relationships" xmlns:p="http://schemas.openxmlformats.org/presentationml/2006/main">
+  <p:tag name="OTLMARKERSHAPE" val="OTL"/>
+</p:tagLst>
+</file>
+
+<file path=ppt/tags/tag12.xml><?xml version="1.0" encoding="utf-8"?>
+<p:tagLst xmlns:a="http://schemas.openxmlformats.org/drawingml/2006/main" xmlns:r="http://schemas.openxmlformats.org/officeDocument/2006/relationships" xmlns:p="http://schemas.openxmlformats.org/presentationml/2006/main">
+  <p:tag name="OTLMARKERSHAPE" val="OTL"/>
+</p:tagLst>
+</file>
+
+<file path=ppt/tags/tag13.xml><?xml version="1.0" encoding="utf-8"?>
+<p:tagLst xmlns:a="http://schemas.openxmlformats.org/drawingml/2006/main" xmlns:r="http://schemas.openxmlformats.org/officeDocument/2006/relationships" xmlns:p="http://schemas.openxmlformats.org/presentationml/2006/main">
+  <p:tag name="OTLMARKERSHAPE" val="OTL"/>
+</p:tagLst>
+</file>
+
+<file path=ppt/tags/tag14.xml><?xml version="1.0" encoding="utf-8"?>
+<p:tagLst xmlns:a="http://schemas.openxmlformats.org/drawingml/2006/main" xmlns:r="http://schemas.openxmlformats.org/officeDocument/2006/relationships" xmlns:p="http://schemas.openxmlformats.org/presentationml/2006/main">
+  <p:tag name="OTLMARKERSHAPE" val="OTL"/>
+</p:tagLst>
+</file>
+
+<file path=ppt/tags/tag15.xml><?xml version="1.0" encoding="utf-8"?>
+<p:tagLst xmlns:a="http://schemas.openxmlformats.org/drawingml/2006/main" xmlns:r="http://schemas.openxmlformats.org/officeDocument/2006/relationships" xmlns:p="http://schemas.openxmlformats.org/presentationml/2006/main">
+  <p:tag name="OTLMARKERSHAPE" val="OTL"/>
+</p:tagLst>
+</file>
+
+<file path=ppt/tags/tag16.xml><?xml version="1.0" encoding="utf-8"?>
+<p:tagLst xmlns:a="http://schemas.openxmlformats.org/drawingml/2006/main" xmlns:r="http://schemas.openxmlformats.org/officeDocument/2006/relationships" xmlns:p="http://schemas.openxmlformats.org/presentationml/2006/main">
+  <p:tag name="OTLMARKERSHAPE" val="OTL"/>
+</p:tagLst>
+</file>
+
+<file path=ppt/tags/tag17.xml><?xml version="1.0" encoding="utf-8"?>
+<p:tagLst xmlns:a="http://schemas.openxmlformats.org/drawingml/2006/main" xmlns:r="http://schemas.openxmlformats.org/officeDocument/2006/relationships" xmlns:p="http://schemas.openxmlformats.org/presentationml/2006/main">
+  <p:tag name="OTLMARKERSHAPE" val="OTL"/>
+</p:tagLst>
+</file>
+
+<file path=ppt/tags/tag18.xml><?xml version="1.0" encoding="utf-8"?>
+<p:tagLst xmlns:a="http://schemas.openxmlformats.org/drawingml/2006/main" xmlns:r="http://schemas.openxmlformats.org/officeDocument/2006/relationships" xmlns:p="http://schemas.openxmlformats.org/presentationml/2006/main">
+  <p:tag name="OTLMARKERSHAPE" val="OTL"/>
+</p:tagLst>
+</file>
+
+<file path=ppt/tags/tag19.xml><?xml version="1.0" encoding="utf-8"?>
+<p:tagLst xmlns:a="http://schemas.openxmlformats.org/drawingml/2006/main" xmlns:r="http://schemas.openxmlformats.org/officeDocument/2006/relationships" xmlns:p="http://schemas.openxmlformats.org/presentationml/2006/main">
+  <p:tag name="OTLMARKERSHAPE" val="OTL"/>
+</p:tagLst>
+</file>
+
+<file path=ppt/tags/tag2.xml><?xml version="1.0" encoding="utf-8"?>
+<p:tagLst xmlns:a="http://schemas.openxmlformats.org/drawingml/2006/main" xmlns:r="http://schemas.openxmlformats.org/officeDocument/2006/relationships" xmlns:p="http://schemas.openxmlformats.org/presentationml/2006/main">
+  <p:tag name="OTLMARKERSHAPE" val="OTL"/>
+</p:tagLst>
+</file>
+
+<file path=ppt/tags/tag20.xml><?xml version="1.0" encoding="utf-8"?>
+<p:tagLst xmlns:a="http://schemas.openxmlformats.org/drawingml/2006/main" xmlns:r="http://schemas.openxmlformats.org/officeDocument/2006/relationships" xmlns:p="http://schemas.openxmlformats.org/presentationml/2006/main">
+  <p:tag name="OTLMARKERSHAPE" val="OTL"/>
+</p:tagLst>
+</file>
+
+<file path=ppt/tags/tag21.xml><?xml version="1.0" encoding="utf-8"?>
+<p:tagLst xmlns:a="http://schemas.openxmlformats.org/drawingml/2006/main" xmlns:r="http://schemas.openxmlformats.org/officeDocument/2006/relationships" xmlns:p="http://schemas.openxmlformats.org/presentationml/2006/main">
+  <p:tag name="OTLMARKERSHAPE" val="OTL"/>
+</p:tagLst>
+</file>
+
+<file path=ppt/tags/tag22.xml><?xml version="1.0" encoding="utf-8"?>
+<p:tagLst xmlns:a="http://schemas.openxmlformats.org/drawingml/2006/main" xmlns:r="http://schemas.openxmlformats.org/officeDocument/2006/relationships" xmlns:p="http://schemas.openxmlformats.org/presentationml/2006/main">
+  <p:tag name="OTLMARKERSHAPE" val="OTL"/>
+</p:tagLst>
+</file>
+
+<file path=ppt/tags/tag23.xml><?xml version="1.0" encoding="utf-8"?>
+<p:tagLst xmlns:a="http://schemas.openxmlformats.org/drawingml/2006/main" xmlns:r="http://schemas.openxmlformats.org/officeDocument/2006/relationships" xmlns:p="http://schemas.openxmlformats.org/presentationml/2006/main">
+  <p:tag name="OTLMARKERSHAPE" val="OTL"/>
+</p:tagLst>
+</file>
+
+<file path=ppt/tags/tag24.xml><?xml version="1.0" encoding="utf-8"?>
+<p:tagLst xmlns:a="http://schemas.openxmlformats.org/drawingml/2006/main" xmlns:r="http://schemas.openxmlformats.org/officeDocument/2006/relationships" xmlns:p="http://schemas.openxmlformats.org/presentationml/2006/main">
+  <p:tag name="OTLMARKERSHAPE" val="OTL"/>
+</p:tagLst>
+</file>
+
+<file path=ppt/tags/tag25.xml><?xml version="1.0" encoding="utf-8"?>
+<p:tagLst xmlns:a="http://schemas.openxmlformats.org/drawingml/2006/main" xmlns:r="http://schemas.openxmlformats.org/officeDocument/2006/relationships" xmlns:p="http://schemas.openxmlformats.org/presentationml/2006/main">
+  <p:tag name="OTLMARKERSHAPE" val="OTL"/>
+</p:tagLst>
+</file>
+
+<file path=ppt/tags/tag26.xml><?xml version="1.0" encoding="utf-8"?>
+<p:tagLst xmlns:a="http://schemas.openxmlformats.org/drawingml/2006/main" xmlns:r="http://schemas.openxmlformats.org/officeDocument/2006/relationships" xmlns:p="http://schemas.openxmlformats.org/presentationml/2006/main">
+  <p:tag name="OTLMARKERSHAPE" val="OTL"/>
+</p:tagLst>
+</file>
+
+<file path=ppt/tags/tag27.xml><?xml version="1.0" encoding="utf-8"?>
+<p:tagLst xmlns:a="http://schemas.openxmlformats.org/drawingml/2006/main" xmlns:r="http://schemas.openxmlformats.org/officeDocument/2006/relationships" xmlns:p="http://schemas.openxmlformats.org/presentationml/2006/main">
+  <p:tag name="OTLMARKERSHAPE" val="OTL"/>
+</p:tagLst>
+</file>
+
+<file path=ppt/tags/tag28.xml><?xml version="1.0" encoding="utf-8"?>
+<p:tagLst xmlns:a="http://schemas.openxmlformats.org/drawingml/2006/main" xmlns:r="http://schemas.openxmlformats.org/officeDocument/2006/relationships" xmlns:p="http://schemas.openxmlformats.org/presentationml/2006/main">
+  <p:tag name="OTLMARKERSHAPE" val="OTL"/>
+</p:tagLst>
+</file>
+
+<file path=ppt/tags/tag29.xml><?xml version="1.0" encoding="utf-8"?>
+<p:tagLst xmlns:a="http://schemas.openxmlformats.org/drawingml/2006/main" xmlns:r="http://schemas.openxmlformats.org/officeDocument/2006/relationships" xmlns:p="http://schemas.openxmlformats.org/presentationml/2006/main">
+  <p:tag name="OTLMARKERSHAPE" val="OTL"/>
+</p:tagLst>
+</file>
+
+<file path=ppt/tags/tag3.xml><?xml version="1.0" encoding="utf-8"?>
+<p:tagLst xmlns:a="http://schemas.openxmlformats.org/drawingml/2006/main" xmlns:r="http://schemas.openxmlformats.org/officeDocument/2006/relationships" xmlns:p="http://schemas.openxmlformats.org/presentationml/2006/main">
+  <p:tag name="OTLMARKERSHAPE" val="OTL"/>
+</p:tagLst>
+</file>
+
+<file path=ppt/tags/tag30.xml><?xml version="1.0" encoding="utf-8"?>
+<p:tagLst xmlns:a="http://schemas.openxmlformats.org/drawingml/2006/main" xmlns:r="http://schemas.openxmlformats.org/officeDocument/2006/relationships" xmlns:p="http://schemas.openxmlformats.org/presentationml/2006/main">
+  <p:tag name="OTLMARKERSHAPE" val="OTL"/>
+</p:tagLst>
+</file>
+
+<file path=ppt/tags/tag31.xml><?xml version="1.0" encoding="utf-8"?>
+<p:tagLst xmlns:a="http://schemas.openxmlformats.org/drawingml/2006/main" xmlns:r="http://schemas.openxmlformats.org/officeDocument/2006/relationships" xmlns:p="http://schemas.openxmlformats.org/presentationml/2006/main">
+  <p:tag name="OTLMARKERSHAPE" val="OTL"/>
+</p:tagLst>
+</file>
+
+<file path=ppt/tags/tag32.xml><?xml version="1.0" encoding="utf-8"?>
+<p:tagLst xmlns:a="http://schemas.openxmlformats.org/drawingml/2006/main" xmlns:r="http://schemas.openxmlformats.org/officeDocument/2006/relationships" xmlns:p="http://schemas.openxmlformats.org/presentationml/2006/main">
+  <p:tag name="OTLMARKERSHAPE" val="OTL"/>
+</p:tagLst>
+</file>
+
+<file path=ppt/tags/tag33.xml><?xml version="1.0" encoding="utf-8"?>
+<p:tagLst xmlns:a="http://schemas.openxmlformats.org/drawingml/2006/main" xmlns:r="http://schemas.openxmlformats.org/officeDocument/2006/relationships" xmlns:p="http://schemas.openxmlformats.org/presentationml/2006/main">
+  <p:tag name="OTLMARKERSHAPE" val="OTL"/>
+</p:tagLst>
+</file>
+
+<file path=ppt/tags/tag34.xml><?xml version="1.0" encoding="utf-8"?>
+<p:tagLst xmlns:a="http://schemas.openxmlformats.org/drawingml/2006/main" xmlns:r="http://schemas.openxmlformats.org/officeDocument/2006/relationships" xmlns:p="http://schemas.openxmlformats.org/presentationml/2006/main">
+  <p:tag name="OTLMARKERSHAPE" val="OTL"/>
+</p:tagLst>
+</file>
+
+<file path=ppt/tags/tag35.xml><?xml version="1.0" encoding="utf-8"?>
+<p:tagLst xmlns:a="http://schemas.openxmlformats.org/drawingml/2006/main" xmlns:r="http://schemas.openxmlformats.org/officeDocument/2006/relationships" xmlns:p="http://schemas.openxmlformats.org/presentationml/2006/main">
+  <p:tag name="OTLMARKERSHAPE" val="OTL"/>
+</p:tagLst>
+</file>
+
+<file path=ppt/tags/tag36.xml><?xml version="1.0" encoding="utf-8"?>
+<p:tagLst xmlns:a="http://schemas.openxmlformats.org/drawingml/2006/main" xmlns:r="http://schemas.openxmlformats.org/officeDocument/2006/relationships" xmlns:p="http://schemas.openxmlformats.org/presentationml/2006/main">
+  <p:tag name="OTLMARKERSHAPE" val="OTL"/>
+</p:tagLst>
+</file>
+
+<file path=ppt/tags/tag37.xml><?xml version="1.0" encoding="utf-8"?>
+<p:tagLst xmlns:a="http://schemas.openxmlformats.org/drawingml/2006/main" xmlns:r="http://schemas.openxmlformats.org/officeDocument/2006/relationships" xmlns:p="http://schemas.openxmlformats.org/presentationml/2006/main">
+  <p:tag name="OTLMARKERSHAPE" val="OTL"/>
+</p:tagLst>
+</file>
+
+<file path=ppt/tags/tag38.xml><?xml version="1.0" encoding="utf-8"?>
+<p:tagLst xmlns:a="http://schemas.openxmlformats.org/drawingml/2006/main" xmlns:r="http://schemas.openxmlformats.org/officeDocument/2006/relationships" xmlns:p="http://schemas.openxmlformats.org/presentationml/2006/main">
+  <p:tag name="OTLMARKERSHAPE" val="OTL"/>
+</p:tagLst>
+</file>
+
+<file path=ppt/tags/tag39.xml><?xml version="1.0" encoding="utf-8"?>
+<p:tagLst xmlns:a="http://schemas.openxmlformats.org/drawingml/2006/main" xmlns:r="http://schemas.openxmlformats.org/officeDocument/2006/relationships" xmlns:p="http://schemas.openxmlformats.org/presentationml/2006/main">
+  <p:tag name="OTLMARKERSHAPE" val="OTL"/>
+</p:tagLst>
+</file>
+
+<file path=ppt/tags/tag4.xml><?xml version="1.0" encoding="utf-8"?>
+<p:tagLst xmlns:a="http://schemas.openxmlformats.org/drawingml/2006/main" xmlns:r="http://schemas.openxmlformats.org/officeDocument/2006/relationships" xmlns:p="http://schemas.openxmlformats.org/presentationml/2006/main">
+  <p:tag name="OTLMARKERSHAPE" val="OTL"/>
+</p:tagLst>
+</file>
+
+<file path=ppt/tags/tag40.xml><?xml version="1.0" encoding="utf-8"?>
+<p:tagLst xmlns:a="http://schemas.openxmlformats.org/drawingml/2006/main" xmlns:r="http://schemas.openxmlformats.org/officeDocument/2006/relationships" xmlns:p="http://schemas.openxmlformats.org/presentationml/2006/main">
+  <p:tag name="OTLMARKERSHAPE" val="OTL"/>
+</p:tagLst>
+</file>
+
+<file path=ppt/tags/tag41.xml><?xml version="1.0" encoding="utf-8"?>
+<p:tagLst xmlns:a="http://schemas.openxmlformats.org/drawingml/2006/main" xmlns:r="http://schemas.openxmlformats.org/officeDocument/2006/relationships" xmlns:p="http://schemas.openxmlformats.org/presentationml/2006/main">
+  <p:tag name="OTLMARKERSHAPE" val="OTL"/>
+</p:tagLst>
+</file>
+
+<file path=ppt/tags/tag42.xml><?xml version="1.0" encoding="utf-8"?>
+<p:tagLst xmlns:a="http://schemas.openxmlformats.org/drawingml/2006/main" xmlns:r="http://schemas.openxmlformats.org/officeDocument/2006/relationships" xmlns:p="http://schemas.openxmlformats.org/presentationml/2006/main">
+  <p:tag name="OTLMARKERSHAPE" val="OTL"/>
+</p:tagLst>
+</file>
+
+<file path=ppt/tags/tag43.xml><?xml version="1.0" encoding="utf-8"?>
+<p:tagLst xmlns:a="http://schemas.openxmlformats.org/drawingml/2006/main" xmlns:r="http://schemas.openxmlformats.org/officeDocument/2006/relationships" xmlns:p="http://schemas.openxmlformats.org/presentationml/2006/main">
+  <p:tag name="OTLMARKERSHAPE" val="OTL"/>
+</p:tagLst>
+</file>
+
+<file path=ppt/tags/tag44.xml><?xml version="1.0" encoding="utf-8"?>
+<p:tagLst xmlns:a="http://schemas.openxmlformats.org/drawingml/2006/main" xmlns:r="http://schemas.openxmlformats.org/officeDocument/2006/relationships" xmlns:p="http://schemas.openxmlformats.org/presentationml/2006/main">
+  <p:tag name="OTLMARKERSHAPE" val="OTL"/>
+</p:tagLst>
+</file>
+
+<file path=ppt/tags/tag45.xml><?xml version="1.0" encoding="utf-8"?>
+<p:tagLst xmlns:a="http://schemas.openxmlformats.org/drawingml/2006/main" xmlns:r="http://schemas.openxmlformats.org/officeDocument/2006/relationships" xmlns:p="http://schemas.openxmlformats.org/presentationml/2006/main">
+  <p:tag name="OTLMARKERSHAPE" val="OTL"/>
+</p:tagLst>
+</file>
+
+<file path=ppt/tags/tag46.xml><?xml version="1.0" encoding="utf-8"?>
+<p:tagLst xmlns:a="http://schemas.openxmlformats.org/drawingml/2006/main" xmlns:r="http://schemas.openxmlformats.org/officeDocument/2006/relationships" xmlns:p="http://schemas.openxmlformats.org/presentationml/2006/main">
+  <p:tag name="OTLMARKERSHAPE" val="OTL"/>
+</p:tagLst>
+</file>
+
+<file path=ppt/tags/tag47.xml><?xml version="1.0" encoding="utf-8"?>
+<p:tagLst xmlns:a="http://schemas.openxmlformats.org/drawingml/2006/main" xmlns:r="http://schemas.openxmlformats.org/officeDocument/2006/relationships" xmlns:p="http://schemas.openxmlformats.org/presentationml/2006/main">
+  <p:tag name="OTLMARKERSHAPE" val="OTL"/>
+</p:tagLst>
+</file>
+
+<file path=ppt/tags/tag48.xml><?xml version="1.0" encoding="utf-8"?>
+<p:tagLst xmlns:a="http://schemas.openxmlformats.org/drawingml/2006/main" xmlns:r="http://schemas.openxmlformats.org/officeDocument/2006/relationships" xmlns:p="http://schemas.openxmlformats.org/presentationml/2006/main">
+  <p:tag name="OTLMARKERSHAPE" val="OTL"/>
+</p:tagLst>
+</file>
+
+<file path=ppt/tags/tag49.xml><?xml version="1.0" encoding="utf-8"?>
+<p:tagLst xmlns:a="http://schemas.openxmlformats.org/drawingml/2006/main" xmlns:r="http://schemas.openxmlformats.org/officeDocument/2006/relationships" xmlns:p="http://schemas.openxmlformats.org/presentationml/2006/main">
+  <p:tag name="OTLMARKERSHAPE" val="OTL"/>
+</p:tagLst>
+</file>
+
+<file path=ppt/tags/tag5.xml><?xml version="1.0" encoding="utf-8"?>
+<p:tagLst xmlns:a="http://schemas.openxmlformats.org/drawingml/2006/main" xmlns:r="http://schemas.openxmlformats.org/officeDocument/2006/relationships" xmlns:p="http://schemas.openxmlformats.org/presentationml/2006/main">
+  <p:tag name="OTLMARKERSHAPE" val="OTL"/>
+</p:tagLst>
+</file>
+
+<file path=ppt/tags/tag50.xml><?xml version="1.0" encoding="utf-8"?>
+<p:tagLst xmlns:a="http://schemas.openxmlformats.org/drawingml/2006/main" xmlns:r="http://schemas.openxmlformats.org/officeDocument/2006/relationships" xmlns:p="http://schemas.openxmlformats.org/presentationml/2006/main">
+  <p:tag name="OTLMARKERSHAPE" val="OTL"/>
+</p:tagLst>
+</file>
+
+<file path=ppt/tags/tag51.xml><?xml version="1.0" encoding="utf-8"?>
+<p:tagLst xmlns:a="http://schemas.openxmlformats.org/drawingml/2006/main" xmlns:r="http://schemas.openxmlformats.org/officeDocument/2006/relationships" xmlns:p="http://schemas.openxmlformats.org/presentationml/2006/main">
+  <p:tag name="OTLMARKERSHAPE" val="OTL"/>
+</p:tagLst>
+</file>
+
+<file path=ppt/tags/tag52.xml><?xml version="1.0" encoding="utf-8"?>
+<p:tagLst xmlns:a="http://schemas.openxmlformats.org/drawingml/2006/main" xmlns:r="http://schemas.openxmlformats.org/officeDocument/2006/relationships" xmlns:p="http://schemas.openxmlformats.org/presentationml/2006/main">
+  <p:tag name="OTLMARKERSHAPE" val="OTL"/>
+</p:tagLst>
+</file>
+
+<file path=ppt/tags/tag53.xml><?xml version="1.0" encoding="utf-8"?>
+<p:tagLst xmlns:a="http://schemas.openxmlformats.org/drawingml/2006/main" xmlns:r="http://schemas.openxmlformats.org/officeDocument/2006/relationships" xmlns:p="http://schemas.openxmlformats.org/presentationml/2006/main">
+  <p:tag name="OTLMARKERSHAPE" val="OTL"/>
+</p:tagLst>
+</file>
+
+<file path=ppt/tags/tag54.xml><?xml version="1.0" encoding="utf-8"?>
+<p:tagLst xmlns:a="http://schemas.openxmlformats.org/drawingml/2006/main" xmlns:r="http://schemas.openxmlformats.org/officeDocument/2006/relationships" xmlns:p="http://schemas.openxmlformats.org/presentationml/2006/main">
+  <p:tag name="OTLMARKERSHAPE" val="OTL"/>
+</p:tagLst>
+</file>
+
+<file path=ppt/tags/tag55.xml><?xml version="1.0" encoding="utf-8"?>
+<p:tagLst xmlns:a="http://schemas.openxmlformats.org/drawingml/2006/main" xmlns:r="http://schemas.openxmlformats.org/officeDocument/2006/relationships" xmlns:p="http://schemas.openxmlformats.org/presentationml/2006/main">
+  <p:tag name="OTLMARKERSHAPE" val="OTL"/>
+</p:tagLst>
+</file>
+
+<file path=ppt/tags/tag56.xml><?xml version="1.0" encoding="utf-8"?>
+<p:tagLst xmlns:a="http://schemas.openxmlformats.org/drawingml/2006/main" xmlns:r="http://schemas.openxmlformats.org/officeDocument/2006/relationships" xmlns:p="http://schemas.openxmlformats.org/presentationml/2006/main">
+  <p:tag name="OTLMARKERSHAPE" val="OTL"/>
+</p:tagLst>
+</file>
+
+<file path=ppt/tags/tag57.xml><?xml version="1.0" encoding="utf-8"?>
+<p:tagLst xmlns:a="http://schemas.openxmlformats.org/drawingml/2006/main" xmlns:r="http://schemas.openxmlformats.org/officeDocument/2006/relationships" xmlns:p="http://schemas.openxmlformats.org/presentationml/2006/main">
+  <p:tag name="OTLMARKERSHAPE" val="OTL"/>
+</p:tagLst>
+</file>
+
+<file path=ppt/tags/tag58.xml><?xml version="1.0" encoding="utf-8"?>
+<p:tagLst xmlns:a="http://schemas.openxmlformats.org/drawingml/2006/main" xmlns:r="http://schemas.openxmlformats.org/officeDocument/2006/relationships" xmlns:p="http://schemas.openxmlformats.org/presentationml/2006/main">
+  <p:tag name="OTLMARKERSHAPE" val="OTL"/>
+</p:tagLst>
+</file>
+
+<file path=ppt/tags/tag59.xml><?xml version="1.0" encoding="utf-8"?>
+<p:tagLst xmlns:a="http://schemas.openxmlformats.org/drawingml/2006/main" xmlns:r="http://schemas.openxmlformats.org/officeDocument/2006/relationships" xmlns:p="http://schemas.openxmlformats.org/presentationml/2006/main">
+  <p:tag name="OTLMARKERSHAPE" val="OTL"/>
+</p:tagLst>
+</file>
+
+<file path=ppt/tags/tag6.xml><?xml version="1.0" encoding="utf-8"?>
+<p:tagLst xmlns:a="http://schemas.openxmlformats.org/drawingml/2006/main" xmlns:r="http://schemas.openxmlformats.org/officeDocument/2006/relationships" xmlns:p="http://schemas.openxmlformats.org/presentationml/2006/main">
+  <p:tag name="OTLMARKERSHAPE" val="OTL"/>
+</p:tagLst>
+</file>
+
+<file path=ppt/tags/tag60.xml><?xml version="1.0" encoding="utf-8"?>
+<p:tagLst xmlns:a="http://schemas.openxmlformats.org/drawingml/2006/main" xmlns:r="http://schemas.openxmlformats.org/officeDocument/2006/relationships" xmlns:p="http://schemas.openxmlformats.org/presentationml/2006/main">
+  <p:tag name="OTLMARKERSHAPE" val="OTL"/>
+</p:tagLst>
+</file>
+
+<file path=ppt/tags/tag61.xml><?xml version="1.0" encoding="utf-8"?>
+<p:tagLst xmlns:a="http://schemas.openxmlformats.org/drawingml/2006/main" xmlns:r="http://schemas.openxmlformats.org/officeDocument/2006/relationships" xmlns:p="http://schemas.openxmlformats.org/presentationml/2006/main">
+  <p:tag name="OTLMARKERSHAPE" val="OTL"/>
+</p:tagLst>
+</file>
+
+<file path=ppt/tags/tag62.xml><?xml version="1.0" encoding="utf-8"?>
+<p:tagLst xmlns:a="http://schemas.openxmlformats.org/drawingml/2006/main" xmlns:r="http://schemas.openxmlformats.org/officeDocument/2006/relationships" xmlns:p="http://schemas.openxmlformats.org/presentationml/2006/main">
+  <p:tag name="OTLMARKERSHAPE" val="OTL"/>
+</p:tagLst>
+</file>
+
+<file path=ppt/tags/tag63.xml><?xml version="1.0" encoding="utf-8"?>
+<p:tagLst xmlns:a="http://schemas.openxmlformats.org/drawingml/2006/main" xmlns:r="http://schemas.openxmlformats.org/officeDocument/2006/relationships" xmlns:p="http://schemas.openxmlformats.org/presentationml/2006/main">
+  <p:tag name="OTLMARKERSHAPE" val="OTL"/>
+</p:tagLst>
+</file>
+
+<file path=ppt/tags/tag64.xml><?xml version="1.0" encoding="utf-8"?>
+<p:tagLst xmlns:a="http://schemas.openxmlformats.org/drawingml/2006/main" xmlns:r="http://schemas.openxmlformats.org/officeDocument/2006/relationships" xmlns:p="http://schemas.openxmlformats.org/presentationml/2006/main">
+  <p:tag name="OTLMARKERSHAPE" val="OTL"/>
+</p:tagLst>
+</file>
+
+<file path=ppt/tags/tag65.xml><?xml version="1.0" encoding="utf-8"?>
+<p:tagLst xmlns:a="http://schemas.openxmlformats.org/drawingml/2006/main" xmlns:r="http://schemas.openxmlformats.org/officeDocument/2006/relationships" xmlns:p="http://schemas.openxmlformats.org/presentationml/2006/main">
+  <p:tag name="OTLMARKERSHAPE" val="OTL"/>
+</p:tagLst>
+</file>
+
+<file path=ppt/tags/tag66.xml><?xml version="1.0" encoding="utf-8"?>
+<p:tagLst xmlns:a="http://schemas.openxmlformats.org/drawingml/2006/main" xmlns:r="http://schemas.openxmlformats.org/officeDocument/2006/relationships" xmlns:p="http://schemas.openxmlformats.org/presentationml/2006/main">
+  <p:tag name="OTLMARKERSHAPE" val="OTL"/>
+</p:tagLst>
+</file>
+
+<file path=ppt/tags/tag67.xml><?xml version="1.0" encoding="utf-8"?>
+<p:tagLst xmlns:a="http://schemas.openxmlformats.org/drawingml/2006/main" xmlns:r="http://schemas.openxmlformats.org/officeDocument/2006/relationships" xmlns:p="http://schemas.openxmlformats.org/presentationml/2006/main">
+  <p:tag name="OTLMARKERSHAPE" val="OTL"/>
+</p:tagLst>
+</file>
+
+<file path=ppt/tags/tag68.xml><?xml version="1.0" encoding="utf-8"?>
+<p:tagLst xmlns:a="http://schemas.openxmlformats.org/drawingml/2006/main" xmlns:r="http://schemas.openxmlformats.org/officeDocument/2006/relationships" xmlns:p="http://schemas.openxmlformats.org/presentationml/2006/main">
+  <p:tag name="OTLMARKERSHAPE" val="OTL"/>
+</p:tagLst>
+</file>
+
+<file path=ppt/tags/tag69.xml><?xml version="1.0" encoding="utf-8"?>
+<p:tagLst xmlns:a="http://schemas.openxmlformats.org/drawingml/2006/main" xmlns:r="http://schemas.openxmlformats.org/officeDocument/2006/relationships" xmlns:p="http://schemas.openxmlformats.org/presentationml/2006/main">
+  <p:tag name="OTLMARKERSHAPE" val="OTL"/>
+</p:tagLst>
+</file>
+
+<file path=ppt/tags/tag7.xml><?xml version="1.0" encoding="utf-8"?>
+<p:tagLst xmlns:a="http://schemas.openxmlformats.org/drawingml/2006/main" xmlns:r="http://schemas.openxmlformats.org/officeDocument/2006/relationships" xmlns:p="http://schemas.openxmlformats.org/presentationml/2006/main">
+  <p:tag name="OTLMARKERSHAPE" val="OTL"/>
+</p:tagLst>
+</file>
+
+<file path=ppt/tags/tag70.xml><?xml version="1.0" encoding="utf-8"?>
+<p:tagLst xmlns:a="http://schemas.openxmlformats.org/drawingml/2006/main" xmlns:r="http://schemas.openxmlformats.org/officeDocument/2006/relationships" xmlns:p="http://schemas.openxmlformats.org/presentationml/2006/main">
+  <p:tag name="OTLMARKERSHAPE" val="OTL"/>
+</p:tagLst>
+</file>
+
+<file path=ppt/tags/tag71.xml><?xml version="1.0" encoding="utf-8"?>
+<p:tagLst xmlns:a="http://schemas.openxmlformats.org/drawingml/2006/main" xmlns:r="http://schemas.openxmlformats.org/officeDocument/2006/relationships" xmlns:p="http://schemas.openxmlformats.org/presentationml/2006/main">
+  <p:tag name="OTLMARKERSHAPE" val="OTL"/>
+</p:tagLst>
+</file>
+
+<file path=ppt/tags/tag72.xml><?xml version="1.0" encoding="utf-8"?>
+<p:tagLst xmlns:a="http://schemas.openxmlformats.org/drawingml/2006/main" xmlns:r="http://schemas.openxmlformats.org/officeDocument/2006/relationships" xmlns:p="http://schemas.openxmlformats.org/presentationml/2006/main">
+  <p:tag name="OTLMARKERSHAPE" val="OTL"/>
+</p:tagLst>
+</file>
+
+<file path=ppt/tags/tag73.xml><?xml version="1.0" encoding="utf-8"?>
+<p:tagLst xmlns:a="http://schemas.openxmlformats.org/drawingml/2006/main" xmlns:r="http://schemas.openxmlformats.org/officeDocument/2006/relationships" xmlns:p="http://schemas.openxmlformats.org/presentationml/2006/main">
+  <p:tag name="OTLMARKERSHAPE" val="OTL"/>
+</p:tagLst>
+</file>
+
+<file path=ppt/tags/tag74.xml><?xml version="1.0" encoding="utf-8"?>
+<p:tagLst xmlns:a="http://schemas.openxmlformats.org/drawingml/2006/main" xmlns:r="http://schemas.openxmlformats.org/officeDocument/2006/relationships" xmlns:p="http://schemas.openxmlformats.org/presentationml/2006/main">
+  <p:tag name="OTLMARKERSHAPE" val="OTL"/>
+</p:tagLst>
+</file>
+
+<file path=ppt/tags/tag75.xml><?xml version="1.0" encoding="utf-8"?>
+<p:tagLst xmlns:a="http://schemas.openxmlformats.org/drawingml/2006/main" xmlns:r="http://schemas.openxmlformats.org/officeDocument/2006/relationships" xmlns:p="http://schemas.openxmlformats.org/presentationml/2006/main">
+  <p:tag name="OTLMARKERSHAPE" val="OTL"/>
+</p:tagLst>
+</file>
+
+<file path=ppt/tags/tag76.xml><?xml version="1.0" encoding="utf-8"?>
+<p:tagLst xmlns:a="http://schemas.openxmlformats.org/drawingml/2006/main" xmlns:r="http://schemas.openxmlformats.org/officeDocument/2006/relationships" xmlns:p="http://schemas.openxmlformats.org/presentationml/2006/main">
+  <p:tag name="OTLMARKERSHAPE" val="OTL"/>
+</p:tagLst>
+</file>
+
+<file path=ppt/tags/tag77.xml><?xml version="1.0" encoding="utf-8"?>
+<p:tagLst xmlns:a="http://schemas.openxmlformats.org/drawingml/2006/main" xmlns:r="http://schemas.openxmlformats.org/officeDocument/2006/relationships" xmlns:p="http://schemas.openxmlformats.org/presentationml/2006/main">
+  <p:tag name="OTLMARKERSHAPE" val="OTL"/>
+</p:tagLst>
+</file>
+
+<file path=ppt/tags/tag78.xml><?xml version="1.0" encoding="utf-8"?>
+<p:tagLst xmlns:a="http://schemas.openxmlformats.org/drawingml/2006/main" xmlns:r="http://schemas.openxmlformats.org/officeDocument/2006/relationships" xmlns:p="http://schemas.openxmlformats.org/presentationml/2006/main">
+  <p:tag name="OTLMARKERSHAPE" val="OTL"/>
+</p:tagLst>
+</file>
+
+<file path=ppt/tags/tag79.xml><?xml version="1.0" encoding="utf-8"?>
+<p:tagLst xmlns:a="http://schemas.openxmlformats.org/drawingml/2006/main" xmlns:r="http://schemas.openxmlformats.org/officeDocument/2006/relationships" xmlns:p="http://schemas.openxmlformats.org/presentationml/2006/main">
+  <p:tag name="OTLMARKERSHAPE" val="OTL"/>
+</p:tagLst>
+</file>
+
+<file path=ppt/tags/tag8.xml><?xml version="1.0" encoding="utf-8"?>
+<p:tagLst xmlns:a="http://schemas.openxmlformats.org/drawingml/2006/main" xmlns:r="http://schemas.openxmlformats.org/officeDocument/2006/relationships" xmlns:p="http://schemas.openxmlformats.org/presentationml/2006/main">
+  <p:tag name="OTLMARKERSHAPE" val="OTL"/>
+</p:tagLst>
+</file>
+
+<file path=ppt/tags/tag80.xml><?xml version="1.0" encoding="utf-8"?>
+<p:tagLst xmlns:a="http://schemas.openxmlformats.org/drawingml/2006/main" xmlns:r="http://schemas.openxmlformats.org/officeDocument/2006/relationships" xmlns:p="http://schemas.openxmlformats.org/presentationml/2006/main">
+  <p:tag name="OTLMARKERSHAPE" val="OTL"/>
+</p:tagLst>
+</file>
+
+<file path=ppt/tags/tag81.xml><?xml version="1.0" encoding="utf-8"?>
+<p:tagLst xmlns:a="http://schemas.openxmlformats.org/drawingml/2006/main" xmlns:r="http://schemas.openxmlformats.org/officeDocument/2006/relationships" xmlns:p="http://schemas.openxmlformats.org/presentationml/2006/main">
+  <p:tag name="OTLMARKERSHAPE" val="OTL"/>
+</p:tagLst>
+</file>
+
+<file path=ppt/tags/tag82.xml><?xml version="1.0" encoding="utf-8"?>
+<p:tagLst xmlns:a="http://schemas.openxmlformats.org/drawingml/2006/main" xmlns:r="http://schemas.openxmlformats.org/officeDocument/2006/relationships" xmlns:p="http://schemas.openxmlformats.org/presentationml/2006/main">
+  <p:tag name="OTLMARKERSHAPE" val="OTL"/>
+</p:tagLst>
+</file>
+
+<file path=ppt/tags/tag9.xml><?xml version="1.0" encoding="utf-8"?>
+<p:tagLst xmlns:a="http://schemas.openxmlformats.org/drawingml/2006/main" xmlns:r="http://schemas.openxmlformats.org/officeDocument/2006/relationships" xmlns:p="http://schemas.openxmlformats.org/presentationml/2006/main">
+  <p:tag name="OTLMARKERSHAPE" val="OTL"/>
+</p:tagLst>
+</file>
+
 <file path=ppt/theme/theme1.xml><?xml version="1.0" encoding="utf-8"?>
 <a:theme xmlns:a="http://schemas.openxmlformats.org/drawingml/2006/main" name="KU Leuven">
   <a:themeElements>
@@ -32762,7 +36839,7 @@
   <a:extraClrSchemeLst/>
   <a:extLst>
     <a:ext uri="{05A4C25C-085E-4340-85A3-A5531E510DB2}">
-      <thm15:themeFamily xmlns="" xmlns:thm15="http://schemas.microsoft.com/office/thememl/2012/main" name="Office Theme" id="{62F939B6-93AF-4DB8-9C6B-D6C7DFDC589F}" vid="{4A3C46E8-61CC-4603-A589-7422A47A8E4A}"/>
+      <thm15:themeFamily xmlns:thm15="http://schemas.microsoft.com/office/thememl/2012/main" xmlns="" name="Office Theme" id="{62F939B6-93AF-4DB8-9C6B-D6C7DFDC589F}" vid="{4A3C46E8-61CC-4603-A589-7422A47A8E4A}"/>
     </a:ext>
   </a:extLst>
 </a:theme>
@@ -33023,7 +37100,7 @@
   <a:extraClrSchemeLst/>
   <a:extLst>
     <a:ext uri="{05A4C25C-085E-4340-85A3-A5531E510DB2}">
-      <thm15:themeFamily xmlns="" xmlns:thm15="http://schemas.microsoft.com/office/thememl/2012/main" name="Office Theme" id="{62F939B6-93AF-4DB8-9C6B-D6C7DFDC589F}" vid="{4A3C46E8-61CC-4603-A589-7422A47A8E4A}"/>
+      <thm15:themeFamily xmlns:thm15="http://schemas.microsoft.com/office/thememl/2012/main" xmlns="" name="Office Theme" id="{62F939B6-93AF-4DB8-9C6B-D6C7DFDC589F}" vid="{4A3C46E8-61CC-4603-A589-7422A47A8E4A}"/>
     </a:ext>
   </a:extLst>
 </a:theme>
@@ -33284,7 +37361,7 @@
   <a:extraClrSchemeLst/>
   <a:extLst>
     <a:ext uri="{05A4C25C-085E-4340-85A3-A5531E510DB2}">
-      <thm15:themeFamily xmlns="" xmlns:thm15="http://schemas.microsoft.com/office/thememl/2012/main" name="Office Theme" id="{62F939B6-93AF-4DB8-9C6B-D6C7DFDC589F}" vid="{4A3C46E8-61CC-4603-A589-7422A47A8E4A}"/>
+      <thm15:themeFamily xmlns:thm15="http://schemas.microsoft.com/office/thememl/2012/main" xmlns="" name="Office Theme" id="{62F939B6-93AF-4DB8-9C6B-D6C7DFDC589F}" vid="{4A3C46E8-61CC-4603-A589-7422A47A8E4A}"/>
     </a:ext>
   </a:extLst>
 </a:theme>

--- a/thesis/presentations/2 second/secondv2.pptx
+++ b/thesis/presentations/2 second/secondv2.pptx
@@ -143,7 +143,7 @@
   </p:defaultTextStyle>
   <p:extLst>
     <p:ext uri="{EFAFB233-063F-42B5-8137-9DF3F51BA10A}">
-      <p15:sldGuideLst xmlns:p15="http://schemas.microsoft.com/office/powerpoint/2012/main" xmlns="">
+      <p15:sldGuideLst xmlns="" xmlns:p15="http://schemas.microsoft.com/office/powerpoint/2012/main">
         <p15:guide id="1" orient="horz" pos="2160" userDrawn="1">
           <p15:clr>
             <a:srgbClr val="A4A3A4"/>
@@ -452,11 +452,11 @@
           <c:showBubbleSize val="0"/>
         </c:dLbls>
         <c:gapWidth val="150"/>
-        <c:axId val="463327232"/>
-        <c:axId val="463329152"/>
+        <c:axId val="133916544"/>
+        <c:axId val="133922816"/>
       </c:barChart>
       <c:catAx>
-        <c:axId val="463327232"/>
+        <c:axId val="133916544"/>
         <c:scaling>
           <c:orientation val="minMax"/>
         </c:scaling>
@@ -486,7 +486,7 @@
         <c:majorTickMark val="out"/>
         <c:minorTickMark val="none"/>
         <c:tickLblPos val="nextTo"/>
-        <c:crossAx val="463329152"/>
+        <c:crossAx val="133922816"/>
         <c:crosses val="autoZero"/>
         <c:auto val="1"/>
         <c:lblAlgn val="ctr"/>
@@ -494,7 +494,7 @@
         <c:noMultiLvlLbl val="0"/>
       </c:catAx>
       <c:valAx>
-        <c:axId val="463329152"/>
+        <c:axId val="133922816"/>
         <c:scaling>
           <c:orientation val="minMax"/>
         </c:scaling>
@@ -525,7 +525,7 @@
         <c:majorTickMark val="out"/>
         <c:minorTickMark val="none"/>
         <c:tickLblPos val="nextTo"/>
-        <c:crossAx val="463327232"/>
+        <c:crossAx val="133916544"/>
         <c:crosses val="autoZero"/>
         <c:crossBetween val="between"/>
       </c:valAx>
@@ -4946,7 +4946,7 @@
   </p:clrMapOvr>
   <p:extLst mod="1">
     <p:ext uri="{DCECCB84-F9BA-43D5-87BE-67443E8EF086}">
-      <p15:sldGuideLst xmlns:p15="http://schemas.microsoft.com/office/powerpoint/2012/main" xmlns="">
+      <p15:sldGuideLst xmlns="" xmlns:p15="http://schemas.microsoft.com/office/powerpoint/2012/main">
         <p15:guide id="1" orient="horz" pos="3929" userDrawn="1">
           <p15:clr>
             <a:srgbClr val="FBAE40"/>
@@ -5257,7 +5257,7 @@
   </p:clrMapOvr>
   <p:extLst mod="1">
     <p:ext uri="{DCECCB84-F9BA-43D5-87BE-67443E8EF086}">
-      <p15:sldGuideLst xmlns:p15="http://schemas.microsoft.com/office/powerpoint/2012/main" xmlns="">
+      <p15:sldGuideLst xmlns="" xmlns:p15="http://schemas.microsoft.com/office/powerpoint/2012/main">
         <p15:guide id="1" orient="horz" pos="3929">
           <p15:clr>
             <a:srgbClr val="FBAE40"/>
@@ -5610,7 +5610,7 @@
   </p:clrMapOvr>
   <p:extLst mod="1">
     <p:ext uri="{DCECCB84-F9BA-43D5-87BE-67443E8EF086}">
-      <p15:sldGuideLst xmlns:p15="http://schemas.microsoft.com/office/powerpoint/2012/main" xmlns="">
+      <p15:sldGuideLst xmlns="" xmlns:p15="http://schemas.microsoft.com/office/powerpoint/2012/main">
         <p15:guide id="1" orient="horz" pos="2160">
           <p15:clr>
             <a:srgbClr val="FBAE40"/>
@@ -5917,7 +5917,7 @@
   </p:clrMapOvr>
   <p:extLst mod="1">
     <p:ext uri="{DCECCB84-F9BA-43D5-87BE-67443E8EF086}">
-      <p15:sldGuideLst xmlns:p15="http://schemas.microsoft.com/office/powerpoint/2012/main" xmlns="">
+      <p15:sldGuideLst xmlns="" xmlns:p15="http://schemas.microsoft.com/office/powerpoint/2012/main">
         <p15:guide id="1" orient="horz" pos="2160">
           <p15:clr>
             <a:srgbClr val="FBAE40"/>
@@ -6477,7 +6477,7 @@
   </p:clrMapOvr>
   <p:extLst mod="1">
     <p:ext uri="{DCECCB84-F9BA-43D5-87BE-67443E8EF086}">
-      <p15:sldGuideLst xmlns:p15="http://schemas.microsoft.com/office/powerpoint/2012/main" xmlns="">
+      <p15:sldGuideLst xmlns="" xmlns:p15="http://schemas.microsoft.com/office/powerpoint/2012/main">
         <p15:guide id="1" orient="horz" pos="2160" userDrawn="1">
           <p15:clr>
             <a:srgbClr val="FBAE40"/>
@@ -6808,7 +6808,7 @@
   </p:clrMapOvr>
   <p:extLst mod="1">
     <p:ext uri="{DCECCB84-F9BA-43D5-87BE-67443E8EF086}">
-      <p15:sldGuideLst xmlns:p15="http://schemas.microsoft.com/office/powerpoint/2012/main" xmlns="">
+      <p15:sldGuideLst xmlns="" xmlns:p15="http://schemas.microsoft.com/office/powerpoint/2012/main">
         <p15:guide id="1" orient="horz" pos="2160" userDrawn="1">
           <p15:clr>
             <a:srgbClr val="FBAE40"/>
@@ -8435,7 +8435,7 @@
   </p:txStyles>
   <p:extLst mod="1">
     <p:ext uri="{27BBF7A9-308A-43DC-89C8-2F10F3537804}">
-      <p15:sldGuideLst xmlns:p15="http://schemas.microsoft.com/office/powerpoint/2012/main" xmlns="">
+      <p15:sldGuideLst xmlns="" xmlns:p15="http://schemas.microsoft.com/office/powerpoint/2012/main">
         <p15:guide id="1" orient="horz" pos="3816" userDrawn="1">
           <p15:clr>
             <a:srgbClr val="F26B43"/>
@@ -9067,7 +9067,7 @@
   </p:txStyles>
   <p:extLst mod="1">
     <p:ext uri="{27BBF7A9-308A-43DC-89C8-2F10F3537804}">
-      <p15:sldGuideLst xmlns:p15="http://schemas.microsoft.com/office/powerpoint/2012/main" xmlns="">
+      <p15:sldGuideLst xmlns="" xmlns:p15="http://schemas.microsoft.com/office/powerpoint/2012/main">
         <p15:guide id="1" orient="horz" pos="1026" userDrawn="1">
           <p15:clr>
             <a:srgbClr val="F26B43"/>
@@ -27628,14 +27628,14 @@
           <p:nvPr>
             <p:extLst>
               <p:ext uri="{D42A27DB-BD31-4B8C-83A1-F6EECF244321}">
-                <p14:modId xmlns:p14="http://schemas.microsoft.com/office/powerpoint/2010/main" val="1694972411"/>
+                <p14:modId xmlns:p14="http://schemas.microsoft.com/office/powerpoint/2010/main" val="1320477824"/>
               </p:ext>
             </p:extLst>
           </p:nvPr>
         </p:nvGraphicFramePr>
         <p:xfrm>
-          <a:off x="1237378" y="1274904"/>
-          <a:ext cx="6669244" cy="4738064"/>
+          <a:off x="266075" y="1090450"/>
+          <a:ext cx="8611850" cy="4951535"/>
         </p:xfrm>
         <a:graphic>
           <a:graphicData uri="http://schemas.openxmlformats.org/drawingml/2006/table">
@@ -27644,20 +27644,20 @@
                 <a:tableStyleId>{5C22544A-7EE6-4342-B048-85BDC9FD1C3A}</a:tableStyleId>
               </a:tblPr>
               <a:tblGrid>
-                <a:gridCol w="2841852"/>
-                <a:gridCol w="3827392"/>
+                <a:gridCol w="2500274"/>
+                <a:gridCol w="6111576"/>
               </a:tblGrid>
-              <a:tr h="433552">
+              <a:tr h="426686">
                 <a:tc>
                   <a:txBody>
                     <a:bodyPr/>
                     <a:lstStyle/>
                     <a:p>
                       <a:pPr algn="ctr"/>
-                      <a:endParaRPr lang="nl-BE" dirty="0"/>
+                      <a:endParaRPr lang="nl-BE" sz="2000" dirty="0"/>
                     </a:p>
                   </a:txBody>
-                  <a:tcPr/>
+                  <a:tcPr marL="101377" marR="101377" marT="50688" marB="50688"/>
                 </a:tc>
                 <a:tc>
                   <a:txBody>
@@ -27666,16 +27666,16 @@
                     <a:p>
                       <a:pPr algn="ctr"/>
                       <a:r>
-                        <a:rPr lang="nl-BE" dirty="0" smtClean="0"/>
+                        <a:rPr lang="nl-BE" sz="2000" dirty="0" smtClean="0"/>
                         <a:t>ProbLog2</a:t>
                       </a:r>
-                      <a:endParaRPr lang="nl-BE" dirty="0"/>
+                      <a:endParaRPr lang="nl-BE" sz="2000" dirty="0"/>
                     </a:p>
                   </a:txBody>
-                  <a:tcPr/>
+                  <a:tcPr marL="101377" marR="101377" marT="50688" marB="50688"/>
                 </a:tc>
               </a:tr>
-              <a:tr h="433552">
+              <a:tr h="1387258">
                 <a:tc>
                   <a:txBody>
                     <a:bodyPr/>
@@ -27683,13 +27683,13 @@
                     <a:p>
                       <a:pPr algn="ctr"/>
                       <a:r>
-                        <a:rPr lang="nl-BE" dirty="0" err="1" smtClean="0"/>
+                        <a:rPr lang="nl-BE" sz="2000" dirty="0" err="1" smtClean="0"/>
                         <a:t>Performantie</a:t>
                       </a:r>
-                      <a:endParaRPr lang="nl-BE" dirty="0"/>
+                      <a:endParaRPr lang="nl-BE" sz="2000" dirty="0"/>
                     </a:p>
                   </a:txBody>
-                  <a:tcPr/>
+                  <a:tcPr marL="101377" marR="101377" marT="50688" marB="50688" anchor="ctr"/>
                 </a:tc>
                 <a:tc>
                   <a:txBody>
@@ -27701,7 +27701,7 @@
                         <a:buChar char="•"/>
                       </a:pPr>
                       <a:r>
-                        <a:rPr lang="nl-BE" sz="1400" dirty="0" smtClean="0">
+                        <a:rPr lang="nl-BE" sz="2000" dirty="0" smtClean="0">
                           <a:solidFill>
                             <a:srgbClr val="FF0000"/>
                           </a:solidFill>
@@ -27709,7 +27709,7 @@
                         <a:t>Exacte</a:t>
                       </a:r>
                       <a:r>
-                        <a:rPr lang="nl-BE" sz="1400" baseline="0" dirty="0" smtClean="0">
+                        <a:rPr lang="nl-BE" sz="2000" baseline="0" dirty="0" smtClean="0">
                           <a:solidFill>
                             <a:srgbClr val="FF0000"/>
                           </a:solidFill>
@@ -27717,7 +27717,7 @@
                         <a:t> inferentie o</a:t>
                       </a:r>
                       <a:r>
-                        <a:rPr lang="nl-BE" sz="1400" dirty="0" smtClean="0">
+                        <a:rPr lang="nl-BE" sz="2000" dirty="0" smtClean="0">
                           <a:solidFill>
                             <a:srgbClr val="FF0000"/>
                           </a:solidFill>
@@ -27725,14 +27725,14 @@
                         <a:t>nmogelijk voor 10x10 borden, of voor alle initiële </a:t>
                       </a:r>
                       <a:r>
-                        <a:rPr lang="nl-BE" sz="1400" baseline="0" dirty="0" smtClean="0">
+                        <a:rPr lang="nl-BE" sz="2000" baseline="0" dirty="0" smtClean="0">
                           <a:solidFill>
                             <a:srgbClr val="FF0000"/>
                           </a:solidFill>
                         </a:rPr>
                         <a:t>bord configuraties, of voor 10 beurten</a:t>
                       </a:r>
-                      <a:endParaRPr lang="nl-BE" sz="1400" dirty="0" smtClean="0">
+                      <a:endParaRPr lang="nl-BE" sz="2000" dirty="0" smtClean="0">
                         <a:solidFill>
                           <a:schemeClr val="dk1"/>
                         </a:solidFill>
@@ -27744,7 +27744,7 @@
                         <a:buChar char="•"/>
                       </a:pPr>
                       <a:r>
-                        <a:rPr lang="nl-BE" sz="1400" dirty="0" smtClean="0">
+                        <a:rPr lang="nl-BE" sz="2000" dirty="0" smtClean="0">
                           <a:solidFill>
                             <a:srgbClr val="00B050"/>
                           </a:solidFill>
@@ -27752,24 +27752,31 @@
                         <a:t>Benaderende</a:t>
                       </a:r>
                       <a:r>
-                        <a:rPr lang="nl-BE" sz="1400" baseline="0" dirty="0" smtClean="0">
+                        <a:rPr lang="nl-BE" sz="2000" baseline="0" dirty="0" smtClean="0">
                           <a:solidFill>
                             <a:srgbClr val="00B050"/>
                           </a:solidFill>
                         </a:rPr>
                         <a:t> inferentie nodig</a:t>
                       </a:r>
-                      <a:endParaRPr lang="nl-BE" sz="1400" dirty="0" smtClean="0">
+                      <a:endParaRPr lang="nl-BE" sz="2000" dirty="0" smtClean="0">
                         <a:solidFill>
                           <a:srgbClr val="00B050"/>
                         </a:solidFill>
                       </a:endParaRPr>
                     </a:p>
                   </a:txBody>
-                  <a:tcPr/>
+                  <a:tcPr marL="101377" marR="101377" marT="50688" marB="50688" anchor="ctr">
+                    <a:solidFill>
+                      <a:schemeClr val="accent3">
+                        <a:lumMod val="20000"/>
+                        <a:lumOff val="80000"/>
+                      </a:schemeClr>
+                    </a:solidFill>
+                  </a:tcPr>
                 </a:tc>
               </a:tr>
-              <a:tr h="433552">
+              <a:tr h="426686">
                 <a:tc>
                   <a:txBody>
                     <a:bodyPr/>
@@ -27777,13 +27784,13 @@
                     <a:p>
                       <a:pPr algn="ctr"/>
                       <a:r>
-                        <a:rPr lang="en-US" dirty="0" err="1" smtClean="0"/>
+                        <a:rPr lang="en-US" sz="2000" dirty="0" err="1" smtClean="0"/>
                         <a:t>Geheugengebruik</a:t>
                       </a:r>
-                      <a:endParaRPr lang="nl-BE" dirty="0"/>
+                      <a:endParaRPr lang="nl-BE" sz="2000" dirty="0"/>
                     </a:p>
                   </a:txBody>
-                  <a:tcPr/>
+                  <a:tcPr marL="101377" marR="101377" marT="50688" marB="50688" anchor="ctr"/>
                 </a:tc>
                 <a:tc>
                   <a:txBody>
@@ -27795,33 +27802,36 @@
                         <a:buChar char="•"/>
                       </a:pPr>
                       <a:r>
-                        <a:rPr lang="nl-BE" sz="1400" dirty="0" smtClean="0">
+                        <a:rPr lang="nl-BE" sz="2000" dirty="0" smtClean="0">
                           <a:solidFill>
                             <a:srgbClr val="FF0000"/>
                           </a:solidFill>
                         </a:rPr>
-                        <a:t>Pure functies</a:t>
+                        <a:t>Pure </a:t>
                       </a:r>
-                    </a:p>
-                    <a:p>
-                      <a:pPr marL="285750" indent="-285750" algn="l">
-                        <a:buFont typeface="Arial" pitchFamily="34" charset="0"/>
-                        <a:buChar char="•"/>
-                      </a:pPr>
                       <a:r>
-                        <a:rPr lang="nl-BE" sz="1400" dirty="0" smtClean="0">
+                        <a:rPr lang="nl-BE" sz="2000" dirty="0" smtClean="0">
                           <a:solidFill>
-                            <a:srgbClr val="2F4D5D"/>
+                            <a:srgbClr val="FF0000"/>
                           </a:solidFill>
                         </a:rPr>
-                        <a:t>?</a:t>
+                        <a:t>functies</a:t>
                       </a:r>
+                      <a:endParaRPr lang="nl-BE" sz="2000" dirty="0" smtClean="0">
+                        <a:solidFill>
+                          <a:srgbClr val="FF0000"/>
+                        </a:solidFill>
+                      </a:endParaRPr>
                     </a:p>
                   </a:txBody>
-                  <a:tcPr/>
+                  <a:tcPr marL="101377" marR="101377" marT="50688" marB="50688" anchor="ctr">
+                    <a:solidFill>
+                      <a:schemeClr val="bg1"/>
+                    </a:solidFill>
+                  </a:tcPr>
                 </a:tc>
               </a:tr>
-              <a:tr h="433552">
+              <a:tr h="576771">
                 <a:tc>
                   <a:txBody>
                     <a:bodyPr/>
@@ -27829,13 +27839,13 @@
                     <a:p>
                       <a:pPr algn="ctr"/>
                       <a:r>
-                        <a:rPr lang="nl-NL" dirty="0" smtClean="0"/>
-                        <a:t>Expressiviteit</a:t>
+                        <a:rPr lang="nl-BE" sz="2000" dirty="0" smtClean="0"/>
+                        <a:t>Uitbreidbaarheid</a:t>
                       </a:r>
-                      <a:endParaRPr lang="nl-BE" dirty="0"/>
+                      <a:endParaRPr lang="nl-BE" sz="2000" dirty="0"/>
                     </a:p>
                   </a:txBody>
-                  <a:tcPr/>
+                  <a:tcPr marL="101377" marR="101377" marT="50688" marB="50688" anchor="ctr"/>
                 </a:tc>
                 <a:tc>
                   <a:txBody>
@@ -27847,24 +27857,39 @@
                         <a:buChar char="•"/>
                       </a:pPr>
                       <a:r>
-                        <a:rPr lang="nl-BE" sz="1400" dirty="0" smtClean="0">
+                        <a:rPr lang="nl-BE" sz="2000" dirty="0" smtClean="0">
                           <a:solidFill>
-                            <a:srgbClr val="2F4D5D"/>
+                            <a:srgbClr val="00B050"/>
                           </a:solidFill>
                         </a:rPr>
-                        <a:t>?</a:t>
+                        <a:t>Uitstekend</a:t>
                       </a:r>
-                      <a:endParaRPr lang="nl-BE" sz="1400" dirty="0">
+                      <a:r>
+                        <a:rPr lang="nl-BE" sz="2000" baseline="0" dirty="0" smtClean="0">
+                          <a:solidFill>
+                            <a:srgbClr val="00B050"/>
+                          </a:solidFill>
+                        </a:rPr>
+                        <a:t> voor het veranderen van distributies</a:t>
+                      </a:r>
+                      <a:endParaRPr lang="nl-BE" sz="2000" dirty="0">
                         <a:solidFill>
-                          <a:srgbClr val="2F4D5D"/>
+                          <a:srgbClr val="00B050"/>
                         </a:solidFill>
                       </a:endParaRPr>
                     </a:p>
                   </a:txBody>
-                  <a:tcPr/>
+                  <a:tcPr marL="101377" marR="101377" marT="50688" marB="50688" anchor="ctr">
+                    <a:solidFill>
+                      <a:schemeClr val="accent3">
+                        <a:lumMod val="20000"/>
+                        <a:lumOff val="80000"/>
+                      </a:schemeClr>
+                    </a:solidFill>
+                  </a:tcPr>
                 </a:tc>
               </a:tr>
-              <a:tr h="433552">
+              <a:tr h="1067067">
                 <a:tc>
                   <a:txBody>
                     <a:bodyPr/>
@@ -27872,13 +27897,12 @@
                     <a:p>
                       <a:pPr algn="ctr"/>
                       <a:r>
-                        <a:rPr lang="nl-BE" dirty="0" smtClean="0"/>
-                        <a:t>Uitbreidbaarheid</a:t>
+                        <a:rPr lang="nl-BE" sz="2000" dirty="0" smtClean="0"/>
+                        <a:t>Tools beschikbaar</a:t>
                       </a:r>
-                      <a:endParaRPr lang="nl-BE" dirty="0"/>
                     </a:p>
                   </a:txBody>
-                  <a:tcPr/>
+                  <a:tcPr marL="101377" marR="101377" marT="50688" marB="50688" anchor="ctr"/>
                 </a:tc>
                 <a:tc>
                   <a:txBody>
@@ -27890,57 +27914,7 @@
                         <a:buChar char="•"/>
                       </a:pPr>
                       <a:r>
-                        <a:rPr lang="nl-BE" sz="1400" dirty="0" smtClean="0">
-                          <a:solidFill>
-                            <a:srgbClr val="00B050"/>
-                          </a:solidFill>
-                        </a:rPr>
-                        <a:t>Uitstekend</a:t>
-                      </a:r>
-                      <a:r>
-                        <a:rPr lang="nl-BE" sz="1400" baseline="0" dirty="0" smtClean="0">
-                          <a:solidFill>
-                            <a:srgbClr val="00B050"/>
-                          </a:solidFill>
-                        </a:rPr>
-                        <a:t> voor het veranderen van distributies</a:t>
-                      </a:r>
-                      <a:endParaRPr lang="nl-BE" sz="1400" dirty="0">
-                        <a:solidFill>
-                          <a:srgbClr val="00B050"/>
-                        </a:solidFill>
-                      </a:endParaRPr>
-                    </a:p>
-                  </a:txBody>
-                  <a:tcPr/>
-                </a:tc>
-              </a:tr>
-              <a:tr h="433552">
-                <a:tc>
-                  <a:txBody>
-                    <a:bodyPr/>
-                    <a:lstStyle/>
-                    <a:p>
-                      <a:pPr algn="ctr"/>
-                      <a:r>
-                        <a:rPr lang="nl-BE" dirty="0" smtClean="0"/>
-                        <a:t>Tools beschikbaar</a:t>
-                      </a:r>
-                    </a:p>
-                  </a:txBody>
-                  <a:tcPr/>
-                </a:tc>
-                <a:tc>
-                  <a:txBody>
-                    <a:bodyPr/>
-                    <a:lstStyle/>
-                    <a:p>
-                      <a:pPr marL="285750" indent="-285750" algn="l">
-                        <a:buFont typeface="Arial" pitchFamily="34" charset="0"/>
-                        <a:buChar char="•"/>
-                      </a:pPr>
-                      <a:r>
-                        <a:rPr lang="nl-BE" sz="1400" dirty="0" smtClean="0">
+                        <a:rPr lang="nl-BE" sz="2000" dirty="0" smtClean="0">
                           <a:solidFill>
                             <a:srgbClr val="FF0000"/>
                           </a:solidFill>
@@ -27948,7 +27922,7 @@
                         <a:t>Geen debugger,</a:t>
                       </a:r>
                       <a:r>
-                        <a:rPr lang="nl-BE" sz="1400" baseline="0" dirty="0" smtClean="0">
+                        <a:rPr lang="nl-BE" sz="2000" baseline="0" dirty="0" smtClean="0">
                           <a:solidFill>
                             <a:srgbClr val="FF0000"/>
                           </a:solidFill>
@@ -27962,24 +27936,28 @@
                         <a:buChar char="•"/>
                       </a:pPr>
                       <a:r>
-                        <a:rPr lang="nl-BE" sz="1400" baseline="0" dirty="0" smtClean="0">
+                        <a:rPr lang="nl-BE" sz="2000" baseline="0" dirty="0" smtClean="0">
                           <a:solidFill>
                             <a:srgbClr val="00B050"/>
                           </a:solidFill>
                         </a:rPr>
                         <a:t>Mogelijkheid om python te gebruiken</a:t>
                       </a:r>
-                      <a:endParaRPr lang="nl-BE" sz="1400" dirty="0">
+                      <a:endParaRPr lang="nl-BE" sz="2000" dirty="0">
                         <a:solidFill>
                           <a:srgbClr val="00B050"/>
                         </a:solidFill>
                       </a:endParaRPr>
                     </a:p>
                   </a:txBody>
-                  <a:tcPr/>
+                  <a:tcPr marL="101377" marR="101377" marT="50688" marB="50688" anchor="ctr">
+                    <a:solidFill>
+                      <a:schemeClr val="bg1"/>
+                    </a:solidFill>
+                  </a:tcPr>
                 </a:tc>
               </a:tr>
-              <a:tr h="433552">
+              <a:tr h="1067067">
                 <a:tc>
                   <a:txBody>
                     <a:bodyPr/>
@@ -27987,13 +27965,13 @@
                     <a:p>
                       <a:pPr algn="ctr"/>
                       <a:r>
-                        <a:rPr lang="nl-BE" dirty="0" smtClean="0"/>
+                        <a:rPr lang="nl-BE" sz="2000" dirty="0" smtClean="0"/>
                         <a:t>Moeilijkheidsgraad</a:t>
                       </a:r>
-                      <a:endParaRPr lang="nl-BE" dirty="0"/>
+                      <a:endParaRPr lang="nl-BE" sz="2000" dirty="0"/>
                     </a:p>
                   </a:txBody>
-                  <a:tcPr/>
+                  <a:tcPr marL="101377" marR="101377" marT="50688" marB="50688" anchor="ctr"/>
                 </a:tc>
                 <a:tc>
                   <a:txBody>
@@ -28005,7 +27983,7 @@
                         <a:buChar char="•"/>
                       </a:pPr>
                       <a:r>
-                        <a:rPr lang="nl-BE" sz="1400" dirty="0" smtClean="0">
+                        <a:rPr lang="nl-BE" sz="2000" dirty="0" smtClean="0">
                           <a:solidFill>
                             <a:srgbClr val="00B050"/>
                           </a:solidFill>
@@ -28013,7 +27991,7 @@
                         <a:t>Gebruiksvriendelijke installatie (python</a:t>
                       </a:r>
                       <a:r>
-                        <a:rPr lang="nl-BE" sz="1400" baseline="0" dirty="0" smtClean="0">
+                        <a:rPr lang="nl-BE" sz="2000" baseline="0" dirty="0" smtClean="0">
                           <a:solidFill>
                             <a:srgbClr val="00B050"/>
                           </a:solidFill>
@@ -28021,7 +27999,7 @@
                         <a:t> nodig</a:t>
                       </a:r>
                       <a:r>
-                        <a:rPr lang="nl-BE" sz="1400" dirty="0" smtClean="0">
+                        <a:rPr lang="nl-BE" sz="2000" dirty="0" smtClean="0">
                           <a:solidFill>
                             <a:srgbClr val="00B050"/>
                           </a:solidFill>
@@ -28035,7 +28013,7 @@
                         <a:buChar char="•"/>
                       </a:pPr>
                       <a:r>
-                        <a:rPr lang="nl-BE" sz="1400" dirty="0" smtClean="0">
+                        <a:rPr lang="nl-BE" sz="2000" dirty="0" smtClean="0">
                           <a:solidFill>
                             <a:srgbClr val="00B050"/>
                           </a:solidFill>
@@ -28043,7 +28021,7 @@
                         <a:t>Elegante</a:t>
                       </a:r>
                       <a:r>
-                        <a:rPr lang="nl-BE" sz="1400" baseline="0" dirty="0" smtClean="0">
+                        <a:rPr lang="nl-BE" sz="2000" baseline="0" dirty="0" smtClean="0">
                           <a:solidFill>
                             <a:srgbClr val="00B050"/>
                           </a:solidFill>
@@ -28051,7 +28029,7 @@
                         <a:t> code (subjectief) </a:t>
                       </a:r>
                       <a:r>
-                        <a:rPr lang="nl-BE" sz="1400" baseline="0" dirty="0" smtClean="0">
+                        <a:rPr lang="nl-BE" sz="2000" baseline="0" dirty="0" smtClean="0">
                           <a:solidFill>
                             <a:srgbClr val="00B050"/>
                           </a:solidFill>
@@ -28059,14 +28037,21 @@
                         </a:rPr>
                         <a:t> Makkelijker voor bugs te vinden</a:t>
                       </a:r>
-                      <a:endParaRPr lang="nl-BE" sz="1400" baseline="0" dirty="0" smtClean="0">
+                      <a:endParaRPr lang="nl-BE" sz="2000" baseline="0" dirty="0" smtClean="0">
                         <a:solidFill>
                           <a:srgbClr val="00B050"/>
                         </a:solidFill>
                       </a:endParaRPr>
                     </a:p>
                   </a:txBody>
-                  <a:tcPr/>
+                  <a:tcPr marL="101377" marR="101377" marT="50688" marB="50688" anchor="ctr">
+                    <a:solidFill>
+                      <a:schemeClr val="accent3">
+                        <a:lumMod val="20000"/>
+                        <a:lumOff val="80000"/>
+                      </a:schemeClr>
+                    </a:solidFill>
+                  </a:tcPr>
                 </a:tc>
               </a:tr>
             </a:tbl>
@@ -32060,6 +32045,13 @@
   <p:clrMapOvr>
     <a:masterClrMapping/>
   </p:clrMapOvr>
+  <p:timing>
+    <p:tnLst>
+      <p:par>
+        <p:cTn id="1" dur="indefinite" restart="never" nodeType="tmRoot"/>
+      </p:par>
+    </p:tnLst>
+  </p:timing>
 </p:sld>
 </file>
 
@@ -32800,7 +32792,7 @@
           <p:nvPr>
             <p:extLst>
               <p:ext uri="{D42A27DB-BD31-4B8C-83A1-F6EECF244321}">
-                <p14:modId xmlns:p14="http://schemas.microsoft.com/office/powerpoint/2010/main" val="2773375786"/>
+                <p14:modId xmlns:p14="http://schemas.microsoft.com/office/powerpoint/2010/main" val="2757469289"/>
               </p:ext>
             </p:extLst>
           </p:nvPr>
@@ -32834,7 +32826,7 @@
                       <a:endParaRPr lang="nl-BE" dirty="0"/>
                     </a:p>
                   </a:txBody>
-                  <a:tcPr/>
+                  <a:tcPr anchor="ctr"/>
                 </a:tc>
                 <a:tc>
                   <a:txBody>
@@ -32849,7 +32841,14 @@
                       <a:endParaRPr lang="nl-BE" dirty="0"/>
                     </a:p>
                   </a:txBody>
-                  <a:tcPr/>
+                  <a:tcPr>
+                    <a:solidFill>
+                      <a:schemeClr val="accent3">
+                        <a:lumMod val="20000"/>
+                        <a:lumOff val="80000"/>
+                      </a:schemeClr>
+                    </a:solidFill>
+                  </a:tcPr>
                 </a:tc>
                 <a:tc>
                   <a:txBody>
@@ -32864,7 +32863,14 @@
                       <a:endParaRPr lang="nl-BE" dirty="0"/>
                     </a:p>
                   </a:txBody>
-                  <a:tcPr/>
+                  <a:tcPr>
+                    <a:solidFill>
+                      <a:schemeClr val="accent3">
+                        <a:lumMod val="20000"/>
+                        <a:lumOff val="80000"/>
+                      </a:schemeClr>
+                    </a:solidFill>
+                  </a:tcPr>
                 </a:tc>
               </a:tr>
               <a:tr h="433552">
@@ -32881,7 +32887,7 @@
                       <a:endParaRPr lang="nl-BE" dirty="0"/>
                     </a:p>
                   </a:txBody>
-                  <a:tcPr/>
+                  <a:tcPr anchor="ctr"/>
                 </a:tc>
                 <a:tc>
                   <a:txBody>
@@ -32896,7 +32902,11 @@
                       <a:endParaRPr lang="nl-BE" dirty="0"/>
                     </a:p>
                   </a:txBody>
-                  <a:tcPr/>
+                  <a:tcPr>
+                    <a:solidFill>
+                      <a:schemeClr val="bg1"/>
+                    </a:solidFill>
+                  </a:tcPr>
                 </a:tc>
                 <a:tc>
                   <a:txBody>
@@ -32911,7 +32921,11 @@
                       <a:endParaRPr lang="nl-BE" dirty="0"/>
                     </a:p>
                   </a:txBody>
-                  <a:tcPr/>
+                  <a:tcPr>
+                    <a:solidFill>
+                      <a:schemeClr val="bg1"/>
+                    </a:solidFill>
+                  </a:tcPr>
                 </a:tc>
               </a:tr>
               <a:tr h="433552">
@@ -32928,7 +32942,7 @@
                       <a:endParaRPr lang="nl-BE" dirty="0"/>
                     </a:p>
                   </a:txBody>
-                  <a:tcPr/>
+                  <a:tcPr anchor="ctr"/>
                 </a:tc>
                 <a:tc>
                   <a:txBody>
@@ -32943,7 +32957,14 @@
                       <a:endParaRPr lang="nl-BE" dirty="0"/>
                     </a:p>
                   </a:txBody>
-                  <a:tcPr/>
+                  <a:tcPr>
+                    <a:solidFill>
+                      <a:schemeClr val="accent3">
+                        <a:lumMod val="20000"/>
+                        <a:lumOff val="80000"/>
+                      </a:schemeClr>
+                    </a:solidFill>
+                  </a:tcPr>
                 </a:tc>
                 <a:tc>
                   <a:txBody>
@@ -32958,7 +32979,14 @@
                       <a:endParaRPr lang="nl-BE" dirty="0"/>
                     </a:p>
                   </a:txBody>
-                  <a:tcPr/>
+                  <a:tcPr>
+                    <a:solidFill>
+                      <a:schemeClr val="accent3">
+                        <a:lumMod val="20000"/>
+                        <a:lumOff val="80000"/>
+                      </a:schemeClr>
+                    </a:solidFill>
+                  </a:tcPr>
                 </a:tc>
               </a:tr>
               <a:tr h="433552">
@@ -32975,7 +33003,7 @@
                       <a:endParaRPr lang="nl-BE" dirty="0"/>
                     </a:p>
                   </a:txBody>
-                  <a:tcPr/>
+                  <a:tcPr anchor="ctr"/>
                 </a:tc>
                 <a:tc>
                   <a:txBody>
@@ -32990,7 +33018,11 @@
                       <a:endParaRPr lang="nl-BE" dirty="0"/>
                     </a:p>
                   </a:txBody>
-                  <a:tcPr/>
+                  <a:tcPr>
+                    <a:solidFill>
+                      <a:schemeClr val="bg1"/>
+                    </a:solidFill>
+                  </a:tcPr>
                 </a:tc>
                 <a:tc>
                   <a:txBody>
@@ -33005,7 +33037,11 @@
                       <a:endParaRPr lang="nl-BE" dirty="0"/>
                     </a:p>
                   </a:txBody>
-                  <a:tcPr/>
+                  <a:tcPr>
+                    <a:solidFill>
+                      <a:schemeClr val="bg1"/>
+                    </a:solidFill>
+                  </a:tcPr>
                 </a:tc>
               </a:tr>
               <a:tr h="433552">
@@ -33021,7 +33057,7 @@
                       </a:r>
                     </a:p>
                   </a:txBody>
-                  <a:tcPr/>
+                  <a:tcPr anchor="ctr"/>
                 </a:tc>
                 <a:tc>
                   <a:txBody>
@@ -33036,7 +33072,14 @@
                       <a:endParaRPr lang="nl-BE" dirty="0"/>
                     </a:p>
                   </a:txBody>
-                  <a:tcPr/>
+                  <a:tcPr>
+                    <a:solidFill>
+                      <a:schemeClr val="accent3">
+                        <a:lumMod val="20000"/>
+                        <a:lumOff val="80000"/>
+                      </a:schemeClr>
+                    </a:solidFill>
+                  </a:tcPr>
                 </a:tc>
                 <a:tc>
                   <a:txBody>
@@ -33051,7 +33094,14 @@
                       <a:endParaRPr lang="nl-BE" dirty="0"/>
                     </a:p>
                   </a:txBody>
-                  <a:tcPr/>
+                  <a:tcPr>
+                    <a:solidFill>
+                      <a:schemeClr val="accent3">
+                        <a:lumMod val="20000"/>
+                        <a:lumOff val="80000"/>
+                      </a:schemeClr>
+                    </a:solidFill>
+                  </a:tcPr>
                 </a:tc>
               </a:tr>
               <a:tr h="433552">
@@ -33068,7 +33118,7 @@
                       <a:endParaRPr lang="nl-BE" dirty="0"/>
                     </a:p>
                   </a:txBody>
-                  <a:tcPr/>
+                  <a:tcPr anchor="ctr"/>
                 </a:tc>
                 <a:tc>
                   <a:txBody>
@@ -33083,7 +33133,11 @@
                       <a:endParaRPr lang="nl-BE" dirty="0"/>
                     </a:p>
                   </a:txBody>
-                  <a:tcPr/>
+                  <a:tcPr>
+                    <a:solidFill>
+                      <a:schemeClr val="bg1"/>
+                    </a:solidFill>
+                  </a:tcPr>
                 </a:tc>
                 <a:tc>
                   <a:txBody>
@@ -33098,7 +33152,11 @@
                       <a:endParaRPr lang="nl-BE" dirty="0"/>
                     </a:p>
                   </a:txBody>
-                  <a:tcPr/>
+                  <a:tcPr>
+                    <a:solidFill>
+                      <a:schemeClr val="bg1"/>
+                    </a:solidFill>
+                  </a:tcPr>
                 </a:tc>
               </a:tr>
               <a:tr h="433552">
@@ -33115,7 +33173,7 @@
                       <a:endParaRPr lang="nl-BE" dirty="0"/>
                     </a:p>
                   </a:txBody>
-                  <a:tcPr/>
+                  <a:tcPr anchor="ctr"/>
                 </a:tc>
                 <a:tc>
                   <a:txBody>
@@ -33130,7 +33188,14 @@
                       <a:endParaRPr lang="nl-BE" dirty="0"/>
                     </a:p>
                   </a:txBody>
-                  <a:tcPr/>
+                  <a:tcPr>
+                    <a:solidFill>
+                      <a:schemeClr val="accent3">
+                        <a:lumMod val="20000"/>
+                        <a:lumOff val="80000"/>
+                      </a:schemeClr>
+                    </a:solidFill>
+                  </a:tcPr>
                 </a:tc>
                 <a:tc>
                   <a:txBody>
@@ -33145,7 +33210,14 @@
                       <a:endParaRPr lang="nl-BE" dirty="0"/>
                     </a:p>
                   </a:txBody>
-                  <a:tcPr/>
+                  <a:tcPr>
+                    <a:solidFill>
+                      <a:schemeClr val="accent3">
+                        <a:lumMod val="20000"/>
+                        <a:lumOff val="80000"/>
+                      </a:schemeClr>
+                    </a:solidFill>
+                  </a:tcPr>
                 </a:tc>
               </a:tr>
             </a:tbl>
@@ -36839,7 +36911,7 @@
   <a:extraClrSchemeLst/>
   <a:extLst>
     <a:ext uri="{05A4C25C-085E-4340-85A3-A5531E510DB2}">
-      <thm15:themeFamily xmlns:thm15="http://schemas.microsoft.com/office/thememl/2012/main" xmlns="" name="Office Theme" id="{62F939B6-93AF-4DB8-9C6B-D6C7DFDC589F}" vid="{4A3C46E8-61CC-4603-A589-7422A47A8E4A}"/>
+      <thm15:themeFamily xmlns="" xmlns:thm15="http://schemas.microsoft.com/office/thememl/2012/main" name="Office Theme" id="{62F939B6-93AF-4DB8-9C6B-D6C7DFDC589F}" vid="{4A3C46E8-61CC-4603-A589-7422A47A8E4A}"/>
     </a:ext>
   </a:extLst>
 </a:theme>
@@ -37100,7 +37172,7 @@
   <a:extraClrSchemeLst/>
   <a:extLst>
     <a:ext uri="{05A4C25C-085E-4340-85A3-A5531E510DB2}">
-      <thm15:themeFamily xmlns:thm15="http://schemas.microsoft.com/office/thememl/2012/main" xmlns="" name="Office Theme" id="{62F939B6-93AF-4DB8-9C6B-D6C7DFDC589F}" vid="{4A3C46E8-61CC-4603-A589-7422A47A8E4A}"/>
+      <thm15:themeFamily xmlns="" xmlns:thm15="http://schemas.microsoft.com/office/thememl/2012/main" name="Office Theme" id="{62F939B6-93AF-4DB8-9C6B-D6C7DFDC589F}" vid="{4A3C46E8-61CC-4603-A589-7422A47A8E4A}"/>
     </a:ext>
   </a:extLst>
 </a:theme>
@@ -37361,7 +37433,7 @@
   <a:extraClrSchemeLst/>
   <a:extLst>
     <a:ext uri="{05A4C25C-085E-4340-85A3-A5531E510DB2}">
-      <thm15:themeFamily xmlns:thm15="http://schemas.microsoft.com/office/thememl/2012/main" xmlns="" name="Office Theme" id="{62F939B6-93AF-4DB8-9C6B-D6C7DFDC589F}" vid="{4A3C46E8-61CC-4603-A589-7422A47A8E4A}"/>
+      <thm15:themeFamily xmlns="" xmlns:thm15="http://schemas.microsoft.com/office/thememl/2012/main" name="Office Theme" id="{62F939B6-93AF-4DB8-9C6B-D6C7DFDC589F}" vid="{4A3C46E8-61CC-4603-A589-7422A47A8E4A}"/>
     </a:ext>
   </a:extLst>
 </a:theme>
